--- a/CoreGuideLinesStudy_4.pptx
+++ b/CoreGuideLinesStudy_4.pptx
@@ -5,7 +5,7 @@
     <p:sldMasterId id="2147483648" r:id="rId1"/>
   </p:sldMasterIdLst>
   <p:notesMasterIdLst>
-    <p:notesMasterId r:id="rId14"/>
+    <p:notesMasterId r:id="rId16"/>
   </p:notesMasterIdLst>
   <p:sldIdLst>
     <p:sldId id="304" r:id="rId2"/>
@@ -13,53 +13,55 @@
     <p:sldId id="327" r:id="rId4"/>
     <p:sldId id="319" r:id="rId5"/>
     <p:sldId id="320" r:id="rId6"/>
-    <p:sldId id="321" r:id="rId7"/>
-    <p:sldId id="322" r:id="rId8"/>
-    <p:sldId id="323" r:id="rId9"/>
-    <p:sldId id="324" r:id="rId10"/>
-    <p:sldId id="325" r:id="rId11"/>
-    <p:sldId id="326" r:id="rId12"/>
-    <p:sldId id="318" r:id="rId13"/>
+    <p:sldId id="328" r:id="rId7"/>
+    <p:sldId id="321" r:id="rId8"/>
+    <p:sldId id="329" r:id="rId9"/>
+    <p:sldId id="322" r:id="rId10"/>
+    <p:sldId id="323" r:id="rId11"/>
+    <p:sldId id="324" r:id="rId12"/>
+    <p:sldId id="325" r:id="rId13"/>
+    <p:sldId id="326" r:id="rId14"/>
+    <p:sldId id="318" r:id="rId15"/>
   </p:sldIdLst>
   <p:sldSz cx="9144000" cy="6858000" type="screen4x3"/>
   <p:notesSz cx="6858000" cy="9144000"/>
   <p:embeddedFontLst>
     <p:embeddedFont>
-      <p:font typeface="HY강B" panose="020B0600000101010101" charset="-127"/>
-      <p:regular r:id="rId15"/>
-    </p:embeddedFont>
-    <p:embeddedFont>
-      <p:font typeface="맑은 고딕" panose="020B0503020000020004" pitchFamily="50" charset="-127"/>
-      <p:regular r:id="rId16"/>
-      <p:bold r:id="rId17"/>
-    </p:embeddedFont>
-    <p:embeddedFont>
-      <p:font typeface="HY중고딕" panose="02030600000101010101" pitchFamily="18" charset="-127"/>
-      <p:regular r:id="rId18"/>
-    </p:embeddedFont>
-    <p:embeddedFont>
-      <p:font typeface="Segoe UI Black" panose="020B0A02040204020203" pitchFamily="34" charset="0"/>
-      <p:bold r:id="rId19"/>
+      <p:font typeface="Consolas" pitchFamily="49" charset="0"/>
+      <p:regular r:id="rId17"/>
+      <p:bold r:id="rId18"/>
+      <p:italic r:id="rId19"/>
       <p:boldItalic r:id="rId20"/>
     </p:embeddedFont>
     <p:embeddedFont>
-      <p:font typeface="Consolas" panose="020B0609020204030204" pitchFamily="49" charset="0"/>
+      <p:font typeface="HY헤드라인M" pitchFamily="18" charset="-127"/>
       <p:regular r:id="rId21"/>
-      <p:bold r:id="rId22"/>
-      <p:italic r:id="rId23"/>
+    </p:embeddedFont>
+    <p:embeddedFont>
+      <p:font typeface="HY강B" charset="-127"/>
+      <p:regular r:id="rId22"/>
+    </p:embeddedFont>
+    <p:embeddedFont>
+      <p:font typeface="Segoe UI Black" pitchFamily="34" charset="0"/>
+      <p:bold r:id="rId23"/>
       <p:boldItalic r:id="rId24"/>
     </p:embeddedFont>
     <p:embeddedFont>
-      <p:font typeface="HY견고딕" panose="02030600000101010101" pitchFamily="18" charset="-127"/>
+      <p:font typeface="HY중고딕" pitchFamily="18" charset="-127"/>
       <p:regular r:id="rId25"/>
     </p:embeddedFont>
     <p:embeddedFont>
-      <p:font typeface="HY헤드라인M" panose="02030600000101010101" pitchFamily="18" charset="-127"/>
+      <p:font typeface="HY견고딕" pitchFamily="18" charset="-127"/>
       <p:regular r:id="rId26"/>
     </p:embeddedFont>
     <p:embeddedFont>
-      <p:font typeface="HY신명조" panose="02030600000101010101" pitchFamily="18" charset="-127"/>
+      <p:font typeface="HY신명조" pitchFamily="18" charset="-127"/>
       <p:regular r:id="rId27"/>
+    </p:embeddedFont>
+    <p:embeddedFont>
+      <p:font typeface="맑은 고딕" pitchFamily="50" charset="-127"/>
+      <p:regular r:id="rId28"/>
+      <p:bold r:id="rId29"/>
     </p:embeddedFont>
   </p:embeddedFontLst>
   <p:defaultTextStyle>
@@ -243,7 +245,7 @@
             <a:fld id="{E2E81C77-485D-47AA-9839-DA75671EEAD7}" type="datetimeFigureOut">
               <a:rPr lang="ko-KR" altLang="en-US" smtClean="0"/>
               <a:pPr/>
-              <a:t>2024-11-19</a:t>
+              <a:t>2024-11-20</a:t>
             </a:fld>
             <a:endParaRPr lang="ko-KR" altLang="en-US"/>
           </a:p>
@@ -696,7 +698,7 @@
             <a:fld id="{3A302466-FE76-40E8-BE5D-598A609EDD2B}" type="datetimeFigureOut">
               <a:rPr lang="ko-KR" altLang="en-US" smtClean="0"/>
               <a:pPr/>
-              <a:t>2024-11-19</a:t>
+              <a:t>2024-11-20</a:t>
             </a:fld>
             <a:endParaRPr lang="ko-KR" altLang="en-US"/>
           </a:p>
@@ -868,7 +870,7 @@
             <a:fld id="{3A302466-FE76-40E8-BE5D-598A609EDD2B}" type="datetimeFigureOut">
               <a:rPr lang="ko-KR" altLang="en-US" smtClean="0"/>
               <a:pPr/>
-              <a:t>2024-11-19</a:t>
+              <a:t>2024-11-20</a:t>
             </a:fld>
             <a:endParaRPr lang="ko-KR" altLang="en-US"/>
           </a:p>
@@ -1050,7 +1052,7 @@
             <a:fld id="{3A302466-FE76-40E8-BE5D-598A609EDD2B}" type="datetimeFigureOut">
               <a:rPr lang="ko-KR" altLang="en-US" smtClean="0"/>
               <a:pPr/>
-              <a:t>2024-11-19</a:t>
+              <a:t>2024-11-20</a:t>
             </a:fld>
             <a:endParaRPr lang="ko-KR" altLang="en-US"/>
           </a:p>
@@ -1222,7 +1224,7 @@
             <a:fld id="{3A302466-FE76-40E8-BE5D-598A609EDD2B}" type="datetimeFigureOut">
               <a:rPr lang="ko-KR" altLang="en-US" smtClean="0"/>
               <a:pPr/>
-              <a:t>2024-11-19</a:t>
+              <a:t>2024-11-20</a:t>
             </a:fld>
             <a:endParaRPr lang="ko-KR" altLang="en-US"/>
           </a:p>
@@ -1470,7 +1472,7 @@
             <a:fld id="{3A302466-FE76-40E8-BE5D-598A609EDD2B}" type="datetimeFigureOut">
               <a:rPr lang="ko-KR" altLang="en-US" smtClean="0"/>
               <a:pPr/>
-              <a:t>2024-11-19</a:t>
+              <a:t>2024-11-20</a:t>
             </a:fld>
             <a:endParaRPr lang="ko-KR" altLang="en-US"/>
           </a:p>
@@ -1760,7 +1762,7 @@
             <a:fld id="{3A302466-FE76-40E8-BE5D-598A609EDD2B}" type="datetimeFigureOut">
               <a:rPr lang="ko-KR" altLang="en-US" smtClean="0"/>
               <a:pPr/>
-              <a:t>2024-11-19</a:t>
+              <a:t>2024-11-20</a:t>
             </a:fld>
             <a:endParaRPr lang="ko-KR" altLang="en-US"/>
           </a:p>
@@ -2184,7 +2186,7 @@
             <a:fld id="{3A302466-FE76-40E8-BE5D-598A609EDD2B}" type="datetimeFigureOut">
               <a:rPr lang="ko-KR" altLang="en-US" smtClean="0"/>
               <a:pPr/>
-              <a:t>2024-11-19</a:t>
+              <a:t>2024-11-20</a:t>
             </a:fld>
             <a:endParaRPr lang="ko-KR" altLang="en-US"/>
           </a:p>
@@ -2304,7 +2306,7 @@
             <a:fld id="{3A302466-FE76-40E8-BE5D-598A609EDD2B}" type="datetimeFigureOut">
               <a:rPr lang="ko-KR" altLang="en-US" smtClean="0"/>
               <a:pPr/>
-              <a:t>2024-11-19</a:t>
+              <a:t>2024-11-20</a:t>
             </a:fld>
             <a:endParaRPr lang="ko-KR" altLang="en-US"/>
           </a:p>
@@ -2401,7 +2403,7 @@
             <a:fld id="{3A302466-FE76-40E8-BE5D-598A609EDD2B}" type="datetimeFigureOut">
               <a:rPr lang="ko-KR" altLang="en-US" smtClean="0"/>
               <a:pPr/>
-              <a:t>2024-11-19</a:t>
+              <a:t>2024-11-20</a:t>
             </a:fld>
             <a:endParaRPr lang="ko-KR" altLang="en-US"/>
           </a:p>
@@ -2680,7 +2682,7 @@
             <a:fld id="{3A302466-FE76-40E8-BE5D-598A609EDD2B}" type="datetimeFigureOut">
               <a:rPr lang="ko-KR" altLang="en-US" smtClean="0"/>
               <a:pPr/>
-              <a:t>2024-11-19</a:t>
+              <a:t>2024-11-20</a:t>
             </a:fld>
             <a:endParaRPr lang="ko-KR" altLang="en-US"/>
           </a:p>
@@ -2935,7 +2937,7 @@
             <a:fld id="{3A302466-FE76-40E8-BE5D-598A609EDD2B}" type="datetimeFigureOut">
               <a:rPr lang="ko-KR" altLang="en-US" smtClean="0"/>
               <a:pPr/>
-              <a:t>2024-11-19</a:t>
+              <a:t>2024-11-20</a:t>
             </a:fld>
             <a:endParaRPr lang="ko-KR" altLang="en-US"/>
           </a:p>
@@ -3150,7 +3152,7 @@
             <a:fld id="{3A302466-FE76-40E8-BE5D-598A609EDD2B}" type="datetimeFigureOut">
               <a:rPr lang="ko-KR" altLang="en-US" smtClean="0"/>
               <a:pPr/>
-              <a:t>2024-11-19</a:t>
+              <a:t>2024-11-20</a:t>
             </a:fld>
             <a:endParaRPr lang="ko-KR" altLang="en-US"/>
           </a:p>
@@ -3977,7 +3979,7 @@
         <p:spPr>
           <a:xfrm>
             <a:off x="395536" y="654948"/>
-            <a:ext cx="8064896" cy="707886"/>
+            <a:ext cx="8676456" cy="400110"/>
           </a:xfrm>
           <a:prstGeom prst="rect">
             <a:avLst/>
@@ -4006,10 +4008,10 @@
                 <a:latin typeface="HY견고딕" pitchFamily="18" charset="-127"/>
                 <a:ea typeface="HY견고딕" pitchFamily="18" charset="-127"/>
               </a:rPr>
-              <a:t>ES.28 </a:t>
-            </a:r>
-            <a:r>
-              <a:rPr lang="ko-KR" altLang="en-US" sz="2000" dirty="0" smtClean="0">
+              <a:t>ES.23</a:t>
+            </a:r>
+            <a:r>
+              <a:rPr lang="ko-KR" altLang="en-US" sz="2000" dirty="0">
                 <a:ln>
                   <a:solidFill>
                     <a:schemeClr val="tx1">
@@ -4020,7 +4022,7 @@
                 <a:latin typeface="HY견고딕" pitchFamily="18" charset="-127"/>
                 <a:ea typeface="HY견고딕" pitchFamily="18" charset="-127"/>
               </a:rPr>
-              <a:t>복잡한 초기화에는</a:t>
+              <a:t> </a:t>
             </a:r>
             <a:r>
               <a:rPr lang="en-US" altLang="ko-KR" sz="2000" dirty="0" smtClean="0">
@@ -4034,7 +4036,7 @@
                 <a:latin typeface="HY견고딕" pitchFamily="18" charset="-127"/>
                 <a:ea typeface="HY견고딕" pitchFamily="18" charset="-127"/>
               </a:rPr>
-              <a:t>, </a:t>
+              <a:t>{} </a:t>
             </a:r>
             <a:r>
               <a:rPr lang="ko-KR" altLang="en-US" sz="2000" dirty="0" smtClean="0">
@@ -4048,10 +4050,50 @@
                 <a:latin typeface="HY견고딕" pitchFamily="18" charset="-127"/>
                 <a:ea typeface="HY견고딕" pitchFamily="18" charset="-127"/>
               </a:rPr>
-              <a:t>특히 </a:t>
-            </a:r>
-            <a:r>
-              <a:rPr lang="en-US" altLang="ko-KR" sz="2000" dirty="0" err="1" smtClean="0">
+              <a:t>초기화 구문을 선호하라</a:t>
+            </a:r>
+            <a:endParaRPr lang="en-US" altLang="ko-KR" sz="2000" dirty="0" smtClean="0">
+              <a:ln>
+                <a:solidFill>
+                  <a:schemeClr val="tx1">
+                    <a:alpha val="30000"/>
+                  </a:schemeClr>
+                </a:solidFill>
+              </a:ln>
+              <a:latin typeface="HY견고딕" pitchFamily="18" charset="-127"/>
+              <a:ea typeface="HY견고딕" pitchFamily="18" charset="-127"/>
+            </a:endParaRPr>
+          </a:p>
+        </p:txBody>
+      </p:sp>
+      <p:sp>
+        <p:nvSpPr>
+          <p:cNvPr id="7" name="TextBox 6"/>
+          <p:cNvSpPr txBox="1"/>
+          <p:nvPr/>
+        </p:nvSpPr>
+        <p:spPr>
+          <a:xfrm>
+            <a:off x="529672" y="1196752"/>
+            <a:ext cx="8676456" cy="1646605"/>
+          </a:xfrm>
+          <a:prstGeom prst="rect">
+            <a:avLst/>
+          </a:prstGeom>
+          <a:noFill/>
+        </p:spPr>
+        <p:txBody>
+          <a:bodyPr wrap="square" rtlCol="0">
+            <a:spAutoFit/>
+          </a:bodyPr>
+          <a:lstStyle/>
+          <a:p>
+            <a:pPr marL="457200" indent="-457200">
+              <a:buFontTx/>
+              <a:buChar char="-"/>
+            </a:pPr>
+            <a:r>
+              <a:rPr lang="ko-KR" altLang="en-US" sz="1400" dirty="0" smtClean="0">
                 <a:ln>
                   <a:solidFill>
                     <a:schemeClr val="tx1">
@@ -4062,10 +4104,27 @@
                 <a:latin typeface="HY견고딕" pitchFamily="18" charset="-127"/>
                 <a:ea typeface="HY견고딕" pitchFamily="18" charset="-127"/>
               </a:rPr>
-              <a:t>const</a:t>
-            </a:r>
-            <a:r>
-              <a:rPr lang="en-US" altLang="ko-KR" sz="2000" dirty="0" smtClean="0">
+              <a:t>항상 적용할 수 있다</a:t>
+            </a:r>
+            <a:endParaRPr lang="en-US" altLang="ko-KR" sz="1400" dirty="0">
+              <a:ln>
+                <a:solidFill>
+                  <a:schemeClr val="tx1">
+                    <a:alpha val="30000"/>
+                  </a:schemeClr>
+                </a:solidFill>
+              </a:ln>
+              <a:latin typeface="HY견고딕" pitchFamily="18" charset="-127"/>
+              <a:ea typeface="HY견고딕" pitchFamily="18" charset="-127"/>
+            </a:endParaRPr>
+          </a:p>
+          <a:p>
+            <a:pPr marL="914400" lvl="1" indent="-457200">
+              <a:buFontTx/>
+              <a:buChar char="-"/>
+            </a:pPr>
+            <a:r>
+              <a:rPr lang="en-US" altLang="ko-KR" sz="1100" b="1" dirty="0">
                 <a:ln>
                   <a:solidFill>
                     <a:schemeClr val="tx1">
@@ -4073,13 +4132,13 @@
                     </a:schemeClr>
                   </a:solidFill>
                 </a:ln>
-                <a:latin typeface="HY견고딕" pitchFamily="18" charset="-127"/>
-                <a:ea typeface="HY견고딕" pitchFamily="18" charset="-127"/>
-              </a:rPr>
-              <a:t> </a:t>
-            </a:r>
-            <a:r>
-              <a:rPr lang="ko-KR" altLang="en-US" sz="2000" dirty="0" smtClean="0">
+                <a:latin typeface="HY신명조" pitchFamily="18" charset="-127"/>
+                <a:ea typeface="HY신명조" pitchFamily="18" charset="-127"/>
+              </a:rPr>
+              <a:t>a</a:t>
+            </a:r>
+            <a:r>
+              <a:rPr lang="en-US" altLang="ko-KR" sz="1100" b="1" dirty="0" smtClean="0">
                 <a:ln>
                   <a:solidFill>
                     <a:schemeClr val="tx1">
@@ -4087,13 +4146,13 @@
                     </a:schemeClr>
                   </a:solidFill>
                 </a:ln>
-                <a:latin typeface="HY견고딕" pitchFamily="18" charset="-127"/>
-                <a:ea typeface="HY견고딕" pitchFamily="18" charset="-127"/>
-              </a:rPr>
-              <a:t>변수의 복잡한 초기화에는 람다를 사용하라</a:t>
-            </a:r>
-            <a:r>
-              <a:rPr lang="en-US" altLang="ko-KR" sz="2000" dirty="0" smtClean="0">
+                <a:latin typeface="HY신명조" pitchFamily="18" charset="-127"/>
+                <a:ea typeface="HY신명조" pitchFamily="18" charset="-127"/>
+              </a:rPr>
+              <a:t>uto </a:t>
+            </a:r>
+            <a:r>
+              <a:rPr lang="ko-KR" altLang="en-US" sz="1100" b="1" dirty="0" smtClean="0">
                 <a:ln>
                   <a:solidFill>
                     <a:schemeClr val="tx1">
@@ -4101,38 +4160,255 @@
                     </a:schemeClr>
                   </a:solidFill>
                 </a:ln>
+                <a:latin typeface="HY신명조" pitchFamily="18" charset="-127"/>
+                <a:ea typeface="HY신명조" pitchFamily="18" charset="-127"/>
+              </a:rPr>
+              <a:t>키워드를 사용시 예측이 불가능한 경우를 제외하고 항상 적용할 수 있다</a:t>
+            </a:r>
+            <a:r>
+              <a:rPr lang="en-US" altLang="ko-KR" sz="1100" b="1" dirty="0" smtClean="0">
+                <a:ln>
+                  <a:solidFill>
+                    <a:schemeClr val="tx1">
+                      <a:alpha val="30000"/>
+                    </a:schemeClr>
+                  </a:solidFill>
+                </a:ln>
+                <a:latin typeface="HY신명조" pitchFamily="18" charset="-127"/>
+                <a:ea typeface="HY신명조" pitchFamily="18" charset="-127"/>
+              </a:rPr>
+              <a:t>.</a:t>
+            </a:r>
+            <a:endParaRPr lang="ko-KR" altLang="en-US" sz="1100" b="1" dirty="0">
+              <a:ln>
+                <a:solidFill>
+                  <a:schemeClr val="tx1">
+                    <a:alpha val="30000"/>
+                  </a:schemeClr>
+                </a:solidFill>
+              </a:ln>
+              <a:latin typeface="HY신명조" pitchFamily="18" charset="-127"/>
+              <a:ea typeface="HY신명조" pitchFamily="18" charset="-127"/>
+            </a:endParaRPr>
+          </a:p>
+          <a:p>
+            <a:pPr marL="457200" indent="-457200">
+              <a:buFontTx/>
+              <a:buChar char="-"/>
+            </a:pPr>
+            <a:endParaRPr lang="en-US" altLang="ko-KR" sz="1400" dirty="0" smtClean="0">
+              <a:ln>
+                <a:solidFill>
+                  <a:schemeClr val="tx1">
+                    <a:alpha val="30000"/>
+                  </a:schemeClr>
+                </a:solidFill>
+              </a:ln>
+              <a:latin typeface="HY견고딕" pitchFamily="18" charset="-127"/>
+              <a:ea typeface="HY견고딕" pitchFamily="18" charset="-127"/>
+            </a:endParaRPr>
+          </a:p>
+          <a:p>
+            <a:pPr marL="457200" indent="-457200">
+              <a:buFontTx/>
+              <a:buChar char="-"/>
+            </a:pPr>
+            <a:r>
+              <a:rPr lang="ko-KR" altLang="en-US" sz="1400" dirty="0" smtClean="0">
+                <a:ln>
+                  <a:solidFill>
+                    <a:schemeClr val="tx1">
+                      <a:alpha val="30000"/>
+                    </a:schemeClr>
+                  </a:solidFill>
+                </a:ln>
                 <a:latin typeface="HY견고딕" pitchFamily="18" charset="-127"/>
                 <a:ea typeface="HY견고딕" pitchFamily="18" charset="-127"/>
               </a:rPr>
+              <a:t>가장 당황스러운 구문 해석의 문제가 없다</a:t>
+            </a:r>
+            <a:r>
+              <a:rPr lang="en-US" altLang="ko-KR" sz="1400" dirty="0">
+                <a:ln>
+                  <a:solidFill>
+                    <a:schemeClr val="tx1">
+                      <a:alpha val="30000"/>
+                    </a:schemeClr>
+                  </a:solidFill>
+                </a:ln>
+                <a:latin typeface="HY견고딕" pitchFamily="18" charset="-127"/>
+                <a:ea typeface="HY견고딕" pitchFamily="18" charset="-127"/>
+              </a:rPr>
               <a:t>.</a:t>
             </a:r>
+          </a:p>
+          <a:p>
+            <a:pPr marL="914400" lvl="1" indent="-457200">
+              <a:buFontTx/>
+              <a:buChar char="-"/>
+            </a:pPr>
+            <a:r>
+              <a:rPr lang="ko-KR" altLang="en-US" sz="1100" dirty="0" smtClean="0">
+                <a:ln>
+                  <a:solidFill>
+                    <a:schemeClr val="tx1">
+                      <a:alpha val="30000"/>
+                    </a:schemeClr>
+                  </a:solidFill>
+                </a:ln>
+                <a:latin typeface="HY신명조" panose="02030600000101010101" pitchFamily="18" charset="-127"/>
+                <a:ea typeface="HY신명조" panose="02030600000101010101" pitchFamily="18" charset="-127"/>
+              </a:rPr>
+              <a:t>아래 코드의 </a:t>
+            </a:r>
+            <a:r>
+              <a:rPr lang="en-US" altLang="ko-KR" sz="1100" dirty="0" smtClean="0">
+                <a:ln>
+                  <a:solidFill>
+                    <a:schemeClr val="tx1">
+                      <a:alpha val="30000"/>
+                    </a:schemeClr>
+                  </a:solidFill>
+                </a:ln>
+                <a:latin typeface="HY신명조" panose="02030600000101010101" pitchFamily="18" charset="-127"/>
+                <a:ea typeface="HY신명조" panose="02030600000101010101" pitchFamily="18" charset="-127"/>
+              </a:rPr>
+              <a:t>Test b();</a:t>
+            </a:r>
+            <a:r>
+              <a:rPr lang="ko-KR" altLang="en-US" sz="1100" dirty="0" smtClean="0">
+                <a:ln>
+                  <a:solidFill>
+                    <a:schemeClr val="tx1">
+                      <a:alpha val="30000"/>
+                    </a:schemeClr>
+                  </a:solidFill>
+                </a:ln>
+                <a:latin typeface="HY신명조" panose="02030600000101010101" pitchFamily="18" charset="-127"/>
+                <a:ea typeface="HY신명조" panose="02030600000101010101" pitchFamily="18" charset="-127"/>
+              </a:rPr>
+              <a:t>는 변수 선언이 아니라 함수로 인식해 </a:t>
+            </a:r>
+            <a:r>
+              <a:rPr lang="en-US" altLang="ko-KR" sz="1100" dirty="0" smtClean="0">
+                <a:ln>
+                  <a:solidFill>
+                    <a:schemeClr val="tx1">
+                      <a:alpha val="30000"/>
+                    </a:schemeClr>
+                  </a:solidFill>
+                </a:ln>
+                <a:latin typeface="HY신명조" panose="02030600000101010101" pitchFamily="18" charset="-127"/>
+                <a:ea typeface="HY신명조" panose="02030600000101010101" pitchFamily="18" charset="-127"/>
+              </a:rPr>
+              <a:t>b</a:t>
+            </a:r>
+            <a:r>
+              <a:rPr lang="ko-KR" altLang="en-US" sz="1100" dirty="0" smtClean="0">
+                <a:ln>
+                  <a:solidFill>
+                    <a:schemeClr val="tx1">
+                      <a:alpha val="30000"/>
+                    </a:schemeClr>
+                  </a:solidFill>
+                </a:ln>
+                <a:latin typeface="HY신명조" panose="02030600000101010101" pitchFamily="18" charset="-127"/>
+                <a:ea typeface="HY신명조" panose="02030600000101010101" pitchFamily="18" charset="-127"/>
+              </a:rPr>
+              <a:t>객체를 사용할 수 없다</a:t>
+            </a:r>
+            <a:r>
+              <a:rPr lang="en-US" altLang="ko-KR" sz="1100" dirty="0" smtClean="0">
+                <a:ln>
+                  <a:solidFill>
+                    <a:schemeClr val="tx1">
+                      <a:alpha val="30000"/>
+                    </a:schemeClr>
+                  </a:solidFill>
+                </a:ln>
+                <a:latin typeface="HY신명조" panose="02030600000101010101" pitchFamily="18" charset="-127"/>
+                <a:ea typeface="HY신명조" panose="02030600000101010101" pitchFamily="18" charset="-127"/>
+              </a:rPr>
+              <a:t>.</a:t>
+            </a:r>
+          </a:p>
+          <a:p>
+            <a:pPr marL="914400" lvl="1" indent="-457200">
+              <a:buFontTx/>
+              <a:buChar char="-"/>
+            </a:pPr>
+            <a:endParaRPr lang="en-US" altLang="ko-KR" sz="1400" dirty="0" smtClean="0">
+              <a:ln>
+                <a:solidFill>
+                  <a:schemeClr val="tx1">
+                    <a:alpha val="30000"/>
+                  </a:schemeClr>
+                </a:solidFill>
+              </a:ln>
+              <a:latin typeface="HY견고딕" pitchFamily="18" charset="-127"/>
+              <a:ea typeface="HY견고딕" pitchFamily="18" charset="-127"/>
+            </a:endParaRPr>
+          </a:p>
+          <a:p>
+            <a:pPr marL="457200" indent="-457200">
+              <a:buFontTx/>
+              <a:buChar char="-"/>
+            </a:pPr>
+            <a:endParaRPr lang="en-US" altLang="ko-KR" sz="2000" dirty="0" smtClean="0">
+              <a:ln>
+                <a:solidFill>
+                  <a:schemeClr val="tx1">
+                    <a:alpha val="30000"/>
+                  </a:schemeClr>
+                </a:solidFill>
+              </a:ln>
+              <a:latin typeface="HY견고딕" pitchFamily="18" charset="-127"/>
+              <a:ea typeface="HY견고딕" pitchFamily="18" charset="-127"/>
+            </a:endParaRPr>
           </a:p>
         </p:txBody>
       </p:sp>
-      <p:sp>
-        <p:nvSpPr>
-          <p:cNvPr id="2" name="Rectangle 1"/>
-          <p:cNvSpPr>
-            <a:spLocks noChangeArrowheads="1"/>
-          </p:cNvSpPr>
+      <p:pic>
+        <p:nvPicPr>
+          <p:cNvPr id="1026" name="Picture 2"/>
+          <p:cNvPicPr>
+            <a:picLocks noChangeAspect="1" noChangeArrowheads="1"/>
+          </p:cNvPicPr>
           <p:nvPr/>
-        </p:nvSpPr>
+        </p:nvPicPr>
+        <p:blipFill>
+          <a:blip r:embed="rId2">
+            <a:extLst>
+              <a:ext uri="{28A0092B-C50C-407E-A947-70E740481C1C}">
+                <a14:useLocalDpi xmlns:a14="http://schemas.microsoft.com/office/drawing/2010/main" val="0"/>
+              </a:ext>
+            </a:extLst>
+          </a:blip>
+          <a:srcRect/>
+          <a:stretch>
+            <a:fillRect/>
+          </a:stretch>
+        </p:blipFill>
         <p:spPr bwMode="auto">
           <a:xfrm>
-            <a:off x="755576" y="1393287"/>
-            <a:ext cx="8352928" cy="5262979"/>
+            <a:off x="2803652" y="2420888"/>
+            <a:ext cx="3860223" cy="4114800"/>
           </a:xfrm>
           <a:prstGeom prst="rect">
             <a:avLst/>
           </a:prstGeom>
-          <a:solidFill>
-            <a:srgbClr val="FFFFFF"/>
-          </a:solidFill>
+          <a:noFill/>
           <a:ln>
             <a:noFill/>
           </a:ln>
-          <a:effectLst/>
           <a:extLst>
+            <a:ext uri="{909E8E84-426E-40DD-AFC4-6F175D3DCCD1}">
+              <a14:hiddenFill xmlns:a14="http://schemas.microsoft.com/office/drawing/2010/main">
+                <a:solidFill>
+                  <a:schemeClr val="accent1"/>
+                </a:solidFill>
+              </a14:hiddenFill>
+            </a:ext>
             <a:ext uri="{91240B29-F687-4F45-9708-019B960494DF}">
               <a14:hiddenLine xmlns:a14="http://schemas.microsoft.com/office/drawing/2010/main" w="9525">
                 <a:solidFill>
@@ -4143,1459 +4419,13 @@
                 <a:tailEnd/>
               </a14:hiddenLine>
             </a:ext>
-            <a:ext uri="{AF507438-7753-43E0-B8FC-AC1667EBCBE1}">
-              <a14:hiddenEffects xmlns:a14="http://schemas.microsoft.com/office/drawing/2010/main">
-                <a:effectLst>
-                  <a:outerShdw dist="35921" dir="2700000" algn="ctr" rotWithShape="0">
-                    <a:schemeClr val="bg2"/>
-                  </a:outerShdw>
-                </a:effectLst>
-              </a14:hiddenEffects>
-            </a:ext>
           </a:extLst>
         </p:spPr>
-        <p:txBody>
-          <a:bodyPr vert="horz" wrap="square" lIns="0" tIns="0" rIns="0" bIns="0" numCol="1" anchor="ctr" anchorCtr="0" compatLnSpc="1">
-            <a:prstTxWarp prst="textNoShape">
-              <a:avLst/>
-            </a:prstTxWarp>
-            <a:spAutoFit/>
-          </a:bodyPr>
-          <a:lstStyle/>
-          <a:p>
-            <a:pPr marL="0" marR="0" lvl="0" indent="0" algn="l" defTabSz="914400" rtl="0" eaLnBrk="1" fontAlgn="base" latinLnBrk="1" hangingPunct="1">
-              <a:lnSpc>
-                <a:spcPct val="100000"/>
-              </a:lnSpc>
-              <a:spcBef>
-                <a:spcPct val="0"/>
-              </a:spcBef>
-              <a:spcAft>
-                <a:spcPct val="0"/>
-              </a:spcAft>
-              <a:buClrTx/>
-              <a:buSzTx/>
-              <a:buFontTx/>
-              <a:buNone/>
-              <a:tabLst/>
-            </a:pPr>
-            <a:r>
-              <a:rPr kumimoji="1" lang="ko-KR" altLang="ko-KR" b="1" i="0" u="none" strike="noStrike" cap="none" normalizeH="0" baseline="0" dirty="0" smtClean="0">
-                <a:ln>
-                  <a:noFill/>
-                </a:ln>
-                <a:solidFill>
-                  <a:srgbClr val="0086B3"/>
-                </a:solidFill>
-                <a:effectLst/>
-                <a:latin typeface="Consolas" pitchFamily="49" charset="0"/>
-                <a:ea typeface="굴림" pitchFamily="50" charset="-127"/>
-                <a:cs typeface="굴림" pitchFamily="50" charset="-127"/>
-              </a:rPr>
-              <a:t>#include</a:t>
-            </a:r>
-            <a:r>
-              <a:rPr kumimoji="1" lang="ko-KR" altLang="ko-KR" b="1" i="0" u="none" strike="noStrike" cap="none" normalizeH="0" baseline="0" dirty="0" smtClean="0">
-                <a:ln>
-                  <a:noFill/>
-                </a:ln>
-                <a:solidFill>
-                  <a:srgbClr val="A71D5D"/>
-                </a:solidFill>
-                <a:effectLst/>
-                <a:latin typeface="Consolas" pitchFamily="49" charset="0"/>
-                <a:ea typeface="굴림" pitchFamily="50" charset="-127"/>
-                <a:cs typeface="굴림" pitchFamily="50" charset="-127"/>
-              </a:rPr>
-              <a:t>&lt;</a:t>
-            </a:r>
-            <a:r>
-              <a:rPr kumimoji="1" lang="ko-KR" altLang="ko-KR" b="1" i="0" u="none" strike="noStrike" cap="none" normalizeH="0" baseline="0" dirty="0" smtClean="0">
-                <a:ln>
-                  <a:noFill/>
-                </a:ln>
-                <a:solidFill>
-                  <a:srgbClr val="010101"/>
-                </a:solidFill>
-                <a:effectLst/>
-                <a:latin typeface="Consolas" pitchFamily="49" charset="0"/>
-                <a:ea typeface="굴림" pitchFamily="50" charset="-127"/>
-                <a:cs typeface="굴림" pitchFamily="50" charset="-127"/>
-              </a:rPr>
-              <a:t>iostream</a:t>
-            </a:r>
-            <a:r>
-              <a:rPr kumimoji="1" lang="ko-KR" altLang="ko-KR" b="1" i="0" u="none" strike="noStrike" cap="none" normalizeH="0" baseline="0" dirty="0" smtClean="0">
-                <a:ln>
-                  <a:noFill/>
-                </a:ln>
-                <a:solidFill>
-                  <a:srgbClr val="A71D5D"/>
-                </a:solidFill>
-                <a:effectLst/>
-                <a:latin typeface="Consolas" pitchFamily="49" charset="0"/>
-                <a:ea typeface="굴림" pitchFamily="50" charset="-127"/>
-                <a:cs typeface="굴림" pitchFamily="50" charset="-127"/>
-              </a:rPr>
-              <a:t>&gt;</a:t>
-            </a:r>
-            <a:endParaRPr kumimoji="1" lang="ko-KR" altLang="ko-KR" b="1" i="0" u="none" strike="noStrike" cap="none" normalizeH="0" baseline="0" dirty="0" smtClean="0">
-              <a:ln>
-                <a:noFill/>
-              </a:ln>
-              <a:solidFill>
-                <a:srgbClr val="010101"/>
-              </a:solidFill>
-              <a:effectLst/>
-              <a:latin typeface="Consolas" pitchFamily="49" charset="0"/>
-              <a:ea typeface="굴림" pitchFamily="50" charset="-127"/>
-              <a:cs typeface="굴림" pitchFamily="50" charset="-127"/>
-            </a:endParaRPr>
-          </a:p>
-          <a:p>
-            <a:pPr marL="0" marR="0" lvl="0" indent="0" algn="l" defTabSz="914400" rtl="0" eaLnBrk="0" fontAlgn="base" latinLnBrk="0" hangingPunct="0">
-              <a:lnSpc>
-                <a:spcPct val="100000"/>
-              </a:lnSpc>
-              <a:spcBef>
-                <a:spcPct val="0"/>
-              </a:spcBef>
-              <a:spcAft>
-                <a:spcPct val="0"/>
-              </a:spcAft>
-              <a:buClrTx/>
-              <a:buSzTx/>
-              <a:buFontTx/>
-              <a:buNone/>
-              <a:tabLst/>
-            </a:pPr>
-            <a:r>
-              <a:rPr kumimoji="1" lang="ko-KR" altLang="ko-KR" b="1" i="0" u="none" strike="noStrike" cap="none" normalizeH="0" baseline="0" dirty="0" smtClean="0">
-                <a:ln>
-                  <a:noFill/>
-                </a:ln>
-                <a:solidFill>
-                  <a:srgbClr val="A71D5D"/>
-                </a:solidFill>
-                <a:effectLst/>
-                <a:latin typeface="Consolas" pitchFamily="49" charset="0"/>
-                <a:ea typeface="굴림" pitchFamily="50" charset="-127"/>
-                <a:cs typeface="굴림" pitchFamily="50" charset="-127"/>
-              </a:rPr>
-              <a:t>class</a:t>
-            </a:r>
-            <a:r>
-              <a:rPr kumimoji="1" lang="ko-KR" altLang="ko-KR" b="1" i="0" u="none" strike="noStrike" cap="none" normalizeH="0" baseline="0" dirty="0" smtClean="0">
-                <a:ln>
-                  <a:noFill/>
-                </a:ln>
-                <a:solidFill>
-                  <a:srgbClr val="010101"/>
-                </a:solidFill>
-                <a:effectLst/>
-                <a:latin typeface="Consolas" pitchFamily="49" charset="0"/>
-                <a:ea typeface="굴림" pitchFamily="50" charset="-127"/>
-                <a:cs typeface="굴림" pitchFamily="50" charset="-127"/>
-              </a:rPr>
-              <a:t> Test</a:t>
-            </a:r>
-          </a:p>
-          <a:p>
-            <a:pPr marL="0" marR="0" lvl="0" indent="0" algn="l" defTabSz="914400" rtl="0" eaLnBrk="0" fontAlgn="base" latinLnBrk="0" hangingPunct="0">
-              <a:lnSpc>
-                <a:spcPct val="100000"/>
-              </a:lnSpc>
-              <a:spcBef>
-                <a:spcPct val="0"/>
-              </a:spcBef>
-              <a:spcAft>
-                <a:spcPct val="0"/>
-              </a:spcAft>
-              <a:buClrTx/>
-              <a:buSzTx/>
-              <a:buFontTx/>
-              <a:buNone/>
-              <a:tabLst/>
-            </a:pPr>
-            <a:r>
-              <a:rPr kumimoji="1" lang="ko-KR" altLang="ko-KR" b="1" i="0" u="none" strike="noStrike" cap="none" normalizeH="0" baseline="0" dirty="0" smtClean="0">
-                <a:ln>
-                  <a:noFill/>
-                </a:ln>
-                <a:solidFill>
-                  <a:srgbClr val="010101"/>
-                </a:solidFill>
-                <a:effectLst/>
-                <a:latin typeface="Consolas" pitchFamily="49" charset="0"/>
-                <a:ea typeface="굴림" pitchFamily="50" charset="-127"/>
-                <a:cs typeface="굴림" pitchFamily="50" charset="-127"/>
-              </a:rPr>
-              <a:t>{</a:t>
-            </a:r>
-          </a:p>
-          <a:p>
-            <a:pPr marL="0" marR="0" lvl="0" indent="0" algn="l" defTabSz="914400" rtl="0" eaLnBrk="0" fontAlgn="base" latinLnBrk="0" hangingPunct="0">
-              <a:lnSpc>
-                <a:spcPct val="100000"/>
-              </a:lnSpc>
-              <a:spcBef>
-                <a:spcPct val="0"/>
-              </a:spcBef>
-              <a:spcAft>
-                <a:spcPct val="0"/>
-              </a:spcAft>
-              <a:buClrTx/>
-              <a:buSzTx/>
-              <a:buFontTx/>
-              <a:buNone/>
-              <a:tabLst/>
-            </a:pPr>
-            <a:r>
-              <a:rPr kumimoji="1" lang="ko-KR" altLang="ko-KR" b="1" i="0" u="none" strike="noStrike" cap="none" normalizeH="0" baseline="0" dirty="0" smtClean="0">
-                <a:ln>
-                  <a:noFill/>
-                </a:ln>
-                <a:solidFill>
-                  <a:srgbClr val="A71D5D"/>
-                </a:solidFill>
-                <a:effectLst/>
-                <a:latin typeface="Consolas" pitchFamily="49" charset="0"/>
-                <a:ea typeface="굴림" pitchFamily="50" charset="-127"/>
-                <a:cs typeface="굴림" pitchFamily="50" charset="-127"/>
-              </a:rPr>
-              <a:t>private</a:t>
-            </a:r>
-            <a:r>
-              <a:rPr kumimoji="1" lang="ko-KR" altLang="ko-KR" b="1" i="0" u="none" strike="noStrike" cap="none" normalizeH="0" baseline="0" dirty="0" smtClean="0">
-                <a:ln>
-                  <a:noFill/>
-                </a:ln>
-                <a:solidFill>
-                  <a:srgbClr val="010101"/>
-                </a:solidFill>
-                <a:effectLst/>
-                <a:latin typeface="Consolas" pitchFamily="49" charset="0"/>
-                <a:ea typeface="굴림" pitchFamily="50" charset="-127"/>
-                <a:cs typeface="굴림" pitchFamily="50" charset="-127"/>
-              </a:rPr>
-              <a:t>:</a:t>
-            </a:r>
-          </a:p>
-          <a:p>
-            <a:pPr marL="0" marR="0" lvl="0" indent="0" algn="l" defTabSz="914400" rtl="0" eaLnBrk="0" fontAlgn="base" latinLnBrk="0" hangingPunct="0">
-              <a:lnSpc>
-                <a:spcPct val="100000"/>
-              </a:lnSpc>
-              <a:spcBef>
-                <a:spcPct val="0"/>
-              </a:spcBef>
-              <a:spcAft>
-                <a:spcPct val="0"/>
-              </a:spcAft>
-              <a:buClrTx/>
-              <a:buSzTx/>
-              <a:buFontTx/>
-              <a:buNone/>
-              <a:tabLst/>
-            </a:pPr>
-            <a:r>
-              <a:rPr kumimoji="1" lang="en-US" altLang="ko-KR" b="1" i="0" u="none" strike="noStrike" cap="none" normalizeH="0" baseline="0" dirty="0" smtClean="0">
-                <a:ln>
-                  <a:noFill/>
-                </a:ln>
-                <a:solidFill>
-                  <a:srgbClr val="066DE2"/>
-                </a:solidFill>
-                <a:effectLst/>
-                <a:latin typeface="Consolas" pitchFamily="49" charset="0"/>
-                <a:ea typeface="굴림" pitchFamily="50" charset="-127"/>
-                <a:cs typeface="굴림" pitchFamily="50" charset="-127"/>
-              </a:rPr>
-              <a:t>	</a:t>
-            </a:r>
-            <a:r>
-              <a:rPr kumimoji="1" lang="ko-KR" altLang="ko-KR" b="1" i="0" u="none" strike="noStrike" cap="none" normalizeH="0" baseline="0" dirty="0" smtClean="0">
-                <a:ln>
-                  <a:noFill/>
-                </a:ln>
-                <a:solidFill>
-                  <a:srgbClr val="066DE2"/>
-                </a:solidFill>
-                <a:effectLst/>
-                <a:latin typeface="Consolas" pitchFamily="49" charset="0"/>
-                <a:ea typeface="굴림" pitchFamily="50" charset="-127"/>
-                <a:cs typeface="굴림" pitchFamily="50" charset="-127"/>
-              </a:rPr>
-              <a:t>int</a:t>
-            </a:r>
-            <a:r>
-              <a:rPr kumimoji="1" lang="ko-KR" altLang="ko-KR" b="1" i="0" u="none" strike="noStrike" cap="none" normalizeH="0" baseline="0" dirty="0" smtClean="0">
-                <a:ln>
-                  <a:noFill/>
-                </a:ln>
-                <a:solidFill>
-                  <a:srgbClr val="010101"/>
-                </a:solidFill>
-                <a:effectLst/>
-                <a:latin typeface="Consolas" pitchFamily="49" charset="0"/>
-                <a:ea typeface="굴림" pitchFamily="50" charset="-127"/>
-                <a:cs typeface="굴림" pitchFamily="50" charset="-127"/>
-              </a:rPr>
-              <a:t> Data{ </a:t>
-            </a:r>
-            <a:r>
-              <a:rPr kumimoji="1" lang="ko-KR" altLang="ko-KR" b="1" i="0" u="none" strike="noStrike" cap="none" normalizeH="0" baseline="0" dirty="0" smtClean="0">
-                <a:ln>
-                  <a:noFill/>
-                </a:ln>
-                <a:solidFill>
-                  <a:srgbClr val="0099CC"/>
-                </a:solidFill>
-                <a:effectLst/>
-                <a:latin typeface="Consolas" pitchFamily="49" charset="0"/>
-                <a:ea typeface="굴림" pitchFamily="50" charset="-127"/>
-                <a:cs typeface="굴림" pitchFamily="50" charset="-127"/>
-              </a:rPr>
-              <a:t>0</a:t>
-            </a:r>
-            <a:r>
-              <a:rPr kumimoji="1" lang="ko-KR" altLang="ko-KR" b="1" i="0" u="none" strike="noStrike" cap="none" normalizeH="0" baseline="0" dirty="0" smtClean="0">
-                <a:ln>
-                  <a:noFill/>
-                </a:ln>
-                <a:solidFill>
-                  <a:srgbClr val="010101"/>
-                </a:solidFill>
-                <a:effectLst/>
-                <a:latin typeface="Consolas" pitchFamily="49" charset="0"/>
-                <a:ea typeface="굴림" pitchFamily="50" charset="-127"/>
-                <a:cs typeface="굴림" pitchFamily="50" charset="-127"/>
-              </a:rPr>
-              <a:t> };</a:t>
-            </a:r>
-          </a:p>
-          <a:p>
-            <a:pPr marL="0" marR="0" lvl="0" indent="0" algn="l" defTabSz="914400" rtl="0" eaLnBrk="0" fontAlgn="base" latinLnBrk="0" hangingPunct="0">
-              <a:lnSpc>
-                <a:spcPct val="100000"/>
-              </a:lnSpc>
-              <a:spcBef>
-                <a:spcPct val="0"/>
-              </a:spcBef>
-              <a:spcAft>
-                <a:spcPct val="0"/>
-              </a:spcAft>
-              <a:buClrTx/>
-              <a:buSzTx/>
-              <a:buFontTx/>
-              <a:buNone/>
-              <a:tabLst/>
-            </a:pPr>
-            <a:r>
-              <a:rPr kumimoji="1" lang="ko-KR" altLang="ko-KR" b="1" i="0" u="none" strike="noStrike" cap="none" normalizeH="0" baseline="0" dirty="0" smtClean="0">
-                <a:ln>
-                  <a:noFill/>
-                </a:ln>
-                <a:solidFill>
-                  <a:srgbClr val="A71D5D"/>
-                </a:solidFill>
-                <a:effectLst/>
-                <a:latin typeface="Consolas" pitchFamily="49" charset="0"/>
-                <a:ea typeface="굴림" pitchFamily="50" charset="-127"/>
-                <a:cs typeface="굴림" pitchFamily="50" charset="-127"/>
-              </a:rPr>
-              <a:t>public</a:t>
-            </a:r>
-            <a:r>
-              <a:rPr kumimoji="1" lang="ko-KR" altLang="ko-KR" b="1" i="0" u="none" strike="noStrike" cap="none" normalizeH="0" baseline="0" dirty="0" smtClean="0">
-                <a:ln>
-                  <a:noFill/>
-                </a:ln>
-                <a:solidFill>
-                  <a:srgbClr val="010101"/>
-                </a:solidFill>
-                <a:effectLst/>
-                <a:latin typeface="Consolas" pitchFamily="49" charset="0"/>
-                <a:ea typeface="굴림" pitchFamily="50" charset="-127"/>
-                <a:cs typeface="굴림" pitchFamily="50" charset="-127"/>
-              </a:rPr>
-              <a:t>:</a:t>
-            </a:r>
-          </a:p>
-          <a:p>
-            <a:pPr marL="0" marR="0" lvl="0" indent="0" algn="l" defTabSz="914400" rtl="0" eaLnBrk="0" fontAlgn="base" latinLnBrk="0" hangingPunct="0">
-              <a:lnSpc>
-                <a:spcPct val="100000"/>
-              </a:lnSpc>
-              <a:spcBef>
-                <a:spcPct val="0"/>
-              </a:spcBef>
-              <a:spcAft>
-                <a:spcPct val="0"/>
-              </a:spcAft>
-              <a:buClrTx/>
-              <a:buSzTx/>
-              <a:buFontTx/>
-              <a:buNone/>
-              <a:tabLst/>
-            </a:pPr>
-            <a:r>
-              <a:rPr kumimoji="1" lang="en-US" altLang="ko-KR" b="1" i="0" u="none" strike="noStrike" cap="none" normalizeH="0" baseline="0" dirty="0" smtClean="0">
-                <a:ln>
-                  <a:noFill/>
-                </a:ln>
-                <a:solidFill>
-                  <a:srgbClr val="A71D5D"/>
-                </a:solidFill>
-                <a:effectLst/>
-                <a:latin typeface="Consolas" pitchFamily="49" charset="0"/>
-                <a:ea typeface="굴림" pitchFamily="50" charset="-127"/>
-                <a:cs typeface="굴림" pitchFamily="50" charset="-127"/>
-              </a:rPr>
-              <a:t>	</a:t>
-            </a:r>
-            <a:r>
-              <a:rPr kumimoji="1" lang="ko-KR" altLang="ko-KR" b="1" i="0" u="none" strike="noStrike" cap="none" normalizeH="0" baseline="0" dirty="0" smtClean="0">
-                <a:ln>
-                  <a:noFill/>
-                </a:ln>
-                <a:solidFill>
-                  <a:srgbClr val="A71D5D"/>
-                </a:solidFill>
-                <a:effectLst/>
-                <a:latin typeface="Consolas" pitchFamily="49" charset="0"/>
-                <a:ea typeface="굴림" pitchFamily="50" charset="-127"/>
-                <a:cs typeface="굴림" pitchFamily="50" charset="-127"/>
-              </a:rPr>
-              <a:t>void</a:t>
-            </a:r>
-            <a:r>
-              <a:rPr kumimoji="1" lang="ko-KR" altLang="ko-KR" b="1" i="0" u="none" strike="noStrike" cap="none" normalizeH="0" baseline="0" dirty="0" smtClean="0">
-                <a:ln>
-                  <a:noFill/>
-                </a:ln>
-                <a:solidFill>
-                  <a:srgbClr val="010101"/>
-                </a:solidFill>
-                <a:effectLst/>
-                <a:latin typeface="Consolas" pitchFamily="49" charset="0"/>
-                <a:ea typeface="굴림" pitchFamily="50" charset="-127"/>
-                <a:cs typeface="굴림" pitchFamily="50" charset="-127"/>
-              </a:rPr>
-              <a:t> </a:t>
-            </a:r>
-            <a:r>
-              <a:rPr kumimoji="1" lang="ko-KR" altLang="ko-KR" b="1" i="0" u="none" strike="noStrike" cap="none" normalizeH="0" baseline="0" dirty="0" smtClean="0">
-                <a:ln>
-                  <a:noFill/>
-                </a:ln>
-                <a:solidFill>
-                  <a:srgbClr val="A71D5D"/>
-                </a:solidFill>
-                <a:effectLst/>
-                <a:latin typeface="Consolas" pitchFamily="49" charset="0"/>
-                <a:ea typeface="굴림" pitchFamily="50" charset="-127"/>
-                <a:cs typeface="굴림" pitchFamily="50" charset="-127"/>
-              </a:rPr>
-              <a:t>operator</a:t>
-            </a:r>
-            <a:r>
-              <a:rPr kumimoji="1" lang="ko-KR" altLang="ko-KR" b="1" i="0" u="none" strike="noStrike" cap="none" normalizeH="0" baseline="0" dirty="0" smtClean="0">
-                <a:ln>
-                  <a:noFill/>
-                </a:ln>
-                <a:solidFill>
-                  <a:srgbClr val="010101"/>
-                </a:solidFill>
-                <a:effectLst/>
-                <a:latin typeface="Consolas" pitchFamily="49" charset="0"/>
-                <a:ea typeface="굴림" pitchFamily="50" charset="-127"/>
-                <a:cs typeface="굴림" pitchFamily="50" charset="-127"/>
-              </a:rPr>
-              <a:t> </a:t>
-            </a:r>
-            <a:r>
-              <a:rPr kumimoji="1" lang="ko-KR" altLang="ko-KR" b="1" i="0" u="none" strike="noStrike" cap="none" normalizeH="0" baseline="0" dirty="0" smtClean="0">
-                <a:ln>
-                  <a:noFill/>
-                </a:ln>
-                <a:solidFill>
-                  <a:srgbClr val="A71D5D"/>
-                </a:solidFill>
-                <a:effectLst/>
-                <a:latin typeface="Consolas" pitchFamily="49" charset="0"/>
-                <a:ea typeface="굴림" pitchFamily="50" charset="-127"/>
-                <a:cs typeface="굴림" pitchFamily="50" charset="-127"/>
-              </a:rPr>
-              <a:t>+=</a:t>
-            </a:r>
-            <a:r>
-              <a:rPr kumimoji="1" lang="ko-KR" altLang="ko-KR" b="1" i="0" u="none" strike="noStrike" cap="none" normalizeH="0" baseline="0" dirty="0" smtClean="0">
-                <a:ln>
-                  <a:noFill/>
-                </a:ln>
-                <a:solidFill>
-                  <a:srgbClr val="010101"/>
-                </a:solidFill>
-                <a:effectLst/>
-                <a:latin typeface="Consolas" pitchFamily="49" charset="0"/>
-                <a:ea typeface="굴림" pitchFamily="50" charset="-127"/>
-                <a:cs typeface="굴림" pitchFamily="50" charset="-127"/>
-              </a:rPr>
-              <a:t> (</a:t>
-            </a:r>
-            <a:r>
-              <a:rPr kumimoji="1" lang="ko-KR" altLang="ko-KR" b="1" i="0" u="none" strike="noStrike" cap="none" normalizeH="0" baseline="0" dirty="0" smtClean="0">
-                <a:ln>
-                  <a:noFill/>
-                </a:ln>
-                <a:solidFill>
-                  <a:srgbClr val="066DE2"/>
-                </a:solidFill>
-                <a:effectLst/>
-                <a:latin typeface="Consolas" pitchFamily="49" charset="0"/>
-                <a:ea typeface="굴림" pitchFamily="50" charset="-127"/>
-                <a:cs typeface="굴림" pitchFamily="50" charset="-127"/>
-              </a:rPr>
-              <a:t>int</a:t>
-            </a:r>
-            <a:r>
-              <a:rPr kumimoji="1" lang="ko-KR" altLang="ko-KR" b="1" i="0" u="none" strike="noStrike" cap="none" normalizeH="0" baseline="0" dirty="0" smtClean="0">
-                <a:ln>
-                  <a:noFill/>
-                </a:ln>
-                <a:solidFill>
-                  <a:srgbClr val="010101"/>
-                </a:solidFill>
-                <a:effectLst/>
-                <a:latin typeface="Consolas" pitchFamily="49" charset="0"/>
-                <a:ea typeface="굴림" pitchFamily="50" charset="-127"/>
-                <a:cs typeface="굴림" pitchFamily="50" charset="-127"/>
-              </a:rPr>
-              <a:t> _iData)</a:t>
-            </a:r>
-          </a:p>
-          <a:p>
-            <a:pPr marL="0" marR="0" lvl="0" indent="0" algn="l" defTabSz="914400" rtl="0" eaLnBrk="0" fontAlgn="base" latinLnBrk="0" hangingPunct="0">
-              <a:lnSpc>
-                <a:spcPct val="100000"/>
-              </a:lnSpc>
-              <a:spcBef>
-                <a:spcPct val="0"/>
-              </a:spcBef>
-              <a:spcAft>
-                <a:spcPct val="0"/>
-              </a:spcAft>
-              <a:buClrTx/>
-              <a:buSzTx/>
-              <a:buFontTx/>
-              <a:buNone/>
-              <a:tabLst/>
-            </a:pPr>
-            <a:r>
-              <a:rPr kumimoji="1" lang="en-US" altLang="ko-KR" b="1" i="0" u="none" strike="noStrike" cap="none" normalizeH="0" baseline="0" dirty="0" smtClean="0">
-                <a:ln>
-                  <a:noFill/>
-                </a:ln>
-                <a:solidFill>
-                  <a:srgbClr val="010101"/>
-                </a:solidFill>
-                <a:effectLst/>
-                <a:latin typeface="Consolas" pitchFamily="49" charset="0"/>
-                <a:ea typeface="굴림" pitchFamily="50" charset="-127"/>
-                <a:cs typeface="굴림" pitchFamily="50" charset="-127"/>
-              </a:rPr>
-              <a:t>	</a:t>
-            </a:r>
-            <a:r>
-              <a:rPr kumimoji="1" lang="ko-KR" altLang="ko-KR" b="1" i="0" u="none" strike="noStrike" cap="none" normalizeH="0" baseline="0" dirty="0" smtClean="0">
-                <a:ln>
-                  <a:noFill/>
-                </a:ln>
-                <a:solidFill>
-                  <a:srgbClr val="010101"/>
-                </a:solidFill>
-                <a:effectLst/>
-                <a:latin typeface="Consolas" pitchFamily="49" charset="0"/>
-                <a:ea typeface="굴림" pitchFamily="50" charset="-127"/>
-                <a:cs typeface="굴림" pitchFamily="50" charset="-127"/>
-              </a:rPr>
-              <a:t>{</a:t>
-            </a:r>
-          </a:p>
-          <a:p>
-            <a:pPr marL="0" marR="0" lvl="0" indent="0" algn="l" defTabSz="914400" rtl="0" eaLnBrk="0" fontAlgn="base" latinLnBrk="0" hangingPunct="0">
-              <a:lnSpc>
-                <a:spcPct val="100000"/>
-              </a:lnSpc>
-              <a:spcBef>
-                <a:spcPct val="0"/>
-              </a:spcBef>
-              <a:spcAft>
-                <a:spcPct val="0"/>
-              </a:spcAft>
-              <a:buClrTx/>
-              <a:buSzTx/>
-              <a:buFontTx/>
-              <a:buNone/>
-              <a:tabLst/>
-            </a:pPr>
-            <a:r>
-              <a:rPr kumimoji="1" lang="en-US" altLang="ko-KR" b="1" i="0" u="none" strike="noStrike" cap="none" normalizeH="0" baseline="0" dirty="0" smtClean="0">
-                <a:ln>
-                  <a:noFill/>
-                </a:ln>
-                <a:solidFill>
-                  <a:srgbClr val="010101"/>
-                </a:solidFill>
-                <a:effectLst/>
-                <a:latin typeface="Consolas" pitchFamily="49" charset="0"/>
-                <a:ea typeface="굴림" pitchFamily="50" charset="-127"/>
-                <a:cs typeface="굴림" pitchFamily="50" charset="-127"/>
-              </a:rPr>
-              <a:t>		</a:t>
-            </a:r>
-            <a:r>
-              <a:rPr kumimoji="1" lang="ko-KR" altLang="ko-KR" b="1" i="0" u="none" strike="noStrike" cap="none" normalizeH="0" baseline="0" dirty="0" smtClean="0">
-                <a:ln>
-                  <a:noFill/>
-                </a:ln>
-                <a:solidFill>
-                  <a:srgbClr val="010101"/>
-                </a:solidFill>
-                <a:effectLst/>
-                <a:latin typeface="Consolas" pitchFamily="49" charset="0"/>
-                <a:ea typeface="굴림" pitchFamily="50" charset="-127"/>
-                <a:cs typeface="굴림" pitchFamily="50" charset="-127"/>
-              </a:rPr>
-              <a:t>Data </a:t>
-            </a:r>
-            <a:r>
-              <a:rPr kumimoji="1" lang="ko-KR" altLang="ko-KR" b="1" i="0" u="none" strike="noStrike" cap="none" normalizeH="0" baseline="0" dirty="0" smtClean="0">
-                <a:ln>
-                  <a:noFill/>
-                </a:ln>
-                <a:solidFill>
-                  <a:srgbClr val="A71D5D"/>
-                </a:solidFill>
-                <a:effectLst/>
-                <a:latin typeface="Consolas" pitchFamily="49" charset="0"/>
-                <a:ea typeface="굴림" pitchFamily="50" charset="-127"/>
-                <a:cs typeface="굴림" pitchFamily="50" charset="-127"/>
-              </a:rPr>
-              <a:t>+=</a:t>
-            </a:r>
-            <a:r>
-              <a:rPr kumimoji="1" lang="ko-KR" altLang="ko-KR" b="1" i="0" u="none" strike="noStrike" cap="none" normalizeH="0" baseline="0" dirty="0" smtClean="0">
-                <a:ln>
-                  <a:noFill/>
-                </a:ln>
-                <a:solidFill>
-                  <a:srgbClr val="010101"/>
-                </a:solidFill>
-                <a:effectLst/>
-                <a:latin typeface="Consolas" pitchFamily="49" charset="0"/>
-                <a:ea typeface="굴림" pitchFamily="50" charset="-127"/>
-                <a:cs typeface="굴림" pitchFamily="50" charset="-127"/>
-              </a:rPr>
-              <a:t> _iData;</a:t>
-            </a:r>
-          </a:p>
-          <a:p>
-            <a:pPr marL="0" marR="0" lvl="0" indent="0" algn="l" defTabSz="914400" rtl="0" eaLnBrk="0" fontAlgn="base" latinLnBrk="0" hangingPunct="0">
-              <a:lnSpc>
-                <a:spcPct val="100000"/>
-              </a:lnSpc>
-              <a:spcBef>
-                <a:spcPct val="0"/>
-              </a:spcBef>
-              <a:spcAft>
-                <a:spcPct val="0"/>
-              </a:spcAft>
-              <a:buClrTx/>
-              <a:buSzTx/>
-              <a:buFontTx/>
-              <a:buNone/>
-              <a:tabLst/>
-            </a:pPr>
-            <a:r>
-              <a:rPr kumimoji="1" lang="en-US" altLang="ko-KR" b="1" i="0" u="none" strike="noStrike" cap="none" normalizeH="0" baseline="0" dirty="0" smtClean="0">
-                <a:ln>
-                  <a:noFill/>
-                </a:ln>
-                <a:solidFill>
-                  <a:srgbClr val="010101"/>
-                </a:solidFill>
-                <a:effectLst/>
-                <a:latin typeface="Consolas" pitchFamily="49" charset="0"/>
-                <a:ea typeface="굴림" pitchFamily="50" charset="-127"/>
-                <a:cs typeface="굴림" pitchFamily="50" charset="-127"/>
-              </a:rPr>
-              <a:t>	</a:t>
-            </a:r>
-            <a:r>
-              <a:rPr kumimoji="1" lang="ko-KR" altLang="ko-KR" b="1" i="0" u="none" strike="noStrike" cap="none" normalizeH="0" baseline="0" dirty="0" smtClean="0">
-                <a:ln>
-                  <a:noFill/>
-                </a:ln>
-                <a:solidFill>
-                  <a:srgbClr val="010101"/>
-                </a:solidFill>
-                <a:effectLst/>
-                <a:latin typeface="Consolas" pitchFamily="49" charset="0"/>
-                <a:ea typeface="굴림" pitchFamily="50" charset="-127"/>
-                <a:cs typeface="굴림" pitchFamily="50" charset="-127"/>
-              </a:rPr>
-              <a:t>}</a:t>
-            </a:r>
-            <a:endParaRPr kumimoji="1" lang="en-US" altLang="ko-KR" b="1" i="0" u="none" strike="noStrike" cap="none" normalizeH="0" baseline="0" dirty="0" smtClean="0">
-              <a:ln>
-                <a:noFill/>
-              </a:ln>
-              <a:solidFill>
-                <a:srgbClr val="010101"/>
-              </a:solidFill>
-              <a:effectLst/>
-              <a:latin typeface="Consolas" pitchFamily="49" charset="0"/>
-              <a:ea typeface="굴림" pitchFamily="50" charset="-127"/>
-              <a:cs typeface="굴림" pitchFamily="50" charset="-127"/>
-            </a:endParaRPr>
-          </a:p>
-          <a:p>
-            <a:pPr marL="0" marR="0" lvl="0" indent="0" algn="l" defTabSz="914400" rtl="0" eaLnBrk="0" fontAlgn="base" latinLnBrk="0" hangingPunct="0">
-              <a:lnSpc>
-                <a:spcPct val="100000"/>
-              </a:lnSpc>
-              <a:spcBef>
-                <a:spcPct val="0"/>
-              </a:spcBef>
-              <a:spcAft>
-                <a:spcPct val="0"/>
-              </a:spcAft>
-              <a:buClrTx/>
-              <a:buSzTx/>
-              <a:buFontTx/>
-              <a:buNone/>
-              <a:tabLst/>
-            </a:pPr>
-            <a:r>
-              <a:rPr kumimoji="1" lang="ko-KR" altLang="ko-KR" b="1" i="0" u="none" strike="noStrike" cap="none" normalizeH="0" baseline="0" dirty="0" smtClean="0">
-                <a:ln>
-                  <a:noFill/>
-                </a:ln>
-                <a:solidFill>
-                  <a:srgbClr val="A71D5D"/>
-                </a:solidFill>
-                <a:effectLst/>
-                <a:latin typeface="Consolas" pitchFamily="49" charset="0"/>
-                <a:ea typeface="굴림" pitchFamily="50" charset="-127"/>
-                <a:cs typeface="굴림" pitchFamily="50" charset="-127"/>
-              </a:rPr>
-              <a:t>void</a:t>
-            </a:r>
-            <a:r>
-              <a:rPr kumimoji="1" lang="ko-KR" altLang="ko-KR" b="1" i="0" u="none" strike="noStrike" cap="none" normalizeH="0" baseline="0" dirty="0" smtClean="0">
-                <a:ln>
-                  <a:noFill/>
-                </a:ln>
-                <a:solidFill>
-                  <a:srgbClr val="010101"/>
-                </a:solidFill>
-                <a:effectLst/>
-                <a:latin typeface="Consolas" pitchFamily="49" charset="0"/>
-                <a:ea typeface="굴림" pitchFamily="50" charset="-127"/>
-                <a:cs typeface="굴림" pitchFamily="50" charset="-127"/>
-              </a:rPr>
-              <a:t> main()</a:t>
-            </a:r>
-          </a:p>
-          <a:p>
-            <a:pPr marL="0" marR="0" lvl="0" indent="0" algn="l" defTabSz="914400" rtl="0" eaLnBrk="0" fontAlgn="base" latinLnBrk="0" hangingPunct="0">
-              <a:lnSpc>
-                <a:spcPct val="100000"/>
-              </a:lnSpc>
-              <a:spcBef>
-                <a:spcPct val="0"/>
-              </a:spcBef>
-              <a:spcAft>
-                <a:spcPct val="0"/>
-              </a:spcAft>
-              <a:buClrTx/>
-              <a:buSzTx/>
-              <a:buFontTx/>
-              <a:buNone/>
-              <a:tabLst/>
-            </a:pPr>
-            <a:r>
-              <a:rPr kumimoji="1" lang="ko-KR" altLang="ko-KR" b="1" i="0" u="none" strike="noStrike" cap="none" normalizeH="0" baseline="0" dirty="0" smtClean="0">
-                <a:ln>
-                  <a:noFill/>
-                </a:ln>
-                <a:solidFill>
-                  <a:srgbClr val="010101"/>
-                </a:solidFill>
-                <a:effectLst/>
-                <a:latin typeface="Consolas" pitchFamily="49" charset="0"/>
-                <a:ea typeface="굴림" pitchFamily="50" charset="-127"/>
-                <a:cs typeface="굴림" pitchFamily="50" charset="-127"/>
-              </a:rPr>
-              <a:t>{</a:t>
-            </a:r>
-          </a:p>
-          <a:p>
-            <a:pPr marL="0" marR="0" lvl="0" indent="0" algn="l" defTabSz="914400" rtl="0" eaLnBrk="0" fontAlgn="base" latinLnBrk="0" hangingPunct="0">
-              <a:lnSpc>
-                <a:spcPct val="100000"/>
-              </a:lnSpc>
-              <a:spcBef>
-                <a:spcPct val="0"/>
-              </a:spcBef>
-              <a:spcAft>
-                <a:spcPct val="0"/>
-              </a:spcAft>
-              <a:buClrTx/>
-              <a:buSzTx/>
-              <a:buFontTx/>
-              <a:buNone/>
-              <a:tabLst/>
-            </a:pPr>
-            <a:r>
-              <a:rPr kumimoji="1" lang="en-US" altLang="ko-KR" b="1" i="0" u="none" strike="noStrike" cap="none" normalizeH="0" baseline="0" dirty="0" smtClean="0">
-                <a:ln>
-                  <a:noFill/>
-                </a:ln>
-                <a:solidFill>
-                  <a:srgbClr val="A71D5D"/>
-                </a:solidFill>
-                <a:effectLst/>
-                <a:latin typeface="Consolas" pitchFamily="49" charset="0"/>
-                <a:ea typeface="굴림" pitchFamily="50" charset="-127"/>
-                <a:cs typeface="굴림" pitchFamily="50" charset="-127"/>
-              </a:rPr>
-              <a:t>	</a:t>
-            </a:r>
-            <a:r>
-              <a:rPr kumimoji="1" lang="ko-KR" altLang="ko-KR" b="1" i="0" u="none" strike="noStrike" cap="none" normalizeH="0" baseline="0" dirty="0" smtClean="0">
-                <a:ln>
-                  <a:noFill/>
-                </a:ln>
-                <a:solidFill>
-                  <a:srgbClr val="A71D5D"/>
-                </a:solidFill>
-                <a:effectLst/>
-                <a:latin typeface="Consolas" pitchFamily="49" charset="0"/>
-                <a:ea typeface="굴림" pitchFamily="50" charset="-127"/>
-                <a:cs typeface="굴림" pitchFamily="50" charset="-127"/>
-              </a:rPr>
-              <a:t>const</a:t>
-            </a:r>
-            <a:r>
-              <a:rPr kumimoji="1" lang="ko-KR" altLang="ko-KR" b="1" i="0" u="none" strike="noStrike" cap="none" normalizeH="0" baseline="0" dirty="0" smtClean="0">
-                <a:ln>
-                  <a:noFill/>
-                </a:ln>
-                <a:solidFill>
-                  <a:srgbClr val="010101"/>
-                </a:solidFill>
-                <a:effectLst/>
-                <a:latin typeface="Consolas" pitchFamily="49" charset="0"/>
-                <a:ea typeface="굴림" pitchFamily="50" charset="-127"/>
-                <a:cs typeface="굴림" pitchFamily="50" charset="-127"/>
-              </a:rPr>
-              <a:t> Test t </a:t>
-            </a:r>
-            <a:r>
-              <a:rPr kumimoji="1" lang="ko-KR" altLang="ko-KR" b="1" i="0" u="none" strike="noStrike" cap="none" normalizeH="0" baseline="0" dirty="0" smtClean="0">
-                <a:ln>
-                  <a:noFill/>
-                </a:ln>
-                <a:solidFill>
-                  <a:srgbClr val="A71D5D"/>
-                </a:solidFill>
-                <a:effectLst/>
-                <a:latin typeface="Consolas" pitchFamily="49" charset="0"/>
-                <a:ea typeface="굴림" pitchFamily="50" charset="-127"/>
-                <a:cs typeface="굴림" pitchFamily="50" charset="-127"/>
-              </a:rPr>
-              <a:t>=</a:t>
-            </a:r>
-            <a:r>
-              <a:rPr kumimoji="1" lang="ko-KR" altLang="ko-KR" b="1" i="0" u="none" strike="noStrike" cap="none" normalizeH="0" baseline="0" dirty="0" smtClean="0">
-                <a:ln>
-                  <a:noFill/>
-                </a:ln>
-                <a:solidFill>
-                  <a:srgbClr val="010101"/>
-                </a:solidFill>
-                <a:effectLst/>
-                <a:latin typeface="Consolas" pitchFamily="49" charset="0"/>
-                <a:ea typeface="굴림" pitchFamily="50" charset="-127"/>
-                <a:cs typeface="굴림" pitchFamily="50" charset="-127"/>
-              </a:rPr>
-              <a:t> [</a:t>
-            </a:r>
-            <a:r>
-              <a:rPr kumimoji="1" lang="ko-KR" altLang="ko-KR" b="1" i="0" u="none" strike="noStrike" cap="none" normalizeH="0" baseline="0" dirty="0" smtClean="0">
-                <a:ln>
-                  <a:noFill/>
-                </a:ln>
-                <a:solidFill>
-                  <a:srgbClr val="A71D5D"/>
-                </a:solidFill>
-                <a:effectLst/>
-                <a:latin typeface="Consolas" pitchFamily="49" charset="0"/>
-                <a:ea typeface="굴림" pitchFamily="50" charset="-127"/>
-                <a:cs typeface="굴림" pitchFamily="50" charset="-127"/>
-              </a:rPr>
-              <a:t>&amp;</a:t>
-            </a:r>
-            <a:r>
-              <a:rPr kumimoji="1" lang="ko-KR" altLang="ko-KR" b="1" i="0" u="none" strike="noStrike" cap="none" normalizeH="0" baseline="0" dirty="0" smtClean="0">
-                <a:ln>
-                  <a:noFill/>
-                </a:ln>
-                <a:solidFill>
-                  <a:srgbClr val="010101"/>
-                </a:solidFill>
-                <a:effectLst/>
-                <a:latin typeface="Consolas" pitchFamily="49" charset="0"/>
-                <a:ea typeface="굴림" pitchFamily="50" charset="-127"/>
-                <a:cs typeface="굴림" pitchFamily="50" charset="-127"/>
-              </a:rPr>
-              <a:t>] {</a:t>
-            </a:r>
-          </a:p>
-          <a:p>
-            <a:pPr marL="0" marR="0" lvl="0" indent="0" algn="l" defTabSz="914400" rtl="0" eaLnBrk="0" fontAlgn="base" latinLnBrk="0" hangingPunct="0">
-              <a:lnSpc>
-                <a:spcPct val="100000"/>
-              </a:lnSpc>
-              <a:spcBef>
-                <a:spcPct val="0"/>
-              </a:spcBef>
-              <a:spcAft>
-                <a:spcPct val="0"/>
-              </a:spcAft>
-              <a:buClrTx/>
-              <a:buSzTx/>
-              <a:buFontTx/>
-              <a:buNone/>
-              <a:tabLst/>
-            </a:pPr>
-            <a:r>
-              <a:rPr kumimoji="1" lang="en-US" altLang="ko-KR" b="1" i="0" u="none" strike="noStrike" cap="none" normalizeH="0" baseline="0" dirty="0" smtClean="0">
-                <a:ln>
-                  <a:noFill/>
-                </a:ln>
-                <a:solidFill>
-                  <a:srgbClr val="010101"/>
-                </a:solidFill>
-                <a:effectLst/>
-                <a:latin typeface="Consolas" pitchFamily="49" charset="0"/>
-                <a:ea typeface="굴림" pitchFamily="50" charset="-127"/>
-                <a:cs typeface="굴림" pitchFamily="50" charset="-127"/>
-              </a:rPr>
-              <a:t>		</a:t>
-            </a:r>
-            <a:r>
-              <a:rPr kumimoji="1" lang="ko-KR" altLang="ko-KR" b="1" i="0" u="none" strike="noStrike" cap="none" normalizeH="0" baseline="0" dirty="0" smtClean="0">
-                <a:ln>
-                  <a:noFill/>
-                </a:ln>
-                <a:solidFill>
-                  <a:srgbClr val="010101"/>
-                </a:solidFill>
-                <a:effectLst/>
-                <a:latin typeface="Consolas" pitchFamily="49" charset="0"/>
-                <a:ea typeface="굴림" pitchFamily="50" charset="-127"/>
-                <a:cs typeface="굴림" pitchFamily="50" charset="-127"/>
-              </a:rPr>
-              <a:t>Test val;</a:t>
-            </a:r>
-          </a:p>
-          <a:p>
-            <a:pPr marL="0" marR="0" lvl="0" indent="0" algn="l" defTabSz="914400" rtl="0" eaLnBrk="0" fontAlgn="base" latinLnBrk="0" hangingPunct="0">
-              <a:lnSpc>
-                <a:spcPct val="100000"/>
-              </a:lnSpc>
-              <a:spcBef>
-                <a:spcPct val="0"/>
-              </a:spcBef>
-              <a:spcAft>
-                <a:spcPct val="0"/>
-              </a:spcAft>
-              <a:buClrTx/>
-              <a:buSzTx/>
-              <a:buFontTx/>
-              <a:buNone/>
-              <a:tabLst/>
-            </a:pPr>
-            <a:r>
-              <a:rPr kumimoji="1" lang="en-US" altLang="ko-KR" b="1" i="0" u="none" strike="noStrike" cap="none" normalizeH="0" baseline="0" dirty="0" smtClean="0">
-                <a:ln>
-                  <a:noFill/>
-                </a:ln>
-                <a:solidFill>
-                  <a:srgbClr val="A71D5D"/>
-                </a:solidFill>
-                <a:effectLst/>
-                <a:latin typeface="Consolas" pitchFamily="49" charset="0"/>
-                <a:ea typeface="굴림" pitchFamily="50" charset="-127"/>
-                <a:cs typeface="굴림" pitchFamily="50" charset="-127"/>
-              </a:rPr>
-              <a:t>		</a:t>
-            </a:r>
-            <a:r>
-              <a:rPr kumimoji="1" lang="ko-KR" altLang="ko-KR" b="1" i="0" u="none" strike="noStrike" cap="none" normalizeH="0" baseline="0" dirty="0" smtClean="0">
-                <a:ln>
-                  <a:noFill/>
-                </a:ln>
-                <a:solidFill>
-                  <a:srgbClr val="A71D5D"/>
-                </a:solidFill>
-                <a:effectLst/>
-                <a:latin typeface="Consolas" pitchFamily="49" charset="0"/>
-                <a:ea typeface="굴림" pitchFamily="50" charset="-127"/>
-                <a:cs typeface="굴림" pitchFamily="50" charset="-127"/>
-              </a:rPr>
-              <a:t>for</a:t>
-            </a:r>
-            <a:r>
-              <a:rPr kumimoji="1" lang="ko-KR" altLang="ko-KR" b="1" i="0" u="none" strike="noStrike" cap="none" normalizeH="0" baseline="0" dirty="0" smtClean="0">
-                <a:ln>
-                  <a:noFill/>
-                </a:ln>
-                <a:solidFill>
-                  <a:srgbClr val="010101"/>
-                </a:solidFill>
-                <a:effectLst/>
-                <a:latin typeface="Consolas" pitchFamily="49" charset="0"/>
-                <a:ea typeface="굴림" pitchFamily="50" charset="-127"/>
-                <a:cs typeface="굴림" pitchFamily="50" charset="-127"/>
-              </a:rPr>
-              <a:t> (</a:t>
-            </a:r>
-            <a:r>
-              <a:rPr kumimoji="1" lang="ko-KR" altLang="ko-KR" b="1" i="0" u="none" strike="noStrike" cap="none" normalizeH="0" baseline="0" dirty="0" smtClean="0">
-                <a:ln>
-                  <a:noFill/>
-                </a:ln>
-                <a:solidFill>
-                  <a:srgbClr val="066DE2"/>
-                </a:solidFill>
-                <a:effectLst/>
-                <a:latin typeface="Consolas" pitchFamily="49" charset="0"/>
-                <a:ea typeface="굴림" pitchFamily="50" charset="-127"/>
-                <a:cs typeface="굴림" pitchFamily="50" charset="-127"/>
-              </a:rPr>
-              <a:t>int</a:t>
-            </a:r>
-            <a:r>
-              <a:rPr kumimoji="1" lang="ko-KR" altLang="ko-KR" b="1" i="0" u="none" strike="noStrike" cap="none" normalizeH="0" baseline="0" dirty="0" smtClean="0">
-                <a:ln>
-                  <a:noFill/>
-                </a:ln>
-                <a:solidFill>
-                  <a:srgbClr val="010101"/>
-                </a:solidFill>
-                <a:effectLst/>
-                <a:latin typeface="Consolas" pitchFamily="49" charset="0"/>
-                <a:ea typeface="굴림" pitchFamily="50" charset="-127"/>
-                <a:cs typeface="굴림" pitchFamily="50" charset="-127"/>
-              </a:rPr>
-              <a:t> i </a:t>
-            </a:r>
-            <a:r>
-              <a:rPr kumimoji="1" lang="ko-KR" altLang="ko-KR" b="1" i="0" u="none" strike="noStrike" cap="none" normalizeH="0" baseline="0" dirty="0" smtClean="0">
-                <a:ln>
-                  <a:noFill/>
-                </a:ln>
-                <a:solidFill>
-                  <a:srgbClr val="A71D5D"/>
-                </a:solidFill>
-                <a:effectLst/>
-                <a:latin typeface="Consolas" pitchFamily="49" charset="0"/>
-                <a:ea typeface="굴림" pitchFamily="50" charset="-127"/>
-                <a:cs typeface="굴림" pitchFamily="50" charset="-127"/>
-              </a:rPr>
-              <a:t>=</a:t>
-            </a:r>
-            <a:r>
-              <a:rPr kumimoji="1" lang="ko-KR" altLang="ko-KR" b="1" i="0" u="none" strike="noStrike" cap="none" normalizeH="0" baseline="0" dirty="0" smtClean="0">
-                <a:ln>
-                  <a:noFill/>
-                </a:ln>
-                <a:solidFill>
-                  <a:srgbClr val="010101"/>
-                </a:solidFill>
-                <a:effectLst/>
-                <a:latin typeface="Consolas" pitchFamily="49" charset="0"/>
-                <a:ea typeface="굴림" pitchFamily="50" charset="-127"/>
-                <a:cs typeface="굴림" pitchFamily="50" charset="-127"/>
-              </a:rPr>
-              <a:t> </a:t>
-            </a:r>
-            <a:r>
-              <a:rPr kumimoji="1" lang="ko-KR" altLang="ko-KR" b="1" i="0" u="none" strike="noStrike" cap="none" normalizeH="0" baseline="0" dirty="0" smtClean="0">
-                <a:ln>
-                  <a:noFill/>
-                </a:ln>
-                <a:solidFill>
-                  <a:srgbClr val="0099CC"/>
-                </a:solidFill>
-                <a:effectLst/>
-                <a:latin typeface="Consolas" pitchFamily="49" charset="0"/>
-                <a:ea typeface="굴림" pitchFamily="50" charset="-127"/>
-                <a:cs typeface="굴림" pitchFamily="50" charset="-127"/>
-              </a:rPr>
-              <a:t>0</a:t>
-            </a:r>
-            <a:r>
-              <a:rPr kumimoji="1" lang="ko-KR" altLang="ko-KR" b="1" i="0" u="none" strike="noStrike" cap="none" normalizeH="0" baseline="0" dirty="0" smtClean="0">
-                <a:ln>
-                  <a:noFill/>
-                </a:ln>
-                <a:solidFill>
-                  <a:srgbClr val="010101"/>
-                </a:solidFill>
-                <a:effectLst/>
-                <a:latin typeface="Consolas" pitchFamily="49" charset="0"/>
-                <a:ea typeface="굴림" pitchFamily="50" charset="-127"/>
-                <a:cs typeface="굴림" pitchFamily="50" charset="-127"/>
-              </a:rPr>
-              <a:t>; i </a:t>
-            </a:r>
-            <a:r>
-              <a:rPr kumimoji="1" lang="ko-KR" altLang="ko-KR" b="1" i="0" u="none" strike="noStrike" cap="none" normalizeH="0" baseline="0" dirty="0" smtClean="0">
-                <a:ln>
-                  <a:noFill/>
-                </a:ln>
-                <a:solidFill>
-                  <a:srgbClr val="A71D5D"/>
-                </a:solidFill>
-                <a:effectLst/>
-                <a:latin typeface="Consolas" pitchFamily="49" charset="0"/>
-                <a:ea typeface="굴림" pitchFamily="50" charset="-127"/>
-                <a:cs typeface="굴림" pitchFamily="50" charset="-127"/>
-              </a:rPr>
-              <a:t>&lt;</a:t>
-            </a:r>
-            <a:r>
-              <a:rPr kumimoji="1" lang="ko-KR" altLang="ko-KR" b="1" i="0" u="none" strike="noStrike" cap="none" normalizeH="0" baseline="0" dirty="0" smtClean="0">
-                <a:ln>
-                  <a:noFill/>
-                </a:ln>
-                <a:solidFill>
-                  <a:srgbClr val="010101"/>
-                </a:solidFill>
-                <a:effectLst/>
-                <a:latin typeface="Consolas" pitchFamily="49" charset="0"/>
-                <a:ea typeface="굴림" pitchFamily="50" charset="-127"/>
-                <a:cs typeface="굴림" pitchFamily="50" charset="-127"/>
-              </a:rPr>
-              <a:t> </a:t>
-            </a:r>
-            <a:r>
-              <a:rPr kumimoji="1" lang="ko-KR" altLang="ko-KR" b="1" i="0" u="none" strike="noStrike" cap="none" normalizeH="0" baseline="0" dirty="0" smtClean="0">
-                <a:ln>
-                  <a:noFill/>
-                </a:ln>
-                <a:solidFill>
-                  <a:srgbClr val="0099CC"/>
-                </a:solidFill>
-                <a:effectLst/>
-                <a:latin typeface="Consolas" pitchFamily="49" charset="0"/>
-                <a:ea typeface="굴림" pitchFamily="50" charset="-127"/>
-                <a:cs typeface="굴림" pitchFamily="50" charset="-127"/>
-              </a:rPr>
-              <a:t>10</a:t>
-            </a:r>
-            <a:r>
-              <a:rPr kumimoji="1" lang="ko-KR" altLang="ko-KR" b="1" i="0" u="none" strike="noStrike" cap="none" normalizeH="0" baseline="0" dirty="0" smtClean="0">
-                <a:ln>
-                  <a:noFill/>
-                </a:ln>
-                <a:solidFill>
-                  <a:srgbClr val="010101"/>
-                </a:solidFill>
-                <a:effectLst/>
-                <a:latin typeface="Consolas" pitchFamily="49" charset="0"/>
-                <a:ea typeface="굴림" pitchFamily="50" charset="-127"/>
-                <a:cs typeface="굴림" pitchFamily="50" charset="-127"/>
-              </a:rPr>
-              <a:t>; i</a:t>
-            </a:r>
-            <a:r>
-              <a:rPr kumimoji="1" lang="ko-KR" altLang="ko-KR" b="1" i="0" u="none" strike="noStrike" cap="none" normalizeH="0" baseline="0" dirty="0" smtClean="0">
-                <a:ln>
-                  <a:noFill/>
-                </a:ln>
-                <a:solidFill>
-                  <a:srgbClr val="A71D5D"/>
-                </a:solidFill>
-                <a:effectLst/>
-                <a:latin typeface="Consolas" pitchFamily="49" charset="0"/>
-                <a:ea typeface="굴림" pitchFamily="50" charset="-127"/>
-                <a:cs typeface="굴림" pitchFamily="50" charset="-127"/>
-              </a:rPr>
-              <a:t>++</a:t>
-            </a:r>
-            <a:r>
-              <a:rPr kumimoji="1" lang="ko-KR" altLang="ko-KR" b="1" i="0" u="none" strike="noStrike" cap="none" normalizeH="0" baseline="0" dirty="0" smtClean="0">
-                <a:ln>
-                  <a:noFill/>
-                </a:ln>
-                <a:solidFill>
-                  <a:srgbClr val="010101"/>
-                </a:solidFill>
-                <a:effectLst/>
-                <a:latin typeface="Consolas" pitchFamily="49" charset="0"/>
-                <a:ea typeface="굴림" pitchFamily="50" charset="-127"/>
-                <a:cs typeface="굴림" pitchFamily="50" charset="-127"/>
-              </a:rPr>
-              <a:t>)</a:t>
-            </a:r>
-          </a:p>
-          <a:p>
-            <a:pPr marL="0" marR="0" lvl="0" indent="0" algn="l" defTabSz="914400" rtl="0" eaLnBrk="0" fontAlgn="base" latinLnBrk="0" hangingPunct="0">
-              <a:lnSpc>
-                <a:spcPct val="100000"/>
-              </a:lnSpc>
-              <a:spcBef>
-                <a:spcPct val="0"/>
-              </a:spcBef>
-              <a:spcAft>
-                <a:spcPct val="0"/>
-              </a:spcAft>
-              <a:buClrTx/>
-              <a:buSzTx/>
-              <a:buFontTx/>
-              <a:buNone/>
-              <a:tabLst/>
-            </a:pPr>
-            <a:r>
-              <a:rPr kumimoji="1" lang="en-US" altLang="ko-KR" b="1" i="0" u="none" strike="noStrike" cap="none" normalizeH="0" baseline="0" dirty="0" smtClean="0">
-                <a:ln>
-                  <a:noFill/>
-                </a:ln>
-                <a:solidFill>
-                  <a:srgbClr val="010101"/>
-                </a:solidFill>
-                <a:effectLst/>
-                <a:latin typeface="Consolas" pitchFamily="49" charset="0"/>
-                <a:ea typeface="굴림" pitchFamily="50" charset="-127"/>
-                <a:cs typeface="굴림" pitchFamily="50" charset="-127"/>
-              </a:rPr>
-              <a:t>		</a:t>
-            </a:r>
-            <a:r>
-              <a:rPr kumimoji="1" lang="ko-KR" altLang="ko-KR" b="1" i="0" u="none" strike="noStrike" cap="none" normalizeH="0" baseline="0" dirty="0" smtClean="0">
-                <a:ln>
-                  <a:noFill/>
-                </a:ln>
-                <a:solidFill>
-                  <a:srgbClr val="010101"/>
-                </a:solidFill>
-                <a:effectLst/>
-                <a:latin typeface="Consolas" pitchFamily="49" charset="0"/>
-                <a:ea typeface="굴림" pitchFamily="50" charset="-127"/>
-                <a:cs typeface="굴림" pitchFamily="50" charset="-127"/>
-              </a:rPr>
-              <a:t>val </a:t>
-            </a:r>
-            <a:r>
-              <a:rPr kumimoji="1" lang="ko-KR" altLang="ko-KR" b="1" i="0" u="none" strike="noStrike" cap="none" normalizeH="0" baseline="0" dirty="0" smtClean="0">
-                <a:ln>
-                  <a:noFill/>
-                </a:ln>
-                <a:solidFill>
-                  <a:srgbClr val="A71D5D"/>
-                </a:solidFill>
-                <a:effectLst/>
-                <a:latin typeface="Consolas" pitchFamily="49" charset="0"/>
-                <a:ea typeface="굴림" pitchFamily="50" charset="-127"/>
-                <a:cs typeface="굴림" pitchFamily="50" charset="-127"/>
-              </a:rPr>
-              <a:t>+=</a:t>
-            </a:r>
-            <a:r>
-              <a:rPr kumimoji="1" lang="ko-KR" altLang="ko-KR" b="1" i="0" u="none" strike="noStrike" cap="none" normalizeH="0" baseline="0" dirty="0" smtClean="0">
-                <a:ln>
-                  <a:noFill/>
-                </a:ln>
-                <a:solidFill>
-                  <a:srgbClr val="010101"/>
-                </a:solidFill>
-                <a:effectLst/>
-                <a:latin typeface="Consolas" pitchFamily="49" charset="0"/>
-                <a:ea typeface="굴림" pitchFamily="50" charset="-127"/>
-                <a:cs typeface="굴림" pitchFamily="50" charset="-127"/>
-              </a:rPr>
-              <a:t> i;</a:t>
-            </a:r>
-          </a:p>
-          <a:p>
-            <a:pPr marL="0" marR="0" lvl="0" indent="0" algn="l" defTabSz="914400" rtl="0" eaLnBrk="0" fontAlgn="base" latinLnBrk="0" hangingPunct="0">
-              <a:lnSpc>
-                <a:spcPct val="100000"/>
-              </a:lnSpc>
-              <a:spcBef>
-                <a:spcPct val="0"/>
-              </a:spcBef>
-              <a:spcAft>
-                <a:spcPct val="0"/>
-              </a:spcAft>
-              <a:buClrTx/>
-              <a:buSzTx/>
-              <a:buFontTx/>
-              <a:buNone/>
-              <a:tabLst/>
-            </a:pPr>
-            <a:r>
-              <a:rPr kumimoji="1" lang="en-US" altLang="ko-KR" b="1" i="0" u="none" strike="noStrike" cap="none" normalizeH="0" baseline="0" dirty="0" smtClean="0">
-                <a:ln>
-                  <a:noFill/>
-                </a:ln>
-                <a:solidFill>
-                  <a:srgbClr val="A71D5D"/>
-                </a:solidFill>
-                <a:effectLst/>
-                <a:latin typeface="Consolas" pitchFamily="49" charset="0"/>
-                <a:ea typeface="굴림" pitchFamily="50" charset="-127"/>
-                <a:cs typeface="굴림" pitchFamily="50" charset="-127"/>
-              </a:rPr>
-              <a:t>		</a:t>
-            </a:r>
-            <a:r>
-              <a:rPr kumimoji="1" lang="ko-KR" altLang="ko-KR" b="1" i="0" u="none" strike="noStrike" cap="none" normalizeH="0" baseline="0" dirty="0" smtClean="0">
-                <a:ln>
-                  <a:noFill/>
-                </a:ln>
-                <a:solidFill>
-                  <a:srgbClr val="A71D5D"/>
-                </a:solidFill>
-                <a:effectLst/>
-                <a:latin typeface="Consolas" pitchFamily="49" charset="0"/>
-                <a:ea typeface="굴림" pitchFamily="50" charset="-127"/>
-                <a:cs typeface="굴림" pitchFamily="50" charset="-127"/>
-              </a:rPr>
-              <a:t>return</a:t>
-            </a:r>
-            <a:r>
-              <a:rPr kumimoji="1" lang="ko-KR" altLang="ko-KR" b="1" i="0" u="none" strike="noStrike" cap="none" normalizeH="0" baseline="0" dirty="0" smtClean="0">
-                <a:ln>
-                  <a:noFill/>
-                </a:ln>
-                <a:solidFill>
-                  <a:srgbClr val="010101"/>
-                </a:solidFill>
-                <a:effectLst/>
-                <a:latin typeface="Consolas" pitchFamily="49" charset="0"/>
-                <a:ea typeface="굴림" pitchFamily="50" charset="-127"/>
-                <a:cs typeface="굴림" pitchFamily="50" charset="-127"/>
-              </a:rPr>
-              <a:t> val;</a:t>
-            </a:r>
-          </a:p>
-          <a:p>
-            <a:pPr marL="0" marR="0" lvl="0" indent="0" algn="l" defTabSz="914400" rtl="0" eaLnBrk="0" fontAlgn="base" latinLnBrk="0" hangingPunct="0">
-              <a:lnSpc>
-                <a:spcPct val="100000"/>
-              </a:lnSpc>
-              <a:spcBef>
-                <a:spcPct val="0"/>
-              </a:spcBef>
-              <a:spcAft>
-                <a:spcPct val="0"/>
-              </a:spcAft>
-              <a:buClrTx/>
-              <a:buSzTx/>
-              <a:buFontTx/>
-              <a:buNone/>
-              <a:tabLst/>
-            </a:pPr>
-            <a:r>
-              <a:rPr kumimoji="1" lang="en-US" altLang="ko-KR" b="1" i="0" u="none" strike="noStrike" cap="none" normalizeH="0" baseline="0" dirty="0" smtClean="0">
-                <a:ln>
-                  <a:noFill/>
-                </a:ln>
-                <a:solidFill>
-                  <a:srgbClr val="010101"/>
-                </a:solidFill>
-                <a:effectLst/>
-                <a:latin typeface="Consolas" pitchFamily="49" charset="0"/>
-                <a:ea typeface="굴림" pitchFamily="50" charset="-127"/>
-                <a:cs typeface="굴림" pitchFamily="50" charset="-127"/>
-              </a:rPr>
-              <a:t>	</a:t>
-            </a:r>
-            <a:r>
-              <a:rPr kumimoji="1" lang="ko-KR" altLang="ko-KR" b="1" i="0" u="none" strike="noStrike" cap="none" normalizeH="0" baseline="0" dirty="0" smtClean="0">
-                <a:ln>
-                  <a:noFill/>
-                </a:ln>
-                <a:solidFill>
-                  <a:srgbClr val="010101"/>
-                </a:solidFill>
-                <a:effectLst/>
-                <a:latin typeface="Consolas" pitchFamily="49" charset="0"/>
-                <a:ea typeface="굴림" pitchFamily="50" charset="-127"/>
-                <a:cs typeface="굴림" pitchFamily="50" charset="-127"/>
-              </a:rPr>
-              <a:t>}();</a:t>
-            </a:r>
-          </a:p>
-          <a:p>
-            <a:pPr marL="0" marR="0" lvl="0" indent="0" algn="l" defTabSz="914400" rtl="0" eaLnBrk="0" fontAlgn="base" latinLnBrk="0" hangingPunct="0">
-              <a:lnSpc>
-                <a:spcPct val="100000"/>
-              </a:lnSpc>
-              <a:spcBef>
-                <a:spcPct val="0"/>
-              </a:spcBef>
-              <a:spcAft>
-                <a:spcPct val="0"/>
-              </a:spcAft>
-              <a:buClrTx/>
-              <a:buSzTx/>
-              <a:buFontTx/>
-              <a:buNone/>
-              <a:tabLst/>
-            </a:pPr>
-            <a:r>
-              <a:rPr kumimoji="1" lang="ko-KR" altLang="ko-KR" b="1" i="0" u="none" strike="noStrike" cap="none" normalizeH="0" baseline="0" dirty="0" smtClean="0">
-                <a:ln>
-                  <a:noFill/>
-                </a:ln>
-                <a:solidFill>
-                  <a:srgbClr val="010101"/>
-                </a:solidFill>
-                <a:effectLst/>
-                <a:latin typeface="Consolas" pitchFamily="49" charset="0"/>
-                <a:ea typeface="굴림" pitchFamily="50" charset="-127"/>
-                <a:cs typeface="굴림" pitchFamily="50" charset="-127"/>
-              </a:rPr>
-              <a:t>}</a:t>
-            </a:r>
-            <a:endParaRPr kumimoji="1" lang="ko-KR" altLang="ko-KR" sz="1200" b="1" i="0" u="none" strike="noStrike" cap="none" normalizeH="0" baseline="0" dirty="0" smtClean="0">
-              <a:ln>
-                <a:noFill/>
-              </a:ln>
-              <a:solidFill>
-                <a:schemeClr val="tx1"/>
-              </a:solidFill>
-              <a:effectLst/>
-              <a:latin typeface="굴림" pitchFamily="50" charset="-127"/>
-              <a:ea typeface="굴림" pitchFamily="50" charset="-127"/>
-              <a:cs typeface="굴림" pitchFamily="50" charset="-127"/>
-            </a:endParaRPr>
-          </a:p>
-        </p:txBody>
-      </p:sp>
+      </p:pic>
     </p:spTree>
     <p:extLst>
       <p:ext uri="{BB962C8B-B14F-4D97-AF65-F5344CB8AC3E}">
-        <p14:creationId xmlns:p14="http://schemas.microsoft.com/office/powerpoint/2010/main" val="3862124620"/>
+        <p14:creationId xmlns:p14="http://schemas.microsoft.com/office/powerpoint/2010/main" val="2883966072"/>
       </p:ext>
     </p:extLst>
   </p:cSld>
@@ -5800,6 +4630,2806 @@
         <p:spPr>
           <a:xfrm>
             <a:off x="395536" y="654948"/>
+            <a:ext cx="8676456" cy="400110"/>
+          </a:xfrm>
+          <a:prstGeom prst="rect">
+            <a:avLst/>
+          </a:prstGeom>
+          <a:noFill/>
+        </p:spPr>
+        <p:txBody>
+          <a:bodyPr wrap="square" rtlCol="0">
+            <a:spAutoFit/>
+          </a:bodyPr>
+          <a:lstStyle/>
+          <a:p>
+            <a:pPr marL="285750" indent="-285750">
+              <a:buFont typeface="Arial" pitchFamily="34" charset="0"/>
+              <a:buChar char="•"/>
+            </a:pPr>
+            <a:r>
+              <a:rPr lang="en-US" altLang="ko-KR" sz="2000" dirty="0" smtClean="0">
+                <a:ln>
+                  <a:solidFill>
+                    <a:schemeClr val="tx1">
+                      <a:alpha val="30000"/>
+                    </a:schemeClr>
+                  </a:solidFill>
+                </a:ln>
+                <a:latin typeface="HY견고딕" pitchFamily="18" charset="-127"/>
+                <a:ea typeface="HY견고딕" pitchFamily="18" charset="-127"/>
+              </a:rPr>
+              <a:t>ES.23</a:t>
+            </a:r>
+            <a:r>
+              <a:rPr lang="ko-KR" altLang="en-US" sz="2000" dirty="0">
+                <a:ln>
+                  <a:solidFill>
+                    <a:schemeClr val="tx1">
+                      <a:alpha val="30000"/>
+                    </a:schemeClr>
+                  </a:solidFill>
+                </a:ln>
+                <a:latin typeface="HY견고딕" pitchFamily="18" charset="-127"/>
+                <a:ea typeface="HY견고딕" pitchFamily="18" charset="-127"/>
+              </a:rPr>
+              <a:t> </a:t>
+            </a:r>
+            <a:r>
+              <a:rPr lang="en-US" altLang="ko-KR" sz="2000" dirty="0" smtClean="0">
+                <a:ln>
+                  <a:solidFill>
+                    <a:schemeClr val="tx1">
+                      <a:alpha val="30000"/>
+                    </a:schemeClr>
+                  </a:solidFill>
+                </a:ln>
+                <a:latin typeface="HY견고딕" pitchFamily="18" charset="-127"/>
+                <a:ea typeface="HY견고딕" pitchFamily="18" charset="-127"/>
+              </a:rPr>
+              <a:t>{} </a:t>
+            </a:r>
+            <a:r>
+              <a:rPr lang="ko-KR" altLang="en-US" sz="2000" dirty="0" smtClean="0">
+                <a:ln>
+                  <a:solidFill>
+                    <a:schemeClr val="tx1">
+                      <a:alpha val="30000"/>
+                    </a:schemeClr>
+                  </a:solidFill>
+                </a:ln>
+                <a:latin typeface="HY견고딕" pitchFamily="18" charset="-127"/>
+                <a:ea typeface="HY견고딕" pitchFamily="18" charset="-127"/>
+              </a:rPr>
+              <a:t>초기화 구문을 선호하라</a:t>
+            </a:r>
+            <a:endParaRPr lang="en-US" altLang="ko-KR" sz="2000" dirty="0" smtClean="0">
+              <a:ln>
+                <a:solidFill>
+                  <a:schemeClr val="tx1">
+                    <a:alpha val="30000"/>
+                  </a:schemeClr>
+                </a:solidFill>
+              </a:ln>
+              <a:latin typeface="HY견고딕" pitchFamily="18" charset="-127"/>
+              <a:ea typeface="HY견고딕" pitchFamily="18" charset="-127"/>
+            </a:endParaRPr>
+          </a:p>
+        </p:txBody>
+      </p:sp>
+      <p:sp>
+        <p:nvSpPr>
+          <p:cNvPr id="7" name="TextBox 6"/>
+          <p:cNvSpPr txBox="1"/>
+          <p:nvPr/>
+        </p:nvSpPr>
+        <p:spPr>
+          <a:xfrm>
+            <a:off x="529672" y="1196752"/>
+            <a:ext cx="8676456" cy="3539430"/>
+          </a:xfrm>
+          <a:prstGeom prst="rect">
+            <a:avLst/>
+          </a:prstGeom>
+          <a:noFill/>
+        </p:spPr>
+        <p:txBody>
+          <a:bodyPr wrap="square" rtlCol="0">
+            <a:spAutoFit/>
+          </a:bodyPr>
+          <a:lstStyle/>
+          <a:p>
+            <a:pPr marL="457200" indent="-457200">
+              <a:buFontTx/>
+              <a:buChar char="-"/>
+            </a:pPr>
+            <a:r>
+              <a:rPr lang="ko-KR" altLang="en-US" sz="1400" dirty="0" smtClean="0">
+                <a:ln>
+                  <a:solidFill>
+                    <a:schemeClr val="tx1">
+                      <a:alpha val="30000"/>
+                    </a:schemeClr>
+                  </a:solidFill>
+                </a:ln>
+                <a:latin typeface="HY견고딕" pitchFamily="18" charset="-127"/>
+                <a:ea typeface="HY견고딕" pitchFamily="18" charset="-127"/>
+              </a:rPr>
+              <a:t>좁아지는 변환이 일어나지 않는다</a:t>
+            </a:r>
+            <a:r>
+              <a:rPr lang="en-US" altLang="ko-KR" sz="1400" dirty="0" smtClean="0">
+                <a:ln>
+                  <a:solidFill>
+                    <a:schemeClr val="tx1">
+                      <a:alpha val="30000"/>
+                    </a:schemeClr>
+                  </a:solidFill>
+                </a:ln>
+                <a:latin typeface="HY견고딕" pitchFamily="18" charset="-127"/>
+                <a:ea typeface="HY견고딕" pitchFamily="18" charset="-127"/>
+              </a:rPr>
+              <a:t>.</a:t>
+            </a:r>
+          </a:p>
+          <a:p>
+            <a:pPr marL="914400" lvl="1" indent="-457200">
+              <a:buFontTx/>
+              <a:buChar char="-"/>
+            </a:pPr>
+            <a:r>
+              <a:rPr lang="en-US" altLang="ko-KR" sz="1100" b="1" dirty="0" smtClean="0">
+                <a:ln>
+                  <a:solidFill>
+                    <a:schemeClr val="tx1">
+                      <a:alpha val="30000"/>
+                    </a:schemeClr>
+                  </a:solidFill>
+                </a:ln>
+                <a:latin typeface="HY신명조" pitchFamily="18" charset="-127"/>
+                <a:ea typeface="HY신명조" pitchFamily="18" charset="-127"/>
+              </a:rPr>
+              <a:t>char </a:t>
+            </a:r>
+            <a:r>
+              <a:rPr lang="ko-KR" altLang="en-US" sz="1100" b="1" dirty="0" err="1" smtClean="0">
+                <a:ln>
+                  <a:solidFill>
+                    <a:schemeClr val="tx1">
+                      <a:alpha val="30000"/>
+                    </a:schemeClr>
+                  </a:solidFill>
+                </a:ln>
+                <a:latin typeface="HY신명조" pitchFamily="18" charset="-127"/>
+                <a:ea typeface="HY신명조" pitchFamily="18" charset="-127"/>
+              </a:rPr>
+              <a:t>자료형은</a:t>
+            </a:r>
+            <a:r>
+              <a:rPr lang="ko-KR" altLang="en-US" sz="1100" b="1" dirty="0" smtClean="0">
+                <a:ln>
+                  <a:solidFill>
+                    <a:schemeClr val="tx1">
+                      <a:alpha val="30000"/>
+                    </a:schemeClr>
+                  </a:solidFill>
+                </a:ln>
+                <a:latin typeface="HY신명조" pitchFamily="18" charset="-127"/>
+                <a:ea typeface="HY신명조" pitchFamily="18" charset="-127"/>
+              </a:rPr>
+              <a:t> </a:t>
+            </a:r>
+            <a:r>
+              <a:rPr lang="en-US" altLang="ko-KR" sz="1100" b="1" dirty="0" smtClean="0">
+                <a:ln>
+                  <a:solidFill>
+                    <a:schemeClr val="tx1">
+                      <a:alpha val="30000"/>
+                    </a:schemeClr>
+                  </a:solidFill>
+                </a:ln>
+                <a:latin typeface="HY신명조" pitchFamily="18" charset="-127"/>
+                <a:ea typeface="HY신명조" pitchFamily="18" charset="-127"/>
+              </a:rPr>
+              <a:t>-128 ~ 127</a:t>
+            </a:r>
+            <a:r>
+              <a:rPr lang="ko-KR" altLang="en-US" sz="1100" b="1" dirty="0" smtClean="0">
+                <a:ln>
+                  <a:solidFill>
+                    <a:schemeClr val="tx1">
+                      <a:alpha val="30000"/>
+                    </a:schemeClr>
+                  </a:solidFill>
+                </a:ln>
+                <a:latin typeface="HY신명조" pitchFamily="18" charset="-127"/>
+                <a:ea typeface="HY신명조" pitchFamily="18" charset="-127"/>
+              </a:rPr>
+              <a:t>까지 저장 가능 하므로 범위를 벗어나는 정보를 저장할 경우 </a:t>
+            </a:r>
+            <a:r>
+              <a:rPr lang="ko-KR" altLang="en-US" sz="1100" b="1" dirty="0" err="1" smtClean="0">
+                <a:ln>
+                  <a:solidFill>
+                    <a:schemeClr val="tx1">
+                      <a:alpha val="30000"/>
+                    </a:schemeClr>
+                  </a:solidFill>
+                </a:ln>
+                <a:latin typeface="HY신명조" pitchFamily="18" charset="-127"/>
+                <a:ea typeface="HY신명조" pitchFamily="18" charset="-127"/>
+              </a:rPr>
+              <a:t>오동작이</a:t>
+            </a:r>
+            <a:r>
+              <a:rPr lang="ko-KR" altLang="en-US" sz="1100" b="1" dirty="0" smtClean="0">
+                <a:ln>
+                  <a:solidFill>
+                    <a:schemeClr val="tx1">
+                      <a:alpha val="30000"/>
+                    </a:schemeClr>
+                  </a:solidFill>
+                </a:ln>
+                <a:latin typeface="HY신명조" pitchFamily="18" charset="-127"/>
+                <a:ea typeface="HY신명조" pitchFamily="18" charset="-127"/>
+              </a:rPr>
+              <a:t> 발생할 수 있다</a:t>
+            </a:r>
+            <a:r>
+              <a:rPr lang="en-US" altLang="ko-KR" sz="1100" b="1" dirty="0" smtClean="0">
+                <a:ln>
+                  <a:solidFill>
+                    <a:schemeClr val="tx1">
+                      <a:alpha val="30000"/>
+                    </a:schemeClr>
+                  </a:solidFill>
+                </a:ln>
+                <a:latin typeface="HY신명조" pitchFamily="18" charset="-127"/>
+                <a:ea typeface="HY신명조" pitchFamily="18" charset="-127"/>
+              </a:rPr>
+              <a:t>.</a:t>
+            </a:r>
+          </a:p>
+          <a:p>
+            <a:pPr marL="914400" lvl="1" indent="-457200">
+              <a:buFontTx/>
+              <a:buChar char="-"/>
+            </a:pPr>
+            <a:endParaRPr lang="en-US" altLang="ko-KR" sz="1100" b="1" dirty="0">
+              <a:ln>
+                <a:solidFill>
+                  <a:schemeClr val="tx1">
+                    <a:alpha val="30000"/>
+                  </a:schemeClr>
+                </a:solidFill>
+              </a:ln>
+              <a:latin typeface="HY신명조" pitchFamily="18" charset="-127"/>
+              <a:ea typeface="HY신명조" pitchFamily="18" charset="-127"/>
+            </a:endParaRPr>
+          </a:p>
+          <a:p>
+            <a:pPr marL="914400" lvl="1" indent="-457200">
+              <a:buFontTx/>
+              <a:buChar char="-"/>
+            </a:pPr>
+            <a:endParaRPr lang="en-US" altLang="ko-KR" sz="1100" b="1" dirty="0" smtClean="0">
+              <a:ln>
+                <a:solidFill>
+                  <a:schemeClr val="tx1">
+                    <a:alpha val="30000"/>
+                  </a:schemeClr>
+                </a:solidFill>
+              </a:ln>
+              <a:latin typeface="HY신명조" pitchFamily="18" charset="-127"/>
+              <a:ea typeface="HY신명조" pitchFamily="18" charset="-127"/>
+            </a:endParaRPr>
+          </a:p>
+          <a:p>
+            <a:pPr marL="914400" lvl="1" indent="-457200">
+              <a:buFontTx/>
+              <a:buChar char="-"/>
+            </a:pPr>
+            <a:endParaRPr lang="en-US" altLang="ko-KR" sz="1100" b="1" dirty="0">
+              <a:ln>
+                <a:solidFill>
+                  <a:schemeClr val="tx1">
+                    <a:alpha val="30000"/>
+                  </a:schemeClr>
+                </a:solidFill>
+              </a:ln>
+              <a:latin typeface="HY신명조" pitchFamily="18" charset="-127"/>
+              <a:ea typeface="HY신명조" pitchFamily="18" charset="-127"/>
+            </a:endParaRPr>
+          </a:p>
+          <a:p>
+            <a:pPr marL="914400" lvl="1" indent="-457200">
+              <a:buFontTx/>
+              <a:buChar char="-"/>
+            </a:pPr>
+            <a:endParaRPr lang="en-US" altLang="ko-KR" sz="1100" b="1" dirty="0" smtClean="0">
+              <a:ln>
+                <a:solidFill>
+                  <a:schemeClr val="tx1">
+                    <a:alpha val="30000"/>
+                  </a:schemeClr>
+                </a:solidFill>
+              </a:ln>
+              <a:latin typeface="HY신명조" pitchFamily="18" charset="-127"/>
+              <a:ea typeface="HY신명조" pitchFamily="18" charset="-127"/>
+            </a:endParaRPr>
+          </a:p>
+          <a:p>
+            <a:pPr marL="914400" lvl="1" indent="-457200">
+              <a:buFontTx/>
+              <a:buChar char="-"/>
+            </a:pPr>
+            <a:endParaRPr lang="en-US" altLang="ko-KR" sz="1100" b="1" dirty="0">
+              <a:ln>
+                <a:solidFill>
+                  <a:schemeClr val="tx1">
+                    <a:alpha val="30000"/>
+                  </a:schemeClr>
+                </a:solidFill>
+              </a:ln>
+              <a:latin typeface="HY신명조" pitchFamily="18" charset="-127"/>
+              <a:ea typeface="HY신명조" pitchFamily="18" charset="-127"/>
+            </a:endParaRPr>
+          </a:p>
+          <a:p>
+            <a:pPr marL="914400" lvl="1" indent="-457200">
+              <a:buFontTx/>
+              <a:buChar char="-"/>
+            </a:pPr>
+            <a:endParaRPr lang="en-US" altLang="ko-KR" sz="1100" b="1" dirty="0" smtClean="0">
+              <a:ln>
+                <a:solidFill>
+                  <a:schemeClr val="tx1">
+                    <a:alpha val="30000"/>
+                  </a:schemeClr>
+                </a:solidFill>
+              </a:ln>
+              <a:latin typeface="HY신명조" pitchFamily="18" charset="-127"/>
+              <a:ea typeface="HY신명조" pitchFamily="18" charset="-127"/>
+            </a:endParaRPr>
+          </a:p>
+          <a:p>
+            <a:pPr marL="914400" lvl="1" indent="-457200">
+              <a:buFontTx/>
+              <a:buChar char="-"/>
+            </a:pPr>
+            <a:endParaRPr lang="en-US" altLang="ko-KR" sz="1100" b="1" dirty="0">
+              <a:ln>
+                <a:solidFill>
+                  <a:schemeClr val="tx1">
+                    <a:alpha val="30000"/>
+                  </a:schemeClr>
+                </a:solidFill>
+              </a:ln>
+              <a:latin typeface="HY신명조" pitchFamily="18" charset="-127"/>
+              <a:ea typeface="HY신명조" pitchFamily="18" charset="-127"/>
+            </a:endParaRPr>
+          </a:p>
+          <a:p>
+            <a:pPr marL="914400" lvl="1" indent="-457200">
+              <a:buFontTx/>
+              <a:buChar char="-"/>
+            </a:pPr>
+            <a:endParaRPr lang="en-US" altLang="ko-KR" sz="1100" b="1" dirty="0" smtClean="0">
+              <a:ln>
+                <a:solidFill>
+                  <a:schemeClr val="tx1">
+                    <a:alpha val="30000"/>
+                  </a:schemeClr>
+                </a:solidFill>
+              </a:ln>
+              <a:latin typeface="HY신명조" pitchFamily="18" charset="-127"/>
+              <a:ea typeface="HY신명조" pitchFamily="18" charset="-127"/>
+            </a:endParaRPr>
+          </a:p>
+          <a:p>
+            <a:pPr marL="914400" lvl="1" indent="-457200">
+              <a:buFontTx/>
+              <a:buChar char="-"/>
+            </a:pPr>
+            <a:endParaRPr lang="en-US" altLang="ko-KR" sz="1100" b="1" dirty="0">
+              <a:ln>
+                <a:solidFill>
+                  <a:schemeClr val="tx1">
+                    <a:alpha val="30000"/>
+                  </a:schemeClr>
+                </a:solidFill>
+              </a:ln>
+              <a:latin typeface="HY신명조" pitchFamily="18" charset="-127"/>
+              <a:ea typeface="HY신명조" pitchFamily="18" charset="-127"/>
+            </a:endParaRPr>
+          </a:p>
+          <a:p>
+            <a:pPr marL="914400" lvl="1" indent="-457200">
+              <a:buFontTx/>
+              <a:buChar char="-"/>
+            </a:pPr>
+            <a:endParaRPr lang="en-US" altLang="ko-KR" sz="1100" b="1" dirty="0" smtClean="0">
+              <a:ln>
+                <a:solidFill>
+                  <a:schemeClr val="tx1">
+                    <a:alpha val="30000"/>
+                  </a:schemeClr>
+                </a:solidFill>
+              </a:ln>
+              <a:latin typeface="HY신명조" pitchFamily="18" charset="-127"/>
+              <a:ea typeface="HY신명조" pitchFamily="18" charset="-127"/>
+            </a:endParaRPr>
+          </a:p>
+          <a:p>
+            <a:pPr marL="914400" lvl="1" indent="-457200">
+              <a:buFontTx/>
+              <a:buChar char="-"/>
+            </a:pPr>
+            <a:endParaRPr lang="en-US" altLang="ko-KR" sz="1100" b="1" dirty="0">
+              <a:ln>
+                <a:solidFill>
+                  <a:schemeClr val="tx1">
+                    <a:alpha val="30000"/>
+                  </a:schemeClr>
+                </a:solidFill>
+              </a:ln>
+              <a:latin typeface="HY신명조" pitchFamily="18" charset="-127"/>
+              <a:ea typeface="HY신명조" pitchFamily="18" charset="-127"/>
+            </a:endParaRPr>
+          </a:p>
+          <a:p>
+            <a:pPr marL="914400" lvl="1" indent="-457200">
+              <a:buFontTx/>
+              <a:buChar char="-"/>
+            </a:pPr>
+            <a:endParaRPr lang="en-US" altLang="ko-KR" sz="1100" b="1" dirty="0" smtClean="0">
+              <a:ln>
+                <a:solidFill>
+                  <a:schemeClr val="tx1">
+                    <a:alpha val="30000"/>
+                  </a:schemeClr>
+                </a:solidFill>
+              </a:ln>
+              <a:latin typeface="HY신명조" pitchFamily="18" charset="-127"/>
+              <a:ea typeface="HY신명조" pitchFamily="18" charset="-127"/>
+            </a:endParaRPr>
+          </a:p>
+          <a:p>
+            <a:pPr marL="914400" lvl="1" indent="-457200">
+              <a:buFontTx/>
+              <a:buChar char="-"/>
+            </a:pPr>
+            <a:endParaRPr lang="en-US" altLang="ko-KR" sz="1100" b="1" dirty="0">
+              <a:ln>
+                <a:solidFill>
+                  <a:schemeClr val="tx1">
+                    <a:alpha val="30000"/>
+                  </a:schemeClr>
+                </a:solidFill>
+              </a:ln>
+              <a:latin typeface="HY신명조" pitchFamily="18" charset="-127"/>
+              <a:ea typeface="HY신명조" pitchFamily="18" charset="-127"/>
+            </a:endParaRPr>
+          </a:p>
+          <a:p>
+            <a:pPr marL="914400" lvl="1" indent="-457200">
+              <a:buFontTx/>
+              <a:buChar char="-"/>
+            </a:pPr>
+            <a:endParaRPr lang="en-US" altLang="ko-KR" sz="1100" b="1" dirty="0" smtClean="0">
+              <a:ln>
+                <a:solidFill>
+                  <a:schemeClr val="tx1">
+                    <a:alpha val="30000"/>
+                  </a:schemeClr>
+                </a:solidFill>
+              </a:ln>
+              <a:latin typeface="HY신명조" pitchFamily="18" charset="-127"/>
+              <a:ea typeface="HY신명조" pitchFamily="18" charset="-127"/>
+            </a:endParaRPr>
+          </a:p>
+          <a:p>
+            <a:pPr marL="914400" lvl="1" indent="-457200">
+              <a:buFontTx/>
+              <a:buChar char="-"/>
+            </a:pPr>
+            <a:r>
+              <a:rPr lang="ko-KR" altLang="en-US" sz="1100" b="1" dirty="0" smtClean="0">
+                <a:ln>
+                  <a:solidFill>
+                    <a:schemeClr val="tx1">
+                      <a:alpha val="30000"/>
+                    </a:schemeClr>
+                  </a:solidFill>
+                </a:ln>
+                <a:latin typeface="HY신명조" pitchFamily="18" charset="-127"/>
+                <a:ea typeface="HY신명조" pitchFamily="18" charset="-127"/>
+              </a:rPr>
+              <a:t>이때 </a:t>
+            </a:r>
+            <a:r>
+              <a:rPr lang="en-US" altLang="ko-KR" sz="1100" b="1" dirty="0" smtClean="0">
+                <a:ln>
+                  <a:solidFill>
+                    <a:schemeClr val="tx1">
+                      <a:alpha val="30000"/>
+                    </a:schemeClr>
+                  </a:solidFill>
+                </a:ln>
+                <a:latin typeface="HY신명조" pitchFamily="18" charset="-127"/>
+                <a:ea typeface="HY신명조" pitchFamily="18" charset="-127"/>
+              </a:rPr>
+              <a:t>{}</a:t>
+            </a:r>
+            <a:r>
+              <a:rPr lang="ko-KR" altLang="en-US" sz="1100" b="1" dirty="0" smtClean="0">
+                <a:ln>
+                  <a:solidFill>
+                    <a:schemeClr val="tx1">
+                      <a:alpha val="30000"/>
+                    </a:schemeClr>
+                  </a:solidFill>
+                </a:ln>
+                <a:latin typeface="HY신명조" pitchFamily="18" charset="-127"/>
+                <a:ea typeface="HY신명조" pitchFamily="18" charset="-127"/>
+              </a:rPr>
+              <a:t>초기화를 하면 위와 같은 축소변환을 감지할 수 있다</a:t>
+            </a:r>
+            <a:r>
+              <a:rPr lang="en-US" altLang="ko-KR" sz="1100" b="1" dirty="0" smtClean="0">
+                <a:ln>
+                  <a:solidFill>
+                    <a:schemeClr val="tx1">
+                      <a:alpha val="30000"/>
+                    </a:schemeClr>
+                  </a:solidFill>
+                </a:ln>
+                <a:latin typeface="HY신명조" pitchFamily="18" charset="-127"/>
+                <a:ea typeface="HY신명조" pitchFamily="18" charset="-127"/>
+              </a:rPr>
+              <a:t>.</a:t>
+            </a:r>
+            <a:endParaRPr lang="ko-KR" altLang="en-US" sz="1100" b="1" dirty="0">
+              <a:ln>
+                <a:solidFill>
+                  <a:schemeClr val="tx1">
+                    <a:alpha val="30000"/>
+                  </a:schemeClr>
+                </a:solidFill>
+              </a:ln>
+              <a:latin typeface="HY신명조" pitchFamily="18" charset="-127"/>
+              <a:ea typeface="HY신명조" pitchFamily="18" charset="-127"/>
+            </a:endParaRPr>
+          </a:p>
+          <a:p>
+            <a:pPr marL="914400" lvl="1" indent="-457200">
+              <a:buFontTx/>
+              <a:buChar char="-"/>
+            </a:pPr>
+            <a:endParaRPr lang="en-US" altLang="ko-KR" sz="1400" dirty="0" smtClean="0">
+              <a:ln>
+                <a:solidFill>
+                  <a:schemeClr val="tx1">
+                    <a:alpha val="30000"/>
+                  </a:schemeClr>
+                </a:solidFill>
+              </a:ln>
+              <a:latin typeface="HY견고딕" pitchFamily="18" charset="-127"/>
+              <a:ea typeface="HY견고딕" pitchFamily="18" charset="-127"/>
+            </a:endParaRPr>
+          </a:p>
+          <a:p>
+            <a:pPr marL="457200" indent="-457200">
+              <a:buFontTx/>
+              <a:buChar char="-"/>
+            </a:pPr>
+            <a:endParaRPr lang="en-US" altLang="ko-KR" sz="2000" dirty="0" smtClean="0">
+              <a:ln>
+                <a:solidFill>
+                  <a:schemeClr val="tx1">
+                    <a:alpha val="30000"/>
+                  </a:schemeClr>
+                </a:solidFill>
+              </a:ln>
+              <a:latin typeface="HY견고딕" pitchFamily="18" charset="-127"/>
+              <a:ea typeface="HY견고딕" pitchFamily="18" charset="-127"/>
+            </a:endParaRPr>
+          </a:p>
+        </p:txBody>
+      </p:sp>
+      <p:pic>
+        <p:nvPicPr>
+          <p:cNvPr id="2050" name="Picture 2"/>
+          <p:cNvPicPr>
+            <a:picLocks noChangeAspect="1" noChangeArrowheads="1"/>
+          </p:cNvPicPr>
+          <p:nvPr/>
+        </p:nvPicPr>
+        <p:blipFill>
+          <a:blip r:embed="rId2">
+            <a:extLst>
+              <a:ext uri="{28A0092B-C50C-407E-A947-70E740481C1C}">
+                <a14:useLocalDpi xmlns:a14="http://schemas.microsoft.com/office/drawing/2010/main" val="0"/>
+              </a:ext>
+            </a:extLst>
+          </a:blip>
+          <a:srcRect/>
+          <a:stretch>
+            <a:fillRect/>
+          </a:stretch>
+        </p:blipFill>
+        <p:spPr bwMode="auto">
+          <a:xfrm>
+            <a:off x="2051720" y="1844824"/>
+            <a:ext cx="4448175" cy="2076450"/>
+          </a:xfrm>
+          <a:prstGeom prst="rect">
+            <a:avLst/>
+          </a:prstGeom>
+          <a:noFill/>
+          <a:ln>
+            <a:noFill/>
+          </a:ln>
+          <a:extLst>
+            <a:ext uri="{909E8E84-426E-40DD-AFC4-6F175D3DCCD1}">
+              <a14:hiddenFill xmlns:a14="http://schemas.microsoft.com/office/drawing/2010/main">
+                <a:solidFill>
+                  <a:schemeClr val="accent1"/>
+                </a:solidFill>
+              </a14:hiddenFill>
+            </a:ext>
+            <a:ext uri="{91240B29-F687-4F45-9708-019B960494DF}">
+              <a14:hiddenLine xmlns:a14="http://schemas.microsoft.com/office/drawing/2010/main" w="9525">
+                <a:solidFill>
+                  <a:schemeClr val="tx1"/>
+                </a:solidFill>
+                <a:miter lim="800000"/>
+                <a:headEnd/>
+                <a:tailEnd/>
+              </a14:hiddenLine>
+            </a:ext>
+          </a:extLst>
+        </p:spPr>
+      </p:pic>
+      <p:pic>
+        <p:nvPicPr>
+          <p:cNvPr id="2051" name="Picture 3"/>
+          <p:cNvPicPr>
+            <a:picLocks noChangeAspect="1" noChangeArrowheads="1"/>
+          </p:cNvPicPr>
+          <p:nvPr/>
+        </p:nvPicPr>
+        <p:blipFill>
+          <a:blip r:embed="rId3">
+            <a:extLst>
+              <a:ext uri="{28A0092B-C50C-407E-A947-70E740481C1C}">
+                <a14:useLocalDpi xmlns:a14="http://schemas.microsoft.com/office/drawing/2010/main" val="0"/>
+              </a:ext>
+            </a:extLst>
+          </a:blip>
+          <a:srcRect/>
+          <a:stretch>
+            <a:fillRect/>
+          </a:stretch>
+        </p:blipFill>
+        <p:spPr bwMode="auto">
+          <a:xfrm>
+            <a:off x="1514721" y="4301473"/>
+            <a:ext cx="3384376" cy="1719815"/>
+          </a:xfrm>
+          <a:prstGeom prst="rect">
+            <a:avLst/>
+          </a:prstGeom>
+          <a:noFill/>
+          <a:ln>
+            <a:noFill/>
+          </a:ln>
+          <a:extLst>
+            <a:ext uri="{909E8E84-426E-40DD-AFC4-6F175D3DCCD1}">
+              <a14:hiddenFill xmlns:a14="http://schemas.microsoft.com/office/drawing/2010/main">
+                <a:solidFill>
+                  <a:schemeClr val="accent1"/>
+                </a:solidFill>
+              </a14:hiddenFill>
+            </a:ext>
+            <a:ext uri="{91240B29-F687-4F45-9708-019B960494DF}">
+              <a14:hiddenLine xmlns:a14="http://schemas.microsoft.com/office/drawing/2010/main" w="9525">
+                <a:solidFill>
+                  <a:schemeClr val="tx1"/>
+                </a:solidFill>
+                <a:miter lim="800000"/>
+                <a:headEnd/>
+                <a:tailEnd/>
+              </a14:hiddenLine>
+            </a:ext>
+          </a:extLst>
+        </p:spPr>
+      </p:pic>
+      <p:pic>
+        <p:nvPicPr>
+          <p:cNvPr id="2052" name="Picture 4"/>
+          <p:cNvPicPr>
+            <a:picLocks noChangeAspect="1" noChangeArrowheads="1"/>
+          </p:cNvPicPr>
+          <p:nvPr/>
+        </p:nvPicPr>
+        <p:blipFill>
+          <a:blip r:embed="rId4">
+            <a:extLst>
+              <a:ext uri="{28A0092B-C50C-407E-A947-70E740481C1C}">
+                <a14:useLocalDpi xmlns:a14="http://schemas.microsoft.com/office/drawing/2010/main" val="0"/>
+              </a:ext>
+            </a:extLst>
+          </a:blip>
+          <a:srcRect/>
+          <a:stretch>
+            <a:fillRect/>
+          </a:stretch>
+        </p:blipFill>
+        <p:spPr bwMode="auto">
+          <a:xfrm>
+            <a:off x="5076056" y="4733505"/>
+            <a:ext cx="3831245" cy="855749"/>
+          </a:xfrm>
+          <a:prstGeom prst="rect">
+            <a:avLst/>
+          </a:prstGeom>
+          <a:noFill/>
+          <a:ln>
+            <a:noFill/>
+          </a:ln>
+          <a:extLst>
+            <a:ext uri="{909E8E84-426E-40DD-AFC4-6F175D3DCCD1}">
+              <a14:hiddenFill xmlns:a14="http://schemas.microsoft.com/office/drawing/2010/main">
+                <a:solidFill>
+                  <a:schemeClr val="accent1"/>
+                </a:solidFill>
+              </a14:hiddenFill>
+            </a:ext>
+            <a:ext uri="{91240B29-F687-4F45-9708-019B960494DF}">
+              <a14:hiddenLine xmlns:a14="http://schemas.microsoft.com/office/drawing/2010/main" w="9525">
+                <a:solidFill>
+                  <a:schemeClr val="tx1"/>
+                </a:solidFill>
+                <a:miter lim="800000"/>
+                <a:headEnd/>
+                <a:tailEnd/>
+              </a14:hiddenLine>
+            </a:ext>
+          </a:extLst>
+        </p:spPr>
+      </p:pic>
+    </p:spTree>
+    <p:extLst>
+      <p:ext uri="{BB962C8B-B14F-4D97-AF65-F5344CB8AC3E}">
+        <p14:creationId xmlns:p14="http://schemas.microsoft.com/office/powerpoint/2010/main" val="2519732295"/>
+      </p:ext>
+    </p:extLst>
+  </p:cSld>
+  <p:clrMapOvr>
+    <a:masterClrMapping/>
+  </p:clrMapOvr>
+  <mc:AlternateContent xmlns:mc="http://schemas.openxmlformats.org/markup-compatibility/2006" xmlns:p14="http://schemas.microsoft.com/office/powerpoint/2010/main">
+    <mc:Choice Requires="p14">
+      <p:transition spd="med" p14:dur="700">
+        <p:fade/>
+      </p:transition>
+    </mc:Choice>
+    <mc:Fallback xmlns="">
+      <p:transition spd="med">
+        <p:fade/>
+      </p:transition>
+    </mc:Fallback>
+  </mc:AlternateContent>
+  <p:timing>
+    <p:tnLst>
+      <p:par>
+        <p:cTn id="1" dur="indefinite" restart="never" nodeType="tmRoot"/>
+      </p:par>
+    </p:tnLst>
+  </p:timing>
+</p:sld>
+</file>
+
+<file path=ppt/slides/slide12.xml><?xml version="1.0" encoding="utf-8"?>
+<p:sld xmlns:a="http://schemas.openxmlformats.org/drawingml/2006/main" xmlns:r="http://schemas.openxmlformats.org/officeDocument/2006/relationships" xmlns:p="http://schemas.openxmlformats.org/presentationml/2006/main">
+  <p:cSld>
+    <p:spTree>
+      <p:nvGrpSpPr>
+        <p:cNvPr id="1" name=""/>
+        <p:cNvGrpSpPr/>
+        <p:nvPr/>
+      </p:nvGrpSpPr>
+      <p:grpSpPr>
+        <a:xfrm>
+          <a:off x="0" y="0"/>
+          <a:ext cx="0" cy="0"/>
+          <a:chOff x="0" y="0"/>
+          <a:chExt cx="0" cy="0"/>
+        </a:xfrm>
+      </p:grpSpPr>
+      <p:cxnSp>
+        <p:nvCxnSpPr>
+          <p:cNvPr id="5" name="직선 연결선 4"/>
+          <p:cNvCxnSpPr/>
+          <p:nvPr/>
+        </p:nvCxnSpPr>
+        <p:spPr>
+          <a:xfrm flipH="1">
+            <a:off x="-252536" y="548680"/>
+            <a:ext cx="10240872" cy="0"/>
+          </a:xfrm>
+          <a:prstGeom prst="line">
+            <a:avLst/>
+          </a:prstGeom>
+          <a:ln>
+            <a:solidFill>
+              <a:schemeClr val="bg1">
+                <a:lumMod val="65000"/>
+                <a:alpha val="50000"/>
+              </a:schemeClr>
+            </a:solidFill>
+          </a:ln>
+        </p:spPr>
+        <p:style>
+          <a:lnRef idx="1">
+            <a:schemeClr val="accent1"/>
+          </a:lnRef>
+          <a:fillRef idx="0">
+            <a:schemeClr val="accent1"/>
+          </a:fillRef>
+          <a:effectRef idx="0">
+            <a:schemeClr val="accent1"/>
+          </a:effectRef>
+          <a:fontRef idx="minor">
+            <a:schemeClr val="tx1"/>
+          </a:fontRef>
+        </p:style>
+      </p:cxnSp>
+      <p:sp>
+        <p:nvSpPr>
+          <p:cNvPr id="21" name="TextBox 20"/>
+          <p:cNvSpPr txBox="1"/>
+          <p:nvPr/>
+        </p:nvSpPr>
+        <p:spPr>
+          <a:xfrm>
+            <a:off x="236725" y="56518"/>
+            <a:ext cx="1959011" cy="400110"/>
+          </a:xfrm>
+          <a:prstGeom prst="rect">
+            <a:avLst/>
+          </a:prstGeom>
+          <a:noFill/>
+        </p:spPr>
+        <p:txBody>
+          <a:bodyPr wrap="square" rtlCol="0">
+            <a:spAutoFit/>
+          </a:bodyPr>
+          <a:lstStyle/>
+          <a:p>
+            <a:pPr algn="ctr"/>
+            <a:r>
+              <a:rPr lang="ko-KR" altLang="en-US" sz="2000" b="1" dirty="0" err="1" smtClean="0">
+                <a:ln>
+                  <a:solidFill>
+                    <a:schemeClr val="tx1">
+                      <a:alpha val="30000"/>
+                    </a:schemeClr>
+                  </a:solidFill>
+                </a:ln>
+                <a:solidFill>
+                  <a:srgbClr val="272123"/>
+                </a:solidFill>
+                <a:latin typeface="HY강B" pitchFamily="18" charset="-127"/>
+                <a:ea typeface="HY강B" pitchFamily="18" charset="-127"/>
+              </a:rPr>
+              <a:t>표현식과</a:t>
+            </a:r>
+            <a:r>
+              <a:rPr lang="ko-KR" altLang="en-US" sz="2000" b="1" dirty="0" smtClean="0">
+                <a:ln>
+                  <a:solidFill>
+                    <a:schemeClr val="tx1">
+                      <a:alpha val="30000"/>
+                    </a:schemeClr>
+                  </a:solidFill>
+                </a:ln>
+                <a:solidFill>
+                  <a:srgbClr val="272123"/>
+                </a:solidFill>
+                <a:latin typeface="HY강B" pitchFamily="18" charset="-127"/>
+                <a:ea typeface="HY강B" pitchFamily="18" charset="-127"/>
+              </a:rPr>
+              <a:t> 문장</a:t>
+            </a:r>
+            <a:endParaRPr lang="en-US" altLang="ko-KR" sz="2000" b="1" dirty="0" smtClean="0">
+              <a:ln>
+                <a:solidFill>
+                  <a:schemeClr val="tx1">
+                    <a:alpha val="30000"/>
+                  </a:schemeClr>
+                </a:solidFill>
+              </a:ln>
+              <a:solidFill>
+                <a:srgbClr val="272123"/>
+              </a:solidFill>
+              <a:latin typeface="HY강B" pitchFamily="18" charset="-127"/>
+              <a:ea typeface="HY강B" pitchFamily="18" charset="-127"/>
+            </a:endParaRPr>
+          </a:p>
+        </p:txBody>
+      </p:sp>
+      <p:cxnSp>
+        <p:nvCxnSpPr>
+          <p:cNvPr id="4" name="직선 연결선 3"/>
+          <p:cNvCxnSpPr/>
+          <p:nvPr/>
+        </p:nvCxnSpPr>
+        <p:spPr>
+          <a:xfrm flipH="1">
+            <a:off x="-252536" y="548680"/>
+            <a:ext cx="10240872" cy="0"/>
+          </a:xfrm>
+          <a:prstGeom prst="line">
+            <a:avLst/>
+          </a:prstGeom>
+          <a:ln>
+            <a:solidFill>
+              <a:schemeClr val="bg1">
+                <a:lumMod val="65000"/>
+                <a:alpha val="50000"/>
+              </a:schemeClr>
+            </a:solidFill>
+          </a:ln>
+        </p:spPr>
+        <p:style>
+          <a:lnRef idx="1">
+            <a:schemeClr val="accent1"/>
+          </a:lnRef>
+          <a:fillRef idx="0">
+            <a:schemeClr val="accent1"/>
+          </a:fillRef>
+          <a:effectRef idx="0">
+            <a:schemeClr val="accent1"/>
+          </a:effectRef>
+          <a:fontRef idx="minor">
+            <a:schemeClr val="tx1"/>
+          </a:fontRef>
+        </p:style>
+      </p:cxnSp>
+      <p:sp>
+        <p:nvSpPr>
+          <p:cNvPr id="6" name="TextBox 5"/>
+          <p:cNvSpPr txBox="1"/>
+          <p:nvPr/>
+        </p:nvSpPr>
+        <p:spPr>
+          <a:xfrm>
+            <a:off x="395536" y="654948"/>
+            <a:ext cx="8064896" cy="707886"/>
+          </a:xfrm>
+          <a:prstGeom prst="rect">
+            <a:avLst/>
+          </a:prstGeom>
+          <a:noFill/>
+        </p:spPr>
+        <p:txBody>
+          <a:bodyPr wrap="square" rtlCol="0">
+            <a:spAutoFit/>
+          </a:bodyPr>
+          <a:lstStyle/>
+          <a:p>
+            <a:pPr marL="285750" indent="-285750">
+              <a:buFont typeface="Arial" pitchFamily="34" charset="0"/>
+              <a:buChar char="•"/>
+            </a:pPr>
+            <a:r>
+              <a:rPr lang="en-US" altLang="ko-KR" sz="2000" dirty="0" smtClean="0">
+                <a:ln>
+                  <a:solidFill>
+                    <a:schemeClr val="tx1">
+                      <a:alpha val="30000"/>
+                    </a:schemeClr>
+                  </a:solidFill>
+                </a:ln>
+                <a:latin typeface="HY견고딕" pitchFamily="18" charset="-127"/>
+                <a:ea typeface="HY견고딕" pitchFamily="18" charset="-127"/>
+              </a:rPr>
+              <a:t>ES.28 </a:t>
+            </a:r>
+            <a:r>
+              <a:rPr lang="ko-KR" altLang="en-US" sz="2000" dirty="0" smtClean="0">
+                <a:ln>
+                  <a:solidFill>
+                    <a:schemeClr val="tx1">
+                      <a:alpha val="30000"/>
+                    </a:schemeClr>
+                  </a:solidFill>
+                </a:ln>
+                <a:latin typeface="HY견고딕" pitchFamily="18" charset="-127"/>
+                <a:ea typeface="HY견고딕" pitchFamily="18" charset="-127"/>
+              </a:rPr>
+              <a:t>복잡한 초기화에는</a:t>
+            </a:r>
+            <a:r>
+              <a:rPr lang="en-US" altLang="ko-KR" sz="2000" dirty="0" smtClean="0">
+                <a:ln>
+                  <a:solidFill>
+                    <a:schemeClr val="tx1">
+                      <a:alpha val="30000"/>
+                    </a:schemeClr>
+                  </a:solidFill>
+                </a:ln>
+                <a:latin typeface="HY견고딕" pitchFamily="18" charset="-127"/>
+                <a:ea typeface="HY견고딕" pitchFamily="18" charset="-127"/>
+              </a:rPr>
+              <a:t>, </a:t>
+            </a:r>
+            <a:r>
+              <a:rPr lang="ko-KR" altLang="en-US" sz="2000" dirty="0" smtClean="0">
+                <a:ln>
+                  <a:solidFill>
+                    <a:schemeClr val="tx1">
+                      <a:alpha val="30000"/>
+                    </a:schemeClr>
+                  </a:solidFill>
+                </a:ln>
+                <a:latin typeface="HY견고딕" pitchFamily="18" charset="-127"/>
+                <a:ea typeface="HY견고딕" pitchFamily="18" charset="-127"/>
+              </a:rPr>
+              <a:t>특히 </a:t>
+            </a:r>
+            <a:r>
+              <a:rPr lang="en-US" altLang="ko-KR" sz="2000" dirty="0" err="1" smtClean="0">
+                <a:ln>
+                  <a:solidFill>
+                    <a:schemeClr val="tx1">
+                      <a:alpha val="30000"/>
+                    </a:schemeClr>
+                  </a:solidFill>
+                </a:ln>
+                <a:latin typeface="HY견고딕" pitchFamily="18" charset="-127"/>
+                <a:ea typeface="HY견고딕" pitchFamily="18" charset="-127"/>
+              </a:rPr>
+              <a:t>const</a:t>
+            </a:r>
+            <a:r>
+              <a:rPr lang="en-US" altLang="ko-KR" sz="2000" dirty="0" smtClean="0">
+                <a:ln>
+                  <a:solidFill>
+                    <a:schemeClr val="tx1">
+                      <a:alpha val="30000"/>
+                    </a:schemeClr>
+                  </a:solidFill>
+                </a:ln>
+                <a:latin typeface="HY견고딕" pitchFamily="18" charset="-127"/>
+                <a:ea typeface="HY견고딕" pitchFamily="18" charset="-127"/>
+              </a:rPr>
+              <a:t> </a:t>
+            </a:r>
+            <a:r>
+              <a:rPr lang="ko-KR" altLang="en-US" sz="2000" dirty="0" smtClean="0">
+                <a:ln>
+                  <a:solidFill>
+                    <a:schemeClr val="tx1">
+                      <a:alpha val="30000"/>
+                    </a:schemeClr>
+                  </a:solidFill>
+                </a:ln>
+                <a:latin typeface="HY견고딕" pitchFamily="18" charset="-127"/>
+                <a:ea typeface="HY견고딕" pitchFamily="18" charset="-127"/>
+              </a:rPr>
+              <a:t>변수의 복잡한 초기화에는 람다를 사용하라</a:t>
+            </a:r>
+            <a:r>
+              <a:rPr lang="en-US" altLang="ko-KR" sz="2000" dirty="0" smtClean="0">
+                <a:ln>
+                  <a:solidFill>
+                    <a:schemeClr val="tx1">
+                      <a:alpha val="30000"/>
+                    </a:schemeClr>
+                  </a:solidFill>
+                </a:ln>
+                <a:latin typeface="HY견고딕" pitchFamily="18" charset="-127"/>
+                <a:ea typeface="HY견고딕" pitchFamily="18" charset="-127"/>
+              </a:rPr>
+              <a:t>.</a:t>
+            </a:r>
+          </a:p>
+        </p:txBody>
+      </p:sp>
+      <p:sp>
+        <p:nvSpPr>
+          <p:cNvPr id="2" name="Rectangle 1"/>
+          <p:cNvSpPr>
+            <a:spLocks noChangeArrowheads="1"/>
+          </p:cNvSpPr>
+          <p:nvPr/>
+        </p:nvSpPr>
+        <p:spPr bwMode="auto">
+          <a:xfrm>
+            <a:off x="755576" y="1393287"/>
+            <a:ext cx="8352928" cy="5262979"/>
+          </a:xfrm>
+          <a:prstGeom prst="rect">
+            <a:avLst/>
+          </a:prstGeom>
+          <a:solidFill>
+            <a:srgbClr val="FFFFFF"/>
+          </a:solidFill>
+          <a:ln>
+            <a:noFill/>
+          </a:ln>
+          <a:effectLst/>
+          <a:extLst>
+            <a:ext uri="{91240B29-F687-4F45-9708-019B960494DF}">
+              <a14:hiddenLine xmlns:a14="http://schemas.microsoft.com/office/drawing/2010/main" w="9525">
+                <a:solidFill>
+                  <a:schemeClr val="tx1"/>
+                </a:solidFill>
+                <a:miter lim="800000"/>
+                <a:headEnd/>
+                <a:tailEnd/>
+              </a14:hiddenLine>
+            </a:ext>
+            <a:ext uri="{AF507438-7753-43E0-B8FC-AC1667EBCBE1}">
+              <a14:hiddenEffects xmlns:a14="http://schemas.microsoft.com/office/drawing/2010/main">
+                <a:effectLst>
+                  <a:outerShdw dist="35921" dir="2700000" algn="ctr" rotWithShape="0">
+                    <a:schemeClr val="bg2"/>
+                  </a:outerShdw>
+                </a:effectLst>
+              </a14:hiddenEffects>
+            </a:ext>
+          </a:extLst>
+        </p:spPr>
+        <p:txBody>
+          <a:bodyPr vert="horz" wrap="square" lIns="0" tIns="0" rIns="0" bIns="0" numCol="1" anchor="ctr" anchorCtr="0" compatLnSpc="1">
+            <a:prstTxWarp prst="textNoShape">
+              <a:avLst/>
+            </a:prstTxWarp>
+            <a:spAutoFit/>
+          </a:bodyPr>
+          <a:lstStyle/>
+          <a:p>
+            <a:pPr marL="0" marR="0" lvl="0" indent="0" algn="l" defTabSz="914400" rtl="0" eaLnBrk="1" fontAlgn="base" latinLnBrk="1" hangingPunct="1">
+              <a:lnSpc>
+                <a:spcPct val="100000"/>
+              </a:lnSpc>
+              <a:spcBef>
+                <a:spcPct val="0"/>
+              </a:spcBef>
+              <a:spcAft>
+                <a:spcPct val="0"/>
+              </a:spcAft>
+              <a:buClrTx/>
+              <a:buSzTx/>
+              <a:buFontTx/>
+              <a:buNone/>
+              <a:tabLst/>
+            </a:pPr>
+            <a:r>
+              <a:rPr kumimoji="1" lang="ko-KR" altLang="ko-KR" b="1" i="0" u="none" strike="noStrike" cap="none" normalizeH="0" baseline="0" dirty="0" smtClean="0">
+                <a:ln>
+                  <a:noFill/>
+                </a:ln>
+                <a:solidFill>
+                  <a:srgbClr val="0086B3"/>
+                </a:solidFill>
+                <a:effectLst/>
+                <a:latin typeface="Consolas" pitchFamily="49" charset="0"/>
+                <a:ea typeface="굴림" pitchFamily="50" charset="-127"/>
+                <a:cs typeface="굴림" pitchFamily="50" charset="-127"/>
+              </a:rPr>
+              <a:t>#include</a:t>
+            </a:r>
+            <a:r>
+              <a:rPr kumimoji="1" lang="ko-KR" altLang="ko-KR" b="1" i="0" u="none" strike="noStrike" cap="none" normalizeH="0" baseline="0" dirty="0" smtClean="0">
+                <a:ln>
+                  <a:noFill/>
+                </a:ln>
+                <a:solidFill>
+                  <a:srgbClr val="A71D5D"/>
+                </a:solidFill>
+                <a:effectLst/>
+                <a:latin typeface="Consolas" pitchFamily="49" charset="0"/>
+                <a:ea typeface="굴림" pitchFamily="50" charset="-127"/>
+                <a:cs typeface="굴림" pitchFamily="50" charset="-127"/>
+              </a:rPr>
+              <a:t>&lt;</a:t>
+            </a:r>
+            <a:r>
+              <a:rPr kumimoji="1" lang="ko-KR" altLang="ko-KR" b="1" i="0" u="none" strike="noStrike" cap="none" normalizeH="0" baseline="0" dirty="0" smtClean="0">
+                <a:ln>
+                  <a:noFill/>
+                </a:ln>
+                <a:solidFill>
+                  <a:srgbClr val="010101"/>
+                </a:solidFill>
+                <a:effectLst/>
+                <a:latin typeface="Consolas" pitchFamily="49" charset="0"/>
+                <a:ea typeface="굴림" pitchFamily="50" charset="-127"/>
+                <a:cs typeface="굴림" pitchFamily="50" charset="-127"/>
+              </a:rPr>
+              <a:t>iostream</a:t>
+            </a:r>
+            <a:r>
+              <a:rPr kumimoji="1" lang="ko-KR" altLang="ko-KR" b="1" i="0" u="none" strike="noStrike" cap="none" normalizeH="0" baseline="0" dirty="0" smtClean="0">
+                <a:ln>
+                  <a:noFill/>
+                </a:ln>
+                <a:solidFill>
+                  <a:srgbClr val="A71D5D"/>
+                </a:solidFill>
+                <a:effectLst/>
+                <a:latin typeface="Consolas" pitchFamily="49" charset="0"/>
+                <a:ea typeface="굴림" pitchFamily="50" charset="-127"/>
+                <a:cs typeface="굴림" pitchFamily="50" charset="-127"/>
+              </a:rPr>
+              <a:t>&gt;</a:t>
+            </a:r>
+            <a:endParaRPr kumimoji="1" lang="ko-KR" altLang="ko-KR" b="1" i="0" u="none" strike="noStrike" cap="none" normalizeH="0" baseline="0" dirty="0" smtClean="0">
+              <a:ln>
+                <a:noFill/>
+              </a:ln>
+              <a:solidFill>
+                <a:srgbClr val="010101"/>
+              </a:solidFill>
+              <a:effectLst/>
+              <a:latin typeface="Consolas" pitchFamily="49" charset="0"/>
+              <a:ea typeface="굴림" pitchFamily="50" charset="-127"/>
+              <a:cs typeface="굴림" pitchFamily="50" charset="-127"/>
+            </a:endParaRPr>
+          </a:p>
+          <a:p>
+            <a:pPr marL="0" marR="0" lvl="0" indent="0" algn="l" defTabSz="914400" rtl="0" eaLnBrk="0" fontAlgn="base" latinLnBrk="0" hangingPunct="0">
+              <a:lnSpc>
+                <a:spcPct val="100000"/>
+              </a:lnSpc>
+              <a:spcBef>
+                <a:spcPct val="0"/>
+              </a:spcBef>
+              <a:spcAft>
+                <a:spcPct val="0"/>
+              </a:spcAft>
+              <a:buClrTx/>
+              <a:buSzTx/>
+              <a:buFontTx/>
+              <a:buNone/>
+              <a:tabLst/>
+            </a:pPr>
+            <a:r>
+              <a:rPr kumimoji="1" lang="ko-KR" altLang="ko-KR" b="1" i="0" u="none" strike="noStrike" cap="none" normalizeH="0" baseline="0" dirty="0" smtClean="0">
+                <a:ln>
+                  <a:noFill/>
+                </a:ln>
+                <a:solidFill>
+                  <a:srgbClr val="A71D5D"/>
+                </a:solidFill>
+                <a:effectLst/>
+                <a:latin typeface="Consolas" pitchFamily="49" charset="0"/>
+                <a:ea typeface="굴림" pitchFamily="50" charset="-127"/>
+                <a:cs typeface="굴림" pitchFamily="50" charset="-127"/>
+              </a:rPr>
+              <a:t>class</a:t>
+            </a:r>
+            <a:r>
+              <a:rPr kumimoji="1" lang="ko-KR" altLang="ko-KR" b="1" i="0" u="none" strike="noStrike" cap="none" normalizeH="0" baseline="0" dirty="0" smtClean="0">
+                <a:ln>
+                  <a:noFill/>
+                </a:ln>
+                <a:solidFill>
+                  <a:srgbClr val="010101"/>
+                </a:solidFill>
+                <a:effectLst/>
+                <a:latin typeface="Consolas" pitchFamily="49" charset="0"/>
+                <a:ea typeface="굴림" pitchFamily="50" charset="-127"/>
+                <a:cs typeface="굴림" pitchFamily="50" charset="-127"/>
+              </a:rPr>
+              <a:t> Test</a:t>
+            </a:r>
+          </a:p>
+          <a:p>
+            <a:pPr marL="0" marR="0" lvl="0" indent="0" algn="l" defTabSz="914400" rtl="0" eaLnBrk="0" fontAlgn="base" latinLnBrk="0" hangingPunct="0">
+              <a:lnSpc>
+                <a:spcPct val="100000"/>
+              </a:lnSpc>
+              <a:spcBef>
+                <a:spcPct val="0"/>
+              </a:spcBef>
+              <a:spcAft>
+                <a:spcPct val="0"/>
+              </a:spcAft>
+              <a:buClrTx/>
+              <a:buSzTx/>
+              <a:buFontTx/>
+              <a:buNone/>
+              <a:tabLst/>
+            </a:pPr>
+            <a:r>
+              <a:rPr kumimoji="1" lang="ko-KR" altLang="ko-KR" b="1" i="0" u="none" strike="noStrike" cap="none" normalizeH="0" baseline="0" dirty="0" smtClean="0">
+                <a:ln>
+                  <a:noFill/>
+                </a:ln>
+                <a:solidFill>
+                  <a:srgbClr val="010101"/>
+                </a:solidFill>
+                <a:effectLst/>
+                <a:latin typeface="Consolas" pitchFamily="49" charset="0"/>
+                <a:ea typeface="굴림" pitchFamily="50" charset="-127"/>
+                <a:cs typeface="굴림" pitchFamily="50" charset="-127"/>
+              </a:rPr>
+              <a:t>{</a:t>
+            </a:r>
+          </a:p>
+          <a:p>
+            <a:pPr marL="0" marR="0" lvl="0" indent="0" algn="l" defTabSz="914400" rtl="0" eaLnBrk="0" fontAlgn="base" latinLnBrk="0" hangingPunct="0">
+              <a:lnSpc>
+                <a:spcPct val="100000"/>
+              </a:lnSpc>
+              <a:spcBef>
+                <a:spcPct val="0"/>
+              </a:spcBef>
+              <a:spcAft>
+                <a:spcPct val="0"/>
+              </a:spcAft>
+              <a:buClrTx/>
+              <a:buSzTx/>
+              <a:buFontTx/>
+              <a:buNone/>
+              <a:tabLst/>
+            </a:pPr>
+            <a:r>
+              <a:rPr kumimoji="1" lang="ko-KR" altLang="ko-KR" b="1" i="0" u="none" strike="noStrike" cap="none" normalizeH="0" baseline="0" dirty="0" smtClean="0">
+                <a:ln>
+                  <a:noFill/>
+                </a:ln>
+                <a:solidFill>
+                  <a:srgbClr val="A71D5D"/>
+                </a:solidFill>
+                <a:effectLst/>
+                <a:latin typeface="Consolas" pitchFamily="49" charset="0"/>
+                <a:ea typeface="굴림" pitchFamily="50" charset="-127"/>
+                <a:cs typeface="굴림" pitchFamily="50" charset="-127"/>
+              </a:rPr>
+              <a:t>private</a:t>
+            </a:r>
+            <a:r>
+              <a:rPr kumimoji="1" lang="ko-KR" altLang="ko-KR" b="1" i="0" u="none" strike="noStrike" cap="none" normalizeH="0" baseline="0" dirty="0" smtClean="0">
+                <a:ln>
+                  <a:noFill/>
+                </a:ln>
+                <a:solidFill>
+                  <a:srgbClr val="010101"/>
+                </a:solidFill>
+                <a:effectLst/>
+                <a:latin typeface="Consolas" pitchFamily="49" charset="0"/>
+                <a:ea typeface="굴림" pitchFamily="50" charset="-127"/>
+                <a:cs typeface="굴림" pitchFamily="50" charset="-127"/>
+              </a:rPr>
+              <a:t>:</a:t>
+            </a:r>
+          </a:p>
+          <a:p>
+            <a:pPr marL="0" marR="0" lvl="0" indent="0" algn="l" defTabSz="914400" rtl="0" eaLnBrk="0" fontAlgn="base" latinLnBrk="0" hangingPunct="0">
+              <a:lnSpc>
+                <a:spcPct val="100000"/>
+              </a:lnSpc>
+              <a:spcBef>
+                <a:spcPct val="0"/>
+              </a:spcBef>
+              <a:spcAft>
+                <a:spcPct val="0"/>
+              </a:spcAft>
+              <a:buClrTx/>
+              <a:buSzTx/>
+              <a:buFontTx/>
+              <a:buNone/>
+              <a:tabLst/>
+            </a:pPr>
+            <a:r>
+              <a:rPr kumimoji="1" lang="en-US" altLang="ko-KR" b="1" i="0" u="none" strike="noStrike" cap="none" normalizeH="0" baseline="0" dirty="0" smtClean="0">
+                <a:ln>
+                  <a:noFill/>
+                </a:ln>
+                <a:solidFill>
+                  <a:srgbClr val="066DE2"/>
+                </a:solidFill>
+                <a:effectLst/>
+                <a:latin typeface="Consolas" pitchFamily="49" charset="0"/>
+                <a:ea typeface="굴림" pitchFamily="50" charset="-127"/>
+                <a:cs typeface="굴림" pitchFamily="50" charset="-127"/>
+              </a:rPr>
+              <a:t>	</a:t>
+            </a:r>
+            <a:r>
+              <a:rPr kumimoji="1" lang="ko-KR" altLang="ko-KR" b="1" i="0" u="none" strike="noStrike" cap="none" normalizeH="0" baseline="0" dirty="0" smtClean="0">
+                <a:ln>
+                  <a:noFill/>
+                </a:ln>
+                <a:solidFill>
+                  <a:srgbClr val="066DE2"/>
+                </a:solidFill>
+                <a:effectLst/>
+                <a:latin typeface="Consolas" pitchFamily="49" charset="0"/>
+                <a:ea typeface="굴림" pitchFamily="50" charset="-127"/>
+                <a:cs typeface="굴림" pitchFamily="50" charset="-127"/>
+              </a:rPr>
+              <a:t>int</a:t>
+            </a:r>
+            <a:r>
+              <a:rPr kumimoji="1" lang="ko-KR" altLang="ko-KR" b="1" i="0" u="none" strike="noStrike" cap="none" normalizeH="0" baseline="0" dirty="0" smtClean="0">
+                <a:ln>
+                  <a:noFill/>
+                </a:ln>
+                <a:solidFill>
+                  <a:srgbClr val="010101"/>
+                </a:solidFill>
+                <a:effectLst/>
+                <a:latin typeface="Consolas" pitchFamily="49" charset="0"/>
+                <a:ea typeface="굴림" pitchFamily="50" charset="-127"/>
+                <a:cs typeface="굴림" pitchFamily="50" charset="-127"/>
+              </a:rPr>
+              <a:t> Data{ </a:t>
+            </a:r>
+            <a:r>
+              <a:rPr kumimoji="1" lang="ko-KR" altLang="ko-KR" b="1" i="0" u="none" strike="noStrike" cap="none" normalizeH="0" baseline="0" dirty="0" smtClean="0">
+                <a:ln>
+                  <a:noFill/>
+                </a:ln>
+                <a:solidFill>
+                  <a:srgbClr val="0099CC"/>
+                </a:solidFill>
+                <a:effectLst/>
+                <a:latin typeface="Consolas" pitchFamily="49" charset="0"/>
+                <a:ea typeface="굴림" pitchFamily="50" charset="-127"/>
+                <a:cs typeface="굴림" pitchFamily="50" charset="-127"/>
+              </a:rPr>
+              <a:t>0</a:t>
+            </a:r>
+            <a:r>
+              <a:rPr kumimoji="1" lang="ko-KR" altLang="ko-KR" b="1" i="0" u="none" strike="noStrike" cap="none" normalizeH="0" baseline="0" dirty="0" smtClean="0">
+                <a:ln>
+                  <a:noFill/>
+                </a:ln>
+                <a:solidFill>
+                  <a:srgbClr val="010101"/>
+                </a:solidFill>
+                <a:effectLst/>
+                <a:latin typeface="Consolas" pitchFamily="49" charset="0"/>
+                <a:ea typeface="굴림" pitchFamily="50" charset="-127"/>
+                <a:cs typeface="굴림" pitchFamily="50" charset="-127"/>
+              </a:rPr>
+              <a:t> };</a:t>
+            </a:r>
+          </a:p>
+          <a:p>
+            <a:pPr marL="0" marR="0" lvl="0" indent="0" algn="l" defTabSz="914400" rtl="0" eaLnBrk="0" fontAlgn="base" latinLnBrk="0" hangingPunct="0">
+              <a:lnSpc>
+                <a:spcPct val="100000"/>
+              </a:lnSpc>
+              <a:spcBef>
+                <a:spcPct val="0"/>
+              </a:spcBef>
+              <a:spcAft>
+                <a:spcPct val="0"/>
+              </a:spcAft>
+              <a:buClrTx/>
+              <a:buSzTx/>
+              <a:buFontTx/>
+              <a:buNone/>
+              <a:tabLst/>
+            </a:pPr>
+            <a:r>
+              <a:rPr kumimoji="1" lang="ko-KR" altLang="ko-KR" b="1" i="0" u="none" strike="noStrike" cap="none" normalizeH="0" baseline="0" dirty="0" smtClean="0">
+                <a:ln>
+                  <a:noFill/>
+                </a:ln>
+                <a:solidFill>
+                  <a:srgbClr val="A71D5D"/>
+                </a:solidFill>
+                <a:effectLst/>
+                <a:latin typeface="Consolas" pitchFamily="49" charset="0"/>
+                <a:ea typeface="굴림" pitchFamily="50" charset="-127"/>
+                <a:cs typeface="굴림" pitchFamily="50" charset="-127"/>
+              </a:rPr>
+              <a:t>public</a:t>
+            </a:r>
+            <a:r>
+              <a:rPr kumimoji="1" lang="ko-KR" altLang="ko-KR" b="1" i="0" u="none" strike="noStrike" cap="none" normalizeH="0" baseline="0" dirty="0" smtClean="0">
+                <a:ln>
+                  <a:noFill/>
+                </a:ln>
+                <a:solidFill>
+                  <a:srgbClr val="010101"/>
+                </a:solidFill>
+                <a:effectLst/>
+                <a:latin typeface="Consolas" pitchFamily="49" charset="0"/>
+                <a:ea typeface="굴림" pitchFamily="50" charset="-127"/>
+                <a:cs typeface="굴림" pitchFamily="50" charset="-127"/>
+              </a:rPr>
+              <a:t>:</a:t>
+            </a:r>
+          </a:p>
+          <a:p>
+            <a:pPr marL="0" marR="0" lvl="0" indent="0" algn="l" defTabSz="914400" rtl="0" eaLnBrk="0" fontAlgn="base" latinLnBrk="0" hangingPunct="0">
+              <a:lnSpc>
+                <a:spcPct val="100000"/>
+              </a:lnSpc>
+              <a:spcBef>
+                <a:spcPct val="0"/>
+              </a:spcBef>
+              <a:spcAft>
+                <a:spcPct val="0"/>
+              </a:spcAft>
+              <a:buClrTx/>
+              <a:buSzTx/>
+              <a:buFontTx/>
+              <a:buNone/>
+              <a:tabLst/>
+            </a:pPr>
+            <a:r>
+              <a:rPr kumimoji="1" lang="en-US" altLang="ko-KR" b="1" i="0" u="none" strike="noStrike" cap="none" normalizeH="0" baseline="0" dirty="0" smtClean="0">
+                <a:ln>
+                  <a:noFill/>
+                </a:ln>
+                <a:solidFill>
+                  <a:srgbClr val="A71D5D"/>
+                </a:solidFill>
+                <a:effectLst/>
+                <a:latin typeface="Consolas" pitchFamily="49" charset="0"/>
+                <a:ea typeface="굴림" pitchFamily="50" charset="-127"/>
+                <a:cs typeface="굴림" pitchFamily="50" charset="-127"/>
+              </a:rPr>
+              <a:t>	</a:t>
+            </a:r>
+            <a:r>
+              <a:rPr kumimoji="1" lang="ko-KR" altLang="ko-KR" b="1" i="0" u="none" strike="noStrike" cap="none" normalizeH="0" baseline="0" dirty="0" smtClean="0">
+                <a:ln>
+                  <a:noFill/>
+                </a:ln>
+                <a:solidFill>
+                  <a:srgbClr val="A71D5D"/>
+                </a:solidFill>
+                <a:effectLst/>
+                <a:latin typeface="Consolas" pitchFamily="49" charset="0"/>
+                <a:ea typeface="굴림" pitchFamily="50" charset="-127"/>
+                <a:cs typeface="굴림" pitchFamily="50" charset="-127"/>
+              </a:rPr>
+              <a:t>void</a:t>
+            </a:r>
+            <a:r>
+              <a:rPr kumimoji="1" lang="ko-KR" altLang="ko-KR" b="1" i="0" u="none" strike="noStrike" cap="none" normalizeH="0" baseline="0" dirty="0" smtClean="0">
+                <a:ln>
+                  <a:noFill/>
+                </a:ln>
+                <a:solidFill>
+                  <a:srgbClr val="010101"/>
+                </a:solidFill>
+                <a:effectLst/>
+                <a:latin typeface="Consolas" pitchFamily="49" charset="0"/>
+                <a:ea typeface="굴림" pitchFamily="50" charset="-127"/>
+                <a:cs typeface="굴림" pitchFamily="50" charset="-127"/>
+              </a:rPr>
+              <a:t> </a:t>
+            </a:r>
+            <a:r>
+              <a:rPr kumimoji="1" lang="ko-KR" altLang="ko-KR" b="1" i="0" u="none" strike="noStrike" cap="none" normalizeH="0" baseline="0" dirty="0" smtClean="0">
+                <a:ln>
+                  <a:noFill/>
+                </a:ln>
+                <a:solidFill>
+                  <a:srgbClr val="A71D5D"/>
+                </a:solidFill>
+                <a:effectLst/>
+                <a:latin typeface="Consolas" pitchFamily="49" charset="0"/>
+                <a:ea typeface="굴림" pitchFamily="50" charset="-127"/>
+                <a:cs typeface="굴림" pitchFamily="50" charset="-127"/>
+              </a:rPr>
+              <a:t>operator</a:t>
+            </a:r>
+            <a:r>
+              <a:rPr kumimoji="1" lang="ko-KR" altLang="ko-KR" b="1" i="0" u="none" strike="noStrike" cap="none" normalizeH="0" baseline="0" dirty="0" smtClean="0">
+                <a:ln>
+                  <a:noFill/>
+                </a:ln>
+                <a:solidFill>
+                  <a:srgbClr val="010101"/>
+                </a:solidFill>
+                <a:effectLst/>
+                <a:latin typeface="Consolas" pitchFamily="49" charset="0"/>
+                <a:ea typeface="굴림" pitchFamily="50" charset="-127"/>
+                <a:cs typeface="굴림" pitchFamily="50" charset="-127"/>
+              </a:rPr>
+              <a:t> </a:t>
+            </a:r>
+            <a:r>
+              <a:rPr kumimoji="1" lang="ko-KR" altLang="ko-KR" b="1" i="0" u="none" strike="noStrike" cap="none" normalizeH="0" baseline="0" dirty="0" smtClean="0">
+                <a:ln>
+                  <a:noFill/>
+                </a:ln>
+                <a:solidFill>
+                  <a:srgbClr val="A71D5D"/>
+                </a:solidFill>
+                <a:effectLst/>
+                <a:latin typeface="Consolas" pitchFamily="49" charset="0"/>
+                <a:ea typeface="굴림" pitchFamily="50" charset="-127"/>
+                <a:cs typeface="굴림" pitchFamily="50" charset="-127"/>
+              </a:rPr>
+              <a:t>+=</a:t>
+            </a:r>
+            <a:r>
+              <a:rPr kumimoji="1" lang="ko-KR" altLang="ko-KR" b="1" i="0" u="none" strike="noStrike" cap="none" normalizeH="0" baseline="0" dirty="0" smtClean="0">
+                <a:ln>
+                  <a:noFill/>
+                </a:ln>
+                <a:solidFill>
+                  <a:srgbClr val="010101"/>
+                </a:solidFill>
+                <a:effectLst/>
+                <a:latin typeface="Consolas" pitchFamily="49" charset="0"/>
+                <a:ea typeface="굴림" pitchFamily="50" charset="-127"/>
+                <a:cs typeface="굴림" pitchFamily="50" charset="-127"/>
+              </a:rPr>
+              <a:t> (</a:t>
+            </a:r>
+            <a:r>
+              <a:rPr kumimoji="1" lang="ko-KR" altLang="ko-KR" b="1" i="0" u="none" strike="noStrike" cap="none" normalizeH="0" baseline="0" dirty="0" smtClean="0">
+                <a:ln>
+                  <a:noFill/>
+                </a:ln>
+                <a:solidFill>
+                  <a:srgbClr val="066DE2"/>
+                </a:solidFill>
+                <a:effectLst/>
+                <a:latin typeface="Consolas" pitchFamily="49" charset="0"/>
+                <a:ea typeface="굴림" pitchFamily="50" charset="-127"/>
+                <a:cs typeface="굴림" pitchFamily="50" charset="-127"/>
+              </a:rPr>
+              <a:t>int</a:t>
+            </a:r>
+            <a:r>
+              <a:rPr kumimoji="1" lang="ko-KR" altLang="ko-KR" b="1" i="0" u="none" strike="noStrike" cap="none" normalizeH="0" baseline="0" dirty="0" smtClean="0">
+                <a:ln>
+                  <a:noFill/>
+                </a:ln>
+                <a:solidFill>
+                  <a:srgbClr val="010101"/>
+                </a:solidFill>
+                <a:effectLst/>
+                <a:latin typeface="Consolas" pitchFamily="49" charset="0"/>
+                <a:ea typeface="굴림" pitchFamily="50" charset="-127"/>
+                <a:cs typeface="굴림" pitchFamily="50" charset="-127"/>
+              </a:rPr>
+              <a:t> _iData)</a:t>
+            </a:r>
+          </a:p>
+          <a:p>
+            <a:pPr marL="0" marR="0" lvl="0" indent="0" algn="l" defTabSz="914400" rtl="0" eaLnBrk="0" fontAlgn="base" latinLnBrk="0" hangingPunct="0">
+              <a:lnSpc>
+                <a:spcPct val="100000"/>
+              </a:lnSpc>
+              <a:spcBef>
+                <a:spcPct val="0"/>
+              </a:spcBef>
+              <a:spcAft>
+                <a:spcPct val="0"/>
+              </a:spcAft>
+              <a:buClrTx/>
+              <a:buSzTx/>
+              <a:buFontTx/>
+              <a:buNone/>
+              <a:tabLst/>
+            </a:pPr>
+            <a:r>
+              <a:rPr kumimoji="1" lang="en-US" altLang="ko-KR" b="1" i="0" u="none" strike="noStrike" cap="none" normalizeH="0" baseline="0" dirty="0" smtClean="0">
+                <a:ln>
+                  <a:noFill/>
+                </a:ln>
+                <a:solidFill>
+                  <a:srgbClr val="010101"/>
+                </a:solidFill>
+                <a:effectLst/>
+                <a:latin typeface="Consolas" pitchFamily="49" charset="0"/>
+                <a:ea typeface="굴림" pitchFamily="50" charset="-127"/>
+                <a:cs typeface="굴림" pitchFamily="50" charset="-127"/>
+              </a:rPr>
+              <a:t>	</a:t>
+            </a:r>
+            <a:r>
+              <a:rPr kumimoji="1" lang="ko-KR" altLang="ko-KR" b="1" i="0" u="none" strike="noStrike" cap="none" normalizeH="0" baseline="0" dirty="0" smtClean="0">
+                <a:ln>
+                  <a:noFill/>
+                </a:ln>
+                <a:solidFill>
+                  <a:srgbClr val="010101"/>
+                </a:solidFill>
+                <a:effectLst/>
+                <a:latin typeface="Consolas" pitchFamily="49" charset="0"/>
+                <a:ea typeface="굴림" pitchFamily="50" charset="-127"/>
+                <a:cs typeface="굴림" pitchFamily="50" charset="-127"/>
+              </a:rPr>
+              <a:t>{</a:t>
+            </a:r>
+          </a:p>
+          <a:p>
+            <a:pPr marL="0" marR="0" lvl="0" indent="0" algn="l" defTabSz="914400" rtl="0" eaLnBrk="0" fontAlgn="base" latinLnBrk="0" hangingPunct="0">
+              <a:lnSpc>
+                <a:spcPct val="100000"/>
+              </a:lnSpc>
+              <a:spcBef>
+                <a:spcPct val="0"/>
+              </a:spcBef>
+              <a:spcAft>
+                <a:spcPct val="0"/>
+              </a:spcAft>
+              <a:buClrTx/>
+              <a:buSzTx/>
+              <a:buFontTx/>
+              <a:buNone/>
+              <a:tabLst/>
+            </a:pPr>
+            <a:r>
+              <a:rPr kumimoji="1" lang="en-US" altLang="ko-KR" b="1" i="0" u="none" strike="noStrike" cap="none" normalizeH="0" baseline="0" dirty="0" smtClean="0">
+                <a:ln>
+                  <a:noFill/>
+                </a:ln>
+                <a:solidFill>
+                  <a:srgbClr val="010101"/>
+                </a:solidFill>
+                <a:effectLst/>
+                <a:latin typeface="Consolas" pitchFamily="49" charset="0"/>
+                <a:ea typeface="굴림" pitchFamily="50" charset="-127"/>
+                <a:cs typeface="굴림" pitchFamily="50" charset="-127"/>
+              </a:rPr>
+              <a:t>		</a:t>
+            </a:r>
+            <a:r>
+              <a:rPr kumimoji="1" lang="ko-KR" altLang="ko-KR" b="1" i="0" u="none" strike="noStrike" cap="none" normalizeH="0" baseline="0" dirty="0" smtClean="0">
+                <a:ln>
+                  <a:noFill/>
+                </a:ln>
+                <a:solidFill>
+                  <a:srgbClr val="010101"/>
+                </a:solidFill>
+                <a:effectLst/>
+                <a:latin typeface="Consolas" pitchFamily="49" charset="0"/>
+                <a:ea typeface="굴림" pitchFamily="50" charset="-127"/>
+                <a:cs typeface="굴림" pitchFamily="50" charset="-127"/>
+              </a:rPr>
+              <a:t>Data </a:t>
+            </a:r>
+            <a:r>
+              <a:rPr kumimoji="1" lang="ko-KR" altLang="ko-KR" b="1" i="0" u="none" strike="noStrike" cap="none" normalizeH="0" baseline="0" dirty="0" smtClean="0">
+                <a:ln>
+                  <a:noFill/>
+                </a:ln>
+                <a:solidFill>
+                  <a:srgbClr val="A71D5D"/>
+                </a:solidFill>
+                <a:effectLst/>
+                <a:latin typeface="Consolas" pitchFamily="49" charset="0"/>
+                <a:ea typeface="굴림" pitchFamily="50" charset="-127"/>
+                <a:cs typeface="굴림" pitchFamily="50" charset="-127"/>
+              </a:rPr>
+              <a:t>+=</a:t>
+            </a:r>
+            <a:r>
+              <a:rPr kumimoji="1" lang="ko-KR" altLang="ko-KR" b="1" i="0" u="none" strike="noStrike" cap="none" normalizeH="0" baseline="0" dirty="0" smtClean="0">
+                <a:ln>
+                  <a:noFill/>
+                </a:ln>
+                <a:solidFill>
+                  <a:srgbClr val="010101"/>
+                </a:solidFill>
+                <a:effectLst/>
+                <a:latin typeface="Consolas" pitchFamily="49" charset="0"/>
+                <a:ea typeface="굴림" pitchFamily="50" charset="-127"/>
+                <a:cs typeface="굴림" pitchFamily="50" charset="-127"/>
+              </a:rPr>
+              <a:t> _iData;</a:t>
+            </a:r>
+          </a:p>
+          <a:p>
+            <a:pPr marL="0" marR="0" lvl="0" indent="0" algn="l" defTabSz="914400" rtl="0" eaLnBrk="0" fontAlgn="base" latinLnBrk="0" hangingPunct="0">
+              <a:lnSpc>
+                <a:spcPct val="100000"/>
+              </a:lnSpc>
+              <a:spcBef>
+                <a:spcPct val="0"/>
+              </a:spcBef>
+              <a:spcAft>
+                <a:spcPct val="0"/>
+              </a:spcAft>
+              <a:buClrTx/>
+              <a:buSzTx/>
+              <a:buFontTx/>
+              <a:buNone/>
+              <a:tabLst/>
+            </a:pPr>
+            <a:r>
+              <a:rPr kumimoji="1" lang="en-US" altLang="ko-KR" b="1" i="0" u="none" strike="noStrike" cap="none" normalizeH="0" baseline="0" dirty="0" smtClean="0">
+                <a:ln>
+                  <a:noFill/>
+                </a:ln>
+                <a:solidFill>
+                  <a:srgbClr val="010101"/>
+                </a:solidFill>
+                <a:effectLst/>
+                <a:latin typeface="Consolas" pitchFamily="49" charset="0"/>
+                <a:ea typeface="굴림" pitchFamily="50" charset="-127"/>
+                <a:cs typeface="굴림" pitchFamily="50" charset="-127"/>
+              </a:rPr>
+              <a:t>	</a:t>
+            </a:r>
+            <a:r>
+              <a:rPr kumimoji="1" lang="ko-KR" altLang="ko-KR" b="1" i="0" u="none" strike="noStrike" cap="none" normalizeH="0" baseline="0" dirty="0" smtClean="0">
+                <a:ln>
+                  <a:noFill/>
+                </a:ln>
+                <a:solidFill>
+                  <a:srgbClr val="010101"/>
+                </a:solidFill>
+                <a:effectLst/>
+                <a:latin typeface="Consolas" pitchFamily="49" charset="0"/>
+                <a:ea typeface="굴림" pitchFamily="50" charset="-127"/>
+                <a:cs typeface="굴림" pitchFamily="50" charset="-127"/>
+              </a:rPr>
+              <a:t>}</a:t>
+            </a:r>
+            <a:endParaRPr kumimoji="1" lang="en-US" altLang="ko-KR" b="1" i="0" u="none" strike="noStrike" cap="none" normalizeH="0" baseline="0" dirty="0" smtClean="0">
+              <a:ln>
+                <a:noFill/>
+              </a:ln>
+              <a:solidFill>
+                <a:srgbClr val="010101"/>
+              </a:solidFill>
+              <a:effectLst/>
+              <a:latin typeface="Consolas" pitchFamily="49" charset="0"/>
+              <a:ea typeface="굴림" pitchFamily="50" charset="-127"/>
+              <a:cs typeface="굴림" pitchFamily="50" charset="-127"/>
+            </a:endParaRPr>
+          </a:p>
+          <a:p>
+            <a:pPr marL="0" marR="0" lvl="0" indent="0" algn="l" defTabSz="914400" rtl="0" eaLnBrk="0" fontAlgn="base" latinLnBrk="0" hangingPunct="0">
+              <a:lnSpc>
+                <a:spcPct val="100000"/>
+              </a:lnSpc>
+              <a:spcBef>
+                <a:spcPct val="0"/>
+              </a:spcBef>
+              <a:spcAft>
+                <a:spcPct val="0"/>
+              </a:spcAft>
+              <a:buClrTx/>
+              <a:buSzTx/>
+              <a:buFontTx/>
+              <a:buNone/>
+              <a:tabLst/>
+            </a:pPr>
+            <a:r>
+              <a:rPr kumimoji="1" lang="ko-KR" altLang="ko-KR" b="1" i="0" u="none" strike="noStrike" cap="none" normalizeH="0" baseline="0" dirty="0" smtClean="0">
+                <a:ln>
+                  <a:noFill/>
+                </a:ln>
+                <a:solidFill>
+                  <a:srgbClr val="A71D5D"/>
+                </a:solidFill>
+                <a:effectLst/>
+                <a:latin typeface="Consolas" pitchFamily="49" charset="0"/>
+                <a:ea typeface="굴림" pitchFamily="50" charset="-127"/>
+                <a:cs typeface="굴림" pitchFamily="50" charset="-127"/>
+              </a:rPr>
+              <a:t>void</a:t>
+            </a:r>
+            <a:r>
+              <a:rPr kumimoji="1" lang="ko-KR" altLang="ko-KR" b="1" i="0" u="none" strike="noStrike" cap="none" normalizeH="0" baseline="0" dirty="0" smtClean="0">
+                <a:ln>
+                  <a:noFill/>
+                </a:ln>
+                <a:solidFill>
+                  <a:srgbClr val="010101"/>
+                </a:solidFill>
+                <a:effectLst/>
+                <a:latin typeface="Consolas" pitchFamily="49" charset="0"/>
+                <a:ea typeface="굴림" pitchFamily="50" charset="-127"/>
+                <a:cs typeface="굴림" pitchFamily="50" charset="-127"/>
+              </a:rPr>
+              <a:t> main()</a:t>
+            </a:r>
+          </a:p>
+          <a:p>
+            <a:pPr marL="0" marR="0" lvl="0" indent="0" algn="l" defTabSz="914400" rtl="0" eaLnBrk="0" fontAlgn="base" latinLnBrk="0" hangingPunct="0">
+              <a:lnSpc>
+                <a:spcPct val="100000"/>
+              </a:lnSpc>
+              <a:spcBef>
+                <a:spcPct val="0"/>
+              </a:spcBef>
+              <a:spcAft>
+                <a:spcPct val="0"/>
+              </a:spcAft>
+              <a:buClrTx/>
+              <a:buSzTx/>
+              <a:buFontTx/>
+              <a:buNone/>
+              <a:tabLst/>
+            </a:pPr>
+            <a:r>
+              <a:rPr kumimoji="1" lang="ko-KR" altLang="ko-KR" b="1" i="0" u="none" strike="noStrike" cap="none" normalizeH="0" baseline="0" dirty="0" smtClean="0">
+                <a:ln>
+                  <a:noFill/>
+                </a:ln>
+                <a:solidFill>
+                  <a:srgbClr val="010101"/>
+                </a:solidFill>
+                <a:effectLst/>
+                <a:latin typeface="Consolas" pitchFamily="49" charset="0"/>
+                <a:ea typeface="굴림" pitchFamily="50" charset="-127"/>
+                <a:cs typeface="굴림" pitchFamily="50" charset="-127"/>
+              </a:rPr>
+              <a:t>{</a:t>
+            </a:r>
+          </a:p>
+          <a:p>
+            <a:pPr marL="0" marR="0" lvl="0" indent="0" algn="l" defTabSz="914400" rtl="0" eaLnBrk="0" fontAlgn="base" latinLnBrk="0" hangingPunct="0">
+              <a:lnSpc>
+                <a:spcPct val="100000"/>
+              </a:lnSpc>
+              <a:spcBef>
+                <a:spcPct val="0"/>
+              </a:spcBef>
+              <a:spcAft>
+                <a:spcPct val="0"/>
+              </a:spcAft>
+              <a:buClrTx/>
+              <a:buSzTx/>
+              <a:buFontTx/>
+              <a:buNone/>
+              <a:tabLst/>
+            </a:pPr>
+            <a:r>
+              <a:rPr kumimoji="1" lang="en-US" altLang="ko-KR" b="1" i="0" u="none" strike="noStrike" cap="none" normalizeH="0" baseline="0" dirty="0" smtClean="0">
+                <a:ln>
+                  <a:noFill/>
+                </a:ln>
+                <a:solidFill>
+                  <a:srgbClr val="A71D5D"/>
+                </a:solidFill>
+                <a:effectLst/>
+                <a:latin typeface="Consolas" pitchFamily="49" charset="0"/>
+                <a:ea typeface="굴림" pitchFamily="50" charset="-127"/>
+                <a:cs typeface="굴림" pitchFamily="50" charset="-127"/>
+              </a:rPr>
+              <a:t>	</a:t>
+            </a:r>
+            <a:r>
+              <a:rPr kumimoji="1" lang="ko-KR" altLang="ko-KR" b="1" i="0" u="none" strike="noStrike" cap="none" normalizeH="0" baseline="0" dirty="0" smtClean="0">
+                <a:ln>
+                  <a:noFill/>
+                </a:ln>
+                <a:solidFill>
+                  <a:srgbClr val="A71D5D"/>
+                </a:solidFill>
+                <a:effectLst/>
+                <a:latin typeface="Consolas" pitchFamily="49" charset="0"/>
+                <a:ea typeface="굴림" pitchFamily="50" charset="-127"/>
+                <a:cs typeface="굴림" pitchFamily="50" charset="-127"/>
+              </a:rPr>
+              <a:t>const</a:t>
+            </a:r>
+            <a:r>
+              <a:rPr kumimoji="1" lang="ko-KR" altLang="ko-KR" b="1" i="0" u="none" strike="noStrike" cap="none" normalizeH="0" baseline="0" dirty="0" smtClean="0">
+                <a:ln>
+                  <a:noFill/>
+                </a:ln>
+                <a:solidFill>
+                  <a:srgbClr val="010101"/>
+                </a:solidFill>
+                <a:effectLst/>
+                <a:latin typeface="Consolas" pitchFamily="49" charset="0"/>
+                <a:ea typeface="굴림" pitchFamily="50" charset="-127"/>
+                <a:cs typeface="굴림" pitchFamily="50" charset="-127"/>
+              </a:rPr>
+              <a:t> Test t </a:t>
+            </a:r>
+            <a:r>
+              <a:rPr kumimoji="1" lang="ko-KR" altLang="ko-KR" b="1" i="0" u="none" strike="noStrike" cap="none" normalizeH="0" baseline="0" dirty="0" smtClean="0">
+                <a:ln>
+                  <a:noFill/>
+                </a:ln>
+                <a:solidFill>
+                  <a:srgbClr val="A71D5D"/>
+                </a:solidFill>
+                <a:effectLst/>
+                <a:latin typeface="Consolas" pitchFamily="49" charset="0"/>
+                <a:ea typeface="굴림" pitchFamily="50" charset="-127"/>
+                <a:cs typeface="굴림" pitchFamily="50" charset="-127"/>
+              </a:rPr>
+              <a:t>=</a:t>
+            </a:r>
+            <a:r>
+              <a:rPr kumimoji="1" lang="ko-KR" altLang="ko-KR" b="1" i="0" u="none" strike="noStrike" cap="none" normalizeH="0" baseline="0" dirty="0" smtClean="0">
+                <a:ln>
+                  <a:noFill/>
+                </a:ln>
+                <a:solidFill>
+                  <a:srgbClr val="010101"/>
+                </a:solidFill>
+                <a:effectLst/>
+                <a:latin typeface="Consolas" pitchFamily="49" charset="0"/>
+                <a:ea typeface="굴림" pitchFamily="50" charset="-127"/>
+                <a:cs typeface="굴림" pitchFamily="50" charset="-127"/>
+              </a:rPr>
+              <a:t> [</a:t>
+            </a:r>
+            <a:r>
+              <a:rPr kumimoji="1" lang="ko-KR" altLang="ko-KR" b="1" i="0" u="none" strike="noStrike" cap="none" normalizeH="0" baseline="0" dirty="0" smtClean="0">
+                <a:ln>
+                  <a:noFill/>
+                </a:ln>
+                <a:solidFill>
+                  <a:srgbClr val="A71D5D"/>
+                </a:solidFill>
+                <a:effectLst/>
+                <a:latin typeface="Consolas" pitchFamily="49" charset="0"/>
+                <a:ea typeface="굴림" pitchFamily="50" charset="-127"/>
+                <a:cs typeface="굴림" pitchFamily="50" charset="-127"/>
+              </a:rPr>
+              <a:t>&amp;</a:t>
+            </a:r>
+            <a:r>
+              <a:rPr kumimoji="1" lang="ko-KR" altLang="ko-KR" b="1" i="0" u="none" strike="noStrike" cap="none" normalizeH="0" baseline="0" dirty="0" smtClean="0">
+                <a:ln>
+                  <a:noFill/>
+                </a:ln>
+                <a:solidFill>
+                  <a:srgbClr val="010101"/>
+                </a:solidFill>
+                <a:effectLst/>
+                <a:latin typeface="Consolas" pitchFamily="49" charset="0"/>
+                <a:ea typeface="굴림" pitchFamily="50" charset="-127"/>
+                <a:cs typeface="굴림" pitchFamily="50" charset="-127"/>
+              </a:rPr>
+              <a:t>] {</a:t>
+            </a:r>
+          </a:p>
+          <a:p>
+            <a:pPr marL="0" marR="0" lvl="0" indent="0" algn="l" defTabSz="914400" rtl="0" eaLnBrk="0" fontAlgn="base" latinLnBrk="0" hangingPunct="0">
+              <a:lnSpc>
+                <a:spcPct val="100000"/>
+              </a:lnSpc>
+              <a:spcBef>
+                <a:spcPct val="0"/>
+              </a:spcBef>
+              <a:spcAft>
+                <a:spcPct val="0"/>
+              </a:spcAft>
+              <a:buClrTx/>
+              <a:buSzTx/>
+              <a:buFontTx/>
+              <a:buNone/>
+              <a:tabLst/>
+            </a:pPr>
+            <a:r>
+              <a:rPr kumimoji="1" lang="en-US" altLang="ko-KR" b="1" i="0" u="none" strike="noStrike" cap="none" normalizeH="0" baseline="0" dirty="0" smtClean="0">
+                <a:ln>
+                  <a:noFill/>
+                </a:ln>
+                <a:solidFill>
+                  <a:srgbClr val="010101"/>
+                </a:solidFill>
+                <a:effectLst/>
+                <a:latin typeface="Consolas" pitchFamily="49" charset="0"/>
+                <a:ea typeface="굴림" pitchFamily="50" charset="-127"/>
+                <a:cs typeface="굴림" pitchFamily="50" charset="-127"/>
+              </a:rPr>
+              <a:t>		</a:t>
+            </a:r>
+            <a:r>
+              <a:rPr kumimoji="1" lang="ko-KR" altLang="ko-KR" b="1" i="0" u="none" strike="noStrike" cap="none" normalizeH="0" baseline="0" dirty="0" smtClean="0">
+                <a:ln>
+                  <a:noFill/>
+                </a:ln>
+                <a:solidFill>
+                  <a:srgbClr val="010101"/>
+                </a:solidFill>
+                <a:effectLst/>
+                <a:latin typeface="Consolas" pitchFamily="49" charset="0"/>
+                <a:ea typeface="굴림" pitchFamily="50" charset="-127"/>
+                <a:cs typeface="굴림" pitchFamily="50" charset="-127"/>
+              </a:rPr>
+              <a:t>Test val;</a:t>
+            </a:r>
+          </a:p>
+          <a:p>
+            <a:pPr marL="0" marR="0" lvl="0" indent="0" algn="l" defTabSz="914400" rtl="0" eaLnBrk="0" fontAlgn="base" latinLnBrk="0" hangingPunct="0">
+              <a:lnSpc>
+                <a:spcPct val="100000"/>
+              </a:lnSpc>
+              <a:spcBef>
+                <a:spcPct val="0"/>
+              </a:spcBef>
+              <a:spcAft>
+                <a:spcPct val="0"/>
+              </a:spcAft>
+              <a:buClrTx/>
+              <a:buSzTx/>
+              <a:buFontTx/>
+              <a:buNone/>
+              <a:tabLst/>
+            </a:pPr>
+            <a:r>
+              <a:rPr kumimoji="1" lang="en-US" altLang="ko-KR" b="1" i="0" u="none" strike="noStrike" cap="none" normalizeH="0" baseline="0" dirty="0" smtClean="0">
+                <a:ln>
+                  <a:noFill/>
+                </a:ln>
+                <a:solidFill>
+                  <a:srgbClr val="A71D5D"/>
+                </a:solidFill>
+                <a:effectLst/>
+                <a:latin typeface="Consolas" pitchFamily="49" charset="0"/>
+                <a:ea typeface="굴림" pitchFamily="50" charset="-127"/>
+                <a:cs typeface="굴림" pitchFamily="50" charset="-127"/>
+              </a:rPr>
+              <a:t>		</a:t>
+            </a:r>
+            <a:r>
+              <a:rPr kumimoji="1" lang="ko-KR" altLang="ko-KR" b="1" i="0" u="none" strike="noStrike" cap="none" normalizeH="0" baseline="0" dirty="0" smtClean="0">
+                <a:ln>
+                  <a:noFill/>
+                </a:ln>
+                <a:solidFill>
+                  <a:srgbClr val="A71D5D"/>
+                </a:solidFill>
+                <a:effectLst/>
+                <a:latin typeface="Consolas" pitchFamily="49" charset="0"/>
+                <a:ea typeface="굴림" pitchFamily="50" charset="-127"/>
+                <a:cs typeface="굴림" pitchFamily="50" charset="-127"/>
+              </a:rPr>
+              <a:t>for</a:t>
+            </a:r>
+            <a:r>
+              <a:rPr kumimoji="1" lang="ko-KR" altLang="ko-KR" b="1" i="0" u="none" strike="noStrike" cap="none" normalizeH="0" baseline="0" dirty="0" smtClean="0">
+                <a:ln>
+                  <a:noFill/>
+                </a:ln>
+                <a:solidFill>
+                  <a:srgbClr val="010101"/>
+                </a:solidFill>
+                <a:effectLst/>
+                <a:latin typeface="Consolas" pitchFamily="49" charset="0"/>
+                <a:ea typeface="굴림" pitchFamily="50" charset="-127"/>
+                <a:cs typeface="굴림" pitchFamily="50" charset="-127"/>
+              </a:rPr>
+              <a:t> (</a:t>
+            </a:r>
+            <a:r>
+              <a:rPr kumimoji="1" lang="ko-KR" altLang="ko-KR" b="1" i="0" u="none" strike="noStrike" cap="none" normalizeH="0" baseline="0" dirty="0" smtClean="0">
+                <a:ln>
+                  <a:noFill/>
+                </a:ln>
+                <a:solidFill>
+                  <a:srgbClr val="066DE2"/>
+                </a:solidFill>
+                <a:effectLst/>
+                <a:latin typeface="Consolas" pitchFamily="49" charset="0"/>
+                <a:ea typeface="굴림" pitchFamily="50" charset="-127"/>
+                <a:cs typeface="굴림" pitchFamily="50" charset="-127"/>
+              </a:rPr>
+              <a:t>int</a:t>
+            </a:r>
+            <a:r>
+              <a:rPr kumimoji="1" lang="ko-KR" altLang="ko-KR" b="1" i="0" u="none" strike="noStrike" cap="none" normalizeH="0" baseline="0" dirty="0" smtClean="0">
+                <a:ln>
+                  <a:noFill/>
+                </a:ln>
+                <a:solidFill>
+                  <a:srgbClr val="010101"/>
+                </a:solidFill>
+                <a:effectLst/>
+                <a:latin typeface="Consolas" pitchFamily="49" charset="0"/>
+                <a:ea typeface="굴림" pitchFamily="50" charset="-127"/>
+                <a:cs typeface="굴림" pitchFamily="50" charset="-127"/>
+              </a:rPr>
+              <a:t> i </a:t>
+            </a:r>
+            <a:r>
+              <a:rPr kumimoji="1" lang="ko-KR" altLang="ko-KR" b="1" i="0" u="none" strike="noStrike" cap="none" normalizeH="0" baseline="0" dirty="0" smtClean="0">
+                <a:ln>
+                  <a:noFill/>
+                </a:ln>
+                <a:solidFill>
+                  <a:srgbClr val="A71D5D"/>
+                </a:solidFill>
+                <a:effectLst/>
+                <a:latin typeface="Consolas" pitchFamily="49" charset="0"/>
+                <a:ea typeface="굴림" pitchFamily="50" charset="-127"/>
+                <a:cs typeface="굴림" pitchFamily="50" charset="-127"/>
+              </a:rPr>
+              <a:t>=</a:t>
+            </a:r>
+            <a:r>
+              <a:rPr kumimoji="1" lang="ko-KR" altLang="ko-KR" b="1" i="0" u="none" strike="noStrike" cap="none" normalizeH="0" baseline="0" dirty="0" smtClean="0">
+                <a:ln>
+                  <a:noFill/>
+                </a:ln>
+                <a:solidFill>
+                  <a:srgbClr val="010101"/>
+                </a:solidFill>
+                <a:effectLst/>
+                <a:latin typeface="Consolas" pitchFamily="49" charset="0"/>
+                <a:ea typeface="굴림" pitchFamily="50" charset="-127"/>
+                <a:cs typeface="굴림" pitchFamily="50" charset="-127"/>
+              </a:rPr>
+              <a:t> </a:t>
+            </a:r>
+            <a:r>
+              <a:rPr kumimoji="1" lang="ko-KR" altLang="ko-KR" b="1" i="0" u="none" strike="noStrike" cap="none" normalizeH="0" baseline="0" dirty="0" smtClean="0">
+                <a:ln>
+                  <a:noFill/>
+                </a:ln>
+                <a:solidFill>
+                  <a:srgbClr val="0099CC"/>
+                </a:solidFill>
+                <a:effectLst/>
+                <a:latin typeface="Consolas" pitchFamily="49" charset="0"/>
+                <a:ea typeface="굴림" pitchFamily="50" charset="-127"/>
+                <a:cs typeface="굴림" pitchFamily="50" charset="-127"/>
+              </a:rPr>
+              <a:t>0</a:t>
+            </a:r>
+            <a:r>
+              <a:rPr kumimoji="1" lang="ko-KR" altLang="ko-KR" b="1" i="0" u="none" strike="noStrike" cap="none" normalizeH="0" baseline="0" dirty="0" smtClean="0">
+                <a:ln>
+                  <a:noFill/>
+                </a:ln>
+                <a:solidFill>
+                  <a:srgbClr val="010101"/>
+                </a:solidFill>
+                <a:effectLst/>
+                <a:latin typeface="Consolas" pitchFamily="49" charset="0"/>
+                <a:ea typeface="굴림" pitchFamily="50" charset="-127"/>
+                <a:cs typeface="굴림" pitchFamily="50" charset="-127"/>
+              </a:rPr>
+              <a:t>; i </a:t>
+            </a:r>
+            <a:r>
+              <a:rPr kumimoji="1" lang="ko-KR" altLang="ko-KR" b="1" i="0" u="none" strike="noStrike" cap="none" normalizeH="0" baseline="0" dirty="0" smtClean="0">
+                <a:ln>
+                  <a:noFill/>
+                </a:ln>
+                <a:solidFill>
+                  <a:srgbClr val="A71D5D"/>
+                </a:solidFill>
+                <a:effectLst/>
+                <a:latin typeface="Consolas" pitchFamily="49" charset="0"/>
+                <a:ea typeface="굴림" pitchFamily="50" charset="-127"/>
+                <a:cs typeface="굴림" pitchFamily="50" charset="-127"/>
+              </a:rPr>
+              <a:t>&lt;</a:t>
+            </a:r>
+            <a:r>
+              <a:rPr kumimoji="1" lang="ko-KR" altLang="ko-KR" b="1" i="0" u="none" strike="noStrike" cap="none" normalizeH="0" baseline="0" dirty="0" smtClean="0">
+                <a:ln>
+                  <a:noFill/>
+                </a:ln>
+                <a:solidFill>
+                  <a:srgbClr val="010101"/>
+                </a:solidFill>
+                <a:effectLst/>
+                <a:latin typeface="Consolas" pitchFamily="49" charset="0"/>
+                <a:ea typeface="굴림" pitchFamily="50" charset="-127"/>
+                <a:cs typeface="굴림" pitchFamily="50" charset="-127"/>
+              </a:rPr>
+              <a:t> </a:t>
+            </a:r>
+            <a:r>
+              <a:rPr kumimoji="1" lang="ko-KR" altLang="ko-KR" b="1" i="0" u="none" strike="noStrike" cap="none" normalizeH="0" baseline="0" dirty="0" smtClean="0">
+                <a:ln>
+                  <a:noFill/>
+                </a:ln>
+                <a:solidFill>
+                  <a:srgbClr val="0099CC"/>
+                </a:solidFill>
+                <a:effectLst/>
+                <a:latin typeface="Consolas" pitchFamily="49" charset="0"/>
+                <a:ea typeface="굴림" pitchFamily="50" charset="-127"/>
+                <a:cs typeface="굴림" pitchFamily="50" charset="-127"/>
+              </a:rPr>
+              <a:t>10</a:t>
+            </a:r>
+            <a:r>
+              <a:rPr kumimoji="1" lang="ko-KR" altLang="ko-KR" b="1" i="0" u="none" strike="noStrike" cap="none" normalizeH="0" baseline="0" dirty="0" smtClean="0">
+                <a:ln>
+                  <a:noFill/>
+                </a:ln>
+                <a:solidFill>
+                  <a:srgbClr val="010101"/>
+                </a:solidFill>
+                <a:effectLst/>
+                <a:latin typeface="Consolas" pitchFamily="49" charset="0"/>
+                <a:ea typeface="굴림" pitchFamily="50" charset="-127"/>
+                <a:cs typeface="굴림" pitchFamily="50" charset="-127"/>
+              </a:rPr>
+              <a:t>; i</a:t>
+            </a:r>
+            <a:r>
+              <a:rPr kumimoji="1" lang="ko-KR" altLang="ko-KR" b="1" i="0" u="none" strike="noStrike" cap="none" normalizeH="0" baseline="0" dirty="0" smtClean="0">
+                <a:ln>
+                  <a:noFill/>
+                </a:ln>
+                <a:solidFill>
+                  <a:srgbClr val="A71D5D"/>
+                </a:solidFill>
+                <a:effectLst/>
+                <a:latin typeface="Consolas" pitchFamily="49" charset="0"/>
+                <a:ea typeface="굴림" pitchFamily="50" charset="-127"/>
+                <a:cs typeface="굴림" pitchFamily="50" charset="-127"/>
+              </a:rPr>
+              <a:t>++</a:t>
+            </a:r>
+            <a:r>
+              <a:rPr kumimoji="1" lang="ko-KR" altLang="ko-KR" b="1" i="0" u="none" strike="noStrike" cap="none" normalizeH="0" baseline="0" dirty="0" smtClean="0">
+                <a:ln>
+                  <a:noFill/>
+                </a:ln>
+                <a:solidFill>
+                  <a:srgbClr val="010101"/>
+                </a:solidFill>
+                <a:effectLst/>
+                <a:latin typeface="Consolas" pitchFamily="49" charset="0"/>
+                <a:ea typeface="굴림" pitchFamily="50" charset="-127"/>
+                <a:cs typeface="굴림" pitchFamily="50" charset="-127"/>
+              </a:rPr>
+              <a:t>)</a:t>
+            </a:r>
+          </a:p>
+          <a:p>
+            <a:pPr marL="0" marR="0" lvl="0" indent="0" algn="l" defTabSz="914400" rtl="0" eaLnBrk="0" fontAlgn="base" latinLnBrk="0" hangingPunct="0">
+              <a:lnSpc>
+                <a:spcPct val="100000"/>
+              </a:lnSpc>
+              <a:spcBef>
+                <a:spcPct val="0"/>
+              </a:spcBef>
+              <a:spcAft>
+                <a:spcPct val="0"/>
+              </a:spcAft>
+              <a:buClrTx/>
+              <a:buSzTx/>
+              <a:buFontTx/>
+              <a:buNone/>
+              <a:tabLst/>
+            </a:pPr>
+            <a:r>
+              <a:rPr kumimoji="1" lang="en-US" altLang="ko-KR" b="1" i="0" u="none" strike="noStrike" cap="none" normalizeH="0" baseline="0" dirty="0" smtClean="0">
+                <a:ln>
+                  <a:noFill/>
+                </a:ln>
+                <a:solidFill>
+                  <a:srgbClr val="010101"/>
+                </a:solidFill>
+                <a:effectLst/>
+                <a:latin typeface="Consolas" pitchFamily="49" charset="0"/>
+                <a:ea typeface="굴림" pitchFamily="50" charset="-127"/>
+                <a:cs typeface="굴림" pitchFamily="50" charset="-127"/>
+              </a:rPr>
+              <a:t>		</a:t>
+            </a:r>
+            <a:r>
+              <a:rPr kumimoji="1" lang="ko-KR" altLang="ko-KR" b="1" i="0" u="none" strike="noStrike" cap="none" normalizeH="0" baseline="0" dirty="0" smtClean="0">
+                <a:ln>
+                  <a:noFill/>
+                </a:ln>
+                <a:solidFill>
+                  <a:srgbClr val="010101"/>
+                </a:solidFill>
+                <a:effectLst/>
+                <a:latin typeface="Consolas" pitchFamily="49" charset="0"/>
+                <a:ea typeface="굴림" pitchFamily="50" charset="-127"/>
+                <a:cs typeface="굴림" pitchFamily="50" charset="-127"/>
+              </a:rPr>
+              <a:t>val </a:t>
+            </a:r>
+            <a:r>
+              <a:rPr kumimoji="1" lang="ko-KR" altLang="ko-KR" b="1" i="0" u="none" strike="noStrike" cap="none" normalizeH="0" baseline="0" dirty="0" smtClean="0">
+                <a:ln>
+                  <a:noFill/>
+                </a:ln>
+                <a:solidFill>
+                  <a:srgbClr val="A71D5D"/>
+                </a:solidFill>
+                <a:effectLst/>
+                <a:latin typeface="Consolas" pitchFamily="49" charset="0"/>
+                <a:ea typeface="굴림" pitchFamily="50" charset="-127"/>
+                <a:cs typeface="굴림" pitchFamily="50" charset="-127"/>
+              </a:rPr>
+              <a:t>+=</a:t>
+            </a:r>
+            <a:r>
+              <a:rPr kumimoji="1" lang="ko-KR" altLang="ko-KR" b="1" i="0" u="none" strike="noStrike" cap="none" normalizeH="0" baseline="0" dirty="0" smtClean="0">
+                <a:ln>
+                  <a:noFill/>
+                </a:ln>
+                <a:solidFill>
+                  <a:srgbClr val="010101"/>
+                </a:solidFill>
+                <a:effectLst/>
+                <a:latin typeface="Consolas" pitchFamily="49" charset="0"/>
+                <a:ea typeface="굴림" pitchFamily="50" charset="-127"/>
+                <a:cs typeface="굴림" pitchFamily="50" charset="-127"/>
+              </a:rPr>
+              <a:t> i;</a:t>
+            </a:r>
+          </a:p>
+          <a:p>
+            <a:pPr marL="0" marR="0" lvl="0" indent="0" algn="l" defTabSz="914400" rtl="0" eaLnBrk="0" fontAlgn="base" latinLnBrk="0" hangingPunct="0">
+              <a:lnSpc>
+                <a:spcPct val="100000"/>
+              </a:lnSpc>
+              <a:spcBef>
+                <a:spcPct val="0"/>
+              </a:spcBef>
+              <a:spcAft>
+                <a:spcPct val="0"/>
+              </a:spcAft>
+              <a:buClrTx/>
+              <a:buSzTx/>
+              <a:buFontTx/>
+              <a:buNone/>
+              <a:tabLst/>
+            </a:pPr>
+            <a:r>
+              <a:rPr kumimoji="1" lang="en-US" altLang="ko-KR" b="1" i="0" u="none" strike="noStrike" cap="none" normalizeH="0" baseline="0" dirty="0" smtClean="0">
+                <a:ln>
+                  <a:noFill/>
+                </a:ln>
+                <a:solidFill>
+                  <a:srgbClr val="A71D5D"/>
+                </a:solidFill>
+                <a:effectLst/>
+                <a:latin typeface="Consolas" pitchFamily="49" charset="0"/>
+                <a:ea typeface="굴림" pitchFamily="50" charset="-127"/>
+                <a:cs typeface="굴림" pitchFamily="50" charset="-127"/>
+              </a:rPr>
+              <a:t>		</a:t>
+            </a:r>
+            <a:r>
+              <a:rPr kumimoji="1" lang="ko-KR" altLang="ko-KR" b="1" i="0" u="none" strike="noStrike" cap="none" normalizeH="0" baseline="0" dirty="0" smtClean="0">
+                <a:ln>
+                  <a:noFill/>
+                </a:ln>
+                <a:solidFill>
+                  <a:srgbClr val="A71D5D"/>
+                </a:solidFill>
+                <a:effectLst/>
+                <a:latin typeface="Consolas" pitchFamily="49" charset="0"/>
+                <a:ea typeface="굴림" pitchFamily="50" charset="-127"/>
+                <a:cs typeface="굴림" pitchFamily="50" charset="-127"/>
+              </a:rPr>
+              <a:t>return</a:t>
+            </a:r>
+            <a:r>
+              <a:rPr kumimoji="1" lang="ko-KR" altLang="ko-KR" b="1" i="0" u="none" strike="noStrike" cap="none" normalizeH="0" baseline="0" dirty="0" smtClean="0">
+                <a:ln>
+                  <a:noFill/>
+                </a:ln>
+                <a:solidFill>
+                  <a:srgbClr val="010101"/>
+                </a:solidFill>
+                <a:effectLst/>
+                <a:latin typeface="Consolas" pitchFamily="49" charset="0"/>
+                <a:ea typeface="굴림" pitchFamily="50" charset="-127"/>
+                <a:cs typeface="굴림" pitchFamily="50" charset="-127"/>
+              </a:rPr>
+              <a:t> val;</a:t>
+            </a:r>
+          </a:p>
+          <a:p>
+            <a:pPr marL="0" marR="0" lvl="0" indent="0" algn="l" defTabSz="914400" rtl="0" eaLnBrk="0" fontAlgn="base" latinLnBrk="0" hangingPunct="0">
+              <a:lnSpc>
+                <a:spcPct val="100000"/>
+              </a:lnSpc>
+              <a:spcBef>
+                <a:spcPct val="0"/>
+              </a:spcBef>
+              <a:spcAft>
+                <a:spcPct val="0"/>
+              </a:spcAft>
+              <a:buClrTx/>
+              <a:buSzTx/>
+              <a:buFontTx/>
+              <a:buNone/>
+              <a:tabLst/>
+            </a:pPr>
+            <a:r>
+              <a:rPr kumimoji="1" lang="en-US" altLang="ko-KR" b="1" i="0" u="none" strike="noStrike" cap="none" normalizeH="0" baseline="0" dirty="0" smtClean="0">
+                <a:ln>
+                  <a:noFill/>
+                </a:ln>
+                <a:solidFill>
+                  <a:srgbClr val="010101"/>
+                </a:solidFill>
+                <a:effectLst/>
+                <a:latin typeface="Consolas" pitchFamily="49" charset="0"/>
+                <a:ea typeface="굴림" pitchFamily="50" charset="-127"/>
+                <a:cs typeface="굴림" pitchFamily="50" charset="-127"/>
+              </a:rPr>
+              <a:t>	</a:t>
+            </a:r>
+            <a:r>
+              <a:rPr kumimoji="1" lang="ko-KR" altLang="ko-KR" b="1" i="0" u="none" strike="noStrike" cap="none" normalizeH="0" baseline="0" dirty="0" smtClean="0">
+                <a:ln>
+                  <a:noFill/>
+                </a:ln>
+                <a:solidFill>
+                  <a:srgbClr val="010101"/>
+                </a:solidFill>
+                <a:effectLst/>
+                <a:latin typeface="Consolas" pitchFamily="49" charset="0"/>
+                <a:ea typeface="굴림" pitchFamily="50" charset="-127"/>
+                <a:cs typeface="굴림" pitchFamily="50" charset="-127"/>
+              </a:rPr>
+              <a:t>}();</a:t>
+            </a:r>
+          </a:p>
+          <a:p>
+            <a:pPr marL="0" marR="0" lvl="0" indent="0" algn="l" defTabSz="914400" rtl="0" eaLnBrk="0" fontAlgn="base" latinLnBrk="0" hangingPunct="0">
+              <a:lnSpc>
+                <a:spcPct val="100000"/>
+              </a:lnSpc>
+              <a:spcBef>
+                <a:spcPct val="0"/>
+              </a:spcBef>
+              <a:spcAft>
+                <a:spcPct val="0"/>
+              </a:spcAft>
+              <a:buClrTx/>
+              <a:buSzTx/>
+              <a:buFontTx/>
+              <a:buNone/>
+              <a:tabLst/>
+            </a:pPr>
+            <a:r>
+              <a:rPr kumimoji="1" lang="ko-KR" altLang="ko-KR" b="1" i="0" u="none" strike="noStrike" cap="none" normalizeH="0" baseline="0" dirty="0" smtClean="0">
+                <a:ln>
+                  <a:noFill/>
+                </a:ln>
+                <a:solidFill>
+                  <a:srgbClr val="010101"/>
+                </a:solidFill>
+                <a:effectLst/>
+                <a:latin typeface="Consolas" pitchFamily="49" charset="0"/>
+                <a:ea typeface="굴림" pitchFamily="50" charset="-127"/>
+                <a:cs typeface="굴림" pitchFamily="50" charset="-127"/>
+              </a:rPr>
+              <a:t>}</a:t>
+            </a:r>
+            <a:endParaRPr kumimoji="1" lang="ko-KR" altLang="ko-KR" sz="1200" b="1" i="0" u="none" strike="noStrike" cap="none" normalizeH="0" baseline="0" dirty="0" smtClean="0">
+              <a:ln>
+                <a:noFill/>
+              </a:ln>
+              <a:solidFill>
+                <a:schemeClr val="tx1"/>
+              </a:solidFill>
+              <a:effectLst/>
+              <a:latin typeface="굴림" pitchFamily="50" charset="-127"/>
+              <a:ea typeface="굴림" pitchFamily="50" charset="-127"/>
+              <a:cs typeface="굴림" pitchFamily="50" charset="-127"/>
+            </a:endParaRPr>
+          </a:p>
+        </p:txBody>
+      </p:sp>
+    </p:spTree>
+    <p:extLst>
+      <p:ext uri="{BB962C8B-B14F-4D97-AF65-F5344CB8AC3E}">
+        <p14:creationId xmlns:p14="http://schemas.microsoft.com/office/powerpoint/2010/main" val="3862124620"/>
+      </p:ext>
+    </p:extLst>
+  </p:cSld>
+  <p:clrMapOvr>
+    <a:masterClrMapping/>
+  </p:clrMapOvr>
+  <mc:AlternateContent xmlns:mc="http://schemas.openxmlformats.org/markup-compatibility/2006" xmlns:p14="http://schemas.microsoft.com/office/powerpoint/2010/main">
+    <mc:Choice Requires="p14">
+      <p:transition spd="med" p14:dur="700">
+        <p:fade/>
+      </p:transition>
+    </mc:Choice>
+    <mc:Fallback xmlns="">
+      <p:transition spd="med">
+        <p:fade/>
+      </p:transition>
+    </mc:Fallback>
+  </mc:AlternateContent>
+  <p:timing>
+    <p:tnLst>
+      <p:par>
+        <p:cTn id="1" dur="indefinite" restart="never" nodeType="tmRoot"/>
+      </p:par>
+    </p:tnLst>
+  </p:timing>
+</p:sld>
+</file>
+
+<file path=ppt/slides/slide13.xml><?xml version="1.0" encoding="utf-8"?>
+<p:sld xmlns:a="http://schemas.openxmlformats.org/drawingml/2006/main" xmlns:r="http://schemas.openxmlformats.org/officeDocument/2006/relationships" xmlns:p="http://schemas.openxmlformats.org/presentationml/2006/main">
+  <p:cSld>
+    <p:spTree>
+      <p:nvGrpSpPr>
+        <p:cNvPr id="1" name=""/>
+        <p:cNvGrpSpPr/>
+        <p:nvPr/>
+      </p:nvGrpSpPr>
+      <p:grpSpPr>
+        <a:xfrm>
+          <a:off x="0" y="0"/>
+          <a:ext cx="0" cy="0"/>
+          <a:chOff x="0" y="0"/>
+          <a:chExt cx="0" cy="0"/>
+        </a:xfrm>
+      </p:grpSpPr>
+      <p:cxnSp>
+        <p:nvCxnSpPr>
+          <p:cNvPr id="5" name="직선 연결선 4"/>
+          <p:cNvCxnSpPr/>
+          <p:nvPr/>
+        </p:nvCxnSpPr>
+        <p:spPr>
+          <a:xfrm flipH="1">
+            <a:off x="-252536" y="548680"/>
+            <a:ext cx="10240872" cy="0"/>
+          </a:xfrm>
+          <a:prstGeom prst="line">
+            <a:avLst/>
+          </a:prstGeom>
+          <a:ln>
+            <a:solidFill>
+              <a:schemeClr val="bg1">
+                <a:lumMod val="65000"/>
+                <a:alpha val="50000"/>
+              </a:schemeClr>
+            </a:solidFill>
+          </a:ln>
+        </p:spPr>
+        <p:style>
+          <a:lnRef idx="1">
+            <a:schemeClr val="accent1"/>
+          </a:lnRef>
+          <a:fillRef idx="0">
+            <a:schemeClr val="accent1"/>
+          </a:fillRef>
+          <a:effectRef idx="0">
+            <a:schemeClr val="accent1"/>
+          </a:effectRef>
+          <a:fontRef idx="minor">
+            <a:schemeClr val="tx1"/>
+          </a:fontRef>
+        </p:style>
+      </p:cxnSp>
+      <p:sp>
+        <p:nvSpPr>
+          <p:cNvPr id="21" name="TextBox 20"/>
+          <p:cNvSpPr txBox="1"/>
+          <p:nvPr/>
+        </p:nvSpPr>
+        <p:spPr>
+          <a:xfrm>
+            <a:off x="236725" y="56518"/>
+            <a:ext cx="1959011" cy="400110"/>
+          </a:xfrm>
+          <a:prstGeom prst="rect">
+            <a:avLst/>
+          </a:prstGeom>
+          <a:noFill/>
+        </p:spPr>
+        <p:txBody>
+          <a:bodyPr wrap="square" rtlCol="0">
+            <a:spAutoFit/>
+          </a:bodyPr>
+          <a:lstStyle/>
+          <a:p>
+            <a:pPr algn="ctr"/>
+            <a:r>
+              <a:rPr lang="ko-KR" altLang="en-US" sz="2000" b="1" dirty="0" err="1" smtClean="0">
+                <a:ln>
+                  <a:solidFill>
+                    <a:schemeClr val="tx1">
+                      <a:alpha val="30000"/>
+                    </a:schemeClr>
+                  </a:solidFill>
+                </a:ln>
+                <a:solidFill>
+                  <a:srgbClr val="272123"/>
+                </a:solidFill>
+                <a:latin typeface="HY강B" pitchFamily="18" charset="-127"/>
+                <a:ea typeface="HY강B" pitchFamily="18" charset="-127"/>
+              </a:rPr>
+              <a:t>표현식과</a:t>
+            </a:r>
+            <a:r>
+              <a:rPr lang="ko-KR" altLang="en-US" sz="2000" b="1" dirty="0" smtClean="0">
+                <a:ln>
+                  <a:solidFill>
+                    <a:schemeClr val="tx1">
+                      <a:alpha val="30000"/>
+                    </a:schemeClr>
+                  </a:solidFill>
+                </a:ln>
+                <a:solidFill>
+                  <a:srgbClr val="272123"/>
+                </a:solidFill>
+                <a:latin typeface="HY강B" pitchFamily="18" charset="-127"/>
+                <a:ea typeface="HY강B" pitchFamily="18" charset="-127"/>
+              </a:rPr>
+              <a:t> 문장</a:t>
+            </a:r>
+            <a:endParaRPr lang="en-US" altLang="ko-KR" sz="2000" b="1" dirty="0" smtClean="0">
+              <a:ln>
+                <a:solidFill>
+                  <a:schemeClr val="tx1">
+                    <a:alpha val="30000"/>
+                  </a:schemeClr>
+                </a:solidFill>
+              </a:ln>
+              <a:solidFill>
+                <a:srgbClr val="272123"/>
+              </a:solidFill>
+              <a:latin typeface="HY강B" pitchFamily="18" charset="-127"/>
+              <a:ea typeface="HY강B" pitchFamily="18" charset="-127"/>
+            </a:endParaRPr>
+          </a:p>
+        </p:txBody>
+      </p:sp>
+      <p:cxnSp>
+        <p:nvCxnSpPr>
+          <p:cNvPr id="4" name="직선 연결선 3"/>
+          <p:cNvCxnSpPr/>
+          <p:nvPr/>
+        </p:nvCxnSpPr>
+        <p:spPr>
+          <a:xfrm flipH="1">
+            <a:off x="-252536" y="548680"/>
+            <a:ext cx="10240872" cy="0"/>
+          </a:xfrm>
+          <a:prstGeom prst="line">
+            <a:avLst/>
+          </a:prstGeom>
+          <a:ln>
+            <a:solidFill>
+              <a:schemeClr val="bg1">
+                <a:lumMod val="65000"/>
+                <a:alpha val="50000"/>
+              </a:schemeClr>
+            </a:solidFill>
+          </a:ln>
+        </p:spPr>
+        <p:style>
+          <a:lnRef idx="1">
+            <a:schemeClr val="accent1"/>
+          </a:lnRef>
+          <a:fillRef idx="0">
+            <a:schemeClr val="accent1"/>
+          </a:fillRef>
+          <a:effectRef idx="0">
+            <a:schemeClr val="accent1"/>
+          </a:effectRef>
+          <a:fontRef idx="minor">
+            <a:schemeClr val="tx1"/>
+          </a:fontRef>
+        </p:style>
+      </p:cxnSp>
+      <p:sp>
+        <p:nvSpPr>
+          <p:cNvPr id="6" name="TextBox 5"/>
+          <p:cNvSpPr txBox="1"/>
+          <p:nvPr/>
+        </p:nvSpPr>
+        <p:spPr>
+          <a:xfrm>
+            <a:off x="395536" y="654948"/>
             <a:ext cx="8064896" cy="400110"/>
           </a:xfrm>
           <a:prstGeom prst="rect">
@@ -7593,7 +9223,7 @@
 </p:sld>
 </file>
 
-<file path=ppt/slides/slide12.xml><?xml version="1.0" encoding="utf-8"?>
+<file path=ppt/slides/slide14.xml><?xml version="1.0" encoding="utf-8"?>
 <p:sld xmlns:a="http://schemas.openxmlformats.org/drawingml/2006/main" xmlns:r="http://schemas.openxmlformats.org/officeDocument/2006/relationships" xmlns:p="http://schemas.openxmlformats.org/presentationml/2006/main">
   <p:cSld>
     <p:bg>
@@ -9872,47 +11502,8 @@
                 <a:ea typeface="HY헤드라인M" pitchFamily="18" charset="-127"/>
                 <a:cs typeface="Segoe UI Black" pitchFamily="34" charset="0"/>
               </a:rPr>
-              <a:t>Chapter </a:t>
-            </a:r>
-            <a:r>
-              <a:rPr lang="en-US" altLang="ko-KR" sz="3200" b="1" dirty="0" smtClean="0">
-                <a:ln>
-                  <a:solidFill>
-                    <a:schemeClr val="bg1">
-                      <a:lumMod val="85000"/>
-                      <a:alpha val="30000"/>
-                    </a:schemeClr>
-                  </a:solidFill>
-                </a:ln>
-                <a:solidFill>
-                  <a:schemeClr val="bg1">
-                    <a:lumMod val="95000"/>
-                  </a:schemeClr>
-                </a:solidFill>
-                <a:latin typeface="HY헤드라인M" pitchFamily="18" charset="-127"/>
-                <a:ea typeface="HY헤드라인M" pitchFamily="18" charset="-127"/>
-                <a:cs typeface="Segoe UI Black" pitchFamily="34" charset="0"/>
-              </a:rPr>
-              <a:t>10</a:t>
-            </a:r>
-            <a:endParaRPr lang="en-US" altLang="ko-KR" sz="3200" b="1" dirty="0" smtClean="0">
-              <a:ln>
-                <a:solidFill>
-                  <a:schemeClr val="bg1">
-                    <a:lumMod val="85000"/>
-                    <a:alpha val="30000"/>
-                  </a:schemeClr>
-                </a:solidFill>
-              </a:ln>
-              <a:solidFill>
-                <a:schemeClr val="bg1">
-                  <a:lumMod val="95000"/>
-                </a:schemeClr>
-              </a:solidFill>
-              <a:latin typeface="HY헤드라인M" pitchFamily="18" charset="-127"/>
-              <a:ea typeface="HY헤드라인M" pitchFamily="18" charset="-127"/>
-              <a:cs typeface="Segoe UI Black" pitchFamily="34" charset="0"/>
-            </a:endParaRPr>
+              <a:t>Chapter 10</a:t>
+            </a:r>
           </a:p>
         </p:txBody>
       </p:sp>
@@ -10298,21 +11889,7 @@
                 <a:latin typeface="HY중고딕" pitchFamily="18" charset="-127"/>
                 <a:ea typeface="HY중고딕" pitchFamily="18" charset="-127"/>
               </a:rPr>
-              <a:t> 하나는 데이터 경쟁 문제이다 이 원인을 </a:t>
-            </a:r>
-            <a:r>
-              <a:rPr lang="ko-KR" altLang="en-US" sz="1400" dirty="0" smtClean="0">
-                <a:ln>
-                  <a:solidFill>
-                    <a:schemeClr val="tx1">
-                      <a:alpha val="30000"/>
-                    </a:schemeClr>
-                  </a:solidFill>
-                </a:ln>
-                <a:latin typeface="HY중고딕" pitchFamily="18" charset="-127"/>
-                <a:ea typeface="HY중고딕" pitchFamily="18" charset="-127"/>
-              </a:rPr>
-              <a:t>확인하기</a:t>
+              <a:t> 하나는 데이터 경쟁 문제이다 이 원인을 확인하기</a:t>
             </a:r>
             <a:r>
               <a:rPr lang="en-US" altLang="ko-KR" sz="1400" dirty="0" smtClean="0">
@@ -14935,7 +16512,7 @@
                 <a:latin typeface="HY강B" pitchFamily="18" charset="-127"/>
                 <a:ea typeface="HY강B" pitchFamily="18" charset="-127"/>
               </a:rPr>
-              <a:t>자원관리</a:t>
+              <a:t>동시성</a:t>
             </a:r>
             <a:endParaRPr lang="en-US" altLang="ko-KR" sz="2000" b="1" dirty="0" smtClean="0">
               <a:ln>
@@ -15000,8 +16577,8 @@
         </p:nvSpPr>
         <p:spPr>
           <a:xfrm>
-            <a:off x="395536" y="1556787"/>
-            <a:ext cx="8676456" cy="3816429"/>
+            <a:off x="312364" y="773378"/>
+            <a:ext cx="8676456" cy="646331"/>
           </a:xfrm>
           <a:prstGeom prst="rect">
             <a:avLst/>
@@ -15019,7 +16596,7 @@
               <a:buChar char="•"/>
             </a:pPr>
             <a:r>
-              <a:rPr lang="en-US" altLang="ko-KR" sz="3200" dirty="0" smtClean="0">
+              <a:rPr lang="en-US" altLang="ko-KR" dirty="0" smtClean="0">
                 <a:ln>
                   <a:solidFill>
                     <a:schemeClr val="tx1">
@@ -15030,10 +16607,10 @@
                 <a:latin typeface="HY견고딕" pitchFamily="18" charset="-127"/>
                 <a:ea typeface="HY견고딕" pitchFamily="18" charset="-127"/>
               </a:rPr>
-              <a:t>7</a:t>
-            </a:r>
-            <a:r>
-              <a:rPr lang="ko-KR" altLang="en-US" sz="3200" dirty="0" smtClean="0">
+              <a:t>CP.21 </a:t>
+            </a:r>
+            <a:r>
+              <a:rPr lang="ko-KR" altLang="en-US" dirty="0" smtClean="0">
                 <a:ln>
                   <a:solidFill>
                     <a:schemeClr val="tx1">
@@ -15044,40 +16621,10 @@
                 <a:latin typeface="HY견고딕" pitchFamily="18" charset="-127"/>
                 <a:ea typeface="HY견고딕" pitchFamily="18" charset="-127"/>
               </a:rPr>
-              <a:t>장 전체 정리</a:t>
-            </a:r>
-            <a:endParaRPr lang="en-US" altLang="ko-KR" sz="3200" dirty="0" smtClean="0">
-              <a:ln>
-                <a:solidFill>
-                  <a:schemeClr val="tx1">
-                    <a:alpha val="30000"/>
-                  </a:schemeClr>
-                </a:solidFill>
-              </a:ln>
-              <a:latin typeface="HY견고딕" pitchFamily="18" charset="-127"/>
-              <a:ea typeface="HY견고딕" pitchFamily="18" charset="-127"/>
-            </a:endParaRPr>
-          </a:p>
-          <a:p>
-            <a:endParaRPr lang="en-US" altLang="ko-KR" sz="2000" dirty="0" smtClean="0">
-              <a:ln>
-                <a:solidFill>
-                  <a:schemeClr val="tx1">
-                    <a:alpha val="30000"/>
-                  </a:schemeClr>
-                </a:solidFill>
-              </a:ln>
-              <a:latin typeface="HY견고딕" pitchFamily="18" charset="-127"/>
-              <a:ea typeface="HY견고딕" pitchFamily="18" charset="-127"/>
-            </a:endParaRPr>
-          </a:p>
-          <a:p>
-            <a:pPr marL="457200" indent="-457200">
-              <a:buFontTx/>
-              <a:buChar char="-"/>
-            </a:pPr>
-            <a:r>
-              <a:rPr lang="ko-KR" altLang="en-US" sz="2000" dirty="0" smtClean="0">
+              <a:t>여러 개의 </a:t>
+            </a:r>
+            <a:r>
+              <a:rPr lang="ko-KR" altLang="en-US" dirty="0" err="1" smtClean="0">
                 <a:ln>
                   <a:solidFill>
                     <a:schemeClr val="tx1">
@@ -15088,44 +16635,10 @@
                 <a:latin typeface="HY견고딕" pitchFamily="18" charset="-127"/>
                 <a:ea typeface="HY견고딕" pitchFamily="18" charset="-127"/>
               </a:rPr>
-              <a:t>메모리자원의 소유권을 확실시 하라</a:t>
-            </a:r>
-            <a:endParaRPr lang="en-US" altLang="ko-KR" sz="2000" dirty="0" smtClean="0">
-              <a:ln>
-                <a:solidFill>
-                  <a:schemeClr val="tx1">
-                    <a:alpha val="30000"/>
-                  </a:schemeClr>
-                </a:solidFill>
-              </a:ln>
-              <a:latin typeface="HY견고딕" pitchFamily="18" charset="-127"/>
-              <a:ea typeface="HY견고딕" pitchFamily="18" charset="-127"/>
-            </a:endParaRPr>
-          </a:p>
-          <a:p>
-            <a:pPr marL="457200" indent="-457200">
-              <a:buFontTx/>
-              <a:buChar char="-"/>
-            </a:pPr>
-            <a:endParaRPr lang="en-US" altLang="ko-KR" sz="2000" dirty="0" smtClean="0">
-              <a:ln>
-                <a:solidFill>
-                  <a:schemeClr val="tx1">
-                    <a:alpha val="30000"/>
-                  </a:schemeClr>
-                </a:solidFill>
-              </a:ln>
-              <a:latin typeface="HY견고딕" pitchFamily="18" charset="-127"/>
-              <a:ea typeface="HY견고딕" pitchFamily="18" charset="-127"/>
-            </a:endParaRPr>
-          </a:p>
-          <a:p>
-            <a:pPr marL="457200" indent="-457200">
-              <a:buFontTx/>
-              <a:buChar char="-"/>
-            </a:pPr>
-            <a:r>
-              <a:rPr lang="ko-KR" altLang="en-US" sz="2000" dirty="0" smtClean="0">
+              <a:t>뮤텍스를</a:t>
+            </a:r>
+            <a:r>
+              <a:rPr lang="ko-KR" altLang="en-US" dirty="0" smtClean="0">
                 <a:ln>
                   <a:solidFill>
                     <a:schemeClr val="tx1">
@@ -15136,10 +16649,10 @@
                 <a:latin typeface="HY견고딕" pitchFamily="18" charset="-127"/>
                 <a:ea typeface="HY견고딕" pitchFamily="18" charset="-127"/>
               </a:rPr>
-              <a:t>메모리의 </a:t>
-            </a:r>
-            <a:r>
-              <a:rPr lang="ko-KR" altLang="en-US" sz="2000" dirty="0">
+              <a:t> 획득할 때는 </a:t>
+            </a:r>
+            <a:r>
+              <a:rPr lang="en-US" altLang="ko-KR" dirty="0" err="1" smtClean="0">
                 <a:ln>
                   <a:solidFill>
                     <a:schemeClr val="tx1">
@@ -15150,10 +16663,10 @@
                 <a:latin typeface="HY견고딕" pitchFamily="18" charset="-127"/>
                 <a:ea typeface="HY견고딕" pitchFamily="18" charset="-127"/>
               </a:rPr>
-              <a:t>생명주기를 명시적으로 표현할 땐 원시 포인터 보단 스마트 포인터위주로 </a:t>
-            </a:r>
-            <a:r>
-              <a:rPr lang="ko-KR" altLang="en-US" sz="2000" dirty="0" smtClean="0">
+              <a:t>std</a:t>
+            </a:r>
+            <a:r>
+              <a:rPr lang="en-US" altLang="ko-KR" dirty="0" smtClean="0">
                 <a:ln>
                   <a:solidFill>
                     <a:schemeClr val="tx1">
@@ -15164,27 +16677,10 @@
                 <a:latin typeface="HY견고딕" pitchFamily="18" charset="-127"/>
                 <a:ea typeface="HY견고딕" pitchFamily="18" charset="-127"/>
               </a:rPr>
-              <a:t>사용하라</a:t>
-            </a:r>
-            <a:endParaRPr lang="en-US" altLang="ko-KR" sz="2000" dirty="0" smtClean="0">
-              <a:ln>
-                <a:solidFill>
-                  <a:schemeClr val="tx1">
-                    <a:alpha val="30000"/>
-                  </a:schemeClr>
-                </a:solidFill>
-              </a:ln>
-              <a:latin typeface="HY견고딕" pitchFamily="18" charset="-127"/>
-              <a:ea typeface="HY견고딕" pitchFamily="18" charset="-127"/>
-            </a:endParaRPr>
-          </a:p>
-          <a:p>
-            <a:pPr marL="914400" lvl="1" indent="-457200">
-              <a:buFontTx/>
-              <a:buChar char="-"/>
-            </a:pPr>
-            <a:r>
-              <a:rPr lang="en-US" altLang="ko-KR" sz="1600" b="1" dirty="0" err="1" smtClean="0">
+              <a:t>::lock()</a:t>
+            </a:r>
+            <a:r>
+              <a:rPr lang="ko-KR" altLang="en-US" dirty="0" smtClean="0">
                 <a:ln>
                   <a:solidFill>
                     <a:schemeClr val="tx1">
@@ -15192,13 +16688,13 @@
                     </a:schemeClr>
                   </a:solidFill>
                 </a:ln>
-                <a:latin typeface="HY신명조" pitchFamily="18" charset="-127"/>
-                <a:ea typeface="HY신명조" pitchFamily="18" charset="-127"/>
-              </a:rPr>
-              <a:t>std</a:t>
-            </a:r>
-            <a:r>
-              <a:rPr lang="en-US" altLang="ko-KR" sz="1600" b="1" dirty="0">
+                <a:latin typeface="HY견고딕" pitchFamily="18" charset="-127"/>
+                <a:ea typeface="HY견고딕" pitchFamily="18" charset="-127"/>
+              </a:rPr>
+              <a:t>이나 </a:t>
+            </a:r>
+            <a:r>
+              <a:rPr lang="en-US" altLang="ko-KR" dirty="0" err="1" smtClean="0">
                 <a:ln>
                   <a:solidFill>
                     <a:schemeClr val="tx1">
@@ -15206,13 +16702,13 @@
                     </a:schemeClr>
                   </a:solidFill>
                 </a:ln>
-                <a:latin typeface="HY신명조" pitchFamily="18" charset="-127"/>
-                <a:ea typeface="HY신명조" pitchFamily="18" charset="-127"/>
-              </a:rPr>
-              <a:t>::</a:t>
-            </a:r>
-            <a:r>
-              <a:rPr lang="en-US" altLang="ko-KR" sz="1600" b="1" dirty="0" err="1">
+                <a:latin typeface="HY견고딕" pitchFamily="18" charset="-127"/>
+                <a:ea typeface="HY견고딕" pitchFamily="18" charset="-127"/>
+              </a:rPr>
+              <a:t>std</a:t>
+            </a:r>
+            <a:r>
+              <a:rPr lang="en-US" altLang="ko-KR" dirty="0" smtClean="0">
                 <a:ln>
                   <a:solidFill>
                     <a:schemeClr val="tx1">
@@ -15220,13 +16716,13 @@
                     </a:schemeClr>
                   </a:solidFill>
                 </a:ln>
-                <a:latin typeface="HY신명조" pitchFamily="18" charset="-127"/>
-                <a:ea typeface="HY신명조" pitchFamily="18" charset="-127"/>
-              </a:rPr>
-              <a:t>unique_ptr</a:t>
-            </a:r>
-            <a:r>
-              <a:rPr lang="en-US" altLang="ko-KR" sz="1600" b="1" dirty="0">
+                <a:latin typeface="HY견고딕" pitchFamily="18" charset="-127"/>
+                <a:ea typeface="HY견고딕" pitchFamily="18" charset="-127"/>
+              </a:rPr>
+              <a:t>::</a:t>
+            </a:r>
+            <a:r>
+              <a:rPr lang="en-US" altLang="ko-KR" dirty="0" err="1" smtClean="0">
                 <a:ln>
                   <a:solidFill>
                     <a:schemeClr val="tx1">
@@ -15234,13 +16730,13 @@
                     </a:schemeClr>
                   </a:solidFill>
                 </a:ln>
-                <a:latin typeface="HY신명조" pitchFamily="18" charset="-127"/>
-                <a:ea typeface="HY신명조" pitchFamily="18" charset="-127"/>
-              </a:rPr>
-              <a:t> : </a:t>
-            </a:r>
-            <a:r>
-              <a:rPr lang="ko-KR" altLang="en-US" sz="1600" b="1" dirty="0">
+                <a:latin typeface="HY견고딕" pitchFamily="18" charset="-127"/>
+                <a:ea typeface="HY견고딕" pitchFamily="18" charset="-127"/>
+              </a:rPr>
+              <a:t>scoped_lock</a:t>
+            </a:r>
+            <a:r>
+              <a:rPr lang="ko-KR" altLang="en-US" dirty="0" smtClean="0">
                 <a:ln>
                   <a:solidFill>
                     <a:schemeClr val="tx1">
@@ -15248,19 +16744,13 @@
                     </a:schemeClr>
                   </a:solidFill>
                 </a:ln>
-                <a:latin typeface="HY신명조" pitchFamily="18" charset="-127"/>
-                <a:ea typeface="HY신명조" pitchFamily="18" charset="-127"/>
-              </a:rPr>
-              <a:t>소유권을 독점하는 포인터</a:t>
-            </a:r>
-          </a:p>
-          <a:p>
-            <a:pPr marL="914400" lvl="1" indent="-457200">
-              <a:buFontTx/>
-              <a:buChar char="-"/>
-            </a:pPr>
-            <a:r>
-              <a:rPr lang="en-US" altLang="ko-KR" sz="1600" b="1" dirty="0" err="1" smtClean="0">
+                <a:latin typeface="HY견고딕" pitchFamily="18" charset="-127"/>
+                <a:ea typeface="HY견고딕" pitchFamily="18" charset="-127"/>
+              </a:rPr>
+              <a:t>을 사용하라</a:t>
+            </a:r>
+            <a:r>
+              <a:rPr lang="en-US" altLang="ko-KR" dirty="0" smtClean="0">
                 <a:ln>
                   <a:solidFill>
                     <a:schemeClr val="tx1">
@@ -15268,13 +16758,53 @@
                     </a:schemeClr>
                   </a:solidFill>
                 </a:ln>
-                <a:latin typeface="HY신명조" pitchFamily="18" charset="-127"/>
-                <a:ea typeface="HY신명조" pitchFamily="18" charset="-127"/>
-              </a:rPr>
-              <a:t>std</a:t>
-            </a:r>
-            <a:r>
-              <a:rPr lang="en-US" altLang="ko-KR" sz="1600" b="1" dirty="0">
+                <a:latin typeface="HY견고딕" pitchFamily="18" charset="-127"/>
+                <a:ea typeface="HY견고딕" pitchFamily="18" charset="-127"/>
+              </a:rPr>
+              <a:t>.</a:t>
+            </a:r>
+            <a:endParaRPr lang="en-US" altLang="ko-KR" sz="1400" dirty="0" smtClean="0">
+              <a:ln>
+                <a:solidFill>
+                  <a:schemeClr val="tx1">
+                    <a:alpha val="30000"/>
+                  </a:schemeClr>
+                </a:solidFill>
+              </a:ln>
+              <a:latin typeface="HY중고딕" pitchFamily="18" charset="-127"/>
+              <a:ea typeface="HY중고딕" pitchFamily="18" charset="-127"/>
+            </a:endParaRPr>
+          </a:p>
+        </p:txBody>
+      </p:sp>
+      <p:sp>
+        <p:nvSpPr>
+          <p:cNvPr id="8" name="TextBox 7"/>
+          <p:cNvSpPr txBox="1"/>
+          <p:nvPr/>
+        </p:nvSpPr>
+        <p:spPr>
+          <a:xfrm>
+            <a:off x="529672" y="3212976"/>
+            <a:ext cx="8676456" cy="830997"/>
+          </a:xfrm>
+          <a:prstGeom prst="rect">
+            <a:avLst/>
+          </a:prstGeom>
+          <a:noFill/>
+        </p:spPr>
+        <p:txBody>
+          <a:bodyPr wrap="square" rtlCol="0">
+            <a:spAutoFit/>
+          </a:bodyPr>
+          <a:lstStyle/>
+          <a:p>
+            <a:pPr marL="457200" indent="-457200">
+              <a:buFontTx/>
+              <a:buChar char="-"/>
+            </a:pPr>
+            <a:r>
+              <a:rPr lang="en-US" altLang="ko-KR" sz="4800" dirty="0" smtClean="0">
                 <a:ln>
                   <a:solidFill>
                     <a:schemeClr val="tx1">
@@ -15282,254 +16812,12 @@
                     </a:schemeClr>
                   </a:solidFill>
                 </a:ln>
-                <a:latin typeface="HY신명조" pitchFamily="18" charset="-127"/>
-                <a:ea typeface="HY신명조" pitchFamily="18" charset="-127"/>
-              </a:rPr>
-              <a:t>::</a:t>
-            </a:r>
-            <a:r>
-              <a:rPr lang="en-US" altLang="ko-KR" sz="1600" b="1" dirty="0" err="1">
-                <a:ln>
-                  <a:solidFill>
-                    <a:schemeClr val="tx1">
-                      <a:alpha val="30000"/>
-                    </a:schemeClr>
-                  </a:solidFill>
-                </a:ln>
-                <a:latin typeface="HY신명조" pitchFamily="18" charset="-127"/>
-                <a:ea typeface="HY신명조" pitchFamily="18" charset="-127"/>
-              </a:rPr>
-              <a:t>shared_ptr</a:t>
-            </a:r>
-            <a:r>
-              <a:rPr lang="en-US" altLang="ko-KR" sz="1600" b="1" dirty="0">
-                <a:ln>
-                  <a:solidFill>
-                    <a:schemeClr val="tx1">
-                      <a:alpha val="30000"/>
-                    </a:schemeClr>
-                  </a:solidFill>
-                </a:ln>
-                <a:latin typeface="HY신명조" pitchFamily="18" charset="-127"/>
-                <a:ea typeface="HY신명조" pitchFamily="18" charset="-127"/>
-              </a:rPr>
-              <a:t> : </a:t>
-            </a:r>
-            <a:r>
-              <a:rPr lang="ko-KR" altLang="en-US" sz="1600" b="1" dirty="0">
-                <a:ln>
-                  <a:solidFill>
-                    <a:schemeClr val="tx1">
-                      <a:alpha val="30000"/>
-                    </a:schemeClr>
-                  </a:solidFill>
-                </a:ln>
-                <a:latin typeface="HY신명조" pitchFamily="18" charset="-127"/>
-                <a:ea typeface="HY신명조" pitchFamily="18" charset="-127"/>
-              </a:rPr>
-              <a:t>소유권을 공유하는 포인터</a:t>
-            </a:r>
-          </a:p>
-          <a:p>
-            <a:pPr marL="914400" lvl="1" indent="-457200">
-              <a:buFontTx/>
-              <a:buChar char="-"/>
-            </a:pPr>
-            <a:r>
-              <a:rPr lang="en-US" altLang="ko-KR" sz="1600" b="1" dirty="0" err="1" smtClean="0">
-                <a:ln>
-                  <a:solidFill>
-                    <a:schemeClr val="tx1">
-                      <a:alpha val="30000"/>
-                    </a:schemeClr>
-                  </a:solidFill>
-                </a:ln>
-                <a:latin typeface="HY신명조" pitchFamily="18" charset="-127"/>
-                <a:ea typeface="HY신명조" pitchFamily="18" charset="-127"/>
-              </a:rPr>
-              <a:t>std</a:t>
-            </a:r>
-            <a:r>
-              <a:rPr lang="en-US" altLang="ko-KR" sz="1600" b="1" dirty="0">
-                <a:ln>
-                  <a:solidFill>
-                    <a:schemeClr val="tx1">
-                      <a:alpha val="30000"/>
-                    </a:schemeClr>
-                  </a:solidFill>
-                </a:ln>
-                <a:latin typeface="HY신명조" pitchFamily="18" charset="-127"/>
-                <a:ea typeface="HY신명조" pitchFamily="18" charset="-127"/>
-              </a:rPr>
-              <a:t>::</a:t>
-            </a:r>
-            <a:r>
-              <a:rPr lang="en-US" altLang="ko-KR" sz="1600" b="1" dirty="0" err="1">
-                <a:ln>
-                  <a:solidFill>
-                    <a:schemeClr val="tx1">
-                      <a:alpha val="30000"/>
-                    </a:schemeClr>
-                  </a:solidFill>
-                </a:ln>
-                <a:latin typeface="HY신명조" pitchFamily="18" charset="-127"/>
-                <a:ea typeface="HY신명조" pitchFamily="18" charset="-127"/>
-              </a:rPr>
-              <a:t>week_ptr</a:t>
-            </a:r>
-            <a:r>
-              <a:rPr lang="en-US" altLang="ko-KR" sz="1600" b="1" dirty="0">
-                <a:ln>
-                  <a:solidFill>
-                    <a:schemeClr val="tx1">
-                      <a:alpha val="30000"/>
-                    </a:schemeClr>
-                  </a:solidFill>
-                </a:ln>
-                <a:latin typeface="HY신명조" pitchFamily="18" charset="-127"/>
-                <a:ea typeface="HY신명조" pitchFamily="18" charset="-127"/>
-              </a:rPr>
-              <a:t> : </a:t>
-            </a:r>
-            <a:r>
-              <a:rPr lang="ko-KR" altLang="en-US" sz="1600" b="1" dirty="0">
-                <a:ln>
-                  <a:solidFill>
-                    <a:schemeClr val="tx1">
-                      <a:alpha val="30000"/>
-                    </a:schemeClr>
-                  </a:solidFill>
-                </a:ln>
-                <a:latin typeface="HY신명조" pitchFamily="18" charset="-127"/>
-                <a:ea typeface="HY신명조" pitchFamily="18" charset="-127"/>
-              </a:rPr>
-              <a:t>소유권을 주장하지 않는 </a:t>
-            </a:r>
-            <a:r>
-              <a:rPr lang="ko-KR" altLang="en-US" sz="1600" b="1" dirty="0" smtClean="0">
-                <a:ln>
-                  <a:solidFill>
-                    <a:schemeClr val="tx1">
-                      <a:alpha val="30000"/>
-                    </a:schemeClr>
-                  </a:solidFill>
-                </a:ln>
-                <a:latin typeface="HY신명조" pitchFamily="18" charset="-127"/>
-                <a:ea typeface="HY신명조" pitchFamily="18" charset="-127"/>
-              </a:rPr>
-              <a:t>포인터</a:t>
-            </a:r>
-            <a:endParaRPr lang="en-US" altLang="ko-KR" sz="1600" b="1" dirty="0" smtClean="0">
-              <a:ln>
-                <a:solidFill>
-                  <a:schemeClr val="tx1">
-                    <a:alpha val="30000"/>
-                  </a:schemeClr>
-                </a:solidFill>
-              </a:ln>
-              <a:latin typeface="HY신명조" pitchFamily="18" charset="-127"/>
-              <a:ea typeface="HY신명조" pitchFamily="18" charset="-127"/>
-            </a:endParaRPr>
-          </a:p>
-          <a:p>
-            <a:pPr marL="914400" lvl="1" indent="-457200">
-              <a:buFontTx/>
-              <a:buChar char="-"/>
-            </a:pPr>
-            <a:endParaRPr lang="en-US" altLang="ko-KR" sz="2000" dirty="0" smtClean="0">
-              <a:ln>
-                <a:solidFill>
-                  <a:schemeClr val="tx1">
-                    <a:alpha val="30000"/>
-                  </a:schemeClr>
-                </a:solidFill>
-              </a:ln>
-              <a:latin typeface="HY견고딕" pitchFamily="18" charset="-127"/>
-              <a:ea typeface="HY견고딕" pitchFamily="18" charset="-127"/>
-            </a:endParaRPr>
-          </a:p>
-          <a:p>
-            <a:pPr marL="457200" indent="-457200">
-              <a:buFontTx/>
-              <a:buChar char="-"/>
-            </a:pPr>
-            <a:r>
-              <a:rPr lang="ko-KR" altLang="en-US" sz="2000" dirty="0">
-                <a:ln>
-                  <a:solidFill>
-                    <a:schemeClr val="tx1">
-                      <a:alpha val="30000"/>
-                    </a:schemeClr>
-                  </a:solidFill>
-                </a:ln>
                 <a:latin typeface="HY견고딕" pitchFamily="18" charset="-127"/>
                 <a:ea typeface="HY견고딕" pitchFamily="18" charset="-127"/>
               </a:rPr>
-              <a:t>스마트포인터 생성은 </a:t>
-            </a:r>
-            <a:r>
-              <a:rPr lang="en-US" altLang="ko-KR" sz="2000" dirty="0" err="1">
-                <a:ln>
-                  <a:solidFill>
-                    <a:schemeClr val="tx1">
-                      <a:alpha val="30000"/>
-                    </a:schemeClr>
-                  </a:solidFill>
-                </a:ln>
-                <a:latin typeface="HY견고딕" pitchFamily="18" charset="-127"/>
-                <a:ea typeface="HY견고딕" pitchFamily="18" charset="-127"/>
-              </a:rPr>
-              <a:t>make_xxx</a:t>
-            </a:r>
-            <a:r>
-              <a:rPr lang="en-US" altLang="ko-KR" sz="2000" dirty="0">
-                <a:ln>
-                  <a:solidFill>
-                    <a:schemeClr val="tx1">
-                      <a:alpha val="30000"/>
-                    </a:schemeClr>
-                  </a:solidFill>
-                </a:ln>
-                <a:latin typeface="HY견고딕" pitchFamily="18" charset="-127"/>
-                <a:ea typeface="HY견고딕" pitchFamily="18" charset="-127"/>
-              </a:rPr>
-              <a:t>()</a:t>
-            </a:r>
-            <a:r>
-              <a:rPr lang="ko-KR" altLang="en-US" sz="2000" dirty="0">
-                <a:ln>
-                  <a:solidFill>
-                    <a:schemeClr val="tx1">
-                      <a:alpha val="30000"/>
-                    </a:schemeClr>
-                  </a:solidFill>
-                </a:ln>
-                <a:latin typeface="HY견고딕" pitchFamily="18" charset="-127"/>
-                <a:ea typeface="HY견고딕" pitchFamily="18" charset="-127"/>
-              </a:rPr>
-              <a:t>사용을 권장한다</a:t>
-            </a:r>
-            <a:r>
-              <a:rPr lang="en-US" altLang="ko-KR" sz="2000" dirty="0">
-                <a:ln>
-                  <a:solidFill>
-                    <a:schemeClr val="tx1">
-                      <a:alpha val="30000"/>
-                    </a:schemeClr>
-                  </a:solidFill>
-                </a:ln>
-                <a:latin typeface="HY견고딕" pitchFamily="18" charset="-127"/>
-                <a:ea typeface="HY견고딕" pitchFamily="18" charset="-127"/>
-              </a:rPr>
-              <a:t>.</a:t>
-            </a:r>
-          </a:p>
-          <a:p>
-            <a:pPr marL="457200" indent="-457200">
-              <a:buFontTx/>
-              <a:buChar char="-"/>
-            </a:pPr>
-            <a:endParaRPr lang="en-US" altLang="ko-KR" sz="2000" dirty="0" smtClean="0">
+              <a:t>DeadLock.cpp</a:t>
+            </a:r>
+            <a:endParaRPr lang="en-US" altLang="ko-KR" sz="4800" dirty="0" smtClean="0">
               <a:ln>
                 <a:solidFill>
                   <a:schemeClr val="tx1">
@@ -15546,7 +16834,7 @@
     </p:spTree>
     <p:extLst>
       <p:ext uri="{BB962C8B-B14F-4D97-AF65-F5344CB8AC3E}">
-        <p14:creationId xmlns:p14="http://schemas.microsoft.com/office/powerpoint/2010/main" val="1145586377"/>
+        <p14:creationId xmlns:p14="http://schemas.microsoft.com/office/powerpoint/2010/main" val="1084731962"/>
       </p:ext>
     </p:extLst>
   </p:cSld>
@@ -15578,14 +16866,6 @@
 <file path=ppt/slides/slide7.xml><?xml version="1.0" encoding="utf-8"?>
 <p:sld xmlns:a="http://schemas.openxmlformats.org/drawingml/2006/main" xmlns:r="http://schemas.openxmlformats.org/officeDocument/2006/relationships" xmlns:p="http://schemas.openxmlformats.org/presentationml/2006/main">
   <p:cSld>
-    <p:bg>
-      <p:bgPr>
-        <a:solidFill>
-          <a:srgbClr val="272123"/>
-        </a:solidFill>
-        <a:effectLst/>
-      </p:bgPr>
-    </p:bg>
     <p:spTree>
       <p:nvGrpSpPr>
         <p:cNvPr id="1" name=""/>
@@ -15600,16 +16880,54 @@
           <a:chExt cx="0" cy="0"/>
         </a:xfrm>
       </p:grpSpPr>
+      <p:cxnSp>
+        <p:nvCxnSpPr>
+          <p:cNvPr id="5" name="직선 연결선 4"/>
+          <p:cNvCxnSpPr/>
+          <p:nvPr/>
+        </p:nvCxnSpPr>
+        <p:spPr>
+          <a:xfrm flipH="1">
+            <a:off x="-252536" y="548680"/>
+            <a:ext cx="10240872" cy="0"/>
+          </a:xfrm>
+          <a:prstGeom prst="line">
+            <a:avLst/>
+          </a:prstGeom>
+          <a:ln>
+            <a:solidFill>
+              <a:schemeClr val="bg1">
+                <a:lumMod val="65000"/>
+                <a:alpha val="50000"/>
+              </a:schemeClr>
+            </a:solidFill>
+          </a:ln>
+        </p:spPr>
+        <p:style>
+          <a:lnRef idx="1">
+            <a:schemeClr val="accent1"/>
+          </a:lnRef>
+          <a:fillRef idx="0">
+            <a:schemeClr val="accent1"/>
+          </a:fillRef>
+          <a:effectRef idx="0">
+            <a:schemeClr val="accent1"/>
+          </a:effectRef>
+          <a:fontRef idx="minor">
+            <a:schemeClr val="tx1"/>
+          </a:fontRef>
+        </p:style>
+      </p:cxnSp>
       <p:sp>
         <p:nvSpPr>
-          <p:cNvPr id="4" name="TextBox 3"/>
+          <p:cNvPr id="21" name="TextBox 20"/>
           <p:cNvSpPr txBox="1"/>
           <p:nvPr/>
         </p:nvSpPr>
         <p:spPr>
           <a:xfrm>
-            <a:off x="2213281" y="2692077"/>
-            <a:ext cx="4951007" cy="1384995"/>
+            <a:off x="236725" y="56518"/>
+            <a:ext cx="1959011" cy="400110"/>
           </a:xfrm>
           <a:prstGeom prst="rect">
             <a:avLst/>
@@ -15624,152 +16942,77 @@
           <a:p>
             <a:pPr algn="ctr"/>
             <a:r>
-              <a:rPr lang="en-US" altLang="ko-KR" sz="4000" b="1" dirty="0" smtClean="0">
+              <a:rPr lang="ko-KR" altLang="en-US" sz="2000" b="1" dirty="0" smtClean="0">
                 <a:ln>
                   <a:solidFill>
-                    <a:schemeClr val="bg1">
-                      <a:lumMod val="85000"/>
+                    <a:schemeClr val="tx1">
                       <a:alpha val="30000"/>
                     </a:schemeClr>
                   </a:solidFill>
                 </a:ln>
                 <a:solidFill>
-                  <a:schemeClr val="bg1">
-                    <a:lumMod val="95000"/>
-                  </a:schemeClr>
-                </a:solidFill>
-                <a:latin typeface="HY헤드라인M" pitchFamily="18" charset="-127"/>
-                <a:ea typeface="HY헤드라인M" pitchFamily="18" charset="-127"/>
-                <a:cs typeface="Segoe UI Black" pitchFamily="34" charset="0"/>
-              </a:rPr>
-              <a:t>Core </a:t>
-            </a:r>
-            <a:r>
-              <a:rPr lang="en-US" altLang="ko-KR" sz="4000" b="1" dirty="0" err="1" smtClean="0">
-                <a:ln>
-                  <a:solidFill>
-                    <a:schemeClr val="bg1">
-                      <a:lumMod val="85000"/>
-                      <a:alpha val="30000"/>
-                    </a:schemeClr>
-                  </a:solidFill>
-                </a:ln>
-                <a:solidFill>
-                  <a:schemeClr val="bg1">
-                    <a:lumMod val="95000"/>
-                  </a:schemeClr>
-                </a:solidFill>
-                <a:latin typeface="HY헤드라인M" pitchFamily="18" charset="-127"/>
-                <a:ea typeface="HY헤드라인M" pitchFamily="18" charset="-127"/>
-                <a:cs typeface="Segoe UI Black" pitchFamily="34" charset="0"/>
-              </a:rPr>
-              <a:t>GuideLines</a:t>
-            </a:r>
-            <a:endParaRPr lang="en-US" altLang="ko-KR" sz="4000" b="1" dirty="0" smtClean="0">
+                  <a:srgbClr val="272123"/>
+                </a:solidFill>
+                <a:latin typeface="HY강B" pitchFamily="18" charset="-127"/>
+                <a:ea typeface="HY강B" pitchFamily="18" charset="-127"/>
+              </a:rPr>
+              <a:t>자원관리</a:t>
+            </a:r>
+            <a:endParaRPr lang="en-US" altLang="ko-KR" sz="2000" b="1" dirty="0" smtClean="0">
               <a:ln>
                 <a:solidFill>
-                  <a:schemeClr val="bg1">
-                    <a:lumMod val="85000"/>
+                  <a:schemeClr val="tx1">
                     <a:alpha val="30000"/>
                   </a:schemeClr>
                 </a:solidFill>
               </a:ln>
               <a:solidFill>
-                <a:schemeClr val="bg1">
-                  <a:lumMod val="95000"/>
-                </a:schemeClr>
+                <a:srgbClr val="272123"/>
               </a:solidFill>
-              <a:latin typeface="HY헤드라인M" pitchFamily="18" charset="-127"/>
-              <a:ea typeface="HY헤드라인M" pitchFamily="18" charset="-127"/>
-              <a:cs typeface="Segoe UI Black" pitchFamily="34" charset="0"/>
-            </a:endParaRPr>
-          </a:p>
-          <a:p>
-            <a:pPr algn="ctr"/>
-            <a:endParaRPr lang="en-US" altLang="ko-KR" sz="1050" b="1" dirty="0" smtClean="0">
-              <a:ln>
-                <a:solidFill>
-                  <a:schemeClr val="bg1">
-                    <a:lumMod val="85000"/>
-                    <a:alpha val="30000"/>
-                  </a:schemeClr>
-                </a:solidFill>
-              </a:ln>
-              <a:solidFill>
-                <a:schemeClr val="bg1">
-                  <a:lumMod val="95000"/>
-                </a:schemeClr>
-              </a:solidFill>
-              <a:latin typeface="HY헤드라인M" pitchFamily="18" charset="-127"/>
-              <a:ea typeface="HY헤드라인M" pitchFamily="18" charset="-127"/>
-              <a:cs typeface="Segoe UI Black" pitchFamily="34" charset="0"/>
-            </a:endParaRPr>
-          </a:p>
-          <a:p>
-            <a:pPr algn="ctr"/>
-            <a:r>
-              <a:rPr lang="en-US" altLang="ko-KR" sz="3200" b="1" dirty="0" smtClean="0">
-                <a:ln>
-                  <a:solidFill>
-                    <a:schemeClr val="bg1">
-                      <a:lumMod val="85000"/>
-                      <a:alpha val="30000"/>
-                    </a:schemeClr>
-                  </a:solidFill>
-                </a:ln>
-                <a:solidFill>
-                  <a:schemeClr val="bg1">
-                    <a:lumMod val="95000"/>
-                  </a:schemeClr>
-                </a:solidFill>
-                <a:latin typeface="HY헤드라인M" pitchFamily="18" charset="-127"/>
-                <a:ea typeface="HY헤드라인M" pitchFamily="18" charset="-127"/>
-                <a:cs typeface="Segoe UI Black" pitchFamily="34" charset="0"/>
-              </a:rPr>
-              <a:t>Chapter </a:t>
-            </a:r>
-            <a:r>
-              <a:rPr lang="en-US" altLang="ko-KR" sz="3200" b="1" dirty="0">
-                <a:ln>
-                  <a:solidFill>
-                    <a:schemeClr val="bg1">
-                      <a:lumMod val="85000"/>
-                      <a:alpha val="30000"/>
-                    </a:schemeClr>
-                  </a:solidFill>
-                </a:ln>
-                <a:solidFill>
-                  <a:schemeClr val="bg1">
-                    <a:lumMod val="95000"/>
-                  </a:schemeClr>
-                </a:solidFill>
-                <a:latin typeface="HY헤드라인M" pitchFamily="18" charset="-127"/>
-                <a:ea typeface="HY헤드라인M" pitchFamily="18" charset="-127"/>
-                <a:cs typeface="Segoe UI Black" pitchFamily="34" charset="0"/>
-              </a:rPr>
-              <a:t>8</a:t>
-            </a:r>
-            <a:endParaRPr lang="en-US" altLang="ko-KR" sz="3200" b="1" dirty="0" smtClean="0">
-              <a:ln>
-                <a:solidFill>
-                  <a:schemeClr val="bg1">
-                    <a:lumMod val="85000"/>
-                    <a:alpha val="30000"/>
-                  </a:schemeClr>
-                </a:solidFill>
-              </a:ln>
-              <a:solidFill>
-                <a:schemeClr val="bg1">
-                  <a:lumMod val="95000"/>
-                </a:schemeClr>
-              </a:solidFill>
-              <a:latin typeface="HY헤드라인M" pitchFamily="18" charset="-127"/>
-              <a:ea typeface="HY헤드라인M" pitchFamily="18" charset="-127"/>
-              <a:cs typeface="Segoe UI Black" pitchFamily="34" charset="0"/>
+              <a:latin typeface="HY강B" pitchFamily="18" charset="-127"/>
+              <a:ea typeface="HY강B" pitchFamily="18" charset="-127"/>
             </a:endParaRPr>
           </a:p>
         </p:txBody>
       </p:sp>
+      <p:cxnSp>
+        <p:nvCxnSpPr>
+          <p:cNvPr id="4" name="직선 연결선 3"/>
+          <p:cNvCxnSpPr/>
+          <p:nvPr/>
+        </p:nvCxnSpPr>
+        <p:spPr>
+          <a:xfrm flipH="1">
+            <a:off x="-252536" y="548680"/>
+            <a:ext cx="10240872" cy="0"/>
+          </a:xfrm>
+          <a:prstGeom prst="line">
+            <a:avLst/>
+          </a:prstGeom>
+          <a:ln>
+            <a:solidFill>
+              <a:schemeClr val="bg1">
+                <a:lumMod val="65000"/>
+                <a:alpha val="50000"/>
+              </a:schemeClr>
+            </a:solidFill>
+          </a:ln>
+        </p:spPr>
+        <p:style>
+          <a:lnRef idx="1">
+            <a:schemeClr val="accent1"/>
+          </a:lnRef>
+          <a:fillRef idx="0">
+            <a:schemeClr val="accent1"/>
+          </a:fillRef>
+          <a:effectRef idx="0">
+            <a:schemeClr val="accent1"/>
+          </a:effectRef>
+          <a:fontRef idx="minor">
+            <a:schemeClr val="tx1"/>
+          </a:fontRef>
+        </p:style>
+      </p:cxnSp>
       <p:sp>
         <p:nvSpPr>
           <p:cNvPr id="7" name="TextBox 6"/>
@@ -15778,8 +17021,8 @@
         </p:nvSpPr>
         <p:spPr>
           <a:xfrm>
-            <a:off x="7020801" y="5591055"/>
-            <a:ext cx="1440160" cy="307777"/>
+            <a:off x="395536" y="654948"/>
+            <a:ext cx="8676456" cy="584775"/>
           </a:xfrm>
           <a:prstGeom prst="rect">
             <a:avLst/>
@@ -15792,45 +17035,1301 @@
           </a:bodyPr>
           <a:lstStyle/>
           <a:p>
-            <a:pPr algn="ctr"/>
-            <a:r>
-              <a:rPr lang="ko-KR" altLang="en-US" sz="1400" dirty="0" smtClean="0">
+            <a:pPr marL="285750" indent="-285750">
+              <a:buFont typeface="Arial" pitchFamily="34" charset="0"/>
+              <a:buChar char="•"/>
+            </a:pPr>
+            <a:r>
+              <a:rPr lang="en-US" altLang="ko-KR" dirty="0" smtClean="0">
                 <a:ln>
                   <a:solidFill>
-                    <a:schemeClr val="bg1">
-                      <a:lumMod val="85000"/>
+                    <a:schemeClr val="tx1">
                       <a:alpha val="30000"/>
                     </a:schemeClr>
                   </a:solidFill>
                 </a:ln>
-                <a:solidFill>
-                  <a:schemeClr val="bg1">
-                    <a:lumMod val="85000"/>
+                <a:latin typeface="HY견고딕" pitchFamily="18" charset="-127"/>
+                <a:ea typeface="HY견고딕" pitchFamily="18" charset="-127"/>
+              </a:rPr>
+              <a:t>CP.25 </a:t>
+            </a:r>
+            <a:r>
+              <a:rPr lang="en-US" altLang="ko-KR" dirty="0" err="1" smtClean="0">
+                <a:ln>
+                  <a:solidFill>
+                    <a:schemeClr val="tx1">
+                      <a:alpha val="30000"/>
+                    </a:schemeClr>
+                  </a:solidFill>
+                </a:ln>
+                <a:latin typeface="HY견고딕" pitchFamily="18" charset="-127"/>
+                <a:ea typeface="HY견고딕" pitchFamily="18" charset="-127"/>
+              </a:rPr>
+              <a:t>std</a:t>
+            </a:r>
+            <a:r>
+              <a:rPr lang="en-US" altLang="ko-KR" dirty="0" smtClean="0">
+                <a:ln>
+                  <a:solidFill>
+                    <a:schemeClr val="tx1">
+                      <a:alpha val="30000"/>
+                    </a:schemeClr>
+                  </a:solidFill>
+                </a:ln>
+                <a:latin typeface="HY견고딕" pitchFamily="18" charset="-127"/>
+                <a:ea typeface="HY견고딕" pitchFamily="18" charset="-127"/>
+              </a:rPr>
+              <a:t>::thread</a:t>
+            </a:r>
+            <a:r>
+              <a:rPr lang="ko-KR" altLang="en-US" dirty="0" smtClean="0">
+                <a:ln>
+                  <a:solidFill>
+                    <a:schemeClr val="tx1">
+                      <a:alpha val="30000"/>
+                    </a:schemeClr>
+                  </a:solidFill>
+                </a:ln>
+                <a:latin typeface="HY견고딕" pitchFamily="18" charset="-127"/>
+                <a:ea typeface="HY견고딕" pitchFamily="18" charset="-127"/>
+              </a:rPr>
+              <a:t>보다 </a:t>
+            </a:r>
+            <a:r>
+              <a:rPr lang="en-US" altLang="ko-KR" dirty="0" err="1" smtClean="0">
+                <a:ln>
+                  <a:solidFill>
+                    <a:schemeClr val="tx1">
+                      <a:alpha val="30000"/>
+                    </a:schemeClr>
+                  </a:solidFill>
+                </a:ln>
+                <a:latin typeface="HY견고딕" pitchFamily="18" charset="-127"/>
+                <a:ea typeface="HY견고딕" pitchFamily="18" charset="-127"/>
+              </a:rPr>
+              <a:t>std</a:t>
+            </a:r>
+            <a:r>
+              <a:rPr lang="en-US" altLang="ko-KR" dirty="0" smtClean="0">
+                <a:ln>
+                  <a:solidFill>
+                    <a:schemeClr val="tx1">
+                      <a:alpha val="30000"/>
+                    </a:schemeClr>
+                  </a:solidFill>
+                </a:ln>
+                <a:latin typeface="HY견고딕" pitchFamily="18" charset="-127"/>
+                <a:ea typeface="HY견고딕" pitchFamily="18" charset="-127"/>
+              </a:rPr>
+              <a:t>::</a:t>
+            </a:r>
+            <a:r>
+              <a:rPr lang="en-US" altLang="ko-KR" dirty="0" err="1" smtClean="0">
+                <a:ln>
+                  <a:solidFill>
+                    <a:schemeClr val="tx1">
+                      <a:alpha val="30000"/>
+                    </a:schemeClr>
+                  </a:solidFill>
+                </a:ln>
+                <a:latin typeface="HY견고딕" pitchFamily="18" charset="-127"/>
+                <a:ea typeface="HY견고딕" pitchFamily="18" charset="-127"/>
+              </a:rPr>
+              <a:t>jthread</a:t>
+            </a:r>
+            <a:r>
+              <a:rPr lang="ko-KR" altLang="en-US" dirty="0" smtClean="0">
+                <a:ln>
+                  <a:solidFill>
+                    <a:schemeClr val="tx1">
+                      <a:alpha val="30000"/>
+                    </a:schemeClr>
+                  </a:solidFill>
+                </a:ln>
+                <a:latin typeface="HY견고딕" pitchFamily="18" charset="-127"/>
+                <a:ea typeface="HY견고딕" pitchFamily="18" charset="-127"/>
+              </a:rPr>
+              <a:t>를 선호하라</a:t>
+            </a:r>
+            <a:endParaRPr lang="en-US" altLang="ko-KR" sz="2000" dirty="0" smtClean="0">
+              <a:ln>
+                <a:solidFill>
+                  <a:schemeClr val="tx1">
+                    <a:alpha val="30000"/>
                   </a:schemeClr>
                 </a:solidFill>
-                <a:latin typeface="HY헤드라인M" pitchFamily="18" charset="-127"/>
-                <a:ea typeface="HY헤드라인M" pitchFamily="18" charset="-127"/>
-                <a:cs typeface="Segoe UI Black" pitchFamily="34" charset="0"/>
-              </a:rPr>
-              <a:t>최정호</a:t>
+              </a:ln>
+              <a:latin typeface="HY견고딕" pitchFamily="18" charset="-127"/>
+              <a:ea typeface="HY견고딕" pitchFamily="18" charset="-127"/>
+            </a:endParaRPr>
+          </a:p>
+          <a:p>
+            <a:r>
+              <a:rPr lang="en-US" altLang="ko-KR" sz="1400" dirty="0" smtClean="0">
+                <a:ln>
+                  <a:solidFill>
+                    <a:schemeClr val="tx1">
+                      <a:alpha val="30000"/>
+                    </a:schemeClr>
+                  </a:solidFill>
+                </a:ln>
+                <a:latin typeface="HY중고딕" pitchFamily="18" charset="-127"/>
+                <a:ea typeface="HY중고딕" pitchFamily="18" charset="-127"/>
+              </a:rPr>
+              <a:t>	</a:t>
+            </a:r>
+            <a:r>
+              <a:rPr lang="en-US" altLang="ko-KR" sz="1400" dirty="0" err="1" smtClean="0">
+                <a:ln>
+                  <a:solidFill>
+                    <a:schemeClr val="tx1">
+                      <a:alpha val="30000"/>
+                    </a:schemeClr>
+                  </a:solidFill>
+                </a:ln>
+                <a:latin typeface="HY중고딕" pitchFamily="18" charset="-127"/>
+                <a:ea typeface="HY중고딕" pitchFamily="18" charset="-127"/>
+              </a:rPr>
+              <a:t>std</a:t>
+            </a:r>
+            <a:r>
+              <a:rPr lang="en-US" altLang="ko-KR" sz="1400" dirty="0" smtClean="0">
+                <a:ln>
+                  <a:solidFill>
+                    <a:schemeClr val="tx1">
+                      <a:alpha val="30000"/>
+                    </a:schemeClr>
+                  </a:solidFill>
+                </a:ln>
+                <a:latin typeface="HY중고딕" pitchFamily="18" charset="-127"/>
+                <a:ea typeface="HY중고딕" pitchFamily="18" charset="-127"/>
+              </a:rPr>
+              <a:t>::</a:t>
+            </a:r>
+            <a:r>
+              <a:rPr lang="en-US" altLang="ko-KR" sz="1400" dirty="0" err="1" smtClean="0">
+                <a:ln>
+                  <a:solidFill>
+                    <a:schemeClr val="tx1">
+                      <a:alpha val="30000"/>
+                    </a:schemeClr>
+                  </a:solidFill>
+                </a:ln>
+                <a:latin typeface="HY중고딕" pitchFamily="18" charset="-127"/>
+                <a:ea typeface="HY중고딕" pitchFamily="18" charset="-127"/>
+              </a:rPr>
+              <a:t>jthread</a:t>
+            </a:r>
+            <a:r>
+              <a:rPr lang="ko-KR" altLang="en-US" sz="1400" dirty="0" smtClean="0">
+                <a:ln>
+                  <a:solidFill>
+                    <a:schemeClr val="tx1">
+                      <a:alpha val="30000"/>
+                    </a:schemeClr>
+                  </a:solidFill>
+                </a:ln>
+                <a:latin typeface="HY중고딕" pitchFamily="18" charset="-127"/>
+                <a:ea typeface="HY중고딕" pitchFamily="18" charset="-127"/>
+              </a:rPr>
+              <a:t>는 객체의 </a:t>
+            </a:r>
+            <a:r>
+              <a:rPr lang="ko-KR" altLang="en-US" sz="1400" dirty="0" err="1" smtClean="0">
+                <a:ln>
+                  <a:solidFill>
+                    <a:schemeClr val="tx1">
+                      <a:alpha val="30000"/>
+                    </a:schemeClr>
+                  </a:solidFill>
+                </a:ln>
+                <a:latin typeface="HY중고딕" pitchFamily="18" charset="-127"/>
+                <a:ea typeface="HY중고딕" pitchFamily="18" charset="-127"/>
+              </a:rPr>
+              <a:t>소멸자에서</a:t>
+            </a:r>
+            <a:r>
+              <a:rPr lang="ko-KR" altLang="en-US" sz="1400" dirty="0" smtClean="0">
+                <a:ln>
+                  <a:solidFill>
+                    <a:schemeClr val="tx1">
+                      <a:alpha val="30000"/>
+                    </a:schemeClr>
+                  </a:solidFill>
+                </a:ln>
+                <a:latin typeface="HY중고딕" pitchFamily="18" charset="-127"/>
+                <a:ea typeface="HY중고딕" pitchFamily="18" charset="-127"/>
+              </a:rPr>
+              <a:t> 자동으로 부모 </a:t>
+            </a:r>
+            <a:r>
+              <a:rPr lang="ko-KR" altLang="en-US" sz="1400" dirty="0" err="1" smtClean="0">
+                <a:ln>
+                  <a:solidFill>
+                    <a:schemeClr val="tx1">
+                      <a:alpha val="30000"/>
+                    </a:schemeClr>
+                  </a:solidFill>
+                </a:ln>
+                <a:latin typeface="HY중고딕" pitchFamily="18" charset="-127"/>
+                <a:ea typeface="HY중고딕" pitchFamily="18" charset="-127"/>
+              </a:rPr>
+              <a:t>스레드에</a:t>
+            </a:r>
+            <a:r>
+              <a:rPr lang="ko-KR" altLang="en-US" sz="1400" dirty="0" smtClean="0">
+                <a:ln>
+                  <a:solidFill>
+                    <a:schemeClr val="tx1">
+                      <a:alpha val="30000"/>
+                    </a:schemeClr>
+                  </a:solidFill>
+                </a:ln>
+                <a:latin typeface="HY중고딕" pitchFamily="18" charset="-127"/>
+                <a:ea typeface="HY중고딕" pitchFamily="18" charset="-127"/>
+              </a:rPr>
+              <a:t> </a:t>
+            </a:r>
+            <a:r>
+              <a:rPr lang="en-US" altLang="ko-KR" sz="1400" dirty="0" smtClean="0">
+                <a:ln>
+                  <a:solidFill>
+                    <a:schemeClr val="tx1">
+                      <a:alpha val="30000"/>
+                    </a:schemeClr>
+                  </a:solidFill>
+                </a:ln>
+                <a:latin typeface="HY중고딕" pitchFamily="18" charset="-127"/>
+                <a:ea typeface="HY중고딕" pitchFamily="18" charset="-127"/>
+              </a:rPr>
+              <a:t>join</a:t>
+            </a:r>
+            <a:r>
+              <a:rPr lang="ko-KR" altLang="en-US" sz="1400" dirty="0" smtClean="0">
+                <a:ln>
+                  <a:solidFill>
+                    <a:schemeClr val="tx1">
+                      <a:alpha val="30000"/>
+                    </a:schemeClr>
+                  </a:solidFill>
+                </a:ln>
+                <a:latin typeface="HY중고딕" pitchFamily="18" charset="-127"/>
+                <a:ea typeface="HY중고딕" pitchFamily="18" charset="-127"/>
+              </a:rPr>
+              <a:t>처리를 한다</a:t>
+            </a:r>
+            <a:r>
+              <a:rPr lang="en-US" altLang="ko-KR" sz="1400" dirty="0" smtClean="0">
+                <a:ln>
+                  <a:solidFill>
+                    <a:schemeClr val="tx1">
+                      <a:alpha val="30000"/>
+                    </a:schemeClr>
+                  </a:solidFill>
+                </a:ln>
+                <a:latin typeface="HY중고딕" pitchFamily="18" charset="-127"/>
+                <a:ea typeface="HY중고딕" pitchFamily="18" charset="-127"/>
+              </a:rPr>
+              <a:t>.</a:t>
             </a:r>
             <a:endParaRPr lang="en-US" altLang="ko-KR" sz="1400" dirty="0" smtClean="0">
               <a:ln>
                 <a:solidFill>
-                  <a:schemeClr val="bg1">
-                    <a:lumMod val="85000"/>
+                  <a:schemeClr val="tx1">
                     <a:alpha val="30000"/>
                   </a:schemeClr>
                 </a:solidFill>
               </a:ln>
+              <a:latin typeface="HY중고딕" pitchFamily="18" charset="-127"/>
+              <a:ea typeface="HY중고딕" pitchFamily="18" charset="-127"/>
+            </a:endParaRPr>
+          </a:p>
+        </p:txBody>
+      </p:sp>
+      <p:sp>
+        <p:nvSpPr>
+          <p:cNvPr id="2" name="Rectangle 1"/>
+          <p:cNvSpPr>
+            <a:spLocks noChangeArrowheads="1"/>
+          </p:cNvSpPr>
+          <p:nvPr/>
+        </p:nvSpPr>
+        <p:spPr bwMode="auto">
+          <a:xfrm>
+            <a:off x="251520" y="2204864"/>
+            <a:ext cx="8685070" cy="3046988"/>
+          </a:xfrm>
+          <a:prstGeom prst="rect">
+            <a:avLst/>
+          </a:prstGeom>
+          <a:solidFill>
+            <a:srgbClr val="FFFFFF"/>
+          </a:solidFill>
+          <a:ln>
+            <a:noFill/>
+          </a:ln>
+          <a:effectLst/>
+          <a:extLst>
+            <a:ext uri="{91240B29-F687-4F45-9708-019B960494DF}">
+              <a14:hiddenLine xmlns:a14="http://schemas.microsoft.com/office/drawing/2010/main" w="9525">
+                <a:solidFill>
+                  <a:schemeClr val="tx1"/>
+                </a:solidFill>
+                <a:miter lim="800000"/>
+                <a:headEnd/>
+                <a:tailEnd/>
+              </a14:hiddenLine>
+            </a:ext>
+            <a:ext uri="{AF507438-7753-43E0-B8FC-AC1667EBCBE1}">
+              <a14:hiddenEffects xmlns:a14="http://schemas.microsoft.com/office/drawing/2010/main">
+                <a:effectLst>
+                  <a:outerShdw dist="35921" dir="2700000" algn="ctr" rotWithShape="0">
+                    <a:schemeClr val="bg2"/>
+                  </a:outerShdw>
+                </a:effectLst>
+              </a14:hiddenEffects>
+            </a:ext>
+          </a:extLst>
+        </p:spPr>
+        <p:txBody>
+          <a:bodyPr vert="horz" wrap="none" lIns="0" tIns="0" rIns="0" bIns="0" numCol="1" anchor="ctr" anchorCtr="0" compatLnSpc="1">
+            <a:prstTxWarp prst="textNoShape">
+              <a:avLst/>
+            </a:prstTxWarp>
+            <a:spAutoFit/>
+          </a:bodyPr>
+          <a:lstStyle/>
+          <a:p>
+            <a:pPr marL="0" marR="0" lvl="0" indent="0" algn="l" defTabSz="914400" rtl="0" eaLnBrk="1" fontAlgn="base" latinLnBrk="1" hangingPunct="1">
+              <a:lnSpc>
+                <a:spcPct val="100000"/>
+              </a:lnSpc>
+              <a:spcBef>
+                <a:spcPct val="0"/>
+              </a:spcBef>
+              <a:spcAft>
+                <a:spcPct val="0"/>
+              </a:spcAft>
+              <a:buClrTx/>
+              <a:buSzTx/>
+              <a:buFontTx/>
+              <a:buNone/>
+              <a:tabLst/>
+            </a:pPr>
+            <a:r>
+              <a:rPr kumimoji="1" lang="ko-KR" altLang="ko-KR" b="1" i="0" u="none" strike="noStrike" cap="none" normalizeH="0" baseline="0" dirty="0" smtClean="0">
+                <a:ln>
+                  <a:noFill/>
+                </a:ln>
+                <a:solidFill>
+                  <a:srgbClr val="0086B3"/>
+                </a:solidFill>
+                <a:effectLst/>
+                <a:latin typeface="Consolas" pitchFamily="49" charset="0"/>
+                <a:ea typeface="굴림" pitchFamily="50" charset="-127"/>
+                <a:cs typeface="굴림" pitchFamily="50" charset="-127"/>
+              </a:rPr>
+              <a:t>#include</a:t>
+            </a:r>
+            <a:r>
+              <a:rPr kumimoji="1" lang="ko-KR" altLang="ko-KR" b="1" i="0" u="none" strike="noStrike" cap="none" normalizeH="0" baseline="0" dirty="0" smtClean="0">
+                <a:ln>
+                  <a:noFill/>
+                </a:ln>
+                <a:solidFill>
+                  <a:srgbClr val="A71D5D"/>
+                </a:solidFill>
+                <a:effectLst/>
+                <a:latin typeface="Consolas" pitchFamily="49" charset="0"/>
+                <a:ea typeface="굴림" pitchFamily="50" charset="-127"/>
+                <a:cs typeface="굴림" pitchFamily="50" charset="-127"/>
+              </a:rPr>
+              <a:t>&lt;</a:t>
+            </a:r>
+            <a:r>
+              <a:rPr kumimoji="1" lang="ko-KR" altLang="ko-KR" b="1" i="0" u="none" strike="noStrike" cap="none" normalizeH="0" baseline="0" dirty="0" smtClean="0">
+                <a:ln>
+                  <a:noFill/>
+                </a:ln>
+                <a:solidFill>
+                  <a:srgbClr val="010101"/>
+                </a:solidFill>
+                <a:effectLst/>
+                <a:latin typeface="Consolas" pitchFamily="49" charset="0"/>
+                <a:ea typeface="굴림" pitchFamily="50" charset="-127"/>
+                <a:cs typeface="굴림" pitchFamily="50" charset="-127"/>
+              </a:rPr>
+              <a:t>iostream</a:t>
+            </a:r>
+            <a:r>
+              <a:rPr kumimoji="1" lang="ko-KR" altLang="ko-KR" b="1" i="0" u="none" strike="noStrike" cap="none" normalizeH="0" baseline="0" dirty="0" smtClean="0">
+                <a:ln>
+                  <a:noFill/>
+                </a:ln>
+                <a:solidFill>
+                  <a:srgbClr val="A71D5D"/>
+                </a:solidFill>
+                <a:effectLst/>
+                <a:latin typeface="Consolas" pitchFamily="49" charset="0"/>
+                <a:ea typeface="굴림" pitchFamily="50" charset="-127"/>
+                <a:cs typeface="굴림" pitchFamily="50" charset="-127"/>
+              </a:rPr>
+              <a:t>&gt;</a:t>
+            </a:r>
+            <a:endParaRPr kumimoji="1" lang="ko-KR" altLang="ko-KR" b="1" i="0" u="none" strike="noStrike" cap="none" normalizeH="0" baseline="0" dirty="0" smtClean="0">
+              <a:ln>
+                <a:noFill/>
+              </a:ln>
               <a:solidFill>
-                <a:schemeClr val="bg1">
-                  <a:lumMod val="85000"/>
-                </a:schemeClr>
+                <a:srgbClr val="010101"/>
               </a:solidFill>
-              <a:latin typeface="HY헤드라인M" pitchFamily="18" charset="-127"/>
-              <a:ea typeface="HY헤드라인M" pitchFamily="18" charset="-127"/>
-              <a:cs typeface="Segoe UI Black" pitchFamily="34" charset="0"/>
+              <a:effectLst/>
+              <a:latin typeface="Consolas" pitchFamily="49" charset="0"/>
+              <a:ea typeface="굴림" pitchFamily="50" charset="-127"/>
+              <a:cs typeface="굴림" pitchFamily="50" charset="-127"/>
+            </a:endParaRPr>
+          </a:p>
+          <a:p>
+            <a:pPr marL="0" marR="0" lvl="0" indent="0" algn="l" defTabSz="914400" rtl="0" eaLnBrk="0" fontAlgn="base" latinLnBrk="0" hangingPunct="0">
+              <a:lnSpc>
+                <a:spcPct val="100000"/>
+              </a:lnSpc>
+              <a:spcBef>
+                <a:spcPct val="0"/>
+              </a:spcBef>
+              <a:spcAft>
+                <a:spcPct val="0"/>
+              </a:spcAft>
+              <a:buClrTx/>
+              <a:buSzTx/>
+              <a:buFontTx/>
+              <a:buNone/>
+              <a:tabLst/>
+            </a:pPr>
+            <a:r>
+              <a:rPr kumimoji="1" lang="ko-KR" altLang="ko-KR" b="1" i="0" u="none" strike="noStrike" cap="none" normalizeH="0" baseline="0" dirty="0" smtClean="0">
+                <a:ln>
+                  <a:noFill/>
+                </a:ln>
+                <a:solidFill>
+                  <a:srgbClr val="0086B3"/>
+                </a:solidFill>
+                <a:effectLst/>
+                <a:latin typeface="Consolas" pitchFamily="49" charset="0"/>
+                <a:ea typeface="굴림" pitchFamily="50" charset="-127"/>
+                <a:cs typeface="굴림" pitchFamily="50" charset="-127"/>
+              </a:rPr>
+              <a:t>#include</a:t>
+            </a:r>
+            <a:r>
+              <a:rPr kumimoji="1" lang="ko-KR" altLang="ko-KR" b="1" i="0" u="none" strike="noStrike" cap="none" normalizeH="0" baseline="0" dirty="0" smtClean="0">
+                <a:ln>
+                  <a:noFill/>
+                </a:ln>
+                <a:solidFill>
+                  <a:srgbClr val="A71D5D"/>
+                </a:solidFill>
+                <a:effectLst/>
+                <a:latin typeface="Consolas" pitchFamily="49" charset="0"/>
+                <a:ea typeface="굴림" pitchFamily="50" charset="-127"/>
+                <a:cs typeface="굴림" pitchFamily="50" charset="-127"/>
+              </a:rPr>
+              <a:t>&lt;</a:t>
+            </a:r>
+            <a:r>
+              <a:rPr kumimoji="1" lang="ko-KR" altLang="ko-KR" b="1" i="0" u="none" strike="noStrike" cap="none" normalizeH="0" baseline="0" dirty="0" smtClean="0">
+                <a:ln>
+                  <a:noFill/>
+                </a:ln>
+                <a:solidFill>
+                  <a:srgbClr val="010101"/>
+                </a:solidFill>
+                <a:effectLst/>
+                <a:latin typeface="Consolas" pitchFamily="49" charset="0"/>
+                <a:ea typeface="굴림" pitchFamily="50" charset="-127"/>
+                <a:cs typeface="굴림" pitchFamily="50" charset="-127"/>
+              </a:rPr>
+              <a:t>chrono</a:t>
+            </a:r>
+            <a:r>
+              <a:rPr kumimoji="1" lang="ko-KR" altLang="ko-KR" b="1" i="0" u="none" strike="noStrike" cap="none" normalizeH="0" baseline="0" dirty="0" smtClean="0">
+                <a:ln>
+                  <a:noFill/>
+                </a:ln>
+                <a:solidFill>
+                  <a:srgbClr val="A71D5D"/>
+                </a:solidFill>
+                <a:effectLst/>
+                <a:latin typeface="Consolas" pitchFamily="49" charset="0"/>
+                <a:ea typeface="굴림" pitchFamily="50" charset="-127"/>
+                <a:cs typeface="굴림" pitchFamily="50" charset="-127"/>
+              </a:rPr>
+              <a:t>&gt;</a:t>
+            </a:r>
+            <a:endParaRPr kumimoji="1" lang="ko-KR" altLang="ko-KR" b="1" i="0" u="none" strike="noStrike" cap="none" normalizeH="0" baseline="0" dirty="0" smtClean="0">
+              <a:ln>
+                <a:noFill/>
+              </a:ln>
+              <a:solidFill>
+                <a:srgbClr val="010101"/>
+              </a:solidFill>
+              <a:effectLst/>
+              <a:latin typeface="Consolas" pitchFamily="49" charset="0"/>
+              <a:ea typeface="굴림" pitchFamily="50" charset="-127"/>
+              <a:cs typeface="굴림" pitchFamily="50" charset="-127"/>
+            </a:endParaRPr>
+          </a:p>
+          <a:p>
+            <a:pPr marL="0" marR="0" lvl="0" indent="0" algn="l" defTabSz="914400" rtl="0" eaLnBrk="0" fontAlgn="base" latinLnBrk="0" hangingPunct="0">
+              <a:lnSpc>
+                <a:spcPct val="100000"/>
+              </a:lnSpc>
+              <a:spcBef>
+                <a:spcPct val="0"/>
+              </a:spcBef>
+              <a:spcAft>
+                <a:spcPct val="0"/>
+              </a:spcAft>
+              <a:buClrTx/>
+              <a:buSzTx/>
+              <a:buFontTx/>
+              <a:buNone/>
+              <a:tabLst/>
+            </a:pPr>
+            <a:r>
+              <a:rPr kumimoji="1" lang="ko-KR" altLang="ko-KR" b="1" i="0" u="none" strike="noStrike" cap="none" normalizeH="0" baseline="0" dirty="0" smtClean="0">
+                <a:ln>
+                  <a:noFill/>
+                </a:ln>
+                <a:solidFill>
+                  <a:srgbClr val="0086B3"/>
+                </a:solidFill>
+                <a:effectLst/>
+                <a:latin typeface="Consolas" pitchFamily="49" charset="0"/>
+                <a:ea typeface="굴림" pitchFamily="50" charset="-127"/>
+                <a:cs typeface="굴림" pitchFamily="50" charset="-127"/>
+              </a:rPr>
+              <a:t>#include</a:t>
+            </a:r>
+            <a:r>
+              <a:rPr kumimoji="1" lang="ko-KR" altLang="ko-KR" b="1" i="0" u="none" strike="noStrike" cap="none" normalizeH="0" baseline="0" dirty="0" smtClean="0">
+                <a:ln>
+                  <a:noFill/>
+                </a:ln>
+                <a:solidFill>
+                  <a:srgbClr val="A71D5D"/>
+                </a:solidFill>
+                <a:effectLst/>
+                <a:latin typeface="Consolas" pitchFamily="49" charset="0"/>
+                <a:ea typeface="굴림" pitchFamily="50" charset="-127"/>
+                <a:cs typeface="굴림" pitchFamily="50" charset="-127"/>
+              </a:rPr>
+              <a:t>&lt;</a:t>
+            </a:r>
+            <a:r>
+              <a:rPr kumimoji="1" lang="ko-KR" altLang="ko-KR" b="1" i="0" u="none" strike="noStrike" cap="none" normalizeH="0" baseline="0" dirty="0" smtClean="0">
+                <a:ln>
+                  <a:noFill/>
+                </a:ln>
+                <a:solidFill>
+                  <a:srgbClr val="010101"/>
+                </a:solidFill>
+                <a:effectLst/>
+                <a:latin typeface="Consolas" pitchFamily="49" charset="0"/>
+                <a:ea typeface="굴림" pitchFamily="50" charset="-127"/>
+                <a:cs typeface="굴림" pitchFamily="50" charset="-127"/>
+              </a:rPr>
+              <a:t>mutex</a:t>
+            </a:r>
+            <a:r>
+              <a:rPr kumimoji="1" lang="ko-KR" altLang="ko-KR" b="1" i="0" u="none" strike="noStrike" cap="none" normalizeH="0" baseline="0" dirty="0" smtClean="0">
+                <a:ln>
+                  <a:noFill/>
+                </a:ln>
+                <a:solidFill>
+                  <a:srgbClr val="A71D5D"/>
+                </a:solidFill>
+                <a:effectLst/>
+                <a:latin typeface="Consolas" pitchFamily="49" charset="0"/>
+                <a:ea typeface="굴림" pitchFamily="50" charset="-127"/>
+                <a:cs typeface="굴림" pitchFamily="50" charset="-127"/>
+              </a:rPr>
+              <a:t>&gt;</a:t>
+            </a:r>
+            <a:endParaRPr kumimoji="1" lang="ko-KR" altLang="ko-KR" b="1" i="0" u="none" strike="noStrike" cap="none" normalizeH="0" baseline="0" dirty="0" smtClean="0">
+              <a:ln>
+                <a:noFill/>
+              </a:ln>
+              <a:solidFill>
+                <a:srgbClr val="010101"/>
+              </a:solidFill>
+              <a:effectLst/>
+              <a:latin typeface="Consolas" pitchFamily="49" charset="0"/>
+              <a:ea typeface="굴림" pitchFamily="50" charset="-127"/>
+              <a:cs typeface="굴림" pitchFamily="50" charset="-127"/>
+            </a:endParaRPr>
+          </a:p>
+          <a:p>
+            <a:pPr marL="0" marR="0" lvl="0" indent="0" algn="l" defTabSz="914400" rtl="0" eaLnBrk="0" fontAlgn="base" latinLnBrk="0" hangingPunct="0">
+              <a:lnSpc>
+                <a:spcPct val="100000"/>
+              </a:lnSpc>
+              <a:spcBef>
+                <a:spcPct val="0"/>
+              </a:spcBef>
+              <a:spcAft>
+                <a:spcPct val="0"/>
+              </a:spcAft>
+              <a:buClrTx/>
+              <a:buSzTx/>
+              <a:buFontTx/>
+              <a:buNone/>
+              <a:tabLst/>
+            </a:pPr>
+            <a:r>
+              <a:rPr kumimoji="1" lang="ko-KR" altLang="ko-KR" b="1" i="0" u="none" strike="noStrike" cap="none" normalizeH="0" baseline="0" dirty="0" smtClean="0">
+                <a:ln>
+                  <a:noFill/>
+                </a:ln>
+                <a:solidFill>
+                  <a:srgbClr val="0086B3"/>
+                </a:solidFill>
+                <a:effectLst/>
+                <a:latin typeface="Consolas" pitchFamily="49" charset="0"/>
+                <a:ea typeface="굴림" pitchFamily="50" charset="-127"/>
+                <a:cs typeface="굴림" pitchFamily="50" charset="-127"/>
+              </a:rPr>
+              <a:t>#include</a:t>
+            </a:r>
+            <a:r>
+              <a:rPr kumimoji="1" lang="ko-KR" altLang="ko-KR" b="1" i="0" u="none" strike="noStrike" cap="none" normalizeH="0" baseline="0" dirty="0" smtClean="0">
+                <a:ln>
+                  <a:noFill/>
+                </a:ln>
+                <a:solidFill>
+                  <a:srgbClr val="A71D5D"/>
+                </a:solidFill>
+                <a:effectLst/>
+                <a:latin typeface="Consolas" pitchFamily="49" charset="0"/>
+                <a:ea typeface="굴림" pitchFamily="50" charset="-127"/>
+                <a:cs typeface="굴림" pitchFamily="50" charset="-127"/>
+              </a:rPr>
+              <a:t>&lt;thread&gt;</a:t>
+            </a:r>
+            <a:endParaRPr kumimoji="1" lang="ko-KR" altLang="ko-KR" b="1" i="0" u="none" strike="noStrike" cap="none" normalizeH="0" baseline="0" dirty="0" smtClean="0">
+              <a:ln>
+                <a:noFill/>
+              </a:ln>
+              <a:solidFill>
+                <a:srgbClr val="010101"/>
+              </a:solidFill>
+              <a:effectLst/>
+              <a:latin typeface="Consolas" pitchFamily="49" charset="0"/>
+              <a:ea typeface="굴림" pitchFamily="50" charset="-127"/>
+              <a:cs typeface="굴림" pitchFamily="50" charset="-127"/>
+            </a:endParaRPr>
+          </a:p>
+          <a:p>
+            <a:pPr marL="0" marR="0" lvl="0" indent="0" algn="l" defTabSz="914400" rtl="0" eaLnBrk="0" fontAlgn="base" latinLnBrk="0" hangingPunct="0">
+              <a:lnSpc>
+                <a:spcPct val="100000"/>
+              </a:lnSpc>
+              <a:spcBef>
+                <a:spcPct val="0"/>
+              </a:spcBef>
+              <a:spcAft>
+                <a:spcPct val="0"/>
+              </a:spcAft>
+              <a:buClrTx/>
+              <a:buSzTx/>
+              <a:buFontTx/>
+              <a:buNone/>
+              <a:tabLst/>
+            </a:pPr>
+            <a:r>
+              <a:rPr kumimoji="1" lang="ko-KR" altLang="ko-KR" b="1" i="0" u="none" strike="noStrike" cap="none" normalizeH="0" baseline="0" dirty="0" smtClean="0">
+                <a:ln>
+                  <a:noFill/>
+                </a:ln>
+                <a:solidFill>
+                  <a:srgbClr val="A71D5D"/>
+                </a:solidFill>
+                <a:effectLst/>
+                <a:latin typeface="Consolas" pitchFamily="49" charset="0"/>
+                <a:ea typeface="굴림" pitchFamily="50" charset="-127"/>
+                <a:cs typeface="굴림" pitchFamily="50" charset="-127"/>
+              </a:rPr>
+              <a:t>void</a:t>
+            </a:r>
+            <a:r>
+              <a:rPr kumimoji="1" lang="ko-KR" altLang="ko-KR" b="1" i="0" u="none" strike="noStrike" cap="none" normalizeH="0" baseline="0" dirty="0" smtClean="0">
+                <a:ln>
+                  <a:noFill/>
+                </a:ln>
+                <a:solidFill>
+                  <a:srgbClr val="010101"/>
+                </a:solidFill>
+                <a:effectLst/>
+                <a:latin typeface="Consolas" pitchFamily="49" charset="0"/>
+                <a:ea typeface="굴림" pitchFamily="50" charset="-127"/>
+                <a:cs typeface="굴림" pitchFamily="50" charset="-127"/>
+              </a:rPr>
+              <a:t> main()</a:t>
+            </a:r>
+          </a:p>
+          <a:p>
+            <a:pPr marL="0" marR="0" lvl="0" indent="0" algn="l" defTabSz="914400" rtl="0" eaLnBrk="0" fontAlgn="base" latinLnBrk="0" hangingPunct="0">
+              <a:lnSpc>
+                <a:spcPct val="100000"/>
+              </a:lnSpc>
+              <a:spcBef>
+                <a:spcPct val="0"/>
+              </a:spcBef>
+              <a:spcAft>
+                <a:spcPct val="0"/>
+              </a:spcAft>
+              <a:buClrTx/>
+              <a:buSzTx/>
+              <a:buFontTx/>
+              <a:buNone/>
+              <a:tabLst/>
+            </a:pPr>
+            <a:r>
+              <a:rPr kumimoji="1" lang="ko-KR" altLang="ko-KR" b="1" i="0" u="none" strike="noStrike" cap="none" normalizeH="0" baseline="0" dirty="0" smtClean="0">
+                <a:ln>
+                  <a:noFill/>
+                </a:ln>
+                <a:solidFill>
+                  <a:srgbClr val="010101"/>
+                </a:solidFill>
+                <a:effectLst/>
+                <a:latin typeface="Consolas" pitchFamily="49" charset="0"/>
+                <a:ea typeface="굴림" pitchFamily="50" charset="-127"/>
+                <a:cs typeface="굴림" pitchFamily="50" charset="-127"/>
+              </a:rPr>
+              <a:t>{</a:t>
+            </a:r>
+          </a:p>
+          <a:p>
+            <a:pPr marL="0" marR="0" lvl="0" indent="0" algn="l" defTabSz="914400" rtl="0" eaLnBrk="0" fontAlgn="base" latinLnBrk="0" hangingPunct="0">
+              <a:lnSpc>
+                <a:spcPct val="100000"/>
+              </a:lnSpc>
+              <a:spcBef>
+                <a:spcPct val="0"/>
+              </a:spcBef>
+              <a:spcAft>
+                <a:spcPct val="0"/>
+              </a:spcAft>
+              <a:buClrTx/>
+              <a:buSzTx/>
+              <a:buFontTx/>
+              <a:buNone/>
+              <a:tabLst/>
+            </a:pPr>
+            <a:r>
+              <a:rPr kumimoji="1" lang="en-US" altLang="ko-KR" b="1" i="0" u="none" strike="noStrike" cap="none" normalizeH="0" baseline="0" dirty="0" smtClean="0">
+                <a:ln>
+                  <a:noFill/>
+                </a:ln>
+                <a:solidFill>
+                  <a:srgbClr val="066DE2"/>
+                </a:solidFill>
+                <a:effectLst/>
+                <a:latin typeface="Consolas" pitchFamily="49" charset="0"/>
+                <a:ea typeface="굴림" pitchFamily="50" charset="-127"/>
+                <a:cs typeface="굴림" pitchFamily="50" charset="-127"/>
+              </a:rPr>
+              <a:t>	</a:t>
+            </a:r>
+            <a:r>
+              <a:rPr kumimoji="1" lang="ko-KR" altLang="ko-KR" b="1" i="0" u="none" strike="noStrike" cap="none" normalizeH="0" baseline="0" dirty="0" smtClean="0">
+                <a:ln>
+                  <a:noFill/>
+                </a:ln>
+                <a:solidFill>
+                  <a:srgbClr val="066DE2"/>
+                </a:solidFill>
+                <a:effectLst/>
+                <a:latin typeface="Consolas" pitchFamily="49" charset="0"/>
+                <a:ea typeface="굴림" pitchFamily="50" charset="-127"/>
+                <a:cs typeface="굴림" pitchFamily="50" charset="-127"/>
+              </a:rPr>
+              <a:t>std</a:t>
+            </a:r>
+            <a:r>
+              <a:rPr kumimoji="1" lang="ko-KR" altLang="ko-KR" b="1" i="0" u="none" strike="noStrike" cap="none" normalizeH="0" baseline="0" dirty="0" smtClean="0">
+                <a:ln>
+                  <a:noFill/>
+                </a:ln>
+                <a:solidFill>
+                  <a:srgbClr val="010101"/>
+                </a:solidFill>
+                <a:effectLst/>
+                <a:latin typeface="Consolas" pitchFamily="49" charset="0"/>
+                <a:ea typeface="굴림" pitchFamily="50" charset="-127"/>
+                <a:cs typeface="굴림" pitchFamily="50" charset="-127"/>
+              </a:rPr>
+              <a:t>::jthread t([] {</a:t>
+            </a:r>
+          </a:p>
+          <a:p>
+            <a:pPr marL="0" marR="0" lvl="0" indent="0" algn="l" defTabSz="914400" rtl="0" eaLnBrk="0" fontAlgn="base" latinLnBrk="0" hangingPunct="0">
+              <a:lnSpc>
+                <a:spcPct val="100000"/>
+              </a:lnSpc>
+              <a:spcBef>
+                <a:spcPct val="0"/>
+              </a:spcBef>
+              <a:spcAft>
+                <a:spcPct val="0"/>
+              </a:spcAft>
+              <a:buClrTx/>
+              <a:buSzTx/>
+              <a:buFontTx/>
+              <a:buNone/>
+              <a:tabLst/>
+            </a:pPr>
+            <a:r>
+              <a:rPr kumimoji="1" lang="en-US" altLang="ko-KR" b="1" i="0" u="none" strike="noStrike" cap="none" normalizeH="0" baseline="0" dirty="0" smtClean="0">
+                <a:ln>
+                  <a:noFill/>
+                </a:ln>
+                <a:solidFill>
+                  <a:srgbClr val="066DE2"/>
+                </a:solidFill>
+                <a:effectLst/>
+                <a:latin typeface="Consolas" pitchFamily="49" charset="0"/>
+                <a:ea typeface="굴림" pitchFamily="50" charset="-127"/>
+                <a:cs typeface="굴림" pitchFamily="50" charset="-127"/>
+              </a:rPr>
+              <a:t>		</a:t>
+            </a:r>
+            <a:r>
+              <a:rPr kumimoji="1" lang="ko-KR" altLang="ko-KR" b="1" i="0" u="none" strike="noStrike" cap="none" normalizeH="0" baseline="0" dirty="0" smtClean="0">
+                <a:ln>
+                  <a:noFill/>
+                </a:ln>
+                <a:solidFill>
+                  <a:srgbClr val="066DE2"/>
+                </a:solidFill>
+                <a:effectLst/>
+                <a:latin typeface="Consolas" pitchFamily="49" charset="0"/>
+                <a:ea typeface="굴림" pitchFamily="50" charset="-127"/>
+                <a:cs typeface="굴림" pitchFamily="50" charset="-127"/>
+              </a:rPr>
+              <a:t>std</a:t>
+            </a:r>
+            <a:r>
+              <a:rPr kumimoji="1" lang="ko-KR" altLang="ko-KR" b="1" i="0" u="none" strike="noStrike" cap="none" normalizeH="0" baseline="0" dirty="0" smtClean="0">
+                <a:ln>
+                  <a:noFill/>
+                </a:ln>
+                <a:solidFill>
+                  <a:srgbClr val="010101"/>
+                </a:solidFill>
+                <a:effectLst/>
+                <a:latin typeface="Consolas" pitchFamily="49" charset="0"/>
+                <a:ea typeface="굴림" pitchFamily="50" charset="-127"/>
+                <a:cs typeface="굴림" pitchFamily="50" charset="-127"/>
+              </a:rPr>
+              <a:t>::</a:t>
+            </a:r>
+            <a:r>
+              <a:rPr kumimoji="1" lang="ko-KR" altLang="ko-KR" b="1" i="0" u="none" strike="noStrike" cap="none" normalizeH="0" baseline="0" dirty="0" smtClean="0">
+                <a:ln>
+                  <a:noFill/>
+                </a:ln>
+                <a:solidFill>
+                  <a:srgbClr val="066DE2"/>
+                </a:solidFill>
+                <a:effectLst/>
+                <a:latin typeface="Consolas" pitchFamily="49" charset="0"/>
+                <a:ea typeface="굴림" pitchFamily="50" charset="-127"/>
+                <a:cs typeface="굴림" pitchFamily="50" charset="-127"/>
+              </a:rPr>
+              <a:t>cout</a:t>
+            </a:r>
+            <a:r>
+              <a:rPr kumimoji="1" lang="ko-KR" altLang="ko-KR" b="1" i="0" u="none" strike="noStrike" cap="none" normalizeH="0" baseline="0" dirty="0" smtClean="0">
+                <a:ln>
+                  <a:noFill/>
+                </a:ln>
+                <a:solidFill>
+                  <a:srgbClr val="010101"/>
+                </a:solidFill>
+                <a:effectLst/>
+                <a:latin typeface="Consolas" pitchFamily="49" charset="0"/>
+                <a:ea typeface="굴림" pitchFamily="50" charset="-127"/>
+                <a:cs typeface="굴림" pitchFamily="50" charset="-127"/>
+              </a:rPr>
+              <a:t> </a:t>
+            </a:r>
+            <a:r>
+              <a:rPr kumimoji="1" lang="ko-KR" altLang="ko-KR" b="1" i="0" u="none" strike="noStrike" cap="none" normalizeH="0" baseline="0" dirty="0" smtClean="0">
+                <a:ln>
+                  <a:noFill/>
+                </a:ln>
+                <a:solidFill>
+                  <a:srgbClr val="A71D5D"/>
+                </a:solidFill>
+                <a:effectLst/>
+                <a:latin typeface="Consolas" pitchFamily="49" charset="0"/>
+                <a:ea typeface="굴림" pitchFamily="50" charset="-127"/>
+                <a:cs typeface="굴림" pitchFamily="50" charset="-127"/>
+              </a:rPr>
+              <a:t>&lt;&lt;</a:t>
+            </a:r>
+            <a:r>
+              <a:rPr kumimoji="1" lang="ko-KR" altLang="ko-KR" b="1" i="0" u="none" strike="noStrike" cap="none" normalizeH="0" baseline="0" dirty="0" smtClean="0">
+                <a:ln>
+                  <a:noFill/>
+                </a:ln>
+                <a:solidFill>
+                  <a:srgbClr val="010101"/>
+                </a:solidFill>
+                <a:effectLst/>
+                <a:latin typeface="Consolas" pitchFamily="49" charset="0"/>
+                <a:ea typeface="굴림" pitchFamily="50" charset="-127"/>
+                <a:cs typeface="굴림" pitchFamily="50" charset="-127"/>
+              </a:rPr>
+              <a:t> </a:t>
+            </a:r>
+            <a:r>
+              <a:rPr kumimoji="1" lang="ko-KR" altLang="ko-KR" b="1" i="0" u="none" strike="noStrike" cap="none" normalizeH="0" baseline="0" dirty="0" smtClean="0">
+                <a:ln>
+                  <a:noFill/>
+                </a:ln>
+                <a:solidFill>
+                  <a:srgbClr val="066DE2"/>
+                </a:solidFill>
+                <a:effectLst/>
+                <a:latin typeface="Consolas" pitchFamily="49" charset="0"/>
+                <a:ea typeface="굴림" pitchFamily="50" charset="-127"/>
+                <a:cs typeface="굴림" pitchFamily="50" charset="-127"/>
+              </a:rPr>
+              <a:t>std</a:t>
+            </a:r>
+            <a:r>
+              <a:rPr kumimoji="1" lang="ko-KR" altLang="ko-KR" b="1" i="0" u="none" strike="noStrike" cap="none" normalizeH="0" baseline="0" dirty="0" smtClean="0">
+                <a:ln>
+                  <a:noFill/>
+                </a:ln>
+                <a:solidFill>
+                  <a:srgbClr val="010101"/>
+                </a:solidFill>
+                <a:effectLst/>
+                <a:latin typeface="Consolas" pitchFamily="49" charset="0"/>
+                <a:ea typeface="굴림" pitchFamily="50" charset="-127"/>
+                <a:cs typeface="굴림" pitchFamily="50" charset="-127"/>
+              </a:rPr>
+              <a:t>::this_thread::get_id() </a:t>
+            </a:r>
+            <a:r>
+              <a:rPr kumimoji="1" lang="ko-KR" altLang="ko-KR" b="1" i="0" u="none" strike="noStrike" cap="none" normalizeH="0" baseline="0" dirty="0" smtClean="0">
+                <a:ln>
+                  <a:noFill/>
+                </a:ln>
+                <a:solidFill>
+                  <a:srgbClr val="A71D5D"/>
+                </a:solidFill>
+                <a:effectLst/>
+                <a:latin typeface="Consolas" pitchFamily="49" charset="0"/>
+                <a:ea typeface="굴림" pitchFamily="50" charset="-127"/>
+                <a:cs typeface="굴림" pitchFamily="50" charset="-127"/>
+              </a:rPr>
+              <a:t>&lt;&lt;</a:t>
+            </a:r>
+            <a:r>
+              <a:rPr kumimoji="1" lang="ko-KR" altLang="ko-KR" b="1" i="0" u="none" strike="noStrike" cap="none" normalizeH="0" baseline="0" dirty="0" smtClean="0">
+                <a:ln>
+                  <a:noFill/>
+                </a:ln>
+                <a:solidFill>
+                  <a:srgbClr val="010101"/>
+                </a:solidFill>
+                <a:effectLst/>
+                <a:latin typeface="Consolas" pitchFamily="49" charset="0"/>
+                <a:ea typeface="굴림" pitchFamily="50" charset="-127"/>
+                <a:cs typeface="굴림" pitchFamily="50" charset="-127"/>
+              </a:rPr>
+              <a:t> </a:t>
+            </a:r>
+            <a:r>
+              <a:rPr kumimoji="1" lang="ko-KR" altLang="ko-KR" b="1" i="0" u="none" strike="noStrike" cap="none" normalizeH="0" baseline="0" dirty="0" smtClean="0">
+                <a:ln>
+                  <a:noFill/>
+                </a:ln>
+                <a:solidFill>
+                  <a:srgbClr val="066DE2"/>
+                </a:solidFill>
+                <a:effectLst/>
+                <a:latin typeface="Consolas" pitchFamily="49" charset="0"/>
+                <a:ea typeface="굴림" pitchFamily="50" charset="-127"/>
+                <a:cs typeface="굴림" pitchFamily="50" charset="-127"/>
+              </a:rPr>
+              <a:t>std</a:t>
+            </a:r>
+            <a:r>
+              <a:rPr kumimoji="1" lang="ko-KR" altLang="ko-KR" b="1" i="0" u="none" strike="noStrike" cap="none" normalizeH="0" baseline="0" dirty="0" smtClean="0">
+                <a:ln>
+                  <a:noFill/>
+                </a:ln>
+                <a:solidFill>
+                  <a:srgbClr val="010101"/>
+                </a:solidFill>
+                <a:effectLst/>
+                <a:latin typeface="Consolas" pitchFamily="49" charset="0"/>
+                <a:ea typeface="굴림" pitchFamily="50" charset="-127"/>
+                <a:cs typeface="굴림" pitchFamily="50" charset="-127"/>
+              </a:rPr>
+              <a:t>::</a:t>
+            </a:r>
+            <a:r>
+              <a:rPr kumimoji="1" lang="ko-KR" altLang="ko-KR" b="1" i="0" u="none" strike="noStrike" cap="none" normalizeH="0" baseline="0" dirty="0" smtClean="0">
+                <a:ln>
+                  <a:noFill/>
+                </a:ln>
+                <a:solidFill>
+                  <a:srgbClr val="066DE2"/>
+                </a:solidFill>
+                <a:effectLst/>
+                <a:latin typeface="Consolas" pitchFamily="49" charset="0"/>
+                <a:ea typeface="굴림" pitchFamily="50" charset="-127"/>
+                <a:cs typeface="굴림" pitchFamily="50" charset="-127"/>
+              </a:rPr>
+              <a:t>endl</a:t>
+            </a:r>
+            <a:r>
+              <a:rPr kumimoji="1" lang="ko-KR" altLang="ko-KR" b="1" i="0" u="none" strike="noStrike" cap="none" normalizeH="0" baseline="0" dirty="0" smtClean="0">
+                <a:ln>
+                  <a:noFill/>
+                </a:ln>
+                <a:solidFill>
+                  <a:srgbClr val="010101"/>
+                </a:solidFill>
+                <a:effectLst/>
+                <a:latin typeface="Consolas" pitchFamily="49" charset="0"/>
+                <a:ea typeface="굴림" pitchFamily="50" charset="-127"/>
+                <a:cs typeface="굴림" pitchFamily="50" charset="-127"/>
+              </a:rPr>
+              <a:t>;</a:t>
+            </a:r>
+          </a:p>
+          <a:p>
+            <a:pPr marL="0" marR="0" lvl="0" indent="0" algn="l" defTabSz="914400" rtl="0" eaLnBrk="0" fontAlgn="base" latinLnBrk="0" hangingPunct="0">
+              <a:lnSpc>
+                <a:spcPct val="100000"/>
+              </a:lnSpc>
+              <a:spcBef>
+                <a:spcPct val="0"/>
+              </a:spcBef>
+              <a:spcAft>
+                <a:spcPct val="0"/>
+              </a:spcAft>
+              <a:buClrTx/>
+              <a:buSzTx/>
+              <a:buFontTx/>
+              <a:buNone/>
+              <a:tabLst/>
+            </a:pPr>
+            <a:r>
+              <a:rPr kumimoji="1" lang="en-US" altLang="ko-KR" b="1" i="0" u="none" strike="noStrike" cap="none" normalizeH="0" baseline="0" dirty="0" smtClean="0">
+                <a:ln>
+                  <a:noFill/>
+                </a:ln>
+                <a:solidFill>
+                  <a:srgbClr val="066DE2"/>
+                </a:solidFill>
+                <a:effectLst/>
+                <a:latin typeface="Consolas" pitchFamily="49" charset="0"/>
+                <a:ea typeface="굴림" pitchFamily="50" charset="-127"/>
+                <a:cs typeface="굴림" pitchFamily="50" charset="-127"/>
+              </a:rPr>
+              <a:t>		</a:t>
+            </a:r>
+            <a:r>
+              <a:rPr kumimoji="1" lang="ko-KR" altLang="ko-KR" b="1" i="0" u="none" strike="noStrike" cap="none" normalizeH="0" baseline="0" dirty="0" smtClean="0">
+                <a:ln>
+                  <a:noFill/>
+                </a:ln>
+                <a:solidFill>
+                  <a:srgbClr val="066DE2"/>
+                </a:solidFill>
+                <a:effectLst/>
+                <a:latin typeface="Consolas" pitchFamily="49" charset="0"/>
+                <a:ea typeface="굴림" pitchFamily="50" charset="-127"/>
+                <a:cs typeface="굴림" pitchFamily="50" charset="-127"/>
+              </a:rPr>
+              <a:t>std</a:t>
+            </a:r>
+            <a:r>
+              <a:rPr kumimoji="1" lang="ko-KR" altLang="ko-KR" b="1" i="0" u="none" strike="noStrike" cap="none" normalizeH="0" baseline="0" dirty="0" smtClean="0">
+                <a:ln>
+                  <a:noFill/>
+                </a:ln>
+                <a:solidFill>
+                  <a:srgbClr val="010101"/>
+                </a:solidFill>
+                <a:effectLst/>
+                <a:latin typeface="Consolas" pitchFamily="49" charset="0"/>
+                <a:ea typeface="굴림" pitchFamily="50" charset="-127"/>
+                <a:cs typeface="굴림" pitchFamily="50" charset="-127"/>
+              </a:rPr>
+              <a:t>::this_thread::sleep_for( </a:t>
+            </a:r>
+            <a:r>
+              <a:rPr kumimoji="1" lang="ko-KR" altLang="ko-KR" b="1" i="0" u="none" strike="noStrike" cap="none" normalizeH="0" baseline="0" dirty="0" smtClean="0">
+                <a:ln>
+                  <a:noFill/>
+                </a:ln>
+                <a:solidFill>
+                  <a:srgbClr val="066DE2"/>
+                </a:solidFill>
+                <a:effectLst/>
+                <a:latin typeface="Consolas" pitchFamily="49" charset="0"/>
+                <a:ea typeface="굴림" pitchFamily="50" charset="-127"/>
+                <a:cs typeface="굴림" pitchFamily="50" charset="-127"/>
+              </a:rPr>
+              <a:t>std</a:t>
+            </a:r>
+            <a:r>
+              <a:rPr kumimoji="1" lang="ko-KR" altLang="ko-KR" b="1" i="0" u="none" strike="noStrike" cap="none" normalizeH="0" baseline="0" dirty="0" smtClean="0">
+                <a:ln>
+                  <a:noFill/>
+                </a:ln>
+                <a:solidFill>
+                  <a:srgbClr val="010101"/>
+                </a:solidFill>
+                <a:effectLst/>
+                <a:latin typeface="Consolas" pitchFamily="49" charset="0"/>
+                <a:ea typeface="굴림" pitchFamily="50" charset="-127"/>
+                <a:cs typeface="굴림" pitchFamily="50" charset="-127"/>
+              </a:rPr>
+              <a:t>::chrono::seconds(</a:t>
+            </a:r>
+            <a:r>
+              <a:rPr kumimoji="1" lang="ko-KR" altLang="ko-KR" b="1" i="0" u="none" strike="noStrike" cap="none" normalizeH="0" baseline="0" dirty="0" smtClean="0">
+                <a:ln>
+                  <a:noFill/>
+                </a:ln>
+                <a:solidFill>
+                  <a:srgbClr val="0099CC"/>
+                </a:solidFill>
+                <a:effectLst/>
+                <a:latin typeface="Consolas" pitchFamily="49" charset="0"/>
+                <a:ea typeface="굴림" pitchFamily="50" charset="-127"/>
+                <a:cs typeface="굴림" pitchFamily="50" charset="-127"/>
+              </a:rPr>
+              <a:t>3</a:t>
+            </a:r>
+            <a:r>
+              <a:rPr kumimoji="1" lang="ko-KR" altLang="ko-KR" b="1" i="0" u="none" strike="noStrike" cap="none" normalizeH="0" baseline="0" dirty="0" smtClean="0">
+                <a:ln>
+                  <a:noFill/>
+                </a:ln>
+                <a:solidFill>
+                  <a:srgbClr val="010101"/>
+                </a:solidFill>
+                <a:effectLst/>
+                <a:latin typeface="Consolas" pitchFamily="49" charset="0"/>
+                <a:ea typeface="굴림" pitchFamily="50" charset="-127"/>
+                <a:cs typeface="굴림" pitchFamily="50" charset="-127"/>
+              </a:rPr>
+              <a:t>));</a:t>
+            </a:r>
+          </a:p>
+          <a:p>
+            <a:pPr marL="0" marR="0" lvl="0" indent="0" algn="l" defTabSz="914400" rtl="0" eaLnBrk="0" fontAlgn="base" latinLnBrk="0" hangingPunct="0">
+              <a:lnSpc>
+                <a:spcPct val="100000"/>
+              </a:lnSpc>
+              <a:spcBef>
+                <a:spcPct val="0"/>
+              </a:spcBef>
+              <a:spcAft>
+                <a:spcPct val="0"/>
+              </a:spcAft>
+              <a:buClrTx/>
+              <a:buSzTx/>
+              <a:buFontTx/>
+              <a:buNone/>
+              <a:tabLst/>
+            </a:pPr>
+            <a:r>
+              <a:rPr kumimoji="1" lang="en-US" altLang="ko-KR" b="1" i="0" u="none" strike="noStrike" cap="none" normalizeH="0" baseline="0" dirty="0" smtClean="0">
+                <a:ln>
+                  <a:noFill/>
+                </a:ln>
+                <a:solidFill>
+                  <a:srgbClr val="010101"/>
+                </a:solidFill>
+                <a:effectLst/>
+                <a:latin typeface="Consolas" pitchFamily="49" charset="0"/>
+                <a:ea typeface="굴림" pitchFamily="50" charset="-127"/>
+                <a:cs typeface="굴림" pitchFamily="50" charset="-127"/>
+              </a:rPr>
+              <a:t>	</a:t>
+            </a:r>
+            <a:r>
+              <a:rPr kumimoji="1" lang="ko-KR" altLang="ko-KR" b="1" i="0" u="none" strike="noStrike" cap="none" normalizeH="0" baseline="0" dirty="0" smtClean="0">
+                <a:ln>
+                  <a:noFill/>
+                </a:ln>
+                <a:solidFill>
+                  <a:srgbClr val="010101"/>
+                </a:solidFill>
+                <a:effectLst/>
+                <a:latin typeface="Consolas" pitchFamily="49" charset="0"/>
+                <a:ea typeface="굴림" pitchFamily="50" charset="-127"/>
+                <a:cs typeface="굴림" pitchFamily="50" charset="-127"/>
+              </a:rPr>
+              <a:t>});</a:t>
+            </a:r>
+          </a:p>
+          <a:p>
+            <a:pPr marL="0" marR="0" lvl="0" indent="0" algn="l" defTabSz="914400" rtl="0" eaLnBrk="0" fontAlgn="base" latinLnBrk="0" hangingPunct="0">
+              <a:lnSpc>
+                <a:spcPct val="100000"/>
+              </a:lnSpc>
+              <a:spcBef>
+                <a:spcPct val="0"/>
+              </a:spcBef>
+              <a:spcAft>
+                <a:spcPct val="0"/>
+              </a:spcAft>
+              <a:buClrTx/>
+              <a:buSzTx/>
+              <a:buFontTx/>
+              <a:buNone/>
+              <a:tabLst/>
+            </a:pPr>
+            <a:r>
+              <a:rPr kumimoji="1" lang="ko-KR" altLang="ko-KR" b="1" i="0" u="none" strike="noStrike" cap="none" normalizeH="0" baseline="0" dirty="0" smtClean="0">
+                <a:ln>
+                  <a:noFill/>
+                </a:ln>
+                <a:solidFill>
+                  <a:srgbClr val="010101"/>
+                </a:solidFill>
+                <a:effectLst/>
+                <a:latin typeface="Consolas" pitchFamily="49" charset="0"/>
+                <a:ea typeface="굴림" pitchFamily="50" charset="-127"/>
+                <a:cs typeface="굴림" pitchFamily="50" charset="-127"/>
+              </a:rPr>
+              <a:t>}</a:t>
+            </a:r>
+            <a:endParaRPr kumimoji="1" lang="ko-KR" altLang="ko-KR" sz="4400" b="1" i="0" u="none" strike="noStrike" cap="none" normalizeH="0" baseline="0" dirty="0" smtClean="0">
+              <a:ln>
+                <a:noFill/>
+              </a:ln>
+              <a:solidFill>
+                <a:schemeClr val="tx1"/>
+              </a:solidFill>
+              <a:effectLst/>
+              <a:latin typeface="굴림" pitchFamily="50" charset="-127"/>
+              <a:ea typeface="굴림" pitchFamily="50" charset="-127"/>
+              <a:cs typeface="굴림" pitchFamily="50" charset="-127"/>
             </a:endParaRPr>
           </a:p>
         </p:txBody>
@@ -15838,7 +18337,7 @@
     </p:spTree>
     <p:extLst>
       <p:ext uri="{BB962C8B-B14F-4D97-AF65-F5344CB8AC3E}">
-        <p14:creationId xmlns:p14="http://schemas.microsoft.com/office/powerpoint/2010/main" val="3045306195"/>
+        <p14:creationId xmlns:p14="http://schemas.microsoft.com/office/powerpoint/2010/main" val="1145586377"/>
       </p:ext>
     </p:extLst>
   </p:cSld>
@@ -15847,12 +18346,12 @@
   </p:clrMapOvr>
   <mc:AlternateContent xmlns:mc="http://schemas.openxmlformats.org/markup-compatibility/2006" xmlns:p14="http://schemas.microsoft.com/office/powerpoint/2010/main">
     <mc:Choice Requires="p14">
-      <p:transition spd="med" p14:dur="700" advTm="111">
+      <p:transition spd="med" p14:dur="700">
         <p:fade/>
       </p:transition>
     </mc:Choice>
     <mc:Fallback xmlns="">
-      <p:transition spd="med" advTm="111">
+      <p:transition spd="med">
         <p:fade/>
       </p:transition>
     </mc:Fallback>
@@ -15946,7 +18445,7 @@
           <a:p>
             <a:pPr algn="ctr"/>
             <a:r>
-              <a:rPr lang="ko-KR" altLang="en-US" sz="2000" b="1" dirty="0" err="1" smtClean="0">
+              <a:rPr lang="ko-KR" altLang="en-US" sz="2000" b="1" dirty="0" smtClean="0">
                 <a:ln>
                   <a:solidFill>
                     <a:schemeClr val="tx1">
@@ -15960,24 +18459,7 @@
                 <a:latin typeface="HY강B" pitchFamily="18" charset="-127"/>
                 <a:ea typeface="HY강B" pitchFamily="18" charset="-127"/>
               </a:rPr>
-              <a:t>표현식과</a:t>
-            </a:r>
-            <a:r>
-              <a:rPr lang="ko-KR" altLang="en-US" sz="2000" b="1" dirty="0" smtClean="0">
-                <a:ln>
-                  <a:solidFill>
-                    <a:schemeClr val="tx1">
-                      <a:alpha val="30000"/>
-                    </a:schemeClr>
-                  </a:solidFill>
-                </a:ln>
-                <a:solidFill>
-                  <a:srgbClr val="272123"/>
-                </a:solidFill>
-                <a:latin typeface="HY강B" pitchFamily="18" charset="-127"/>
-                <a:ea typeface="HY강B" pitchFamily="18" charset="-127"/>
-              </a:rPr>
-              <a:t> 문장</a:t>
+              <a:t>자원관리</a:t>
             </a:r>
             <a:endParaRPr lang="en-US" altLang="ko-KR" sz="2000" b="1" dirty="0" smtClean="0">
               <a:ln>
@@ -16036,14 +18518,14 @@
       </p:cxnSp>
       <p:sp>
         <p:nvSpPr>
-          <p:cNvPr id="6" name="TextBox 5"/>
+          <p:cNvPr id="7" name="TextBox 6"/>
           <p:cNvSpPr txBox="1"/>
           <p:nvPr/>
         </p:nvSpPr>
         <p:spPr>
           <a:xfrm>
-            <a:off x="395536" y="654948"/>
-            <a:ext cx="8676456" cy="400110"/>
+            <a:off x="395536" y="2374429"/>
+            <a:ext cx="8676456" cy="1846659"/>
           </a:xfrm>
           <a:prstGeom prst="rect">
             <a:avLst/>
@@ -16072,10 +18554,10 @@
                 <a:latin typeface="HY견고딕" pitchFamily="18" charset="-127"/>
                 <a:ea typeface="HY견고딕" pitchFamily="18" charset="-127"/>
               </a:rPr>
-              <a:t>ES.23</a:t>
-            </a:r>
-            <a:r>
-              <a:rPr lang="ko-KR" altLang="en-US" sz="2000" dirty="0">
+              <a:t>CP.23 </a:t>
+            </a:r>
+            <a:r>
+              <a:rPr lang="ko-KR" altLang="en-US" sz="2000" dirty="0" smtClean="0">
                 <a:ln>
                   <a:solidFill>
                     <a:schemeClr val="tx1">
@@ -16086,10 +18568,10 @@
                 <a:latin typeface="HY견고딕" pitchFamily="18" charset="-127"/>
                 <a:ea typeface="HY견고딕" pitchFamily="18" charset="-127"/>
               </a:rPr>
-              <a:t> </a:t>
-            </a:r>
-            <a:r>
-              <a:rPr lang="en-US" altLang="ko-KR" sz="2000" dirty="0" smtClean="0">
+              <a:t>주 </a:t>
+            </a:r>
+            <a:r>
+              <a:rPr lang="ko-KR" altLang="en-US" sz="2000" dirty="0" err="1" smtClean="0">
                 <a:ln>
                   <a:solidFill>
                     <a:schemeClr val="tx1">
@@ -16100,7 +18582,7 @@
                 <a:latin typeface="HY견고딕" pitchFamily="18" charset="-127"/>
                 <a:ea typeface="HY견고딕" pitchFamily="18" charset="-127"/>
               </a:rPr>
-              <a:t>{} </a:t>
+              <a:t>스레드에</a:t>
             </a:r>
             <a:r>
               <a:rPr lang="ko-KR" altLang="en-US" sz="2000" dirty="0" smtClean="0">
@@ -16114,50 +18596,10 @@
                 <a:latin typeface="HY견고딕" pitchFamily="18" charset="-127"/>
                 <a:ea typeface="HY견고딕" pitchFamily="18" charset="-127"/>
               </a:rPr>
-              <a:t>초기화 구문을 선호하라</a:t>
-            </a:r>
-            <a:endParaRPr lang="en-US" altLang="ko-KR" sz="2000" dirty="0" smtClean="0">
-              <a:ln>
-                <a:solidFill>
-                  <a:schemeClr val="tx1">
-                    <a:alpha val="30000"/>
-                  </a:schemeClr>
-                </a:solidFill>
-              </a:ln>
-              <a:latin typeface="HY견고딕" pitchFamily="18" charset="-127"/>
-              <a:ea typeface="HY견고딕" pitchFamily="18" charset="-127"/>
-            </a:endParaRPr>
-          </a:p>
-        </p:txBody>
-      </p:sp>
-      <p:sp>
-        <p:nvSpPr>
-          <p:cNvPr id="7" name="TextBox 6"/>
-          <p:cNvSpPr txBox="1"/>
-          <p:nvPr/>
-        </p:nvSpPr>
-        <p:spPr>
-          <a:xfrm>
-            <a:off x="529672" y="1196752"/>
-            <a:ext cx="8676456" cy="1646605"/>
-          </a:xfrm>
-          <a:prstGeom prst="rect">
-            <a:avLst/>
-          </a:prstGeom>
-          <a:noFill/>
-        </p:spPr>
-        <p:txBody>
-          <a:bodyPr wrap="square" rtlCol="0">
-            <a:spAutoFit/>
-          </a:bodyPr>
-          <a:lstStyle/>
-          <a:p>
-            <a:pPr marL="457200" indent="-457200">
-              <a:buFontTx/>
-              <a:buChar char="-"/>
-            </a:pPr>
-            <a:r>
-              <a:rPr lang="ko-KR" altLang="en-US" sz="1400" dirty="0" smtClean="0">
+              <a:t> 합류하는 </a:t>
+            </a:r>
+            <a:r>
+              <a:rPr lang="en-US" altLang="ko-KR" sz="2000" dirty="0" smtClean="0">
                 <a:ln>
                   <a:solidFill>
                     <a:schemeClr val="tx1">
@@ -16168,27 +18610,10 @@
                 <a:latin typeface="HY견고딕" pitchFamily="18" charset="-127"/>
                 <a:ea typeface="HY견고딕" pitchFamily="18" charset="-127"/>
               </a:rPr>
-              <a:t>항상 적용할 수 있다</a:t>
-            </a:r>
-            <a:endParaRPr lang="en-US" altLang="ko-KR" sz="1400" dirty="0">
-              <a:ln>
-                <a:solidFill>
-                  <a:schemeClr val="tx1">
-                    <a:alpha val="30000"/>
-                  </a:schemeClr>
-                </a:solidFill>
-              </a:ln>
-              <a:latin typeface="HY견고딕" pitchFamily="18" charset="-127"/>
-              <a:ea typeface="HY견고딕" pitchFamily="18" charset="-127"/>
-            </a:endParaRPr>
-          </a:p>
-          <a:p>
-            <a:pPr marL="914400" lvl="1" indent="-457200">
-              <a:buFontTx/>
-              <a:buChar char="-"/>
-            </a:pPr>
-            <a:r>
-              <a:rPr lang="en-US" altLang="ko-KR" sz="1100" b="1" dirty="0">
+              <a:t>thread</a:t>
+            </a:r>
+            <a:r>
+              <a:rPr lang="ko-KR" altLang="en-US" sz="2000" dirty="0" smtClean="0">
                 <a:ln>
                   <a:solidFill>
                     <a:schemeClr val="tx1">
@@ -16196,13 +18621,47 @@
                     </a:schemeClr>
                   </a:solidFill>
                 </a:ln>
-                <a:latin typeface="HY신명조" pitchFamily="18" charset="-127"/>
-                <a:ea typeface="HY신명조" pitchFamily="18" charset="-127"/>
-              </a:rPr>
-              <a:t>a</a:t>
-            </a:r>
-            <a:r>
-              <a:rPr lang="en-US" altLang="ko-KR" sz="1100" b="1" dirty="0" smtClean="0">
+                <a:latin typeface="HY견고딕" pitchFamily="18" charset="-127"/>
+                <a:ea typeface="HY견고딕" pitchFamily="18" charset="-127"/>
+              </a:rPr>
+              <a:t>를 일종의 범위 있는 컨테이너로 간주하라</a:t>
+            </a:r>
+            <a:endParaRPr lang="en-US" altLang="ko-KR" sz="2000" dirty="0" smtClean="0">
+              <a:ln>
+                <a:solidFill>
+                  <a:schemeClr val="tx1">
+                    <a:alpha val="30000"/>
+                  </a:schemeClr>
+                </a:solidFill>
+              </a:ln>
+              <a:latin typeface="HY견고딕" pitchFamily="18" charset="-127"/>
+              <a:ea typeface="HY견고딕" pitchFamily="18" charset="-127"/>
+            </a:endParaRPr>
+          </a:p>
+          <a:p>
+            <a:pPr marL="285750" indent="-285750">
+              <a:buFont typeface="Arial" pitchFamily="34" charset="0"/>
+              <a:buChar char="•"/>
+            </a:pPr>
+            <a:endParaRPr lang="en-US" altLang="ko-KR" sz="1400" dirty="0">
+              <a:ln>
+                <a:solidFill>
+                  <a:schemeClr val="tx1">
+                    <a:alpha val="30000"/>
+                  </a:schemeClr>
+                </a:solidFill>
+              </a:ln>
+              <a:latin typeface="HY중고딕" pitchFamily="18" charset="-127"/>
+              <a:ea typeface="HY중고딕" pitchFamily="18" charset="-127"/>
+            </a:endParaRPr>
+          </a:p>
+          <a:p>
+            <a:pPr marL="285750" indent="-285750">
+              <a:buFont typeface="Arial" pitchFamily="34" charset="0"/>
+              <a:buChar char="•"/>
+            </a:pPr>
+            <a:r>
+              <a:rPr lang="en-US" altLang="ko-KR" sz="2000" dirty="0" smtClean="0">
                 <a:ln>
                   <a:solidFill>
                     <a:schemeClr val="tx1">
@@ -16210,13 +18669,13 @@
                     </a:schemeClr>
                   </a:solidFill>
                 </a:ln>
-                <a:latin typeface="HY신명조" pitchFamily="18" charset="-127"/>
-                <a:ea typeface="HY신명조" pitchFamily="18" charset="-127"/>
-              </a:rPr>
-              <a:t>uto </a:t>
-            </a:r>
-            <a:r>
-              <a:rPr lang="ko-KR" altLang="en-US" sz="1100" b="1" dirty="0" smtClean="0">
+                <a:latin typeface="HY견고딕" pitchFamily="18" charset="-127"/>
+                <a:ea typeface="HY견고딕" pitchFamily="18" charset="-127"/>
+              </a:rPr>
+              <a:t>CP.24 thread</a:t>
+            </a:r>
+            <a:r>
+              <a:rPr lang="ko-KR" altLang="en-US" sz="2000" dirty="0" smtClean="0">
                 <a:ln>
                   <a:solidFill>
                     <a:schemeClr val="tx1">
@@ -16224,13 +18683,13 @@
                     </a:schemeClr>
                   </a:solidFill>
                 </a:ln>
-                <a:latin typeface="HY신명조" pitchFamily="18" charset="-127"/>
-                <a:ea typeface="HY신명조" pitchFamily="18" charset="-127"/>
-              </a:rPr>
-              <a:t>키워드를 사용시 예측이 불가능한 경우를 제외하고 항상 적용할 수 있다</a:t>
-            </a:r>
-            <a:r>
-              <a:rPr lang="en-US" altLang="ko-KR" sz="1100" b="1" dirty="0" smtClean="0">
+                <a:latin typeface="HY견고딕" pitchFamily="18" charset="-127"/>
+                <a:ea typeface="HY견고딕" pitchFamily="18" charset="-127"/>
+              </a:rPr>
+              <a:t>를 전역 컨테이너로 간주하라</a:t>
+            </a:r>
+            <a:r>
+              <a:rPr lang="en-US" altLang="ko-KR" sz="2000" dirty="0" smtClean="0">
                 <a:ln>
                   <a:solidFill>
                     <a:schemeClr val="tx1">
@@ -16238,29 +18697,18 @@
                     </a:schemeClr>
                   </a:solidFill>
                 </a:ln>
-                <a:latin typeface="HY신명조" pitchFamily="18" charset="-127"/>
-                <a:ea typeface="HY신명조" pitchFamily="18" charset="-127"/>
+                <a:latin typeface="HY견고딕" pitchFamily="18" charset="-127"/>
+                <a:ea typeface="HY견고딕" pitchFamily="18" charset="-127"/>
               </a:rPr>
               <a:t>.</a:t>
             </a:r>
-            <a:endParaRPr lang="ko-KR" altLang="en-US" sz="1100" b="1" dirty="0">
-              <a:ln>
-                <a:solidFill>
-                  <a:schemeClr val="tx1">
-                    <a:alpha val="30000"/>
-                  </a:schemeClr>
-                </a:solidFill>
-              </a:ln>
-              <a:latin typeface="HY신명조" pitchFamily="18" charset="-127"/>
-              <a:ea typeface="HY신명조" pitchFamily="18" charset="-127"/>
-            </a:endParaRPr>
-          </a:p>
-          <a:p>
-            <a:pPr marL="457200" indent="-457200">
-              <a:buFontTx/>
-              <a:buChar char="-"/>
+          </a:p>
+          <a:p>
+            <a:pPr marL="285750" indent="-285750">
+              <a:buFont typeface="Arial" pitchFamily="34" charset="0"/>
+              <a:buChar char="•"/>
             </a:pPr>
-            <a:endParaRPr lang="en-US" altLang="ko-KR" sz="1400" dirty="0" smtClean="0">
+            <a:endParaRPr lang="en-US" altLang="ko-KR" sz="2000" dirty="0">
               <a:ln>
                 <a:solidFill>
                   <a:schemeClr val="tx1">
@@ -16273,12 +18721,12 @@
             </a:endParaRPr>
           </a:p>
           <a:p>
-            <a:pPr marL="457200" indent="-457200">
-              <a:buFontTx/>
-              <a:buChar char="-"/>
+            <a:pPr marL="285750" indent="-285750">
+              <a:buFont typeface="Arial" pitchFamily="34" charset="0"/>
+              <a:buChar char="•"/>
             </a:pPr>
             <a:r>
-              <a:rPr lang="ko-KR" altLang="en-US" sz="1400" dirty="0" smtClean="0">
+              <a:rPr lang="en-US" altLang="ko-KR" sz="2000" dirty="0" smtClean="0">
                 <a:ln>
                   <a:solidFill>
                     <a:schemeClr val="tx1">
@@ -16289,10 +18737,10 @@
                 <a:latin typeface="HY견고딕" pitchFamily="18" charset="-127"/>
                 <a:ea typeface="HY견고딕" pitchFamily="18" charset="-127"/>
               </a:rPr>
-              <a:t>가장 당황스러운 구문 해석의 문제가 없다</a:t>
-            </a:r>
-            <a:r>
-              <a:rPr lang="en-US" altLang="ko-KR" sz="1400" dirty="0">
+              <a:t>CP.26 </a:t>
+            </a:r>
+            <a:r>
+              <a:rPr lang="ko-KR" altLang="en-US" sz="2000" dirty="0" err="1" smtClean="0">
                 <a:ln>
                   <a:solidFill>
                     <a:schemeClr val="tx1">
@@ -16303,16 +18751,10 @@
                 <a:latin typeface="HY견고딕" pitchFamily="18" charset="-127"/>
                 <a:ea typeface="HY견고딕" pitchFamily="18" charset="-127"/>
               </a:rPr>
-              <a:t>.</a:t>
-            </a:r>
-          </a:p>
-          <a:p>
-            <a:pPr marL="914400" lvl="1" indent="-457200">
-              <a:buFontTx/>
-              <a:buChar char="-"/>
-            </a:pPr>
-            <a:r>
-              <a:rPr lang="ko-KR" altLang="en-US" sz="1100" dirty="0" smtClean="0">
+              <a:t>스레드를</a:t>
+            </a:r>
+            <a:r>
+              <a:rPr lang="ko-KR" altLang="en-US" sz="2000" dirty="0" smtClean="0">
                 <a:ln>
                   <a:solidFill>
                     <a:schemeClr val="tx1">
@@ -16320,13 +18762,13 @@
                     </a:schemeClr>
                   </a:solidFill>
                 </a:ln>
-                <a:latin typeface="HY신명조" panose="02030600000101010101" pitchFamily="18" charset="-127"/>
-                <a:ea typeface="HY신명조" panose="02030600000101010101" pitchFamily="18" charset="-127"/>
-              </a:rPr>
-              <a:t>아래 코드의 </a:t>
-            </a:r>
-            <a:r>
-              <a:rPr lang="en-US" altLang="ko-KR" sz="1100" dirty="0" smtClean="0">
+                <a:latin typeface="HY견고딕" pitchFamily="18" charset="-127"/>
+                <a:ea typeface="HY견고딕" pitchFamily="18" charset="-127"/>
+              </a:rPr>
+              <a:t> 분리하지</a:t>
+            </a:r>
+            <a:r>
+              <a:rPr lang="en-US" altLang="ko-KR" sz="2000" dirty="0" smtClean="0">
                 <a:ln>
                   <a:solidFill>
                     <a:schemeClr val="tx1">
@@ -16334,13 +18776,13 @@
                     </a:schemeClr>
                   </a:solidFill>
                 </a:ln>
-                <a:latin typeface="HY신명조" panose="02030600000101010101" pitchFamily="18" charset="-127"/>
-                <a:ea typeface="HY신명조" panose="02030600000101010101" pitchFamily="18" charset="-127"/>
-              </a:rPr>
-              <a:t>Test b();</a:t>
-            </a:r>
-            <a:r>
-              <a:rPr lang="ko-KR" altLang="en-US" sz="1100" dirty="0" smtClean="0">
+                <a:latin typeface="HY견고딕" pitchFamily="18" charset="-127"/>
+                <a:ea typeface="HY견고딕" pitchFamily="18" charset="-127"/>
+              </a:rPr>
+              <a:t>(detach()) </a:t>
+            </a:r>
+            <a:r>
+              <a:rPr lang="ko-KR" altLang="en-US" sz="2000" dirty="0" smtClean="0">
                 <a:ln>
                   <a:solidFill>
                     <a:schemeClr val="tx1">
@@ -16348,13 +18790,13 @@
                     </a:schemeClr>
                   </a:solidFill>
                 </a:ln>
-                <a:latin typeface="HY신명조" panose="02030600000101010101" pitchFamily="18" charset="-127"/>
-                <a:ea typeface="HY신명조" panose="02030600000101010101" pitchFamily="18" charset="-127"/>
-              </a:rPr>
-              <a:t>는 변수 선언이 아니라 함수로 인식해 </a:t>
-            </a:r>
-            <a:r>
-              <a:rPr lang="en-US" altLang="ko-KR" sz="1100" dirty="0" smtClean="0">
+                <a:latin typeface="HY견고딕" pitchFamily="18" charset="-127"/>
+                <a:ea typeface="HY견고딕" pitchFamily="18" charset="-127"/>
+              </a:rPr>
+              <a:t>말라</a:t>
+            </a:r>
+            <a:r>
+              <a:rPr lang="en-US" altLang="ko-KR" sz="2000" dirty="0" smtClean="0">
                 <a:ln>
                   <a:solidFill>
                     <a:schemeClr val="tx1">
@@ -16362,46 +18804,12 @@
                     </a:schemeClr>
                   </a:solidFill>
                 </a:ln>
-                <a:latin typeface="HY신명조" panose="02030600000101010101" pitchFamily="18" charset="-127"/>
-                <a:ea typeface="HY신명조" panose="02030600000101010101" pitchFamily="18" charset="-127"/>
-              </a:rPr>
-              <a:t>b</a:t>
-            </a:r>
-            <a:r>
-              <a:rPr lang="ko-KR" altLang="en-US" sz="1100" dirty="0" smtClean="0">
-                <a:ln>
-                  <a:solidFill>
-                    <a:schemeClr val="tx1">
-                      <a:alpha val="30000"/>
-                    </a:schemeClr>
-                  </a:solidFill>
-                </a:ln>
-                <a:latin typeface="HY신명조" panose="02030600000101010101" pitchFamily="18" charset="-127"/>
-                <a:ea typeface="HY신명조" panose="02030600000101010101" pitchFamily="18" charset="-127"/>
-              </a:rPr>
-              <a:t>객체를 사용할 수 없다</a:t>
-            </a:r>
-            <a:r>
-              <a:rPr lang="en-US" altLang="ko-KR" sz="1100" dirty="0" smtClean="0">
-                <a:ln>
-                  <a:solidFill>
-                    <a:schemeClr val="tx1">
-                      <a:alpha val="30000"/>
-                    </a:schemeClr>
-                  </a:solidFill>
-                </a:ln>
-                <a:latin typeface="HY신명조" panose="02030600000101010101" pitchFamily="18" charset="-127"/>
-                <a:ea typeface="HY신명조" panose="02030600000101010101" pitchFamily="18" charset="-127"/>
+                <a:latin typeface="HY견고딕" pitchFamily="18" charset="-127"/>
+                <a:ea typeface="HY견고딕" pitchFamily="18" charset="-127"/>
               </a:rPr>
               <a:t>.</a:t>
             </a:r>
-          </a:p>
-          <a:p>
-            <a:pPr marL="914400" lvl="1" indent="-457200">
-              <a:buFontTx/>
-              <a:buChar char="-"/>
-            </a:pPr>
-            <a:endParaRPr lang="en-US" altLang="ko-KR" sz="1400" dirty="0" smtClean="0">
+            <a:endParaRPr lang="en-US" altLang="ko-KR" sz="2000" dirty="0" smtClean="0">
               <a:ln>
                 <a:solidFill>
                   <a:schemeClr val="tx1">
@@ -16413,83 +18821,12 @@
               <a:ea typeface="HY견고딕" pitchFamily="18" charset="-127"/>
             </a:endParaRPr>
           </a:p>
-          <a:p>
-            <a:pPr marL="457200" indent="-457200">
-              <a:buFontTx/>
-              <a:buChar char="-"/>
-            </a:pPr>
-            <a:endParaRPr lang="en-US" altLang="ko-KR" sz="2000" dirty="0" smtClean="0">
-              <a:ln>
-                <a:solidFill>
-                  <a:schemeClr val="tx1">
-                    <a:alpha val="30000"/>
-                  </a:schemeClr>
-                </a:solidFill>
-              </a:ln>
-              <a:latin typeface="HY견고딕" pitchFamily="18" charset="-127"/>
-              <a:ea typeface="HY견고딕" pitchFamily="18" charset="-127"/>
-            </a:endParaRPr>
-          </a:p>
         </p:txBody>
       </p:sp>
-      <p:pic>
-        <p:nvPicPr>
-          <p:cNvPr id="1026" name="Picture 2"/>
-          <p:cNvPicPr>
-            <a:picLocks noChangeAspect="1" noChangeArrowheads="1"/>
-          </p:cNvPicPr>
-          <p:nvPr/>
-        </p:nvPicPr>
-        <p:blipFill>
-          <a:blip r:embed="rId2">
-            <a:extLst>
-              <a:ext uri="{28A0092B-C50C-407E-A947-70E740481C1C}">
-                <a14:useLocalDpi xmlns:a14="http://schemas.microsoft.com/office/drawing/2010/main" val="0"/>
-              </a:ext>
-            </a:extLst>
-          </a:blip>
-          <a:srcRect/>
-          <a:stretch>
-            <a:fillRect/>
-          </a:stretch>
-        </p:blipFill>
-        <p:spPr bwMode="auto">
-          <a:xfrm>
-            <a:off x="2803652" y="2420888"/>
-            <a:ext cx="3860223" cy="4114800"/>
-          </a:xfrm>
-          <a:prstGeom prst="rect">
-            <a:avLst/>
-          </a:prstGeom>
-          <a:noFill/>
-          <a:ln>
-            <a:noFill/>
-          </a:ln>
-          <a:extLst>
-            <a:ext uri="{909E8E84-426E-40DD-AFC4-6F175D3DCCD1}">
-              <a14:hiddenFill xmlns:a14="http://schemas.microsoft.com/office/drawing/2010/main">
-                <a:solidFill>
-                  <a:schemeClr val="accent1"/>
-                </a:solidFill>
-              </a14:hiddenFill>
-            </a:ext>
-            <a:ext uri="{91240B29-F687-4F45-9708-019B960494DF}">
-              <a14:hiddenLine xmlns:a14="http://schemas.microsoft.com/office/drawing/2010/main" w="9525">
-                <a:solidFill>
-                  <a:schemeClr val="tx1"/>
-                </a:solidFill>
-                <a:miter lim="800000"/>
-                <a:headEnd/>
-                <a:tailEnd/>
-              </a14:hiddenLine>
-            </a:ext>
-          </a:extLst>
-        </p:spPr>
-      </p:pic>
     </p:spTree>
     <p:extLst>
       <p:ext uri="{BB962C8B-B14F-4D97-AF65-F5344CB8AC3E}">
-        <p14:creationId xmlns:p14="http://schemas.microsoft.com/office/powerpoint/2010/main" val="2883966072"/>
+        <p14:creationId xmlns:p14="http://schemas.microsoft.com/office/powerpoint/2010/main" val="197182396"/>
       </p:ext>
     </p:extLst>
   </p:cSld>
@@ -16521,6 +18858,14 @@
 <file path=ppt/slides/slide9.xml><?xml version="1.0" encoding="utf-8"?>
 <p:sld xmlns:a="http://schemas.openxmlformats.org/drawingml/2006/main" xmlns:r="http://schemas.openxmlformats.org/officeDocument/2006/relationships" xmlns:p="http://schemas.openxmlformats.org/presentationml/2006/main">
   <p:cSld>
+    <p:bg>
+      <p:bgPr>
+        <a:solidFill>
+          <a:srgbClr val="272123"/>
+        </a:solidFill>
+        <a:effectLst/>
+      </p:bgPr>
+    </p:bg>
     <p:spTree>
       <p:nvGrpSpPr>
         <p:cNvPr id="1" name=""/>
@@ -16535,54 +18880,16 @@
           <a:chExt cx="0" cy="0"/>
         </a:xfrm>
       </p:grpSpPr>
-      <p:cxnSp>
-        <p:nvCxnSpPr>
-          <p:cNvPr id="5" name="직선 연결선 4"/>
-          <p:cNvCxnSpPr/>
-          <p:nvPr/>
-        </p:nvCxnSpPr>
-        <p:spPr>
-          <a:xfrm flipH="1">
-            <a:off x="-252536" y="548680"/>
-            <a:ext cx="10240872" cy="0"/>
-          </a:xfrm>
-          <a:prstGeom prst="line">
-            <a:avLst/>
-          </a:prstGeom>
-          <a:ln>
-            <a:solidFill>
-              <a:schemeClr val="bg1">
-                <a:lumMod val="65000"/>
-                <a:alpha val="50000"/>
-              </a:schemeClr>
-            </a:solidFill>
-          </a:ln>
-        </p:spPr>
-        <p:style>
-          <a:lnRef idx="1">
-            <a:schemeClr val="accent1"/>
-          </a:lnRef>
-          <a:fillRef idx="0">
-            <a:schemeClr val="accent1"/>
-          </a:fillRef>
-          <a:effectRef idx="0">
-            <a:schemeClr val="accent1"/>
-          </a:effectRef>
-          <a:fontRef idx="minor">
-            <a:schemeClr val="tx1"/>
-          </a:fontRef>
-        </p:style>
-      </p:cxnSp>
       <p:sp>
         <p:nvSpPr>
-          <p:cNvPr id="21" name="TextBox 20"/>
+          <p:cNvPr id="4" name="TextBox 3"/>
           <p:cNvSpPr txBox="1"/>
           <p:nvPr/>
         </p:nvSpPr>
         <p:spPr>
           <a:xfrm>
-            <a:off x="236725" y="56518"/>
-            <a:ext cx="1959011" cy="400110"/>
+            <a:off x="2213281" y="2692077"/>
+            <a:ext cx="4951007" cy="1384995"/>
           </a:xfrm>
           <a:prstGeom prst="rect">
             <a:avLst/>
@@ -16597,104 +18904,162 @@
           <a:p>
             <a:pPr algn="ctr"/>
             <a:r>
-              <a:rPr lang="ko-KR" altLang="en-US" sz="2000" b="1" dirty="0" err="1" smtClean="0">
+              <a:rPr lang="en-US" altLang="ko-KR" sz="4000" b="1" dirty="0" smtClean="0">
                 <a:ln>
                   <a:solidFill>
-                    <a:schemeClr val="tx1">
+                    <a:schemeClr val="bg1">
+                      <a:lumMod val="85000"/>
                       <a:alpha val="30000"/>
                     </a:schemeClr>
                   </a:solidFill>
                 </a:ln>
                 <a:solidFill>
-                  <a:srgbClr val="272123"/>
-                </a:solidFill>
-                <a:latin typeface="HY강B" pitchFamily="18" charset="-127"/>
-                <a:ea typeface="HY강B" pitchFamily="18" charset="-127"/>
-              </a:rPr>
-              <a:t>표현식과</a:t>
-            </a:r>
-            <a:r>
-              <a:rPr lang="ko-KR" altLang="en-US" sz="2000" b="1" dirty="0" smtClean="0">
+                  <a:schemeClr val="bg1">
+                    <a:lumMod val="95000"/>
+                  </a:schemeClr>
+                </a:solidFill>
+                <a:latin typeface="HY헤드라인M" pitchFamily="18" charset="-127"/>
+                <a:ea typeface="HY헤드라인M" pitchFamily="18" charset="-127"/>
+                <a:cs typeface="Segoe UI Black" pitchFamily="34" charset="0"/>
+              </a:rPr>
+              <a:t>Core </a:t>
+            </a:r>
+            <a:r>
+              <a:rPr lang="en-US" altLang="ko-KR" sz="4000" b="1" dirty="0" err="1" smtClean="0">
                 <a:ln>
                   <a:solidFill>
-                    <a:schemeClr val="tx1">
+                    <a:schemeClr val="bg1">
+                      <a:lumMod val="85000"/>
                       <a:alpha val="30000"/>
                     </a:schemeClr>
                   </a:solidFill>
                 </a:ln>
                 <a:solidFill>
-                  <a:srgbClr val="272123"/>
-                </a:solidFill>
-                <a:latin typeface="HY강B" pitchFamily="18" charset="-127"/>
-                <a:ea typeface="HY강B" pitchFamily="18" charset="-127"/>
-              </a:rPr>
-              <a:t> 문장</a:t>
-            </a:r>
-            <a:endParaRPr lang="en-US" altLang="ko-KR" sz="2000" b="1" dirty="0" smtClean="0">
+                  <a:schemeClr val="bg1">
+                    <a:lumMod val="95000"/>
+                  </a:schemeClr>
+                </a:solidFill>
+                <a:latin typeface="HY헤드라인M" pitchFamily="18" charset="-127"/>
+                <a:ea typeface="HY헤드라인M" pitchFamily="18" charset="-127"/>
+                <a:cs typeface="Segoe UI Black" pitchFamily="34" charset="0"/>
+              </a:rPr>
+              <a:t>GuideLines</a:t>
+            </a:r>
+            <a:endParaRPr lang="en-US" altLang="ko-KR" sz="4000" b="1" dirty="0" smtClean="0">
               <a:ln>
                 <a:solidFill>
-                  <a:schemeClr val="tx1">
+                  <a:schemeClr val="bg1">
+                    <a:lumMod val="85000"/>
                     <a:alpha val="30000"/>
                   </a:schemeClr>
                 </a:solidFill>
               </a:ln>
               <a:solidFill>
-                <a:srgbClr val="272123"/>
+                <a:schemeClr val="bg1">
+                  <a:lumMod val="95000"/>
+                </a:schemeClr>
               </a:solidFill>
-              <a:latin typeface="HY강B" pitchFamily="18" charset="-127"/>
-              <a:ea typeface="HY강B" pitchFamily="18" charset="-127"/>
+              <a:latin typeface="HY헤드라인M" pitchFamily="18" charset="-127"/>
+              <a:ea typeface="HY헤드라인M" pitchFamily="18" charset="-127"/>
+              <a:cs typeface="Segoe UI Black" pitchFamily="34" charset="0"/>
+            </a:endParaRPr>
+          </a:p>
+          <a:p>
+            <a:pPr algn="ctr"/>
+            <a:endParaRPr lang="en-US" altLang="ko-KR" sz="1050" b="1" dirty="0" smtClean="0">
+              <a:ln>
+                <a:solidFill>
+                  <a:schemeClr val="bg1">
+                    <a:lumMod val="85000"/>
+                    <a:alpha val="30000"/>
+                  </a:schemeClr>
+                </a:solidFill>
+              </a:ln>
+              <a:solidFill>
+                <a:schemeClr val="bg1">
+                  <a:lumMod val="95000"/>
+                </a:schemeClr>
+              </a:solidFill>
+              <a:latin typeface="HY헤드라인M" pitchFamily="18" charset="-127"/>
+              <a:ea typeface="HY헤드라인M" pitchFamily="18" charset="-127"/>
+              <a:cs typeface="Segoe UI Black" pitchFamily="34" charset="0"/>
+            </a:endParaRPr>
+          </a:p>
+          <a:p>
+            <a:pPr algn="ctr"/>
+            <a:r>
+              <a:rPr lang="en-US" altLang="ko-KR" sz="3200" b="1" dirty="0" smtClean="0">
+                <a:ln>
+                  <a:solidFill>
+                    <a:schemeClr val="bg1">
+                      <a:lumMod val="85000"/>
+                      <a:alpha val="30000"/>
+                    </a:schemeClr>
+                  </a:solidFill>
+                </a:ln>
+                <a:solidFill>
+                  <a:schemeClr val="bg1">
+                    <a:lumMod val="95000"/>
+                  </a:schemeClr>
+                </a:solidFill>
+                <a:latin typeface="HY헤드라인M" pitchFamily="18" charset="-127"/>
+                <a:ea typeface="HY헤드라인M" pitchFamily="18" charset="-127"/>
+                <a:cs typeface="Segoe UI Black" pitchFamily="34" charset="0"/>
+              </a:rPr>
+              <a:t>Chapter </a:t>
+            </a:r>
+            <a:r>
+              <a:rPr lang="en-US" altLang="ko-KR" sz="3200" b="1" dirty="0">
+                <a:ln>
+                  <a:solidFill>
+                    <a:schemeClr val="bg1">
+                      <a:lumMod val="85000"/>
+                      <a:alpha val="30000"/>
+                    </a:schemeClr>
+                  </a:solidFill>
+                </a:ln>
+                <a:solidFill>
+                  <a:schemeClr val="bg1">
+                    <a:lumMod val="95000"/>
+                  </a:schemeClr>
+                </a:solidFill>
+                <a:latin typeface="HY헤드라인M" pitchFamily="18" charset="-127"/>
+                <a:ea typeface="HY헤드라인M" pitchFamily="18" charset="-127"/>
+                <a:cs typeface="Segoe UI Black" pitchFamily="34" charset="0"/>
+              </a:rPr>
+              <a:t>8</a:t>
+            </a:r>
+            <a:endParaRPr lang="en-US" altLang="ko-KR" sz="3200" b="1" dirty="0" smtClean="0">
+              <a:ln>
+                <a:solidFill>
+                  <a:schemeClr val="bg1">
+                    <a:lumMod val="85000"/>
+                    <a:alpha val="30000"/>
+                  </a:schemeClr>
+                </a:solidFill>
+              </a:ln>
+              <a:solidFill>
+                <a:schemeClr val="bg1">
+                  <a:lumMod val="95000"/>
+                </a:schemeClr>
+              </a:solidFill>
+              <a:latin typeface="HY헤드라인M" pitchFamily="18" charset="-127"/>
+              <a:ea typeface="HY헤드라인M" pitchFamily="18" charset="-127"/>
+              <a:cs typeface="Segoe UI Black" pitchFamily="34" charset="0"/>
             </a:endParaRPr>
           </a:p>
         </p:txBody>
       </p:sp>
-      <p:cxnSp>
-        <p:nvCxnSpPr>
-          <p:cNvPr id="4" name="직선 연결선 3"/>
-          <p:cNvCxnSpPr/>
-          <p:nvPr/>
-        </p:nvCxnSpPr>
-        <p:spPr>
-          <a:xfrm flipH="1">
-            <a:off x="-252536" y="548680"/>
-            <a:ext cx="10240872" cy="0"/>
-          </a:xfrm>
-          <a:prstGeom prst="line">
-            <a:avLst/>
-          </a:prstGeom>
-          <a:ln>
-            <a:solidFill>
-              <a:schemeClr val="bg1">
-                <a:lumMod val="65000"/>
-                <a:alpha val="50000"/>
-              </a:schemeClr>
-            </a:solidFill>
-          </a:ln>
-        </p:spPr>
-        <p:style>
-          <a:lnRef idx="1">
-            <a:schemeClr val="accent1"/>
-          </a:lnRef>
-          <a:fillRef idx="0">
-            <a:schemeClr val="accent1"/>
-          </a:fillRef>
-          <a:effectRef idx="0">
-            <a:schemeClr val="accent1"/>
-          </a:effectRef>
-          <a:fontRef idx="minor">
-            <a:schemeClr val="tx1"/>
-          </a:fontRef>
-        </p:style>
-      </p:cxnSp>
       <p:sp>
         <p:nvSpPr>
-          <p:cNvPr id="6" name="TextBox 5"/>
+          <p:cNvPr id="7" name="TextBox 6"/>
           <p:cNvSpPr txBox="1"/>
           <p:nvPr/>
         </p:nvSpPr>
         <p:spPr>
           <a:xfrm>
-            <a:off x="395536" y="654948"/>
-            <a:ext cx="8676456" cy="400110"/>
+            <a:off x="7020801" y="5591055"/>
+            <a:ext cx="1440160" cy="307777"/>
           </a:xfrm>
           <a:prstGeom prst="rect">
             <a:avLst/>
@@ -16707,766 +19072,53 @@
           </a:bodyPr>
           <a:lstStyle/>
           <a:p>
-            <a:pPr marL="285750" indent="-285750">
-              <a:buFont typeface="Arial" pitchFamily="34" charset="0"/>
-              <a:buChar char="•"/>
-            </a:pPr>
-            <a:r>
-              <a:rPr lang="en-US" altLang="ko-KR" sz="2000" dirty="0" smtClean="0">
+            <a:pPr algn="ctr"/>
+            <a:r>
+              <a:rPr lang="ko-KR" altLang="en-US" sz="1400" dirty="0" smtClean="0">
                 <a:ln>
                   <a:solidFill>
-                    <a:schemeClr val="tx1">
+                    <a:schemeClr val="bg1">
+                      <a:lumMod val="85000"/>
                       <a:alpha val="30000"/>
                     </a:schemeClr>
                   </a:solidFill>
                 </a:ln>
-                <a:latin typeface="HY견고딕" pitchFamily="18" charset="-127"/>
-                <a:ea typeface="HY견고딕" pitchFamily="18" charset="-127"/>
-              </a:rPr>
-              <a:t>ES.23</a:t>
-            </a:r>
-            <a:r>
-              <a:rPr lang="ko-KR" altLang="en-US" sz="2000" dirty="0">
-                <a:ln>
-                  <a:solidFill>
-                    <a:schemeClr val="tx1">
-                      <a:alpha val="30000"/>
-                    </a:schemeClr>
-                  </a:solidFill>
-                </a:ln>
-                <a:latin typeface="HY견고딕" pitchFamily="18" charset="-127"/>
-                <a:ea typeface="HY견고딕" pitchFamily="18" charset="-127"/>
-              </a:rPr>
-              <a:t> </a:t>
-            </a:r>
-            <a:r>
-              <a:rPr lang="en-US" altLang="ko-KR" sz="2000" dirty="0" smtClean="0">
-                <a:ln>
-                  <a:solidFill>
-                    <a:schemeClr val="tx1">
-                      <a:alpha val="30000"/>
-                    </a:schemeClr>
-                  </a:solidFill>
-                </a:ln>
-                <a:latin typeface="HY견고딕" pitchFamily="18" charset="-127"/>
-                <a:ea typeface="HY견고딕" pitchFamily="18" charset="-127"/>
-              </a:rPr>
-              <a:t>{} </a:t>
-            </a:r>
-            <a:r>
-              <a:rPr lang="ko-KR" altLang="en-US" sz="2000" dirty="0" smtClean="0">
-                <a:ln>
-                  <a:solidFill>
-                    <a:schemeClr val="tx1">
-                      <a:alpha val="30000"/>
-                    </a:schemeClr>
-                  </a:solidFill>
-                </a:ln>
-                <a:latin typeface="HY견고딕" pitchFamily="18" charset="-127"/>
-                <a:ea typeface="HY견고딕" pitchFamily="18" charset="-127"/>
-              </a:rPr>
-              <a:t>초기화 구문을 선호하라</a:t>
-            </a:r>
-            <a:endParaRPr lang="en-US" altLang="ko-KR" sz="2000" dirty="0" smtClean="0">
+                <a:solidFill>
+                  <a:schemeClr val="bg1">
+                    <a:lumMod val="85000"/>
+                  </a:schemeClr>
+                </a:solidFill>
+                <a:latin typeface="HY헤드라인M" pitchFamily="18" charset="-127"/>
+                <a:ea typeface="HY헤드라인M" pitchFamily="18" charset="-127"/>
+                <a:cs typeface="Segoe UI Black" pitchFamily="34" charset="0"/>
+              </a:rPr>
+              <a:t>최정호</a:t>
+            </a:r>
+            <a:endParaRPr lang="en-US" altLang="ko-KR" sz="1400" dirty="0" smtClean="0">
               <a:ln>
                 <a:solidFill>
-                  <a:schemeClr val="tx1">
+                  <a:schemeClr val="bg1">
+                    <a:lumMod val="85000"/>
                     <a:alpha val="30000"/>
                   </a:schemeClr>
                 </a:solidFill>
               </a:ln>
-              <a:latin typeface="HY견고딕" pitchFamily="18" charset="-127"/>
-              <a:ea typeface="HY견고딕" pitchFamily="18" charset="-127"/>
+              <a:solidFill>
+                <a:schemeClr val="bg1">
+                  <a:lumMod val="85000"/>
+                </a:schemeClr>
+              </a:solidFill>
+              <a:latin typeface="HY헤드라인M" pitchFamily="18" charset="-127"/>
+              <a:ea typeface="HY헤드라인M" pitchFamily="18" charset="-127"/>
+              <a:cs typeface="Segoe UI Black" pitchFamily="34" charset="0"/>
             </a:endParaRPr>
           </a:p>
         </p:txBody>
       </p:sp>
-      <p:sp>
-        <p:nvSpPr>
-          <p:cNvPr id="7" name="TextBox 6"/>
-          <p:cNvSpPr txBox="1"/>
-          <p:nvPr/>
-        </p:nvSpPr>
-        <p:spPr>
-          <a:xfrm>
-            <a:off x="529672" y="1196752"/>
-            <a:ext cx="8676456" cy="3539430"/>
-          </a:xfrm>
-          <a:prstGeom prst="rect">
-            <a:avLst/>
-          </a:prstGeom>
-          <a:noFill/>
-        </p:spPr>
-        <p:txBody>
-          <a:bodyPr wrap="square" rtlCol="0">
-            <a:spAutoFit/>
-          </a:bodyPr>
-          <a:lstStyle/>
-          <a:p>
-            <a:pPr marL="457200" indent="-457200">
-              <a:buFontTx/>
-              <a:buChar char="-"/>
-            </a:pPr>
-            <a:r>
-              <a:rPr lang="ko-KR" altLang="en-US" sz="1400" dirty="0" smtClean="0">
-                <a:ln>
-                  <a:solidFill>
-                    <a:schemeClr val="tx1">
-                      <a:alpha val="30000"/>
-                    </a:schemeClr>
-                  </a:solidFill>
-                </a:ln>
-                <a:latin typeface="HY견고딕" pitchFamily="18" charset="-127"/>
-                <a:ea typeface="HY견고딕" pitchFamily="18" charset="-127"/>
-              </a:rPr>
-              <a:t>좁아지는 변환이 일어나지 않는다</a:t>
-            </a:r>
-            <a:r>
-              <a:rPr lang="en-US" altLang="ko-KR" sz="1400" dirty="0" smtClean="0">
-                <a:ln>
-                  <a:solidFill>
-                    <a:schemeClr val="tx1">
-                      <a:alpha val="30000"/>
-                    </a:schemeClr>
-                  </a:solidFill>
-                </a:ln>
-                <a:latin typeface="HY견고딕" pitchFamily="18" charset="-127"/>
-                <a:ea typeface="HY견고딕" pitchFamily="18" charset="-127"/>
-              </a:rPr>
-              <a:t>.</a:t>
-            </a:r>
-          </a:p>
-          <a:p>
-            <a:pPr marL="914400" lvl="1" indent="-457200">
-              <a:buFontTx/>
-              <a:buChar char="-"/>
-            </a:pPr>
-            <a:r>
-              <a:rPr lang="en-US" altLang="ko-KR" sz="1100" b="1" dirty="0" smtClean="0">
-                <a:ln>
-                  <a:solidFill>
-                    <a:schemeClr val="tx1">
-                      <a:alpha val="30000"/>
-                    </a:schemeClr>
-                  </a:solidFill>
-                </a:ln>
-                <a:latin typeface="HY신명조" pitchFamily="18" charset="-127"/>
-                <a:ea typeface="HY신명조" pitchFamily="18" charset="-127"/>
-              </a:rPr>
-              <a:t>char </a:t>
-            </a:r>
-            <a:r>
-              <a:rPr lang="ko-KR" altLang="en-US" sz="1100" b="1" dirty="0" err="1" smtClean="0">
-                <a:ln>
-                  <a:solidFill>
-                    <a:schemeClr val="tx1">
-                      <a:alpha val="30000"/>
-                    </a:schemeClr>
-                  </a:solidFill>
-                </a:ln>
-                <a:latin typeface="HY신명조" pitchFamily="18" charset="-127"/>
-                <a:ea typeface="HY신명조" pitchFamily="18" charset="-127"/>
-              </a:rPr>
-              <a:t>자료형은</a:t>
-            </a:r>
-            <a:r>
-              <a:rPr lang="ko-KR" altLang="en-US" sz="1100" b="1" dirty="0" smtClean="0">
-                <a:ln>
-                  <a:solidFill>
-                    <a:schemeClr val="tx1">
-                      <a:alpha val="30000"/>
-                    </a:schemeClr>
-                  </a:solidFill>
-                </a:ln>
-                <a:latin typeface="HY신명조" pitchFamily="18" charset="-127"/>
-                <a:ea typeface="HY신명조" pitchFamily="18" charset="-127"/>
-              </a:rPr>
-              <a:t> </a:t>
-            </a:r>
-            <a:r>
-              <a:rPr lang="en-US" altLang="ko-KR" sz="1100" b="1" dirty="0" smtClean="0">
-                <a:ln>
-                  <a:solidFill>
-                    <a:schemeClr val="tx1">
-                      <a:alpha val="30000"/>
-                    </a:schemeClr>
-                  </a:solidFill>
-                </a:ln>
-                <a:latin typeface="HY신명조" pitchFamily="18" charset="-127"/>
-                <a:ea typeface="HY신명조" pitchFamily="18" charset="-127"/>
-              </a:rPr>
-              <a:t>-128 ~ 127</a:t>
-            </a:r>
-            <a:r>
-              <a:rPr lang="ko-KR" altLang="en-US" sz="1100" b="1" dirty="0" smtClean="0">
-                <a:ln>
-                  <a:solidFill>
-                    <a:schemeClr val="tx1">
-                      <a:alpha val="30000"/>
-                    </a:schemeClr>
-                  </a:solidFill>
-                </a:ln>
-                <a:latin typeface="HY신명조" pitchFamily="18" charset="-127"/>
-                <a:ea typeface="HY신명조" pitchFamily="18" charset="-127"/>
-              </a:rPr>
-              <a:t>까지 저장 가능 하므로 범위를 벗어나는 정보를 저장할 경우 </a:t>
-            </a:r>
-            <a:r>
-              <a:rPr lang="ko-KR" altLang="en-US" sz="1100" b="1" dirty="0" err="1" smtClean="0">
-                <a:ln>
-                  <a:solidFill>
-                    <a:schemeClr val="tx1">
-                      <a:alpha val="30000"/>
-                    </a:schemeClr>
-                  </a:solidFill>
-                </a:ln>
-                <a:latin typeface="HY신명조" pitchFamily="18" charset="-127"/>
-                <a:ea typeface="HY신명조" pitchFamily="18" charset="-127"/>
-              </a:rPr>
-              <a:t>오동작이</a:t>
-            </a:r>
-            <a:r>
-              <a:rPr lang="ko-KR" altLang="en-US" sz="1100" b="1" dirty="0" smtClean="0">
-                <a:ln>
-                  <a:solidFill>
-                    <a:schemeClr val="tx1">
-                      <a:alpha val="30000"/>
-                    </a:schemeClr>
-                  </a:solidFill>
-                </a:ln>
-                <a:latin typeface="HY신명조" pitchFamily="18" charset="-127"/>
-                <a:ea typeface="HY신명조" pitchFamily="18" charset="-127"/>
-              </a:rPr>
-              <a:t> 발생할 수 있다</a:t>
-            </a:r>
-            <a:r>
-              <a:rPr lang="en-US" altLang="ko-KR" sz="1100" b="1" dirty="0" smtClean="0">
-                <a:ln>
-                  <a:solidFill>
-                    <a:schemeClr val="tx1">
-                      <a:alpha val="30000"/>
-                    </a:schemeClr>
-                  </a:solidFill>
-                </a:ln>
-                <a:latin typeface="HY신명조" pitchFamily="18" charset="-127"/>
-                <a:ea typeface="HY신명조" pitchFamily="18" charset="-127"/>
-              </a:rPr>
-              <a:t>.</a:t>
-            </a:r>
-          </a:p>
-          <a:p>
-            <a:pPr marL="914400" lvl="1" indent="-457200">
-              <a:buFontTx/>
-              <a:buChar char="-"/>
-            </a:pPr>
-            <a:endParaRPr lang="en-US" altLang="ko-KR" sz="1100" b="1" dirty="0">
-              <a:ln>
-                <a:solidFill>
-                  <a:schemeClr val="tx1">
-                    <a:alpha val="30000"/>
-                  </a:schemeClr>
-                </a:solidFill>
-              </a:ln>
-              <a:latin typeface="HY신명조" pitchFamily="18" charset="-127"/>
-              <a:ea typeface="HY신명조" pitchFamily="18" charset="-127"/>
-            </a:endParaRPr>
-          </a:p>
-          <a:p>
-            <a:pPr marL="914400" lvl="1" indent="-457200">
-              <a:buFontTx/>
-              <a:buChar char="-"/>
-            </a:pPr>
-            <a:endParaRPr lang="en-US" altLang="ko-KR" sz="1100" b="1" dirty="0" smtClean="0">
-              <a:ln>
-                <a:solidFill>
-                  <a:schemeClr val="tx1">
-                    <a:alpha val="30000"/>
-                  </a:schemeClr>
-                </a:solidFill>
-              </a:ln>
-              <a:latin typeface="HY신명조" pitchFamily="18" charset="-127"/>
-              <a:ea typeface="HY신명조" pitchFamily="18" charset="-127"/>
-            </a:endParaRPr>
-          </a:p>
-          <a:p>
-            <a:pPr marL="914400" lvl="1" indent="-457200">
-              <a:buFontTx/>
-              <a:buChar char="-"/>
-            </a:pPr>
-            <a:endParaRPr lang="en-US" altLang="ko-KR" sz="1100" b="1" dirty="0">
-              <a:ln>
-                <a:solidFill>
-                  <a:schemeClr val="tx1">
-                    <a:alpha val="30000"/>
-                  </a:schemeClr>
-                </a:solidFill>
-              </a:ln>
-              <a:latin typeface="HY신명조" pitchFamily="18" charset="-127"/>
-              <a:ea typeface="HY신명조" pitchFamily="18" charset="-127"/>
-            </a:endParaRPr>
-          </a:p>
-          <a:p>
-            <a:pPr marL="914400" lvl="1" indent="-457200">
-              <a:buFontTx/>
-              <a:buChar char="-"/>
-            </a:pPr>
-            <a:endParaRPr lang="en-US" altLang="ko-KR" sz="1100" b="1" dirty="0" smtClean="0">
-              <a:ln>
-                <a:solidFill>
-                  <a:schemeClr val="tx1">
-                    <a:alpha val="30000"/>
-                  </a:schemeClr>
-                </a:solidFill>
-              </a:ln>
-              <a:latin typeface="HY신명조" pitchFamily="18" charset="-127"/>
-              <a:ea typeface="HY신명조" pitchFamily="18" charset="-127"/>
-            </a:endParaRPr>
-          </a:p>
-          <a:p>
-            <a:pPr marL="914400" lvl="1" indent="-457200">
-              <a:buFontTx/>
-              <a:buChar char="-"/>
-            </a:pPr>
-            <a:endParaRPr lang="en-US" altLang="ko-KR" sz="1100" b="1" dirty="0">
-              <a:ln>
-                <a:solidFill>
-                  <a:schemeClr val="tx1">
-                    <a:alpha val="30000"/>
-                  </a:schemeClr>
-                </a:solidFill>
-              </a:ln>
-              <a:latin typeface="HY신명조" pitchFamily="18" charset="-127"/>
-              <a:ea typeface="HY신명조" pitchFamily="18" charset="-127"/>
-            </a:endParaRPr>
-          </a:p>
-          <a:p>
-            <a:pPr marL="914400" lvl="1" indent="-457200">
-              <a:buFontTx/>
-              <a:buChar char="-"/>
-            </a:pPr>
-            <a:endParaRPr lang="en-US" altLang="ko-KR" sz="1100" b="1" dirty="0" smtClean="0">
-              <a:ln>
-                <a:solidFill>
-                  <a:schemeClr val="tx1">
-                    <a:alpha val="30000"/>
-                  </a:schemeClr>
-                </a:solidFill>
-              </a:ln>
-              <a:latin typeface="HY신명조" pitchFamily="18" charset="-127"/>
-              <a:ea typeface="HY신명조" pitchFamily="18" charset="-127"/>
-            </a:endParaRPr>
-          </a:p>
-          <a:p>
-            <a:pPr marL="914400" lvl="1" indent="-457200">
-              <a:buFontTx/>
-              <a:buChar char="-"/>
-            </a:pPr>
-            <a:endParaRPr lang="en-US" altLang="ko-KR" sz="1100" b="1" dirty="0">
-              <a:ln>
-                <a:solidFill>
-                  <a:schemeClr val="tx1">
-                    <a:alpha val="30000"/>
-                  </a:schemeClr>
-                </a:solidFill>
-              </a:ln>
-              <a:latin typeface="HY신명조" pitchFamily="18" charset="-127"/>
-              <a:ea typeface="HY신명조" pitchFamily="18" charset="-127"/>
-            </a:endParaRPr>
-          </a:p>
-          <a:p>
-            <a:pPr marL="914400" lvl="1" indent="-457200">
-              <a:buFontTx/>
-              <a:buChar char="-"/>
-            </a:pPr>
-            <a:endParaRPr lang="en-US" altLang="ko-KR" sz="1100" b="1" dirty="0" smtClean="0">
-              <a:ln>
-                <a:solidFill>
-                  <a:schemeClr val="tx1">
-                    <a:alpha val="30000"/>
-                  </a:schemeClr>
-                </a:solidFill>
-              </a:ln>
-              <a:latin typeface="HY신명조" pitchFamily="18" charset="-127"/>
-              <a:ea typeface="HY신명조" pitchFamily="18" charset="-127"/>
-            </a:endParaRPr>
-          </a:p>
-          <a:p>
-            <a:pPr marL="914400" lvl="1" indent="-457200">
-              <a:buFontTx/>
-              <a:buChar char="-"/>
-            </a:pPr>
-            <a:endParaRPr lang="en-US" altLang="ko-KR" sz="1100" b="1" dirty="0">
-              <a:ln>
-                <a:solidFill>
-                  <a:schemeClr val="tx1">
-                    <a:alpha val="30000"/>
-                  </a:schemeClr>
-                </a:solidFill>
-              </a:ln>
-              <a:latin typeface="HY신명조" pitchFamily="18" charset="-127"/>
-              <a:ea typeface="HY신명조" pitchFamily="18" charset="-127"/>
-            </a:endParaRPr>
-          </a:p>
-          <a:p>
-            <a:pPr marL="914400" lvl="1" indent="-457200">
-              <a:buFontTx/>
-              <a:buChar char="-"/>
-            </a:pPr>
-            <a:endParaRPr lang="en-US" altLang="ko-KR" sz="1100" b="1" dirty="0" smtClean="0">
-              <a:ln>
-                <a:solidFill>
-                  <a:schemeClr val="tx1">
-                    <a:alpha val="30000"/>
-                  </a:schemeClr>
-                </a:solidFill>
-              </a:ln>
-              <a:latin typeface="HY신명조" pitchFamily="18" charset="-127"/>
-              <a:ea typeface="HY신명조" pitchFamily="18" charset="-127"/>
-            </a:endParaRPr>
-          </a:p>
-          <a:p>
-            <a:pPr marL="914400" lvl="1" indent="-457200">
-              <a:buFontTx/>
-              <a:buChar char="-"/>
-            </a:pPr>
-            <a:endParaRPr lang="en-US" altLang="ko-KR" sz="1100" b="1" dirty="0">
-              <a:ln>
-                <a:solidFill>
-                  <a:schemeClr val="tx1">
-                    <a:alpha val="30000"/>
-                  </a:schemeClr>
-                </a:solidFill>
-              </a:ln>
-              <a:latin typeface="HY신명조" pitchFamily="18" charset="-127"/>
-              <a:ea typeface="HY신명조" pitchFamily="18" charset="-127"/>
-            </a:endParaRPr>
-          </a:p>
-          <a:p>
-            <a:pPr marL="914400" lvl="1" indent="-457200">
-              <a:buFontTx/>
-              <a:buChar char="-"/>
-            </a:pPr>
-            <a:endParaRPr lang="en-US" altLang="ko-KR" sz="1100" b="1" dirty="0" smtClean="0">
-              <a:ln>
-                <a:solidFill>
-                  <a:schemeClr val="tx1">
-                    <a:alpha val="30000"/>
-                  </a:schemeClr>
-                </a:solidFill>
-              </a:ln>
-              <a:latin typeface="HY신명조" pitchFamily="18" charset="-127"/>
-              <a:ea typeface="HY신명조" pitchFamily="18" charset="-127"/>
-            </a:endParaRPr>
-          </a:p>
-          <a:p>
-            <a:pPr marL="914400" lvl="1" indent="-457200">
-              <a:buFontTx/>
-              <a:buChar char="-"/>
-            </a:pPr>
-            <a:endParaRPr lang="en-US" altLang="ko-KR" sz="1100" b="1" dirty="0">
-              <a:ln>
-                <a:solidFill>
-                  <a:schemeClr val="tx1">
-                    <a:alpha val="30000"/>
-                  </a:schemeClr>
-                </a:solidFill>
-              </a:ln>
-              <a:latin typeface="HY신명조" pitchFamily="18" charset="-127"/>
-              <a:ea typeface="HY신명조" pitchFamily="18" charset="-127"/>
-            </a:endParaRPr>
-          </a:p>
-          <a:p>
-            <a:pPr marL="914400" lvl="1" indent="-457200">
-              <a:buFontTx/>
-              <a:buChar char="-"/>
-            </a:pPr>
-            <a:endParaRPr lang="en-US" altLang="ko-KR" sz="1100" b="1" dirty="0" smtClean="0">
-              <a:ln>
-                <a:solidFill>
-                  <a:schemeClr val="tx1">
-                    <a:alpha val="30000"/>
-                  </a:schemeClr>
-                </a:solidFill>
-              </a:ln>
-              <a:latin typeface="HY신명조" pitchFamily="18" charset="-127"/>
-              <a:ea typeface="HY신명조" pitchFamily="18" charset="-127"/>
-            </a:endParaRPr>
-          </a:p>
-          <a:p>
-            <a:pPr marL="914400" lvl="1" indent="-457200">
-              <a:buFontTx/>
-              <a:buChar char="-"/>
-            </a:pPr>
-            <a:r>
-              <a:rPr lang="ko-KR" altLang="en-US" sz="1100" b="1" dirty="0" smtClean="0">
-                <a:ln>
-                  <a:solidFill>
-                    <a:schemeClr val="tx1">
-                      <a:alpha val="30000"/>
-                    </a:schemeClr>
-                  </a:solidFill>
-                </a:ln>
-                <a:latin typeface="HY신명조" pitchFamily="18" charset="-127"/>
-                <a:ea typeface="HY신명조" pitchFamily="18" charset="-127"/>
-              </a:rPr>
-              <a:t>이때 </a:t>
-            </a:r>
-            <a:r>
-              <a:rPr lang="en-US" altLang="ko-KR" sz="1100" b="1" dirty="0" smtClean="0">
-                <a:ln>
-                  <a:solidFill>
-                    <a:schemeClr val="tx1">
-                      <a:alpha val="30000"/>
-                    </a:schemeClr>
-                  </a:solidFill>
-                </a:ln>
-                <a:latin typeface="HY신명조" pitchFamily="18" charset="-127"/>
-                <a:ea typeface="HY신명조" pitchFamily="18" charset="-127"/>
-              </a:rPr>
-              <a:t>{}</a:t>
-            </a:r>
-            <a:r>
-              <a:rPr lang="ko-KR" altLang="en-US" sz="1100" b="1" dirty="0" smtClean="0">
-                <a:ln>
-                  <a:solidFill>
-                    <a:schemeClr val="tx1">
-                      <a:alpha val="30000"/>
-                    </a:schemeClr>
-                  </a:solidFill>
-                </a:ln>
-                <a:latin typeface="HY신명조" pitchFamily="18" charset="-127"/>
-                <a:ea typeface="HY신명조" pitchFamily="18" charset="-127"/>
-              </a:rPr>
-              <a:t>초기화를 하면 위와 같은 축소변환을 감지할 수 있다</a:t>
-            </a:r>
-            <a:r>
-              <a:rPr lang="en-US" altLang="ko-KR" sz="1100" b="1" dirty="0" smtClean="0">
-                <a:ln>
-                  <a:solidFill>
-                    <a:schemeClr val="tx1">
-                      <a:alpha val="30000"/>
-                    </a:schemeClr>
-                  </a:solidFill>
-                </a:ln>
-                <a:latin typeface="HY신명조" pitchFamily="18" charset="-127"/>
-                <a:ea typeface="HY신명조" pitchFamily="18" charset="-127"/>
-              </a:rPr>
-              <a:t>.</a:t>
-            </a:r>
-            <a:endParaRPr lang="ko-KR" altLang="en-US" sz="1100" b="1" dirty="0">
-              <a:ln>
-                <a:solidFill>
-                  <a:schemeClr val="tx1">
-                    <a:alpha val="30000"/>
-                  </a:schemeClr>
-                </a:solidFill>
-              </a:ln>
-              <a:latin typeface="HY신명조" pitchFamily="18" charset="-127"/>
-              <a:ea typeface="HY신명조" pitchFamily="18" charset="-127"/>
-            </a:endParaRPr>
-          </a:p>
-          <a:p>
-            <a:pPr marL="914400" lvl="1" indent="-457200">
-              <a:buFontTx/>
-              <a:buChar char="-"/>
-            </a:pPr>
-            <a:endParaRPr lang="en-US" altLang="ko-KR" sz="1400" dirty="0" smtClean="0">
-              <a:ln>
-                <a:solidFill>
-                  <a:schemeClr val="tx1">
-                    <a:alpha val="30000"/>
-                  </a:schemeClr>
-                </a:solidFill>
-              </a:ln>
-              <a:latin typeface="HY견고딕" pitchFamily="18" charset="-127"/>
-              <a:ea typeface="HY견고딕" pitchFamily="18" charset="-127"/>
-            </a:endParaRPr>
-          </a:p>
-          <a:p>
-            <a:pPr marL="457200" indent="-457200">
-              <a:buFontTx/>
-              <a:buChar char="-"/>
-            </a:pPr>
-            <a:endParaRPr lang="en-US" altLang="ko-KR" sz="2000" dirty="0" smtClean="0">
-              <a:ln>
-                <a:solidFill>
-                  <a:schemeClr val="tx1">
-                    <a:alpha val="30000"/>
-                  </a:schemeClr>
-                </a:solidFill>
-              </a:ln>
-              <a:latin typeface="HY견고딕" pitchFamily="18" charset="-127"/>
-              <a:ea typeface="HY견고딕" pitchFamily="18" charset="-127"/>
-            </a:endParaRPr>
-          </a:p>
-        </p:txBody>
-      </p:sp>
-      <p:pic>
-        <p:nvPicPr>
-          <p:cNvPr id="2050" name="Picture 2"/>
-          <p:cNvPicPr>
-            <a:picLocks noChangeAspect="1" noChangeArrowheads="1"/>
-          </p:cNvPicPr>
-          <p:nvPr/>
-        </p:nvPicPr>
-        <p:blipFill>
-          <a:blip r:embed="rId2">
-            <a:extLst>
-              <a:ext uri="{28A0092B-C50C-407E-A947-70E740481C1C}">
-                <a14:useLocalDpi xmlns:a14="http://schemas.microsoft.com/office/drawing/2010/main" val="0"/>
-              </a:ext>
-            </a:extLst>
-          </a:blip>
-          <a:srcRect/>
-          <a:stretch>
-            <a:fillRect/>
-          </a:stretch>
-        </p:blipFill>
-        <p:spPr bwMode="auto">
-          <a:xfrm>
-            <a:off x="2051720" y="1844824"/>
-            <a:ext cx="4448175" cy="2076450"/>
-          </a:xfrm>
-          <a:prstGeom prst="rect">
-            <a:avLst/>
-          </a:prstGeom>
-          <a:noFill/>
-          <a:ln>
-            <a:noFill/>
-          </a:ln>
-          <a:extLst>
-            <a:ext uri="{909E8E84-426E-40DD-AFC4-6F175D3DCCD1}">
-              <a14:hiddenFill xmlns:a14="http://schemas.microsoft.com/office/drawing/2010/main">
-                <a:solidFill>
-                  <a:schemeClr val="accent1"/>
-                </a:solidFill>
-              </a14:hiddenFill>
-            </a:ext>
-            <a:ext uri="{91240B29-F687-4F45-9708-019B960494DF}">
-              <a14:hiddenLine xmlns:a14="http://schemas.microsoft.com/office/drawing/2010/main" w="9525">
-                <a:solidFill>
-                  <a:schemeClr val="tx1"/>
-                </a:solidFill>
-                <a:miter lim="800000"/>
-                <a:headEnd/>
-                <a:tailEnd/>
-              </a14:hiddenLine>
-            </a:ext>
-          </a:extLst>
-        </p:spPr>
-      </p:pic>
-      <p:pic>
-        <p:nvPicPr>
-          <p:cNvPr id="2051" name="Picture 3"/>
-          <p:cNvPicPr>
-            <a:picLocks noChangeAspect="1" noChangeArrowheads="1"/>
-          </p:cNvPicPr>
-          <p:nvPr/>
-        </p:nvPicPr>
-        <p:blipFill>
-          <a:blip r:embed="rId3">
-            <a:extLst>
-              <a:ext uri="{28A0092B-C50C-407E-A947-70E740481C1C}">
-                <a14:useLocalDpi xmlns:a14="http://schemas.microsoft.com/office/drawing/2010/main" val="0"/>
-              </a:ext>
-            </a:extLst>
-          </a:blip>
-          <a:srcRect/>
-          <a:stretch>
-            <a:fillRect/>
-          </a:stretch>
-        </p:blipFill>
-        <p:spPr bwMode="auto">
-          <a:xfrm>
-            <a:off x="1514721" y="4301473"/>
-            <a:ext cx="3384376" cy="1719815"/>
-          </a:xfrm>
-          <a:prstGeom prst="rect">
-            <a:avLst/>
-          </a:prstGeom>
-          <a:noFill/>
-          <a:ln>
-            <a:noFill/>
-          </a:ln>
-          <a:extLst>
-            <a:ext uri="{909E8E84-426E-40DD-AFC4-6F175D3DCCD1}">
-              <a14:hiddenFill xmlns:a14="http://schemas.microsoft.com/office/drawing/2010/main">
-                <a:solidFill>
-                  <a:schemeClr val="accent1"/>
-                </a:solidFill>
-              </a14:hiddenFill>
-            </a:ext>
-            <a:ext uri="{91240B29-F687-4F45-9708-019B960494DF}">
-              <a14:hiddenLine xmlns:a14="http://schemas.microsoft.com/office/drawing/2010/main" w="9525">
-                <a:solidFill>
-                  <a:schemeClr val="tx1"/>
-                </a:solidFill>
-                <a:miter lim="800000"/>
-                <a:headEnd/>
-                <a:tailEnd/>
-              </a14:hiddenLine>
-            </a:ext>
-          </a:extLst>
-        </p:spPr>
-      </p:pic>
-      <p:pic>
-        <p:nvPicPr>
-          <p:cNvPr id="2052" name="Picture 4"/>
-          <p:cNvPicPr>
-            <a:picLocks noChangeAspect="1" noChangeArrowheads="1"/>
-          </p:cNvPicPr>
-          <p:nvPr/>
-        </p:nvPicPr>
-        <p:blipFill>
-          <a:blip r:embed="rId4">
-            <a:extLst>
-              <a:ext uri="{28A0092B-C50C-407E-A947-70E740481C1C}">
-                <a14:useLocalDpi xmlns:a14="http://schemas.microsoft.com/office/drawing/2010/main" val="0"/>
-              </a:ext>
-            </a:extLst>
-          </a:blip>
-          <a:srcRect/>
-          <a:stretch>
-            <a:fillRect/>
-          </a:stretch>
-        </p:blipFill>
-        <p:spPr bwMode="auto">
-          <a:xfrm>
-            <a:off x="5076056" y="4733505"/>
-            <a:ext cx="3831245" cy="855749"/>
-          </a:xfrm>
-          <a:prstGeom prst="rect">
-            <a:avLst/>
-          </a:prstGeom>
-          <a:noFill/>
-          <a:ln>
-            <a:noFill/>
-          </a:ln>
-          <a:extLst>
-            <a:ext uri="{909E8E84-426E-40DD-AFC4-6F175D3DCCD1}">
-              <a14:hiddenFill xmlns:a14="http://schemas.microsoft.com/office/drawing/2010/main">
-                <a:solidFill>
-                  <a:schemeClr val="accent1"/>
-                </a:solidFill>
-              </a14:hiddenFill>
-            </a:ext>
-            <a:ext uri="{91240B29-F687-4F45-9708-019B960494DF}">
-              <a14:hiddenLine xmlns:a14="http://schemas.microsoft.com/office/drawing/2010/main" w="9525">
-                <a:solidFill>
-                  <a:schemeClr val="tx1"/>
-                </a:solidFill>
-                <a:miter lim="800000"/>
-                <a:headEnd/>
-                <a:tailEnd/>
-              </a14:hiddenLine>
-            </a:ext>
-          </a:extLst>
-        </p:spPr>
-      </p:pic>
     </p:spTree>
     <p:extLst>
       <p:ext uri="{BB962C8B-B14F-4D97-AF65-F5344CB8AC3E}">
-        <p14:creationId xmlns:p14="http://schemas.microsoft.com/office/powerpoint/2010/main" val="2519732295"/>
+        <p14:creationId xmlns:p14="http://schemas.microsoft.com/office/powerpoint/2010/main" val="3045306195"/>
       </p:ext>
     </p:extLst>
   </p:cSld>
@@ -17475,12 +19127,12 @@
   </p:clrMapOvr>
   <mc:AlternateContent xmlns:mc="http://schemas.openxmlformats.org/markup-compatibility/2006" xmlns:p14="http://schemas.microsoft.com/office/powerpoint/2010/main">
     <mc:Choice Requires="p14">
-      <p:transition spd="med" p14:dur="700">
+      <p:transition spd="med" p14:dur="700" advTm="111">
         <p:fade/>
       </p:transition>
     </mc:Choice>
     <mc:Fallback xmlns="">
-      <p:transition spd="med">
+      <p:transition spd="med" advTm="111">
         <p:fade/>
       </p:transition>
     </mc:Fallback>

--- a/CoreGuideLinesStudy_4.pptx
+++ b/CoreGuideLinesStudy_4.pptx
@@ -5,7 +5,7 @@
     <p:sldMasterId id="2147483648" r:id="rId1"/>
   </p:sldMasterIdLst>
   <p:notesMasterIdLst>
-    <p:notesMasterId r:id="rId16"/>
+    <p:notesMasterId r:id="rId12"/>
   </p:notesMasterIdLst>
   <p:sldIdLst>
     <p:sldId id="304" r:id="rId2"/>
@@ -16,52 +16,44 @@
     <p:sldId id="328" r:id="rId7"/>
     <p:sldId id="321" r:id="rId8"/>
     <p:sldId id="329" r:id="rId9"/>
-    <p:sldId id="322" r:id="rId10"/>
-    <p:sldId id="323" r:id="rId11"/>
-    <p:sldId id="324" r:id="rId12"/>
-    <p:sldId id="325" r:id="rId13"/>
-    <p:sldId id="326" r:id="rId14"/>
-    <p:sldId id="318" r:id="rId15"/>
+    <p:sldId id="330" r:id="rId10"/>
+    <p:sldId id="318" r:id="rId11"/>
   </p:sldIdLst>
   <p:sldSz cx="9144000" cy="6858000" type="screen4x3"/>
   <p:notesSz cx="6858000" cy="9144000"/>
   <p:embeddedFontLst>
     <p:embeddedFont>
-      <p:font typeface="Consolas" pitchFamily="49" charset="0"/>
-      <p:regular r:id="rId17"/>
-      <p:bold r:id="rId18"/>
-      <p:italic r:id="rId19"/>
-      <p:boldItalic r:id="rId20"/>
+      <p:font typeface="HY견고딕" panose="02030600000101010101" pitchFamily="18" charset="-127"/>
+      <p:regular r:id="rId13"/>
     </p:embeddedFont>
     <p:embeddedFont>
-      <p:font typeface="HY헤드라인M" pitchFamily="18" charset="-127"/>
-      <p:regular r:id="rId21"/>
+      <p:font typeface="Consolas" panose="020B0609020204030204" pitchFamily="49" charset="0"/>
+      <p:regular r:id="rId14"/>
+      <p:bold r:id="rId15"/>
+      <p:italic r:id="rId16"/>
+      <p:boldItalic r:id="rId17"/>
     </p:embeddedFont>
     <p:embeddedFont>
-      <p:font typeface="HY강B" charset="-127"/>
-      <p:regular r:id="rId22"/>
+      <p:font typeface="HY강B" panose="020B0600000101010101" charset="-127"/>
+      <p:regular r:id="rId18"/>
     </p:embeddedFont>
     <p:embeddedFont>
-      <p:font typeface="Segoe UI Black" pitchFamily="34" charset="0"/>
-      <p:bold r:id="rId23"/>
-      <p:boldItalic r:id="rId24"/>
+      <p:font typeface="HY헤드라인M" panose="02030600000101010101" pitchFamily="18" charset="-127"/>
+      <p:regular r:id="rId19"/>
     </p:embeddedFont>
     <p:embeddedFont>
-      <p:font typeface="HY중고딕" pitchFamily="18" charset="-127"/>
-      <p:regular r:id="rId25"/>
+      <p:font typeface="Segoe UI Black" panose="020B0A02040204020203" pitchFamily="34" charset="0"/>
+      <p:bold r:id="rId20"/>
+      <p:boldItalic r:id="rId21"/>
     </p:embeddedFont>
     <p:embeddedFont>
-      <p:font typeface="HY견고딕" pitchFamily="18" charset="-127"/>
-      <p:regular r:id="rId26"/>
+      <p:font typeface="맑은 고딕" panose="020B0503020000020004" pitchFamily="50" charset="-127"/>
+      <p:regular r:id="rId22"/>
+      <p:bold r:id="rId23"/>
     </p:embeddedFont>
     <p:embeddedFont>
-      <p:font typeface="HY신명조" pitchFamily="18" charset="-127"/>
-      <p:regular r:id="rId27"/>
-    </p:embeddedFont>
-    <p:embeddedFont>
-      <p:font typeface="맑은 고딕" pitchFamily="50" charset="-127"/>
-      <p:regular r:id="rId28"/>
-      <p:bold r:id="rId29"/>
+      <p:font typeface="HY중고딕" panose="02030600000101010101" pitchFamily="18" charset="-127"/>
+      <p:regular r:id="rId24"/>
     </p:embeddedFont>
   </p:embeddedFontLst>
   <p:defaultTextStyle>
@@ -3806,5426 +3798,6 @@
 <file path=ppt/slides/slide10.xml><?xml version="1.0" encoding="utf-8"?>
 <p:sld xmlns:a="http://schemas.openxmlformats.org/drawingml/2006/main" xmlns:r="http://schemas.openxmlformats.org/officeDocument/2006/relationships" xmlns:p="http://schemas.openxmlformats.org/presentationml/2006/main">
   <p:cSld>
-    <p:spTree>
-      <p:nvGrpSpPr>
-        <p:cNvPr id="1" name=""/>
-        <p:cNvGrpSpPr/>
-        <p:nvPr/>
-      </p:nvGrpSpPr>
-      <p:grpSpPr>
-        <a:xfrm>
-          <a:off x="0" y="0"/>
-          <a:ext cx="0" cy="0"/>
-          <a:chOff x="0" y="0"/>
-          <a:chExt cx="0" cy="0"/>
-        </a:xfrm>
-      </p:grpSpPr>
-      <p:cxnSp>
-        <p:nvCxnSpPr>
-          <p:cNvPr id="5" name="직선 연결선 4"/>
-          <p:cNvCxnSpPr/>
-          <p:nvPr/>
-        </p:nvCxnSpPr>
-        <p:spPr>
-          <a:xfrm flipH="1">
-            <a:off x="-252536" y="548680"/>
-            <a:ext cx="10240872" cy="0"/>
-          </a:xfrm>
-          <a:prstGeom prst="line">
-            <a:avLst/>
-          </a:prstGeom>
-          <a:ln>
-            <a:solidFill>
-              <a:schemeClr val="bg1">
-                <a:lumMod val="65000"/>
-                <a:alpha val="50000"/>
-              </a:schemeClr>
-            </a:solidFill>
-          </a:ln>
-        </p:spPr>
-        <p:style>
-          <a:lnRef idx="1">
-            <a:schemeClr val="accent1"/>
-          </a:lnRef>
-          <a:fillRef idx="0">
-            <a:schemeClr val="accent1"/>
-          </a:fillRef>
-          <a:effectRef idx="0">
-            <a:schemeClr val="accent1"/>
-          </a:effectRef>
-          <a:fontRef idx="minor">
-            <a:schemeClr val="tx1"/>
-          </a:fontRef>
-        </p:style>
-      </p:cxnSp>
-      <p:sp>
-        <p:nvSpPr>
-          <p:cNvPr id="21" name="TextBox 20"/>
-          <p:cNvSpPr txBox="1"/>
-          <p:nvPr/>
-        </p:nvSpPr>
-        <p:spPr>
-          <a:xfrm>
-            <a:off x="236725" y="56518"/>
-            <a:ext cx="1959011" cy="400110"/>
-          </a:xfrm>
-          <a:prstGeom prst="rect">
-            <a:avLst/>
-          </a:prstGeom>
-          <a:noFill/>
-        </p:spPr>
-        <p:txBody>
-          <a:bodyPr wrap="square" rtlCol="0">
-            <a:spAutoFit/>
-          </a:bodyPr>
-          <a:lstStyle/>
-          <a:p>
-            <a:pPr algn="ctr"/>
-            <a:r>
-              <a:rPr lang="ko-KR" altLang="en-US" sz="2000" b="1" dirty="0" err="1" smtClean="0">
-                <a:ln>
-                  <a:solidFill>
-                    <a:schemeClr val="tx1">
-                      <a:alpha val="30000"/>
-                    </a:schemeClr>
-                  </a:solidFill>
-                </a:ln>
-                <a:solidFill>
-                  <a:srgbClr val="272123"/>
-                </a:solidFill>
-                <a:latin typeface="HY강B" pitchFamily="18" charset="-127"/>
-                <a:ea typeface="HY강B" pitchFamily="18" charset="-127"/>
-              </a:rPr>
-              <a:t>표현식과</a:t>
-            </a:r>
-            <a:r>
-              <a:rPr lang="ko-KR" altLang="en-US" sz="2000" b="1" dirty="0" smtClean="0">
-                <a:ln>
-                  <a:solidFill>
-                    <a:schemeClr val="tx1">
-                      <a:alpha val="30000"/>
-                    </a:schemeClr>
-                  </a:solidFill>
-                </a:ln>
-                <a:solidFill>
-                  <a:srgbClr val="272123"/>
-                </a:solidFill>
-                <a:latin typeface="HY강B" pitchFamily="18" charset="-127"/>
-                <a:ea typeface="HY강B" pitchFamily="18" charset="-127"/>
-              </a:rPr>
-              <a:t> 문장</a:t>
-            </a:r>
-            <a:endParaRPr lang="en-US" altLang="ko-KR" sz="2000" b="1" dirty="0" smtClean="0">
-              <a:ln>
-                <a:solidFill>
-                  <a:schemeClr val="tx1">
-                    <a:alpha val="30000"/>
-                  </a:schemeClr>
-                </a:solidFill>
-              </a:ln>
-              <a:solidFill>
-                <a:srgbClr val="272123"/>
-              </a:solidFill>
-              <a:latin typeface="HY강B" pitchFamily="18" charset="-127"/>
-              <a:ea typeface="HY강B" pitchFamily="18" charset="-127"/>
-            </a:endParaRPr>
-          </a:p>
-        </p:txBody>
-      </p:sp>
-      <p:cxnSp>
-        <p:nvCxnSpPr>
-          <p:cNvPr id="4" name="직선 연결선 3"/>
-          <p:cNvCxnSpPr/>
-          <p:nvPr/>
-        </p:nvCxnSpPr>
-        <p:spPr>
-          <a:xfrm flipH="1">
-            <a:off x="-252536" y="548680"/>
-            <a:ext cx="10240872" cy="0"/>
-          </a:xfrm>
-          <a:prstGeom prst="line">
-            <a:avLst/>
-          </a:prstGeom>
-          <a:ln>
-            <a:solidFill>
-              <a:schemeClr val="bg1">
-                <a:lumMod val="65000"/>
-                <a:alpha val="50000"/>
-              </a:schemeClr>
-            </a:solidFill>
-          </a:ln>
-        </p:spPr>
-        <p:style>
-          <a:lnRef idx="1">
-            <a:schemeClr val="accent1"/>
-          </a:lnRef>
-          <a:fillRef idx="0">
-            <a:schemeClr val="accent1"/>
-          </a:fillRef>
-          <a:effectRef idx="0">
-            <a:schemeClr val="accent1"/>
-          </a:effectRef>
-          <a:fontRef idx="minor">
-            <a:schemeClr val="tx1"/>
-          </a:fontRef>
-        </p:style>
-      </p:cxnSp>
-      <p:sp>
-        <p:nvSpPr>
-          <p:cNvPr id="6" name="TextBox 5"/>
-          <p:cNvSpPr txBox="1"/>
-          <p:nvPr/>
-        </p:nvSpPr>
-        <p:spPr>
-          <a:xfrm>
-            <a:off x="395536" y="654948"/>
-            <a:ext cx="8676456" cy="400110"/>
-          </a:xfrm>
-          <a:prstGeom prst="rect">
-            <a:avLst/>
-          </a:prstGeom>
-          <a:noFill/>
-        </p:spPr>
-        <p:txBody>
-          <a:bodyPr wrap="square" rtlCol="0">
-            <a:spAutoFit/>
-          </a:bodyPr>
-          <a:lstStyle/>
-          <a:p>
-            <a:pPr marL="285750" indent="-285750">
-              <a:buFont typeface="Arial" pitchFamily="34" charset="0"/>
-              <a:buChar char="•"/>
-            </a:pPr>
-            <a:r>
-              <a:rPr lang="en-US" altLang="ko-KR" sz="2000" dirty="0" smtClean="0">
-                <a:ln>
-                  <a:solidFill>
-                    <a:schemeClr val="tx1">
-                      <a:alpha val="30000"/>
-                    </a:schemeClr>
-                  </a:solidFill>
-                </a:ln>
-                <a:latin typeface="HY견고딕" pitchFamily="18" charset="-127"/>
-                <a:ea typeface="HY견고딕" pitchFamily="18" charset="-127"/>
-              </a:rPr>
-              <a:t>ES.23</a:t>
-            </a:r>
-            <a:r>
-              <a:rPr lang="ko-KR" altLang="en-US" sz="2000" dirty="0">
-                <a:ln>
-                  <a:solidFill>
-                    <a:schemeClr val="tx1">
-                      <a:alpha val="30000"/>
-                    </a:schemeClr>
-                  </a:solidFill>
-                </a:ln>
-                <a:latin typeface="HY견고딕" pitchFamily="18" charset="-127"/>
-                <a:ea typeface="HY견고딕" pitchFamily="18" charset="-127"/>
-              </a:rPr>
-              <a:t> </a:t>
-            </a:r>
-            <a:r>
-              <a:rPr lang="en-US" altLang="ko-KR" sz="2000" dirty="0" smtClean="0">
-                <a:ln>
-                  <a:solidFill>
-                    <a:schemeClr val="tx1">
-                      <a:alpha val="30000"/>
-                    </a:schemeClr>
-                  </a:solidFill>
-                </a:ln>
-                <a:latin typeface="HY견고딕" pitchFamily="18" charset="-127"/>
-                <a:ea typeface="HY견고딕" pitchFamily="18" charset="-127"/>
-              </a:rPr>
-              <a:t>{} </a:t>
-            </a:r>
-            <a:r>
-              <a:rPr lang="ko-KR" altLang="en-US" sz="2000" dirty="0" smtClean="0">
-                <a:ln>
-                  <a:solidFill>
-                    <a:schemeClr val="tx1">
-                      <a:alpha val="30000"/>
-                    </a:schemeClr>
-                  </a:solidFill>
-                </a:ln>
-                <a:latin typeface="HY견고딕" pitchFamily="18" charset="-127"/>
-                <a:ea typeface="HY견고딕" pitchFamily="18" charset="-127"/>
-              </a:rPr>
-              <a:t>초기화 구문을 선호하라</a:t>
-            </a:r>
-            <a:endParaRPr lang="en-US" altLang="ko-KR" sz="2000" dirty="0" smtClean="0">
-              <a:ln>
-                <a:solidFill>
-                  <a:schemeClr val="tx1">
-                    <a:alpha val="30000"/>
-                  </a:schemeClr>
-                </a:solidFill>
-              </a:ln>
-              <a:latin typeface="HY견고딕" pitchFamily="18" charset="-127"/>
-              <a:ea typeface="HY견고딕" pitchFamily="18" charset="-127"/>
-            </a:endParaRPr>
-          </a:p>
-        </p:txBody>
-      </p:sp>
-      <p:sp>
-        <p:nvSpPr>
-          <p:cNvPr id="7" name="TextBox 6"/>
-          <p:cNvSpPr txBox="1"/>
-          <p:nvPr/>
-        </p:nvSpPr>
-        <p:spPr>
-          <a:xfrm>
-            <a:off x="529672" y="1196752"/>
-            <a:ext cx="8676456" cy="1646605"/>
-          </a:xfrm>
-          <a:prstGeom prst="rect">
-            <a:avLst/>
-          </a:prstGeom>
-          <a:noFill/>
-        </p:spPr>
-        <p:txBody>
-          <a:bodyPr wrap="square" rtlCol="0">
-            <a:spAutoFit/>
-          </a:bodyPr>
-          <a:lstStyle/>
-          <a:p>
-            <a:pPr marL="457200" indent="-457200">
-              <a:buFontTx/>
-              <a:buChar char="-"/>
-            </a:pPr>
-            <a:r>
-              <a:rPr lang="ko-KR" altLang="en-US" sz="1400" dirty="0" smtClean="0">
-                <a:ln>
-                  <a:solidFill>
-                    <a:schemeClr val="tx1">
-                      <a:alpha val="30000"/>
-                    </a:schemeClr>
-                  </a:solidFill>
-                </a:ln>
-                <a:latin typeface="HY견고딕" pitchFamily="18" charset="-127"/>
-                <a:ea typeface="HY견고딕" pitchFamily="18" charset="-127"/>
-              </a:rPr>
-              <a:t>항상 적용할 수 있다</a:t>
-            </a:r>
-            <a:endParaRPr lang="en-US" altLang="ko-KR" sz="1400" dirty="0">
-              <a:ln>
-                <a:solidFill>
-                  <a:schemeClr val="tx1">
-                    <a:alpha val="30000"/>
-                  </a:schemeClr>
-                </a:solidFill>
-              </a:ln>
-              <a:latin typeface="HY견고딕" pitchFamily="18" charset="-127"/>
-              <a:ea typeface="HY견고딕" pitchFamily="18" charset="-127"/>
-            </a:endParaRPr>
-          </a:p>
-          <a:p>
-            <a:pPr marL="914400" lvl="1" indent="-457200">
-              <a:buFontTx/>
-              <a:buChar char="-"/>
-            </a:pPr>
-            <a:r>
-              <a:rPr lang="en-US" altLang="ko-KR" sz="1100" b="1" dirty="0">
-                <a:ln>
-                  <a:solidFill>
-                    <a:schemeClr val="tx1">
-                      <a:alpha val="30000"/>
-                    </a:schemeClr>
-                  </a:solidFill>
-                </a:ln>
-                <a:latin typeface="HY신명조" pitchFamily="18" charset="-127"/>
-                <a:ea typeface="HY신명조" pitchFamily="18" charset="-127"/>
-              </a:rPr>
-              <a:t>a</a:t>
-            </a:r>
-            <a:r>
-              <a:rPr lang="en-US" altLang="ko-KR" sz="1100" b="1" dirty="0" smtClean="0">
-                <a:ln>
-                  <a:solidFill>
-                    <a:schemeClr val="tx1">
-                      <a:alpha val="30000"/>
-                    </a:schemeClr>
-                  </a:solidFill>
-                </a:ln>
-                <a:latin typeface="HY신명조" pitchFamily="18" charset="-127"/>
-                <a:ea typeface="HY신명조" pitchFamily="18" charset="-127"/>
-              </a:rPr>
-              <a:t>uto </a:t>
-            </a:r>
-            <a:r>
-              <a:rPr lang="ko-KR" altLang="en-US" sz="1100" b="1" dirty="0" smtClean="0">
-                <a:ln>
-                  <a:solidFill>
-                    <a:schemeClr val="tx1">
-                      <a:alpha val="30000"/>
-                    </a:schemeClr>
-                  </a:solidFill>
-                </a:ln>
-                <a:latin typeface="HY신명조" pitchFamily="18" charset="-127"/>
-                <a:ea typeface="HY신명조" pitchFamily="18" charset="-127"/>
-              </a:rPr>
-              <a:t>키워드를 사용시 예측이 불가능한 경우를 제외하고 항상 적용할 수 있다</a:t>
-            </a:r>
-            <a:r>
-              <a:rPr lang="en-US" altLang="ko-KR" sz="1100" b="1" dirty="0" smtClean="0">
-                <a:ln>
-                  <a:solidFill>
-                    <a:schemeClr val="tx1">
-                      <a:alpha val="30000"/>
-                    </a:schemeClr>
-                  </a:solidFill>
-                </a:ln>
-                <a:latin typeface="HY신명조" pitchFamily="18" charset="-127"/>
-                <a:ea typeface="HY신명조" pitchFamily="18" charset="-127"/>
-              </a:rPr>
-              <a:t>.</a:t>
-            </a:r>
-            <a:endParaRPr lang="ko-KR" altLang="en-US" sz="1100" b="1" dirty="0">
-              <a:ln>
-                <a:solidFill>
-                  <a:schemeClr val="tx1">
-                    <a:alpha val="30000"/>
-                  </a:schemeClr>
-                </a:solidFill>
-              </a:ln>
-              <a:latin typeface="HY신명조" pitchFamily="18" charset="-127"/>
-              <a:ea typeface="HY신명조" pitchFamily="18" charset="-127"/>
-            </a:endParaRPr>
-          </a:p>
-          <a:p>
-            <a:pPr marL="457200" indent="-457200">
-              <a:buFontTx/>
-              <a:buChar char="-"/>
-            </a:pPr>
-            <a:endParaRPr lang="en-US" altLang="ko-KR" sz="1400" dirty="0" smtClean="0">
-              <a:ln>
-                <a:solidFill>
-                  <a:schemeClr val="tx1">
-                    <a:alpha val="30000"/>
-                  </a:schemeClr>
-                </a:solidFill>
-              </a:ln>
-              <a:latin typeface="HY견고딕" pitchFamily="18" charset="-127"/>
-              <a:ea typeface="HY견고딕" pitchFamily="18" charset="-127"/>
-            </a:endParaRPr>
-          </a:p>
-          <a:p>
-            <a:pPr marL="457200" indent="-457200">
-              <a:buFontTx/>
-              <a:buChar char="-"/>
-            </a:pPr>
-            <a:r>
-              <a:rPr lang="ko-KR" altLang="en-US" sz="1400" dirty="0" smtClean="0">
-                <a:ln>
-                  <a:solidFill>
-                    <a:schemeClr val="tx1">
-                      <a:alpha val="30000"/>
-                    </a:schemeClr>
-                  </a:solidFill>
-                </a:ln>
-                <a:latin typeface="HY견고딕" pitchFamily="18" charset="-127"/>
-                <a:ea typeface="HY견고딕" pitchFamily="18" charset="-127"/>
-              </a:rPr>
-              <a:t>가장 당황스러운 구문 해석의 문제가 없다</a:t>
-            </a:r>
-            <a:r>
-              <a:rPr lang="en-US" altLang="ko-KR" sz="1400" dirty="0">
-                <a:ln>
-                  <a:solidFill>
-                    <a:schemeClr val="tx1">
-                      <a:alpha val="30000"/>
-                    </a:schemeClr>
-                  </a:solidFill>
-                </a:ln>
-                <a:latin typeface="HY견고딕" pitchFamily="18" charset="-127"/>
-                <a:ea typeface="HY견고딕" pitchFamily="18" charset="-127"/>
-              </a:rPr>
-              <a:t>.</a:t>
-            </a:r>
-          </a:p>
-          <a:p>
-            <a:pPr marL="914400" lvl="1" indent="-457200">
-              <a:buFontTx/>
-              <a:buChar char="-"/>
-            </a:pPr>
-            <a:r>
-              <a:rPr lang="ko-KR" altLang="en-US" sz="1100" dirty="0" smtClean="0">
-                <a:ln>
-                  <a:solidFill>
-                    <a:schemeClr val="tx1">
-                      <a:alpha val="30000"/>
-                    </a:schemeClr>
-                  </a:solidFill>
-                </a:ln>
-                <a:latin typeface="HY신명조" panose="02030600000101010101" pitchFamily="18" charset="-127"/>
-                <a:ea typeface="HY신명조" panose="02030600000101010101" pitchFamily="18" charset="-127"/>
-              </a:rPr>
-              <a:t>아래 코드의 </a:t>
-            </a:r>
-            <a:r>
-              <a:rPr lang="en-US" altLang="ko-KR" sz="1100" dirty="0" smtClean="0">
-                <a:ln>
-                  <a:solidFill>
-                    <a:schemeClr val="tx1">
-                      <a:alpha val="30000"/>
-                    </a:schemeClr>
-                  </a:solidFill>
-                </a:ln>
-                <a:latin typeface="HY신명조" panose="02030600000101010101" pitchFamily="18" charset="-127"/>
-                <a:ea typeface="HY신명조" panose="02030600000101010101" pitchFamily="18" charset="-127"/>
-              </a:rPr>
-              <a:t>Test b();</a:t>
-            </a:r>
-            <a:r>
-              <a:rPr lang="ko-KR" altLang="en-US" sz="1100" dirty="0" smtClean="0">
-                <a:ln>
-                  <a:solidFill>
-                    <a:schemeClr val="tx1">
-                      <a:alpha val="30000"/>
-                    </a:schemeClr>
-                  </a:solidFill>
-                </a:ln>
-                <a:latin typeface="HY신명조" panose="02030600000101010101" pitchFamily="18" charset="-127"/>
-                <a:ea typeface="HY신명조" panose="02030600000101010101" pitchFamily="18" charset="-127"/>
-              </a:rPr>
-              <a:t>는 변수 선언이 아니라 함수로 인식해 </a:t>
-            </a:r>
-            <a:r>
-              <a:rPr lang="en-US" altLang="ko-KR" sz="1100" dirty="0" smtClean="0">
-                <a:ln>
-                  <a:solidFill>
-                    <a:schemeClr val="tx1">
-                      <a:alpha val="30000"/>
-                    </a:schemeClr>
-                  </a:solidFill>
-                </a:ln>
-                <a:latin typeface="HY신명조" panose="02030600000101010101" pitchFamily="18" charset="-127"/>
-                <a:ea typeface="HY신명조" panose="02030600000101010101" pitchFamily="18" charset="-127"/>
-              </a:rPr>
-              <a:t>b</a:t>
-            </a:r>
-            <a:r>
-              <a:rPr lang="ko-KR" altLang="en-US" sz="1100" dirty="0" smtClean="0">
-                <a:ln>
-                  <a:solidFill>
-                    <a:schemeClr val="tx1">
-                      <a:alpha val="30000"/>
-                    </a:schemeClr>
-                  </a:solidFill>
-                </a:ln>
-                <a:latin typeface="HY신명조" panose="02030600000101010101" pitchFamily="18" charset="-127"/>
-                <a:ea typeface="HY신명조" panose="02030600000101010101" pitchFamily="18" charset="-127"/>
-              </a:rPr>
-              <a:t>객체를 사용할 수 없다</a:t>
-            </a:r>
-            <a:r>
-              <a:rPr lang="en-US" altLang="ko-KR" sz="1100" dirty="0" smtClean="0">
-                <a:ln>
-                  <a:solidFill>
-                    <a:schemeClr val="tx1">
-                      <a:alpha val="30000"/>
-                    </a:schemeClr>
-                  </a:solidFill>
-                </a:ln>
-                <a:latin typeface="HY신명조" panose="02030600000101010101" pitchFamily="18" charset="-127"/>
-                <a:ea typeface="HY신명조" panose="02030600000101010101" pitchFamily="18" charset="-127"/>
-              </a:rPr>
-              <a:t>.</a:t>
-            </a:r>
-          </a:p>
-          <a:p>
-            <a:pPr marL="914400" lvl="1" indent="-457200">
-              <a:buFontTx/>
-              <a:buChar char="-"/>
-            </a:pPr>
-            <a:endParaRPr lang="en-US" altLang="ko-KR" sz="1400" dirty="0" smtClean="0">
-              <a:ln>
-                <a:solidFill>
-                  <a:schemeClr val="tx1">
-                    <a:alpha val="30000"/>
-                  </a:schemeClr>
-                </a:solidFill>
-              </a:ln>
-              <a:latin typeface="HY견고딕" pitchFamily="18" charset="-127"/>
-              <a:ea typeface="HY견고딕" pitchFamily="18" charset="-127"/>
-            </a:endParaRPr>
-          </a:p>
-          <a:p>
-            <a:pPr marL="457200" indent="-457200">
-              <a:buFontTx/>
-              <a:buChar char="-"/>
-            </a:pPr>
-            <a:endParaRPr lang="en-US" altLang="ko-KR" sz="2000" dirty="0" smtClean="0">
-              <a:ln>
-                <a:solidFill>
-                  <a:schemeClr val="tx1">
-                    <a:alpha val="30000"/>
-                  </a:schemeClr>
-                </a:solidFill>
-              </a:ln>
-              <a:latin typeface="HY견고딕" pitchFamily="18" charset="-127"/>
-              <a:ea typeface="HY견고딕" pitchFamily="18" charset="-127"/>
-            </a:endParaRPr>
-          </a:p>
-        </p:txBody>
-      </p:sp>
-      <p:pic>
-        <p:nvPicPr>
-          <p:cNvPr id="1026" name="Picture 2"/>
-          <p:cNvPicPr>
-            <a:picLocks noChangeAspect="1" noChangeArrowheads="1"/>
-          </p:cNvPicPr>
-          <p:nvPr/>
-        </p:nvPicPr>
-        <p:blipFill>
-          <a:blip r:embed="rId2">
-            <a:extLst>
-              <a:ext uri="{28A0092B-C50C-407E-A947-70E740481C1C}">
-                <a14:useLocalDpi xmlns:a14="http://schemas.microsoft.com/office/drawing/2010/main" val="0"/>
-              </a:ext>
-            </a:extLst>
-          </a:blip>
-          <a:srcRect/>
-          <a:stretch>
-            <a:fillRect/>
-          </a:stretch>
-        </p:blipFill>
-        <p:spPr bwMode="auto">
-          <a:xfrm>
-            <a:off x="2803652" y="2420888"/>
-            <a:ext cx="3860223" cy="4114800"/>
-          </a:xfrm>
-          <a:prstGeom prst="rect">
-            <a:avLst/>
-          </a:prstGeom>
-          <a:noFill/>
-          <a:ln>
-            <a:noFill/>
-          </a:ln>
-          <a:extLst>
-            <a:ext uri="{909E8E84-426E-40DD-AFC4-6F175D3DCCD1}">
-              <a14:hiddenFill xmlns:a14="http://schemas.microsoft.com/office/drawing/2010/main">
-                <a:solidFill>
-                  <a:schemeClr val="accent1"/>
-                </a:solidFill>
-              </a14:hiddenFill>
-            </a:ext>
-            <a:ext uri="{91240B29-F687-4F45-9708-019B960494DF}">
-              <a14:hiddenLine xmlns:a14="http://schemas.microsoft.com/office/drawing/2010/main" w="9525">
-                <a:solidFill>
-                  <a:schemeClr val="tx1"/>
-                </a:solidFill>
-                <a:miter lim="800000"/>
-                <a:headEnd/>
-                <a:tailEnd/>
-              </a14:hiddenLine>
-            </a:ext>
-          </a:extLst>
-        </p:spPr>
-      </p:pic>
-    </p:spTree>
-    <p:extLst>
-      <p:ext uri="{BB962C8B-B14F-4D97-AF65-F5344CB8AC3E}">
-        <p14:creationId xmlns:p14="http://schemas.microsoft.com/office/powerpoint/2010/main" val="2883966072"/>
-      </p:ext>
-    </p:extLst>
-  </p:cSld>
-  <p:clrMapOvr>
-    <a:masterClrMapping/>
-  </p:clrMapOvr>
-  <mc:AlternateContent xmlns:mc="http://schemas.openxmlformats.org/markup-compatibility/2006" xmlns:p14="http://schemas.microsoft.com/office/powerpoint/2010/main">
-    <mc:Choice Requires="p14">
-      <p:transition spd="med" p14:dur="700">
-        <p:fade/>
-      </p:transition>
-    </mc:Choice>
-    <mc:Fallback xmlns="">
-      <p:transition spd="med">
-        <p:fade/>
-      </p:transition>
-    </mc:Fallback>
-  </mc:AlternateContent>
-  <p:timing>
-    <p:tnLst>
-      <p:par>
-        <p:cTn id="1" dur="indefinite" restart="never" nodeType="tmRoot"/>
-      </p:par>
-    </p:tnLst>
-  </p:timing>
-</p:sld>
-</file>
-
-<file path=ppt/slides/slide11.xml><?xml version="1.0" encoding="utf-8"?>
-<p:sld xmlns:a="http://schemas.openxmlformats.org/drawingml/2006/main" xmlns:r="http://schemas.openxmlformats.org/officeDocument/2006/relationships" xmlns:p="http://schemas.openxmlformats.org/presentationml/2006/main">
-  <p:cSld>
-    <p:spTree>
-      <p:nvGrpSpPr>
-        <p:cNvPr id="1" name=""/>
-        <p:cNvGrpSpPr/>
-        <p:nvPr/>
-      </p:nvGrpSpPr>
-      <p:grpSpPr>
-        <a:xfrm>
-          <a:off x="0" y="0"/>
-          <a:ext cx="0" cy="0"/>
-          <a:chOff x="0" y="0"/>
-          <a:chExt cx="0" cy="0"/>
-        </a:xfrm>
-      </p:grpSpPr>
-      <p:cxnSp>
-        <p:nvCxnSpPr>
-          <p:cNvPr id="5" name="직선 연결선 4"/>
-          <p:cNvCxnSpPr/>
-          <p:nvPr/>
-        </p:nvCxnSpPr>
-        <p:spPr>
-          <a:xfrm flipH="1">
-            <a:off x="-252536" y="548680"/>
-            <a:ext cx="10240872" cy="0"/>
-          </a:xfrm>
-          <a:prstGeom prst="line">
-            <a:avLst/>
-          </a:prstGeom>
-          <a:ln>
-            <a:solidFill>
-              <a:schemeClr val="bg1">
-                <a:lumMod val="65000"/>
-                <a:alpha val="50000"/>
-              </a:schemeClr>
-            </a:solidFill>
-          </a:ln>
-        </p:spPr>
-        <p:style>
-          <a:lnRef idx="1">
-            <a:schemeClr val="accent1"/>
-          </a:lnRef>
-          <a:fillRef idx="0">
-            <a:schemeClr val="accent1"/>
-          </a:fillRef>
-          <a:effectRef idx="0">
-            <a:schemeClr val="accent1"/>
-          </a:effectRef>
-          <a:fontRef idx="minor">
-            <a:schemeClr val="tx1"/>
-          </a:fontRef>
-        </p:style>
-      </p:cxnSp>
-      <p:sp>
-        <p:nvSpPr>
-          <p:cNvPr id="21" name="TextBox 20"/>
-          <p:cNvSpPr txBox="1"/>
-          <p:nvPr/>
-        </p:nvSpPr>
-        <p:spPr>
-          <a:xfrm>
-            <a:off x="236725" y="56518"/>
-            <a:ext cx="1959011" cy="400110"/>
-          </a:xfrm>
-          <a:prstGeom prst="rect">
-            <a:avLst/>
-          </a:prstGeom>
-          <a:noFill/>
-        </p:spPr>
-        <p:txBody>
-          <a:bodyPr wrap="square" rtlCol="0">
-            <a:spAutoFit/>
-          </a:bodyPr>
-          <a:lstStyle/>
-          <a:p>
-            <a:pPr algn="ctr"/>
-            <a:r>
-              <a:rPr lang="ko-KR" altLang="en-US" sz="2000" b="1" dirty="0" err="1" smtClean="0">
-                <a:ln>
-                  <a:solidFill>
-                    <a:schemeClr val="tx1">
-                      <a:alpha val="30000"/>
-                    </a:schemeClr>
-                  </a:solidFill>
-                </a:ln>
-                <a:solidFill>
-                  <a:srgbClr val="272123"/>
-                </a:solidFill>
-                <a:latin typeface="HY강B" pitchFamily="18" charset="-127"/>
-                <a:ea typeface="HY강B" pitchFamily="18" charset="-127"/>
-              </a:rPr>
-              <a:t>표현식과</a:t>
-            </a:r>
-            <a:r>
-              <a:rPr lang="ko-KR" altLang="en-US" sz="2000" b="1" dirty="0" smtClean="0">
-                <a:ln>
-                  <a:solidFill>
-                    <a:schemeClr val="tx1">
-                      <a:alpha val="30000"/>
-                    </a:schemeClr>
-                  </a:solidFill>
-                </a:ln>
-                <a:solidFill>
-                  <a:srgbClr val="272123"/>
-                </a:solidFill>
-                <a:latin typeface="HY강B" pitchFamily="18" charset="-127"/>
-                <a:ea typeface="HY강B" pitchFamily="18" charset="-127"/>
-              </a:rPr>
-              <a:t> 문장</a:t>
-            </a:r>
-            <a:endParaRPr lang="en-US" altLang="ko-KR" sz="2000" b="1" dirty="0" smtClean="0">
-              <a:ln>
-                <a:solidFill>
-                  <a:schemeClr val="tx1">
-                    <a:alpha val="30000"/>
-                  </a:schemeClr>
-                </a:solidFill>
-              </a:ln>
-              <a:solidFill>
-                <a:srgbClr val="272123"/>
-              </a:solidFill>
-              <a:latin typeface="HY강B" pitchFamily="18" charset="-127"/>
-              <a:ea typeface="HY강B" pitchFamily="18" charset="-127"/>
-            </a:endParaRPr>
-          </a:p>
-        </p:txBody>
-      </p:sp>
-      <p:cxnSp>
-        <p:nvCxnSpPr>
-          <p:cNvPr id="4" name="직선 연결선 3"/>
-          <p:cNvCxnSpPr/>
-          <p:nvPr/>
-        </p:nvCxnSpPr>
-        <p:spPr>
-          <a:xfrm flipH="1">
-            <a:off x="-252536" y="548680"/>
-            <a:ext cx="10240872" cy="0"/>
-          </a:xfrm>
-          <a:prstGeom prst="line">
-            <a:avLst/>
-          </a:prstGeom>
-          <a:ln>
-            <a:solidFill>
-              <a:schemeClr val="bg1">
-                <a:lumMod val="65000"/>
-                <a:alpha val="50000"/>
-              </a:schemeClr>
-            </a:solidFill>
-          </a:ln>
-        </p:spPr>
-        <p:style>
-          <a:lnRef idx="1">
-            <a:schemeClr val="accent1"/>
-          </a:lnRef>
-          <a:fillRef idx="0">
-            <a:schemeClr val="accent1"/>
-          </a:fillRef>
-          <a:effectRef idx="0">
-            <a:schemeClr val="accent1"/>
-          </a:effectRef>
-          <a:fontRef idx="minor">
-            <a:schemeClr val="tx1"/>
-          </a:fontRef>
-        </p:style>
-      </p:cxnSp>
-      <p:sp>
-        <p:nvSpPr>
-          <p:cNvPr id="6" name="TextBox 5"/>
-          <p:cNvSpPr txBox="1"/>
-          <p:nvPr/>
-        </p:nvSpPr>
-        <p:spPr>
-          <a:xfrm>
-            <a:off x="395536" y="654948"/>
-            <a:ext cx="8676456" cy="400110"/>
-          </a:xfrm>
-          <a:prstGeom prst="rect">
-            <a:avLst/>
-          </a:prstGeom>
-          <a:noFill/>
-        </p:spPr>
-        <p:txBody>
-          <a:bodyPr wrap="square" rtlCol="0">
-            <a:spAutoFit/>
-          </a:bodyPr>
-          <a:lstStyle/>
-          <a:p>
-            <a:pPr marL="285750" indent="-285750">
-              <a:buFont typeface="Arial" pitchFamily="34" charset="0"/>
-              <a:buChar char="•"/>
-            </a:pPr>
-            <a:r>
-              <a:rPr lang="en-US" altLang="ko-KR" sz="2000" dirty="0" smtClean="0">
-                <a:ln>
-                  <a:solidFill>
-                    <a:schemeClr val="tx1">
-                      <a:alpha val="30000"/>
-                    </a:schemeClr>
-                  </a:solidFill>
-                </a:ln>
-                <a:latin typeface="HY견고딕" pitchFamily="18" charset="-127"/>
-                <a:ea typeface="HY견고딕" pitchFamily="18" charset="-127"/>
-              </a:rPr>
-              <a:t>ES.23</a:t>
-            </a:r>
-            <a:r>
-              <a:rPr lang="ko-KR" altLang="en-US" sz="2000" dirty="0">
-                <a:ln>
-                  <a:solidFill>
-                    <a:schemeClr val="tx1">
-                      <a:alpha val="30000"/>
-                    </a:schemeClr>
-                  </a:solidFill>
-                </a:ln>
-                <a:latin typeface="HY견고딕" pitchFamily="18" charset="-127"/>
-                <a:ea typeface="HY견고딕" pitchFamily="18" charset="-127"/>
-              </a:rPr>
-              <a:t> </a:t>
-            </a:r>
-            <a:r>
-              <a:rPr lang="en-US" altLang="ko-KR" sz="2000" dirty="0" smtClean="0">
-                <a:ln>
-                  <a:solidFill>
-                    <a:schemeClr val="tx1">
-                      <a:alpha val="30000"/>
-                    </a:schemeClr>
-                  </a:solidFill>
-                </a:ln>
-                <a:latin typeface="HY견고딕" pitchFamily="18" charset="-127"/>
-                <a:ea typeface="HY견고딕" pitchFamily="18" charset="-127"/>
-              </a:rPr>
-              <a:t>{} </a:t>
-            </a:r>
-            <a:r>
-              <a:rPr lang="ko-KR" altLang="en-US" sz="2000" dirty="0" smtClean="0">
-                <a:ln>
-                  <a:solidFill>
-                    <a:schemeClr val="tx1">
-                      <a:alpha val="30000"/>
-                    </a:schemeClr>
-                  </a:solidFill>
-                </a:ln>
-                <a:latin typeface="HY견고딕" pitchFamily="18" charset="-127"/>
-                <a:ea typeface="HY견고딕" pitchFamily="18" charset="-127"/>
-              </a:rPr>
-              <a:t>초기화 구문을 선호하라</a:t>
-            </a:r>
-            <a:endParaRPr lang="en-US" altLang="ko-KR" sz="2000" dirty="0" smtClean="0">
-              <a:ln>
-                <a:solidFill>
-                  <a:schemeClr val="tx1">
-                    <a:alpha val="30000"/>
-                  </a:schemeClr>
-                </a:solidFill>
-              </a:ln>
-              <a:latin typeface="HY견고딕" pitchFamily="18" charset="-127"/>
-              <a:ea typeface="HY견고딕" pitchFamily="18" charset="-127"/>
-            </a:endParaRPr>
-          </a:p>
-        </p:txBody>
-      </p:sp>
-      <p:sp>
-        <p:nvSpPr>
-          <p:cNvPr id="7" name="TextBox 6"/>
-          <p:cNvSpPr txBox="1"/>
-          <p:nvPr/>
-        </p:nvSpPr>
-        <p:spPr>
-          <a:xfrm>
-            <a:off x="529672" y="1196752"/>
-            <a:ext cx="8676456" cy="3539430"/>
-          </a:xfrm>
-          <a:prstGeom prst="rect">
-            <a:avLst/>
-          </a:prstGeom>
-          <a:noFill/>
-        </p:spPr>
-        <p:txBody>
-          <a:bodyPr wrap="square" rtlCol="0">
-            <a:spAutoFit/>
-          </a:bodyPr>
-          <a:lstStyle/>
-          <a:p>
-            <a:pPr marL="457200" indent="-457200">
-              <a:buFontTx/>
-              <a:buChar char="-"/>
-            </a:pPr>
-            <a:r>
-              <a:rPr lang="ko-KR" altLang="en-US" sz="1400" dirty="0" smtClean="0">
-                <a:ln>
-                  <a:solidFill>
-                    <a:schemeClr val="tx1">
-                      <a:alpha val="30000"/>
-                    </a:schemeClr>
-                  </a:solidFill>
-                </a:ln>
-                <a:latin typeface="HY견고딕" pitchFamily="18" charset="-127"/>
-                <a:ea typeface="HY견고딕" pitchFamily="18" charset="-127"/>
-              </a:rPr>
-              <a:t>좁아지는 변환이 일어나지 않는다</a:t>
-            </a:r>
-            <a:r>
-              <a:rPr lang="en-US" altLang="ko-KR" sz="1400" dirty="0" smtClean="0">
-                <a:ln>
-                  <a:solidFill>
-                    <a:schemeClr val="tx1">
-                      <a:alpha val="30000"/>
-                    </a:schemeClr>
-                  </a:solidFill>
-                </a:ln>
-                <a:latin typeface="HY견고딕" pitchFamily="18" charset="-127"/>
-                <a:ea typeface="HY견고딕" pitchFamily="18" charset="-127"/>
-              </a:rPr>
-              <a:t>.</a:t>
-            </a:r>
-          </a:p>
-          <a:p>
-            <a:pPr marL="914400" lvl="1" indent="-457200">
-              <a:buFontTx/>
-              <a:buChar char="-"/>
-            </a:pPr>
-            <a:r>
-              <a:rPr lang="en-US" altLang="ko-KR" sz="1100" b="1" dirty="0" smtClean="0">
-                <a:ln>
-                  <a:solidFill>
-                    <a:schemeClr val="tx1">
-                      <a:alpha val="30000"/>
-                    </a:schemeClr>
-                  </a:solidFill>
-                </a:ln>
-                <a:latin typeface="HY신명조" pitchFamily="18" charset="-127"/>
-                <a:ea typeface="HY신명조" pitchFamily="18" charset="-127"/>
-              </a:rPr>
-              <a:t>char </a:t>
-            </a:r>
-            <a:r>
-              <a:rPr lang="ko-KR" altLang="en-US" sz="1100" b="1" dirty="0" err="1" smtClean="0">
-                <a:ln>
-                  <a:solidFill>
-                    <a:schemeClr val="tx1">
-                      <a:alpha val="30000"/>
-                    </a:schemeClr>
-                  </a:solidFill>
-                </a:ln>
-                <a:latin typeface="HY신명조" pitchFamily="18" charset="-127"/>
-                <a:ea typeface="HY신명조" pitchFamily="18" charset="-127"/>
-              </a:rPr>
-              <a:t>자료형은</a:t>
-            </a:r>
-            <a:r>
-              <a:rPr lang="ko-KR" altLang="en-US" sz="1100" b="1" dirty="0" smtClean="0">
-                <a:ln>
-                  <a:solidFill>
-                    <a:schemeClr val="tx1">
-                      <a:alpha val="30000"/>
-                    </a:schemeClr>
-                  </a:solidFill>
-                </a:ln>
-                <a:latin typeface="HY신명조" pitchFamily="18" charset="-127"/>
-                <a:ea typeface="HY신명조" pitchFamily="18" charset="-127"/>
-              </a:rPr>
-              <a:t> </a:t>
-            </a:r>
-            <a:r>
-              <a:rPr lang="en-US" altLang="ko-KR" sz="1100" b="1" dirty="0" smtClean="0">
-                <a:ln>
-                  <a:solidFill>
-                    <a:schemeClr val="tx1">
-                      <a:alpha val="30000"/>
-                    </a:schemeClr>
-                  </a:solidFill>
-                </a:ln>
-                <a:latin typeface="HY신명조" pitchFamily="18" charset="-127"/>
-                <a:ea typeface="HY신명조" pitchFamily="18" charset="-127"/>
-              </a:rPr>
-              <a:t>-128 ~ 127</a:t>
-            </a:r>
-            <a:r>
-              <a:rPr lang="ko-KR" altLang="en-US" sz="1100" b="1" dirty="0" smtClean="0">
-                <a:ln>
-                  <a:solidFill>
-                    <a:schemeClr val="tx1">
-                      <a:alpha val="30000"/>
-                    </a:schemeClr>
-                  </a:solidFill>
-                </a:ln>
-                <a:latin typeface="HY신명조" pitchFamily="18" charset="-127"/>
-                <a:ea typeface="HY신명조" pitchFamily="18" charset="-127"/>
-              </a:rPr>
-              <a:t>까지 저장 가능 하므로 범위를 벗어나는 정보를 저장할 경우 </a:t>
-            </a:r>
-            <a:r>
-              <a:rPr lang="ko-KR" altLang="en-US" sz="1100" b="1" dirty="0" err="1" smtClean="0">
-                <a:ln>
-                  <a:solidFill>
-                    <a:schemeClr val="tx1">
-                      <a:alpha val="30000"/>
-                    </a:schemeClr>
-                  </a:solidFill>
-                </a:ln>
-                <a:latin typeface="HY신명조" pitchFamily="18" charset="-127"/>
-                <a:ea typeface="HY신명조" pitchFamily="18" charset="-127"/>
-              </a:rPr>
-              <a:t>오동작이</a:t>
-            </a:r>
-            <a:r>
-              <a:rPr lang="ko-KR" altLang="en-US" sz="1100" b="1" dirty="0" smtClean="0">
-                <a:ln>
-                  <a:solidFill>
-                    <a:schemeClr val="tx1">
-                      <a:alpha val="30000"/>
-                    </a:schemeClr>
-                  </a:solidFill>
-                </a:ln>
-                <a:latin typeface="HY신명조" pitchFamily="18" charset="-127"/>
-                <a:ea typeface="HY신명조" pitchFamily="18" charset="-127"/>
-              </a:rPr>
-              <a:t> 발생할 수 있다</a:t>
-            </a:r>
-            <a:r>
-              <a:rPr lang="en-US" altLang="ko-KR" sz="1100" b="1" dirty="0" smtClean="0">
-                <a:ln>
-                  <a:solidFill>
-                    <a:schemeClr val="tx1">
-                      <a:alpha val="30000"/>
-                    </a:schemeClr>
-                  </a:solidFill>
-                </a:ln>
-                <a:latin typeface="HY신명조" pitchFamily="18" charset="-127"/>
-                <a:ea typeface="HY신명조" pitchFamily="18" charset="-127"/>
-              </a:rPr>
-              <a:t>.</a:t>
-            </a:r>
-          </a:p>
-          <a:p>
-            <a:pPr marL="914400" lvl="1" indent="-457200">
-              <a:buFontTx/>
-              <a:buChar char="-"/>
-            </a:pPr>
-            <a:endParaRPr lang="en-US" altLang="ko-KR" sz="1100" b="1" dirty="0">
-              <a:ln>
-                <a:solidFill>
-                  <a:schemeClr val="tx1">
-                    <a:alpha val="30000"/>
-                  </a:schemeClr>
-                </a:solidFill>
-              </a:ln>
-              <a:latin typeface="HY신명조" pitchFamily="18" charset="-127"/>
-              <a:ea typeface="HY신명조" pitchFamily="18" charset="-127"/>
-            </a:endParaRPr>
-          </a:p>
-          <a:p>
-            <a:pPr marL="914400" lvl="1" indent="-457200">
-              <a:buFontTx/>
-              <a:buChar char="-"/>
-            </a:pPr>
-            <a:endParaRPr lang="en-US" altLang="ko-KR" sz="1100" b="1" dirty="0" smtClean="0">
-              <a:ln>
-                <a:solidFill>
-                  <a:schemeClr val="tx1">
-                    <a:alpha val="30000"/>
-                  </a:schemeClr>
-                </a:solidFill>
-              </a:ln>
-              <a:latin typeface="HY신명조" pitchFamily="18" charset="-127"/>
-              <a:ea typeface="HY신명조" pitchFamily="18" charset="-127"/>
-            </a:endParaRPr>
-          </a:p>
-          <a:p>
-            <a:pPr marL="914400" lvl="1" indent="-457200">
-              <a:buFontTx/>
-              <a:buChar char="-"/>
-            </a:pPr>
-            <a:endParaRPr lang="en-US" altLang="ko-KR" sz="1100" b="1" dirty="0">
-              <a:ln>
-                <a:solidFill>
-                  <a:schemeClr val="tx1">
-                    <a:alpha val="30000"/>
-                  </a:schemeClr>
-                </a:solidFill>
-              </a:ln>
-              <a:latin typeface="HY신명조" pitchFamily="18" charset="-127"/>
-              <a:ea typeface="HY신명조" pitchFamily="18" charset="-127"/>
-            </a:endParaRPr>
-          </a:p>
-          <a:p>
-            <a:pPr marL="914400" lvl="1" indent="-457200">
-              <a:buFontTx/>
-              <a:buChar char="-"/>
-            </a:pPr>
-            <a:endParaRPr lang="en-US" altLang="ko-KR" sz="1100" b="1" dirty="0" smtClean="0">
-              <a:ln>
-                <a:solidFill>
-                  <a:schemeClr val="tx1">
-                    <a:alpha val="30000"/>
-                  </a:schemeClr>
-                </a:solidFill>
-              </a:ln>
-              <a:latin typeface="HY신명조" pitchFamily="18" charset="-127"/>
-              <a:ea typeface="HY신명조" pitchFamily="18" charset="-127"/>
-            </a:endParaRPr>
-          </a:p>
-          <a:p>
-            <a:pPr marL="914400" lvl="1" indent="-457200">
-              <a:buFontTx/>
-              <a:buChar char="-"/>
-            </a:pPr>
-            <a:endParaRPr lang="en-US" altLang="ko-KR" sz="1100" b="1" dirty="0">
-              <a:ln>
-                <a:solidFill>
-                  <a:schemeClr val="tx1">
-                    <a:alpha val="30000"/>
-                  </a:schemeClr>
-                </a:solidFill>
-              </a:ln>
-              <a:latin typeface="HY신명조" pitchFamily="18" charset="-127"/>
-              <a:ea typeface="HY신명조" pitchFamily="18" charset="-127"/>
-            </a:endParaRPr>
-          </a:p>
-          <a:p>
-            <a:pPr marL="914400" lvl="1" indent="-457200">
-              <a:buFontTx/>
-              <a:buChar char="-"/>
-            </a:pPr>
-            <a:endParaRPr lang="en-US" altLang="ko-KR" sz="1100" b="1" dirty="0" smtClean="0">
-              <a:ln>
-                <a:solidFill>
-                  <a:schemeClr val="tx1">
-                    <a:alpha val="30000"/>
-                  </a:schemeClr>
-                </a:solidFill>
-              </a:ln>
-              <a:latin typeface="HY신명조" pitchFamily="18" charset="-127"/>
-              <a:ea typeface="HY신명조" pitchFamily="18" charset="-127"/>
-            </a:endParaRPr>
-          </a:p>
-          <a:p>
-            <a:pPr marL="914400" lvl="1" indent="-457200">
-              <a:buFontTx/>
-              <a:buChar char="-"/>
-            </a:pPr>
-            <a:endParaRPr lang="en-US" altLang="ko-KR" sz="1100" b="1" dirty="0">
-              <a:ln>
-                <a:solidFill>
-                  <a:schemeClr val="tx1">
-                    <a:alpha val="30000"/>
-                  </a:schemeClr>
-                </a:solidFill>
-              </a:ln>
-              <a:latin typeface="HY신명조" pitchFamily="18" charset="-127"/>
-              <a:ea typeface="HY신명조" pitchFamily="18" charset="-127"/>
-            </a:endParaRPr>
-          </a:p>
-          <a:p>
-            <a:pPr marL="914400" lvl="1" indent="-457200">
-              <a:buFontTx/>
-              <a:buChar char="-"/>
-            </a:pPr>
-            <a:endParaRPr lang="en-US" altLang="ko-KR" sz="1100" b="1" dirty="0" smtClean="0">
-              <a:ln>
-                <a:solidFill>
-                  <a:schemeClr val="tx1">
-                    <a:alpha val="30000"/>
-                  </a:schemeClr>
-                </a:solidFill>
-              </a:ln>
-              <a:latin typeface="HY신명조" pitchFamily="18" charset="-127"/>
-              <a:ea typeface="HY신명조" pitchFamily="18" charset="-127"/>
-            </a:endParaRPr>
-          </a:p>
-          <a:p>
-            <a:pPr marL="914400" lvl="1" indent="-457200">
-              <a:buFontTx/>
-              <a:buChar char="-"/>
-            </a:pPr>
-            <a:endParaRPr lang="en-US" altLang="ko-KR" sz="1100" b="1" dirty="0">
-              <a:ln>
-                <a:solidFill>
-                  <a:schemeClr val="tx1">
-                    <a:alpha val="30000"/>
-                  </a:schemeClr>
-                </a:solidFill>
-              </a:ln>
-              <a:latin typeface="HY신명조" pitchFamily="18" charset="-127"/>
-              <a:ea typeface="HY신명조" pitchFamily="18" charset="-127"/>
-            </a:endParaRPr>
-          </a:p>
-          <a:p>
-            <a:pPr marL="914400" lvl="1" indent="-457200">
-              <a:buFontTx/>
-              <a:buChar char="-"/>
-            </a:pPr>
-            <a:endParaRPr lang="en-US" altLang="ko-KR" sz="1100" b="1" dirty="0" smtClean="0">
-              <a:ln>
-                <a:solidFill>
-                  <a:schemeClr val="tx1">
-                    <a:alpha val="30000"/>
-                  </a:schemeClr>
-                </a:solidFill>
-              </a:ln>
-              <a:latin typeface="HY신명조" pitchFamily="18" charset="-127"/>
-              <a:ea typeface="HY신명조" pitchFamily="18" charset="-127"/>
-            </a:endParaRPr>
-          </a:p>
-          <a:p>
-            <a:pPr marL="914400" lvl="1" indent="-457200">
-              <a:buFontTx/>
-              <a:buChar char="-"/>
-            </a:pPr>
-            <a:endParaRPr lang="en-US" altLang="ko-KR" sz="1100" b="1" dirty="0">
-              <a:ln>
-                <a:solidFill>
-                  <a:schemeClr val="tx1">
-                    <a:alpha val="30000"/>
-                  </a:schemeClr>
-                </a:solidFill>
-              </a:ln>
-              <a:latin typeface="HY신명조" pitchFamily="18" charset="-127"/>
-              <a:ea typeface="HY신명조" pitchFamily="18" charset="-127"/>
-            </a:endParaRPr>
-          </a:p>
-          <a:p>
-            <a:pPr marL="914400" lvl="1" indent="-457200">
-              <a:buFontTx/>
-              <a:buChar char="-"/>
-            </a:pPr>
-            <a:endParaRPr lang="en-US" altLang="ko-KR" sz="1100" b="1" dirty="0" smtClean="0">
-              <a:ln>
-                <a:solidFill>
-                  <a:schemeClr val="tx1">
-                    <a:alpha val="30000"/>
-                  </a:schemeClr>
-                </a:solidFill>
-              </a:ln>
-              <a:latin typeface="HY신명조" pitchFamily="18" charset="-127"/>
-              <a:ea typeface="HY신명조" pitchFamily="18" charset="-127"/>
-            </a:endParaRPr>
-          </a:p>
-          <a:p>
-            <a:pPr marL="914400" lvl="1" indent="-457200">
-              <a:buFontTx/>
-              <a:buChar char="-"/>
-            </a:pPr>
-            <a:endParaRPr lang="en-US" altLang="ko-KR" sz="1100" b="1" dirty="0">
-              <a:ln>
-                <a:solidFill>
-                  <a:schemeClr val="tx1">
-                    <a:alpha val="30000"/>
-                  </a:schemeClr>
-                </a:solidFill>
-              </a:ln>
-              <a:latin typeface="HY신명조" pitchFamily="18" charset="-127"/>
-              <a:ea typeface="HY신명조" pitchFamily="18" charset="-127"/>
-            </a:endParaRPr>
-          </a:p>
-          <a:p>
-            <a:pPr marL="914400" lvl="1" indent="-457200">
-              <a:buFontTx/>
-              <a:buChar char="-"/>
-            </a:pPr>
-            <a:endParaRPr lang="en-US" altLang="ko-KR" sz="1100" b="1" dirty="0" smtClean="0">
-              <a:ln>
-                <a:solidFill>
-                  <a:schemeClr val="tx1">
-                    <a:alpha val="30000"/>
-                  </a:schemeClr>
-                </a:solidFill>
-              </a:ln>
-              <a:latin typeface="HY신명조" pitchFamily="18" charset="-127"/>
-              <a:ea typeface="HY신명조" pitchFamily="18" charset="-127"/>
-            </a:endParaRPr>
-          </a:p>
-          <a:p>
-            <a:pPr marL="914400" lvl="1" indent="-457200">
-              <a:buFontTx/>
-              <a:buChar char="-"/>
-            </a:pPr>
-            <a:r>
-              <a:rPr lang="ko-KR" altLang="en-US" sz="1100" b="1" dirty="0" smtClean="0">
-                <a:ln>
-                  <a:solidFill>
-                    <a:schemeClr val="tx1">
-                      <a:alpha val="30000"/>
-                    </a:schemeClr>
-                  </a:solidFill>
-                </a:ln>
-                <a:latin typeface="HY신명조" pitchFamily="18" charset="-127"/>
-                <a:ea typeface="HY신명조" pitchFamily="18" charset="-127"/>
-              </a:rPr>
-              <a:t>이때 </a:t>
-            </a:r>
-            <a:r>
-              <a:rPr lang="en-US" altLang="ko-KR" sz="1100" b="1" dirty="0" smtClean="0">
-                <a:ln>
-                  <a:solidFill>
-                    <a:schemeClr val="tx1">
-                      <a:alpha val="30000"/>
-                    </a:schemeClr>
-                  </a:solidFill>
-                </a:ln>
-                <a:latin typeface="HY신명조" pitchFamily="18" charset="-127"/>
-                <a:ea typeface="HY신명조" pitchFamily="18" charset="-127"/>
-              </a:rPr>
-              <a:t>{}</a:t>
-            </a:r>
-            <a:r>
-              <a:rPr lang="ko-KR" altLang="en-US" sz="1100" b="1" dirty="0" smtClean="0">
-                <a:ln>
-                  <a:solidFill>
-                    <a:schemeClr val="tx1">
-                      <a:alpha val="30000"/>
-                    </a:schemeClr>
-                  </a:solidFill>
-                </a:ln>
-                <a:latin typeface="HY신명조" pitchFamily="18" charset="-127"/>
-                <a:ea typeface="HY신명조" pitchFamily="18" charset="-127"/>
-              </a:rPr>
-              <a:t>초기화를 하면 위와 같은 축소변환을 감지할 수 있다</a:t>
-            </a:r>
-            <a:r>
-              <a:rPr lang="en-US" altLang="ko-KR" sz="1100" b="1" dirty="0" smtClean="0">
-                <a:ln>
-                  <a:solidFill>
-                    <a:schemeClr val="tx1">
-                      <a:alpha val="30000"/>
-                    </a:schemeClr>
-                  </a:solidFill>
-                </a:ln>
-                <a:latin typeface="HY신명조" pitchFamily="18" charset="-127"/>
-                <a:ea typeface="HY신명조" pitchFamily="18" charset="-127"/>
-              </a:rPr>
-              <a:t>.</a:t>
-            </a:r>
-            <a:endParaRPr lang="ko-KR" altLang="en-US" sz="1100" b="1" dirty="0">
-              <a:ln>
-                <a:solidFill>
-                  <a:schemeClr val="tx1">
-                    <a:alpha val="30000"/>
-                  </a:schemeClr>
-                </a:solidFill>
-              </a:ln>
-              <a:latin typeface="HY신명조" pitchFamily="18" charset="-127"/>
-              <a:ea typeface="HY신명조" pitchFamily="18" charset="-127"/>
-            </a:endParaRPr>
-          </a:p>
-          <a:p>
-            <a:pPr marL="914400" lvl="1" indent="-457200">
-              <a:buFontTx/>
-              <a:buChar char="-"/>
-            </a:pPr>
-            <a:endParaRPr lang="en-US" altLang="ko-KR" sz="1400" dirty="0" smtClean="0">
-              <a:ln>
-                <a:solidFill>
-                  <a:schemeClr val="tx1">
-                    <a:alpha val="30000"/>
-                  </a:schemeClr>
-                </a:solidFill>
-              </a:ln>
-              <a:latin typeface="HY견고딕" pitchFamily="18" charset="-127"/>
-              <a:ea typeface="HY견고딕" pitchFamily="18" charset="-127"/>
-            </a:endParaRPr>
-          </a:p>
-          <a:p>
-            <a:pPr marL="457200" indent="-457200">
-              <a:buFontTx/>
-              <a:buChar char="-"/>
-            </a:pPr>
-            <a:endParaRPr lang="en-US" altLang="ko-KR" sz="2000" dirty="0" smtClean="0">
-              <a:ln>
-                <a:solidFill>
-                  <a:schemeClr val="tx1">
-                    <a:alpha val="30000"/>
-                  </a:schemeClr>
-                </a:solidFill>
-              </a:ln>
-              <a:latin typeface="HY견고딕" pitchFamily="18" charset="-127"/>
-              <a:ea typeface="HY견고딕" pitchFamily="18" charset="-127"/>
-            </a:endParaRPr>
-          </a:p>
-        </p:txBody>
-      </p:sp>
-      <p:pic>
-        <p:nvPicPr>
-          <p:cNvPr id="2050" name="Picture 2"/>
-          <p:cNvPicPr>
-            <a:picLocks noChangeAspect="1" noChangeArrowheads="1"/>
-          </p:cNvPicPr>
-          <p:nvPr/>
-        </p:nvPicPr>
-        <p:blipFill>
-          <a:blip r:embed="rId2">
-            <a:extLst>
-              <a:ext uri="{28A0092B-C50C-407E-A947-70E740481C1C}">
-                <a14:useLocalDpi xmlns:a14="http://schemas.microsoft.com/office/drawing/2010/main" val="0"/>
-              </a:ext>
-            </a:extLst>
-          </a:blip>
-          <a:srcRect/>
-          <a:stretch>
-            <a:fillRect/>
-          </a:stretch>
-        </p:blipFill>
-        <p:spPr bwMode="auto">
-          <a:xfrm>
-            <a:off x="2051720" y="1844824"/>
-            <a:ext cx="4448175" cy="2076450"/>
-          </a:xfrm>
-          <a:prstGeom prst="rect">
-            <a:avLst/>
-          </a:prstGeom>
-          <a:noFill/>
-          <a:ln>
-            <a:noFill/>
-          </a:ln>
-          <a:extLst>
-            <a:ext uri="{909E8E84-426E-40DD-AFC4-6F175D3DCCD1}">
-              <a14:hiddenFill xmlns:a14="http://schemas.microsoft.com/office/drawing/2010/main">
-                <a:solidFill>
-                  <a:schemeClr val="accent1"/>
-                </a:solidFill>
-              </a14:hiddenFill>
-            </a:ext>
-            <a:ext uri="{91240B29-F687-4F45-9708-019B960494DF}">
-              <a14:hiddenLine xmlns:a14="http://schemas.microsoft.com/office/drawing/2010/main" w="9525">
-                <a:solidFill>
-                  <a:schemeClr val="tx1"/>
-                </a:solidFill>
-                <a:miter lim="800000"/>
-                <a:headEnd/>
-                <a:tailEnd/>
-              </a14:hiddenLine>
-            </a:ext>
-          </a:extLst>
-        </p:spPr>
-      </p:pic>
-      <p:pic>
-        <p:nvPicPr>
-          <p:cNvPr id="2051" name="Picture 3"/>
-          <p:cNvPicPr>
-            <a:picLocks noChangeAspect="1" noChangeArrowheads="1"/>
-          </p:cNvPicPr>
-          <p:nvPr/>
-        </p:nvPicPr>
-        <p:blipFill>
-          <a:blip r:embed="rId3">
-            <a:extLst>
-              <a:ext uri="{28A0092B-C50C-407E-A947-70E740481C1C}">
-                <a14:useLocalDpi xmlns:a14="http://schemas.microsoft.com/office/drawing/2010/main" val="0"/>
-              </a:ext>
-            </a:extLst>
-          </a:blip>
-          <a:srcRect/>
-          <a:stretch>
-            <a:fillRect/>
-          </a:stretch>
-        </p:blipFill>
-        <p:spPr bwMode="auto">
-          <a:xfrm>
-            <a:off x="1514721" y="4301473"/>
-            <a:ext cx="3384376" cy="1719815"/>
-          </a:xfrm>
-          <a:prstGeom prst="rect">
-            <a:avLst/>
-          </a:prstGeom>
-          <a:noFill/>
-          <a:ln>
-            <a:noFill/>
-          </a:ln>
-          <a:extLst>
-            <a:ext uri="{909E8E84-426E-40DD-AFC4-6F175D3DCCD1}">
-              <a14:hiddenFill xmlns:a14="http://schemas.microsoft.com/office/drawing/2010/main">
-                <a:solidFill>
-                  <a:schemeClr val="accent1"/>
-                </a:solidFill>
-              </a14:hiddenFill>
-            </a:ext>
-            <a:ext uri="{91240B29-F687-4F45-9708-019B960494DF}">
-              <a14:hiddenLine xmlns:a14="http://schemas.microsoft.com/office/drawing/2010/main" w="9525">
-                <a:solidFill>
-                  <a:schemeClr val="tx1"/>
-                </a:solidFill>
-                <a:miter lim="800000"/>
-                <a:headEnd/>
-                <a:tailEnd/>
-              </a14:hiddenLine>
-            </a:ext>
-          </a:extLst>
-        </p:spPr>
-      </p:pic>
-      <p:pic>
-        <p:nvPicPr>
-          <p:cNvPr id="2052" name="Picture 4"/>
-          <p:cNvPicPr>
-            <a:picLocks noChangeAspect="1" noChangeArrowheads="1"/>
-          </p:cNvPicPr>
-          <p:nvPr/>
-        </p:nvPicPr>
-        <p:blipFill>
-          <a:blip r:embed="rId4">
-            <a:extLst>
-              <a:ext uri="{28A0092B-C50C-407E-A947-70E740481C1C}">
-                <a14:useLocalDpi xmlns:a14="http://schemas.microsoft.com/office/drawing/2010/main" val="0"/>
-              </a:ext>
-            </a:extLst>
-          </a:blip>
-          <a:srcRect/>
-          <a:stretch>
-            <a:fillRect/>
-          </a:stretch>
-        </p:blipFill>
-        <p:spPr bwMode="auto">
-          <a:xfrm>
-            <a:off x="5076056" y="4733505"/>
-            <a:ext cx="3831245" cy="855749"/>
-          </a:xfrm>
-          <a:prstGeom prst="rect">
-            <a:avLst/>
-          </a:prstGeom>
-          <a:noFill/>
-          <a:ln>
-            <a:noFill/>
-          </a:ln>
-          <a:extLst>
-            <a:ext uri="{909E8E84-426E-40DD-AFC4-6F175D3DCCD1}">
-              <a14:hiddenFill xmlns:a14="http://schemas.microsoft.com/office/drawing/2010/main">
-                <a:solidFill>
-                  <a:schemeClr val="accent1"/>
-                </a:solidFill>
-              </a14:hiddenFill>
-            </a:ext>
-            <a:ext uri="{91240B29-F687-4F45-9708-019B960494DF}">
-              <a14:hiddenLine xmlns:a14="http://schemas.microsoft.com/office/drawing/2010/main" w="9525">
-                <a:solidFill>
-                  <a:schemeClr val="tx1"/>
-                </a:solidFill>
-                <a:miter lim="800000"/>
-                <a:headEnd/>
-                <a:tailEnd/>
-              </a14:hiddenLine>
-            </a:ext>
-          </a:extLst>
-        </p:spPr>
-      </p:pic>
-    </p:spTree>
-    <p:extLst>
-      <p:ext uri="{BB962C8B-B14F-4D97-AF65-F5344CB8AC3E}">
-        <p14:creationId xmlns:p14="http://schemas.microsoft.com/office/powerpoint/2010/main" val="2519732295"/>
-      </p:ext>
-    </p:extLst>
-  </p:cSld>
-  <p:clrMapOvr>
-    <a:masterClrMapping/>
-  </p:clrMapOvr>
-  <mc:AlternateContent xmlns:mc="http://schemas.openxmlformats.org/markup-compatibility/2006" xmlns:p14="http://schemas.microsoft.com/office/powerpoint/2010/main">
-    <mc:Choice Requires="p14">
-      <p:transition spd="med" p14:dur="700">
-        <p:fade/>
-      </p:transition>
-    </mc:Choice>
-    <mc:Fallback xmlns="">
-      <p:transition spd="med">
-        <p:fade/>
-      </p:transition>
-    </mc:Fallback>
-  </mc:AlternateContent>
-  <p:timing>
-    <p:tnLst>
-      <p:par>
-        <p:cTn id="1" dur="indefinite" restart="never" nodeType="tmRoot"/>
-      </p:par>
-    </p:tnLst>
-  </p:timing>
-</p:sld>
-</file>
-
-<file path=ppt/slides/slide12.xml><?xml version="1.0" encoding="utf-8"?>
-<p:sld xmlns:a="http://schemas.openxmlformats.org/drawingml/2006/main" xmlns:r="http://schemas.openxmlformats.org/officeDocument/2006/relationships" xmlns:p="http://schemas.openxmlformats.org/presentationml/2006/main">
-  <p:cSld>
-    <p:spTree>
-      <p:nvGrpSpPr>
-        <p:cNvPr id="1" name=""/>
-        <p:cNvGrpSpPr/>
-        <p:nvPr/>
-      </p:nvGrpSpPr>
-      <p:grpSpPr>
-        <a:xfrm>
-          <a:off x="0" y="0"/>
-          <a:ext cx="0" cy="0"/>
-          <a:chOff x="0" y="0"/>
-          <a:chExt cx="0" cy="0"/>
-        </a:xfrm>
-      </p:grpSpPr>
-      <p:cxnSp>
-        <p:nvCxnSpPr>
-          <p:cNvPr id="5" name="직선 연결선 4"/>
-          <p:cNvCxnSpPr/>
-          <p:nvPr/>
-        </p:nvCxnSpPr>
-        <p:spPr>
-          <a:xfrm flipH="1">
-            <a:off x="-252536" y="548680"/>
-            <a:ext cx="10240872" cy="0"/>
-          </a:xfrm>
-          <a:prstGeom prst="line">
-            <a:avLst/>
-          </a:prstGeom>
-          <a:ln>
-            <a:solidFill>
-              <a:schemeClr val="bg1">
-                <a:lumMod val="65000"/>
-                <a:alpha val="50000"/>
-              </a:schemeClr>
-            </a:solidFill>
-          </a:ln>
-        </p:spPr>
-        <p:style>
-          <a:lnRef idx="1">
-            <a:schemeClr val="accent1"/>
-          </a:lnRef>
-          <a:fillRef idx="0">
-            <a:schemeClr val="accent1"/>
-          </a:fillRef>
-          <a:effectRef idx="0">
-            <a:schemeClr val="accent1"/>
-          </a:effectRef>
-          <a:fontRef idx="minor">
-            <a:schemeClr val="tx1"/>
-          </a:fontRef>
-        </p:style>
-      </p:cxnSp>
-      <p:sp>
-        <p:nvSpPr>
-          <p:cNvPr id="21" name="TextBox 20"/>
-          <p:cNvSpPr txBox="1"/>
-          <p:nvPr/>
-        </p:nvSpPr>
-        <p:spPr>
-          <a:xfrm>
-            <a:off x="236725" y="56518"/>
-            <a:ext cx="1959011" cy="400110"/>
-          </a:xfrm>
-          <a:prstGeom prst="rect">
-            <a:avLst/>
-          </a:prstGeom>
-          <a:noFill/>
-        </p:spPr>
-        <p:txBody>
-          <a:bodyPr wrap="square" rtlCol="0">
-            <a:spAutoFit/>
-          </a:bodyPr>
-          <a:lstStyle/>
-          <a:p>
-            <a:pPr algn="ctr"/>
-            <a:r>
-              <a:rPr lang="ko-KR" altLang="en-US" sz="2000" b="1" dirty="0" err="1" smtClean="0">
-                <a:ln>
-                  <a:solidFill>
-                    <a:schemeClr val="tx1">
-                      <a:alpha val="30000"/>
-                    </a:schemeClr>
-                  </a:solidFill>
-                </a:ln>
-                <a:solidFill>
-                  <a:srgbClr val="272123"/>
-                </a:solidFill>
-                <a:latin typeface="HY강B" pitchFamily="18" charset="-127"/>
-                <a:ea typeface="HY강B" pitchFamily="18" charset="-127"/>
-              </a:rPr>
-              <a:t>표현식과</a:t>
-            </a:r>
-            <a:r>
-              <a:rPr lang="ko-KR" altLang="en-US" sz="2000" b="1" dirty="0" smtClean="0">
-                <a:ln>
-                  <a:solidFill>
-                    <a:schemeClr val="tx1">
-                      <a:alpha val="30000"/>
-                    </a:schemeClr>
-                  </a:solidFill>
-                </a:ln>
-                <a:solidFill>
-                  <a:srgbClr val="272123"/>
-                </a:solidFill>
-                <a:latin typeface="HY강B" pitchFamily="18" charset="-127"/>
-                <a:ea typeface="HY강B" pitchFamily="18" charset="-127"/>
-              </a:rPr>
-              <a:t> 문장</a:t>
-            </a:r>
-            <a:endParaRPr lang="en-US" altLang="ko-KR" sz="2000" b="1" dirty="0" smtClean="0">
-              <a:ln>
-                <a:solidFill>
-                  <a:schemeClr val="tx1">
-                    <a:alpha val="30000"/>
-                  </a:schemeClr>
-                </a:solidFill>
-              </a:ln>
-              <a:solidFill>
-                <a:srgbClr val="272123"/>
-              </a:solidFill>
-              <a:latin typeface="HY강B" pitchFamily="18" charset="-127"/>
-              <a:ea typeface="HY강B" pitchFamily="18" charset="-127"/>
-            </a:endParaRPr>
-          </a:p>
-        </p:txBody>
-      </p:sp>
-      <p:cxnSp>
-        <p:nvCxnSpPr>
-          <p:cNvPr id="4" name="직선 연결선 3"/>
-          <p:cNvCxnSpPr/>
-          <p:nvPr/>
-        </p:nvCxnSpPr>
-        <p:spPr>
-          <a:xfrm flipH="1">
-            <a:off x="-252536" y="548680"/>
-            <a:ext cx="10240872" cy="0"/>
-          </a:xfrm>
-          <a:prstGeom prst="line">
-            <a:avLst/>
-          </a:prstGeom>
-          <a:ln>
-            <a:solidFill>
-              <a:schemeClr val="bg1">
-                <a:lumMod val="65000"/>
-                <a:alpha val="50000"/>
-              </a:schemeClr>
-            </a:solidFill>
-          </a:ln>
-        </p:spPr>
-        <p:style>
-          <a:lnRef idx="1">
-            <a:schemeClr val="accent1"/>
-          </a:lnRef>
-          <a:fillRef idx="0">
-            <a:schemeClr val="accent1"/>
-          </a:fillRef>
-          <a:effectRef idx="0">
-            <a:schemeClr val="accent1"/>
-          </a:effectRef>
-          <a:fontRef idx="minor">
-            <a:schemeClr val="tx1"/>
-          </a:fontRef>
-        </p:style>
-      </p:cxnSp>
-      <p:sp>
-        <p:nvSpPr>
-          <p:cNvPr id="6" name="TextBox 5"/>
-          <p:cNvSpPr txBox="1"/>
-          <p:nvPr/>
-        </p:nvSpPr>
-        <p:spPr>
-          <a:xfrm>
-            <a:off x="395536" y="654948"/>
-            <a:ext cx="8064896" cy="707886"/>
-          </a:xfrm>
-          <a:prstGeom prst="rect">
-            <a:avLst/>
-          </a:prstGeom>
-          <a:noFill/>
-        </p:spPr>
-        <p:txBody>
-          <a:bodyPr wrap="square" rtlCol="0">
-            <a:spAutoFit/>
-          </a:bodyPr>
-          <a:lstStyle/>
-          <a:p>
-            <a:pPr marL="285750" indent="-285750">
-              <a:buFont typeface="Arial" pitchFamily="34" charset="0"/>
-              <a:buChar char="•"/>
-            </a:pPr>
-            <a:r>
-              <a:rPr lang="en-US" altLang="ko-KR" sz="2000" dirty="0" smtClean="0">
-                <a:ln>
-                  <a:solidFill>
-                    <a:schemeClr val="tx1">
-                      <a:alpha val="30000"/>
-                    </a:schemeClr>
-                  </a:solidFill>
-                </a:ln>
-                <a:latin typeface="HY견고딕" pitchFamily="18" charset="-127"/>
-                <a:ea typeface="HY견고딕" pitchFamily="18" charset="-127"/>
-              </a:rPr>
-              <a:t>ES.28 </a:t>
-            </a:r>
-            <a:r>
-              <a:rPr lang="ko-KR" altLang="en-US" sz="2000" dirty="0" smtClean="0">
-                <a:ln>
-                  <a:solidFill>
-                    <a:schemeClr val="tx1">
-                      <a:alpha val="30000"/>
-                    </a:schemeClr>
-                  </a:solidFill>
-                </a:ln>
-                <a:latin typeface="HY견고딕" pitchFamily="18" charset="-127"/>
-                <a:ea typeface="HY견고딕" pitchFamily="18" charset="-127"/>
-              </a:rPr>
-              <a:t>복잡한 초기화에는</a:t>
-            </a:r>
-            <a:r>
-              <a:rPr lang="en-US" altLang="ko-KR" sz="2000" dirty="0" smtClean="0">
-                <a:ln>
-                  <a:solidFill>
-                    <a:schemeClr val="tx1">
-                      <a:alpha val="30000"/>
-                    </a:schemeClr>
-                  </a:solidFill>
-                </a:ln>
-                <a:latin typeface="HY견고딕" pitchFamily="18" charset="-127"/>
-                <a:ea typeface="HY견고딕" pitchFamily="18" charset="-127"/>
-              </a:rPr>
-              <a:t>, </a:t>
-            </a:r>
-            <a:r>
-              <a:rPr lang="ko-KR" altLang="en-US" sz="2000" dirty="0" smtClean="0">
-                <a:ln>
-                  <a:solidFill>
-                    <a:schemeClr val="tx1">
-                      <a:alpha val="30000"/>
-                    </a:schemeClr>
-                  </a:solidFill>
-                </a:ln>
-                <a:latin typeface="HY견고딕" pitchFamily="18" charset="-127"/>
-                <a:ea typeface="HY견고딕" pitchFamily="18" charset="-127"/>
-              </a:rPr>
-              <a:t>특히 </a:t>
-            </a:r>
-            <a:r>
-              <a:rPr lang="en-US" altLang="ko-KR" sz="2000" dirty="0" err="1" smtClean="0">
-                <a:ln>
-                  <a:solidFill>
-                    <a:schemeClr val="tx1">
-                      <a:alpha val="30000"/>
-                    </a:schemeClr>
-                  </a:solidFill>
-                </a:ln>
-                <a:latin typeface="HY견고딕" pitchFamily="18" charset="-127"/>
-                <a:ea typeface="HY견고딕" pitchFamily="18" charset="-127"/>
-              </a:rPr>
-              <a:t>const</a:t>
-            </a:r>
-            <a:r>
-              <a:rPr lang="en-US" altLang="ko-KR" sz="2000" dirty="0" smtClean="0">
-                <a:ln>
-                  <a:solidFill>
-                    <a:schemeClr val="tx1">
-                      <a:alpha val="30000"/>
-                    </a:schemeClr>
-                  </a:solidFill>
-                </a:ln>
-                <a:latin typeface="HY견고딕" pitchFamily="18" charset="-127"/>
-                <a:ea typeface="HY견고딕" pitchFamily="18" charset="-127"/>
-              </a:rPr>
-              <a:t> </a:t>
-            </a:r>
-            <a:r>
-              <a:rPr lang="ko-KR" altLang="en-US" sz="2000" dirty="0" smtClean="0">
-                <a:ln>
-                  <a:solidFill>
-                    <a:schemeClr val="tx1">
-                      <a:alpha val="30000"/>
-                    </a:schemeClr>
-                  </a:solidFill>
-                </a:ln>
-                <a:latin typeface="HY견고딕" pitchFamily="18" charset="-127"/>
-                <a:ea typeface="HY견고딕" pitchFamily="18" charset="-127"/>
-              </a:rPr>
-              <a:t>변수의 복잡한 초기화에는 람다를 사용하라</a:t>
-            </a:r>
-            <a:r>
-              <a:rPr lang="en-US" altLang="ko-KR" sz="2000" dirty="0" smtClean="0">
-                <a:ln>
-                  <a:solidFill>
-                    <a:schemeClr val="tx1">
-                      <a:alpha val="30000"/>
-                    </a:schemeClr>
-                  </a:solidFill>
-                </a:ln>
-                <a:latin typeface="HY견고딕" pitchFamily="18" charset="-127"/>
-                <a:ea typeface="HY견고딕" pitchFamily="18" charset="-127"/>
-              </a:rPr>
-              <a:t>.</a:t>
-            </a:r>
-          </a:p>
-        </p:txBody>
-      </p:sp>
-      <p:sp>
-        <p:nvSpPr>
-          <p:cNvPr id="2" name="Rectangle 1"/>
-          <p:cNvSpPr>
-            <a:spLocks noChangeArrowheads="1"/>
-          </p:cNvSpPr>
-          <p:nvPr/>
-        </p:nvSpPr>
-        <p:spPr bwMode="auto">
-          <a:xfrm>
-            <a:off x="755576" y="1393287"/>
-            <a:ext cx="8352928" cy="5262979"/>
-          </a:xfrm>
-          <a:prstGeom prst="rect">
-            <a:avLst/>
-          </a:prstGeom>
-          <a:solidFill>
-            <a:srgbClr val="FFFFFF"/>
-          </a:solidFill>
-          <a:ln>
-            <a:noFill/>
-          </a:ln>
-          <a:effectLst/>
-          <a:extLst>
-            <a:ext uri="{91240B29-F687-4F45-9708-019B960494DF}">
-              <a14:hiddenLine xmlns:a14="http://schemas.microsoft.com/office/drawing/2010/main" w="9525">
-                <a:solidFill>
-                  <a:schemeClr val="tx1"/>
-                </a:solidFill>
-                <a:miter lim="800000"/>
-                <a:headEnd/>
-                <a:tailEnd/>
-              </a14:hiddenLine>
-            </a:ext>
-            <a:ext uri="{AF507438-7753-43E0-B8FC-AC1667EBCBE1}">
-              <a14:hiddenEffects xmlns:a14="http://schemas.microsoft.com/office/drawing/2010/main">
-                <a:effectLst>
-                  <a:outerShdw dist="35921" dir="2700000" algn="ctr" rotWithShape="0">
-                    <a:schemeClr val="bg2"/>
-                  </a:outerShdw>
-                </a:effectLst>
-              </a14:hiddenEffects>
-            </a:ext>
-          </a:extLst>
-        </p:spPr>
-        <p:txBody>
-          <a:bodyPr vert="horz" wrap="square" lIns="0" tIns="0" rIns="0" bIns="0" numCol="1" anchor="ctr" anchorCtr="0" compatLnSpc="1">
-            <a:prstTxWarp prst="textNoShape">
-              <a:avLst/>
-            </a:prstTxWarp>
-            <a:spAutoFit/>
-          </a:bodyPr>
-          <a:lstStyle/>
-          <a:p>
-            <a:pPr marL="0" marR="0" lvl="0" indent="0" algn="l" defTabSz="914400" rtl="0" eaLnBrk="1" fontAlgn="base" latinLnBrk="1" hangingPunct="1">
-              <a:lnSpc>
-                <a:spcPct val="100000"/>
-              </a:lnSpc>
-              <a:spcBef>
-                <a:spcPct val="0"/>
-              </a:spcBef>
-              <a:spcAft>
-                <a:spcPct val="0"/>
-              </a:spcAft>
-              <a:buClrTx/>
-              <a:buSzTx/>
-              <a:buFontTx/>
-              <a:buNone/>
-              <a:tabLst/>
-            </a:pPr>
-            <a:r>
-              <a:rPr kumimoji="1" lang="ko-KR" altLang="ko-KR" b="1" i="0" u="none" strike="noStrike" cap="none" normalizeH="0" baseline="0" dirty="0" smtClean="0">
-                <a:ln>
-                  <a:noFill/>
-                </a:ln>
-                <a:solidFill>
-                  <a:srgbClr val="0086B3"/>
-                </a:solidFill>
-                <a:effectLst/>
-                <a:latin typeface="Consolas" pitchFamily="49" charset="0"/>
-                <a:ea typeface="굴림" pitchFamily="50" charset="-127"/>
-                <a:cs typeface="굴림" pitchFamily="50" charset="-127"/>
-              </a:rPr>
-              <a:t>#include</a:t>
-            </a:r>
-            <a:r>
-              <a:rPr kumimoji="1" lang="ko-KR" altLang="ko-KR" b="1" i="0" u="none" strike="noStrike" cap="none" normalizeH="0" baseline="0" dirty="0" smtClean="0">
-                <a:ln>
-                  <a:noFill/>
-                </a:ln>
-                <a:solidFill>
-                  <a:srgbClr val="A71D5D"/>
-                </a:solidFill>
-                <a:effectLst/>
-                <a:latin typeface="Consolas" pitchFamily="49" charset="0"/>
-                <a:ea typeface="굴림" pitchFamily="50" charset="-127"/>
-                <a:cs typeface="굴림" pitchFamily="50" charset="-127"/>
-              </a:rPr>
-              <a:t>&lt;</a:t>
-            </a:r>
-            <a:r>
-              <a:rPr kumimoji="1" lang="ko-KR" altLang="ko-KR" b="1" i="0" u="none" strike="noStrike" cap="none" normalizeH="0" baseline="0" dirty="0" smtClean="0">
-                <a:ln>
-                  <a:noFill/>
-                </a:ln>
-                <a:solidFill>
-                  <a:srgbClr val="010101"/>
-                </a:solidFill>
-                <a:effectLst/>
-                <a:latin typeface="Consolas" pitchFamily="49" charset="0"/>
-                <a:ea typeface="굴림" pitchFamily="50" charset="-127"/>
-                <a:cs typeface="굴림" pitchFamily="50" charset="-127"/>
-              </a:rPr>
-              <a:t>iostream</a:t>
-            </a:r>
-            <a:r>
-              <a:rPr kumimoji="1" lang="ko-KR" altLang="ko-KR" b="1" i="0" u="none" strike="noStrike" cap="none" normalizeH="0" baseline="0" dirty="0" smtClean="0">
-                <a:ln>
-                  <a:noFill/>
-                </a:ln>
-                <a:solidFill>
-                  <a:srgbClr val="A71D5D"/>
-                </a:solidFill>
-                <a:effectLst/>
-                <a:latin typeface="Consolas" pitchFamily="49" charset="0"/>
-                <a:ea typeface="굴림" pitchFamily="50" charset="-127"/>
-                <a:cs typeface="굴림" pitchFamily="50" charset="-127"/>
-              </a:rPr>
-              <a:t>&gt;</a:t>
-            </a:r>
-            <a:endParaRPr kumimoji="1" lang="ko-KR" altLang="ko-KR" b="1" i="0" u="none" strike="noStrike" cap="none" normalizeH="0" baseline="0" dirty="0" smtClean="0">
-              <a:ln>
-                <a:noFill/>
-              </a:ln>
-              <a:solidFill>
-                <a:srgbClr val="010101"/>
-              </a:solidFill>
-              <a:effectLst/>
-              <a:latin typeface="Consolas" pitchFamily="49" charset="0"/>
-              <a:ea typeface="굴림" pitchFamily="50" charset="-127"/>
-              <a:cs typeface="굴림" pitchFamily="50" charset="-127"/>
-            </a:endParaRPr>
-          </a:p>
-          <a:p>
-            <a:pPr marL="0" marR="0" lvl="0" indent="0" algn="l" defTabSz="914400" rtl="0" eaLnBrk="0" fontAlgn="base" latinLnBrk="0" hangingPunct="0">
-              <a:lnSpc>
-                <a:spcPct val="100000"/>
-              </a:lnSpc>
-              <a:spcBef>
-                <a:spcPct val="0"/>
-              </a:spcBef>
-              <a:spcAft>
-                <a:spcPct val="0"/>
-              </a:spcAft>
-              <a:buClrTx/>
-              <a:buSzTx/>
-              <a:buFontTx/>
-              <a:buNone/>
-              <a:tabLst/>
-            </a:pPr>
-            <a:r>
-              <a:rPr kumimoji="1" lang="ko-KR" altLang="ko-KR" b="1" i="0" u="none" strike="noStrike" cap="none" normalizeH="0" baseline="0" dirty="0" smtClean="0">
-                <a:ln>
-                  <a:noFill/>
-                </a:ln>
-                <a:solidFill>
-                  <a:srgbClr val="A71D5D"/>
-                </a:solidFill>
-                <a:effectLst/>
-                <a:latin typeface="Consolas" pitchFamily="49" charset="0"/>
-                <a:ea typeface="굴림" pitchFamily="50" charset="-127"/>
-                <a:cs typeface="굴림" pitchFamily="50" charset="-127"/>
-              </a:rPr>
-              <a:t>class</a:t>
-            </a:r>
-            <a:r>
-              <a:rPr kumimoji="1" lang="ko-KR" altLang="ko-KR" b="1" i="0" u="none" strike="noStrike" cap="none" normalizeH="0" baseline="0" dirty="0" smtClean="0">
-                <a:ln>
-                  <a:noFill/>
-                </a:ln>
-                <a:solidFill>
-                  <a:srgbClr val="010101"/>
-                </a:solidFill>
-                <a:effectLst/>
-                <a:latin typeface="Consolas" pitchFamily="49" charset="0"/>
-                <a:ea typeface="굴림" pitchFamily="50" charset="-127"/>
-                <a:cs typeface="굴림" pitchFamily="50" charset="-127"/>
-              </a:rPr>
-              <a:t> Test</a:t>
-            </a:r>
-          </a:p>
-          <a:p>
-            <a:pPr marL="0" marR="0" lvl="0" indent="0" algn="l" defTabSz="914400" rtl="0" eaLnBrk="0" fontAlgn="base" latinLnBrk="0" hangingPunct="0">
-              <a:lnSpc>
-                <a:spcPct val="100000"/>
-              </a:lnSpc>
-              <a:spcBef>
-                <a:spcPct val="0"/>
-              </a:spcBef>
-              <a:spcAft>
-                <a:spcPct val="0"/>
-              </a:spcAft>
-              <a:buClrTx/>
-              <a:buSzTx/>
-              <a:buFontTx/>
-              <a:buNone/>
-              <a:tabLst/>
-            </a:pPr>
-            <a:r>
-              <a:rPr kumimoji="1" lang="ko-KR" altLang="ko-KR" b="1" i="0" u="none" strike="noStrike" cap="none" normalizeH="0" baseline="0" dirty="0" smtClean="0">
-                <a:ln>
-                  <a:noFill/>
-                </a:ln>
-                <a:solidFill>
-                  <a:srgbClr val="010101"/>
-                </a:solidFill>
-                <a:effectLst/>
-                <a:latin typeface="Consolas" pitchFamily="49" charset="0"/>
-                <a:ea typeface="굴림" pitchFamily="50" charset="-127"/>
-                <a:cs typeface="굴림" pitchFamily="50" charset="-127"/>
-              </a:rPr>
-              <a:t>{</a:t>
-            </a:r>
-          </a:p>
-          <a:p>
-            <a:pPr marL="0" marR="0" lvl="0" indent="0" algn="l" defTabSz="914400" rtl="0" eaLnBrk="0" fontAlgn="base" latinLnBrk="0" hangingPunct="0">
-              <a:lnSpc>
-                <a:spcPct val="100000"/>
-              </a:lnSpc>
-              <a:spcBef>
-                <a:spcPct val="0"/>
-              </a:spcBef>
-              <a:spcAft>
-                <a:spcPct val="0"/>
-              </a:spcAft>
-              <a:buClrTx/>
-              <a:buSzTx/>
-              <a:buFontTx/>
-              <a:buNone/>
-              <a:tabLst/>
-            </a:pPr>
-            <a:r>
-              <a:rPr kumimoji="1" lang="ko-KR" altLang="ko-KR" b="1" i="0" u="none" strike="noStrike" cap="none" normalizeH="0" baseline="0" dirty="0" smtClean="0">
-                <a:ln>
-                  <a:noFill/>
-                </a:ln>
-                <a:solidFill>
-                  <a:srgbClr val="A71D5D"/>
-                </a:solidFill>
-                <a:effectLst/>
-                <a:latin typeface="Consolas" pitchFamily="49" charset="0"/>
-                <a:ea typeface="굴림" pitchFamily="50" charset="-127"/>
-                <a:cs typeface="굴림" pitchFamily="50" charset="-127"/>
-              </a:rPr>
-              <a:t>private</a:t>
-            </a:r>
-            <a:r>
-              <a:rPr kumimoji="1" lang="ko-KR" altLang="ko-KR" b="1" i="0" u="none" strike="noStrike" cap="none" normalizeH="0" baseline="0" dirty="0" smtClean="0">
-                <a:ln>
-                  <a:noFill/>
-                </a:ln>
-                <a:solidFill>
-                  <a:srgbClr val="010101"/>
-                </a:solidFill>
-                <a:effectLst/>
-                <a:latin typeface="Consolas" pitchFamily="49" charset="0"/>
-                <a:ea typeface="굴림" pitchFamily="50" charset="-127"/>
-                <a:cs typeface="굴림" pitchFamily="50" charset="-127"/>
-              </a:rPr>
-              <a:t>:</a:t>
-            </a:r>
-          </a:p>
-          <a:p>
-            <a:pPr marL="0" marR="0" lvl="0" indent="0" algn="l" defTabSz="914400" rtl="0" eaLnBrk="0" fontAlgn="base" latinLnBrk="0" hangingPunct="0">
-              <a:lnSpc>
-                <a:spcPct val="100000"/>
-              </a:lnSpc>
-              <a:spcBef>
-                <a:spcPct val="0"/>
-              </a:spcBef>
-              <a:spcAft>
-                <a:spcPct val="0"/>
-              </a:spcAft>
-              <a:buClrTx/>
-              <a:buSzTx/>
-              <a:buFontTx/>
-              <a:buNone/>
-              <a:tabLst/>
-            </a:pPr>
-            <a:r>
-              <a:rPr kumimoji="1" lang="en-US" altLang="ko-KR" b="1" i="0" u="none" strike="noStrike" cap="none" normalizeH="0" baseline="0" dirty="0" smtClean="0">
-                <a:ln>
-                  <a:noFill/>
-                </a:ln>
-                <a:solidFill>
-                  <a:srgbClr val="066DE2"/>
-                </a:solidFill>
-                <a:effectLst/>
-                <a:latin typeface="Consolas" pitchFamily="49" charset="0"/>
-                <a:ea typeface="굴림" pitchFamily="50" charset="-127"/>
-                <a:cs typeface="굴림" pitchFamily="50" charset="-127"/>
-              </a:rPr>
-              <a:t>	</a:t>
-            </a:r>
-            <a:r>
-              <a:rPr kumimoji="1" lang="ko-KR" altLang="ko-KR" b="1" i="0" u="none" strike="noStrike" cap="none" normalizeH="0" baseline="0" dirty="0" smtClean="0">
-                <a:ln>
-                  <a:noFill/>
-                </a:ln>
-                <a:solidFill>
-                  <a:srgbClr val="066DE2"/>
-                </a:solidFill>
-                <a:effectLst/>
-                <a:latin typeface="Consolas" pitchFamily="49" charset="0"/>
-                <a:ea typeface="굴림" pitchFamily="50" charset="-127"/>
-                <a:cs typeface="굴림" pitchFamily="50" charset="-127"/>
-              </a:rPr>
-              <a:t>int</a:t>
-            </a:r>
-            <a:r>
-              <a:rPr kumimoji="1" lang="ko-KR" altLang="ko-KR" b="1" i="0" u="none" strike="noStrike" cap="none" normalizeH="0" baseline="0" dirty="0" smtClean="0">
-                <a:ln>
-                  <a:noFill/>
-                </a:ln>
-                <a:solidFill>
-                  <a:srgbClr val="010101"/>
-                </a:solidFill>
-                <a:effectLst/>
-                <a:latin typeface="Consolas" pitchFamily="49" charset="0"/>
-                <a:ea typeface="굴림" pitchFamily="50" charset="-127"/>
-                <a:cs typeface="굴림" pitchFamily="50" charset="-127"/>
-              </a:rPr>
-              <a:t> Data{ </a:t>
-            </a:r>
-            <a:r>
-              <a:rPr kumimoji="1" lang="ko-KR" altLang="ko-KR" b="1" i="0" u="none" strike="noStrike" cap="none" normalizeH="0" baseline="0" dirty="0" smtClean="0">
-                <a:ln>
-                  <a:noFill/>
-                </a:ln>
-                <a:solidFill>
-                  <a:srgbClr val="0099CC"/>
-                </a:solidFill>
-                <a:effectLst/>
-                <a:latin typeface="Consolas" pitchFamily="49" charset="0"/>
-                <a:ea typeface="굴림" pitchFamily="50" charset="-127"/>
-                <a:cs typeface="굴림" pitchFamily="50" charset="-127"/>
-              </a:rPr>
-              <a:t>0</a:t>
-            </a:r>
-            <a:r>
-              <a:rPr kumimoji="1" lang="ko-KR" altLang="ko-KR" b="1" i="0" u="none" strike="noStrike" cap="none" normalizeH="0" baseline="0" dirty="0" smtClean="0">
-                <a:ln>
-                  <a:noFill/>
-                </a:ln>
-                <a:solidFill>
-                  <a:srgbClr val="010101"/>
-                </a:solidFill>
-                <a:effectLst/>
-                <a:latin typeface="Consolas" pitchFamily="49" charset="0"/>
-                <a:ea typeface="굴림" pitchFamily="50" charset="-127"/>
-                <a:cs typeface="굴림" pitchFamily="50" charset="-127"/>
-              </a:rPr>
-              <a:t> };</a:t>
-            </a:r>
-          </a:p>
-          <a:p>
-            <a:pPr marL="0" marR="0" lvl="0" indent="0" algn="l" defTabSz="914400" rtl="0" eaLnBrk="0" fontAlgn="base" latinLnBrk="0" hangingPunct="0">
-              <a:lnSpc>
-                <a:spcPct val="100000"/>
-              </a:lnSpc>
-              <a:spcBef>
-                <a:spcPct val="0"/>
-              </a:spcBef>
-              <a:spcAft>
-                <a:spcPct val="0"/>
-              </a:spcAft>
-              <a:buClrTx/>
-              <a:buSzTx/>
-              <a:buFontTx/>
-              <a:buNone/>
-              <a:tabLst/>
-            </a:pPr>
-            <a:r>
-              <a:rPr kumimoji="1" lang="ko-KR" altLang="ko-KR" b="1" i="0" u="none" strike="noStrike" cap="none" normalizeH="0" baseline="0" dirty="0" smtClean="0">
-                <a:ln>
-                  <a:noFill/>
-                </a:ln>
-                <a:solidFill>
-                  <a:srgbClr val="A71D5D"/>
-                </a:solidFill>
-                <a:effectLst/>
-                <a:latin typeface="Consolas" pitchFamily="49" charset="0"/>
-                <a:ea typeface="굴림" pitchFamily="50" charset="-127"/>
-                <a:cs typeface="굴림" pitchFamily="50" charset="-127"/>
-              </a:rPr>
-              <a:t>public</a:t>
-            </a:r>
-            <a:r>
-              <a:rPr kumimoji="1" lang="ko-KR" altLang="ko-KR" b="1" i="0" u="none" strike="noStrike" cap="none" normalizeH="0" baseline="0" dirty="0" smtClean="0">
-                <a:ln>
-                  <a:noFill/>
-                </a:ln>
-                <a:solidFill>
-                  <a:srgbClr val="010101"/>
-                </a:solidFill>
-                <a:effectLst/>
-                <a:latin typeface="Consolas" pitchFamily="49" charset="0"/>
-                <a:ea typeface="굴림" pitchFamily="50" charset="-127"/>
-                <a:cs typeface="굴림" pitchFamily="50" charset="-127"/>
-              </a:rPr>
-              <a:t>:</a:t>
-            </a:r>
-          </a:p>
-          <a:p>
-            <a:pPr marL="0" marR="0" lvl="0" indent="0" algn="l" defTabSz="914400" rtl="0" eaLnBrk="0" fontAlgn="base" latinLnBrk="0" hangingPunct="0">
-              <a:lnSpc>
-                <a:spcPct val="100000"/>
-              </a:lnSpc>
-              <a:spcBef>
-                <a:spcPct val="0"/>
-              </a:spcBef>
-              <a:spcAft>
-                <a:spcPct val="0"/>
-              </a:spcAft>
-              <a:buClrTx/>
-              <a:buSzTx/>
-              <a:buFontTx/>
-              <a:buNone/>
-              <a:tabLst/>
-            </a:pPr>
-            <a:r>
-              <a:rPr kumimoji="1" lang="en-US" altLang="ko-KR" b="1" i="0" u="none" strike="noStrike" cap="none" normalizeH="0" baseline="0" dirty="0" smtClean="0">
-                <a:ln>
-                  <a:noFill/>
-                </a:ln>
-                <a:solidFill>
-                  <a:srgbClr val="A71D5D"/>
-                </a:solidFill>
-                <a:effectLst/>
-                <a:latin typeface="Consolas" pitchFamily="49" charset="0"/>
-                <a:ea typeface="굴림" pitchFamily="50" charset="-127"/>
-                <a:cs typeface="굴림" pitchFamily="50" charset="-127"/>
-              </a:rPr>
-              <a:t>	</a:t>
-            </a:r>
-            <a:r>
-              <a:rPr kumimoji="1" lang="ko-KR" altLang="ko-KR" b="1" i="0" u="none" strike="noStrike" cap="none" normalizeH="0" baseline="0" dirty="0" smtClean="0">
-                <a:ln>
-                  <a:noFill/>
-                </a:ln>
-                <a:solidFill>
-                  <a:srgbClr val="A71D5D"/>
-                </a:solidFill>
-                <a:effectLst/>
-                <a:latin typeface="Consolas" pitchFamily="49" charset="0"/>
-                <a:ea typeface="굴림" pitchFamily="50" charset="-127"/>
-                <a:cs typeface="굴림" pitchFamily="50" charset="-127"/>
-              </a:rPr>
-              <a:t>void</a:t>
-            </a:r>
-            <a:r>
-              <a:rPr kumimoji="1" lang="ko-KR" altLang="ko-KR" b="1" i="0" u="none" strike="noStrike" cap="none" normalizeH="0" baseline="0" dirty="0" smtClean="0">
-                <a:ln>
-                  <a:noFill/>
-                </a:ln>
-                <a:solidFill>
-                  <a:srgbClr val="010101"/>
-                </a:solidFill>
-                <a:effectLst/>
-                <a:latin typeface="Consolas" pitchFamily="49" charset="0"/>
-                <a:ea typeface="굴림" pitchFamily="50" charset="-127"/>
-                <a:cs typeface="굴림" pitchFamily="50" charset="-127"/>
-              </a:rPr>
-              <a:t> </a:t>
-            </a:r>
-            <a:r>
-              <a:rPr kumimoji="1" lang="ko-KR" altLang="ko-KR" b="1" i="0" u="none" strike="noStrike" cap="none" normalizeH="0" baseline="0" dirty="0" smtClean="0">
-                <a:ln>
-                  <a:noFill/>
-                </a:ln>
-                <a:solidFill>
-                  <a:srgbClr val="A71D5D"/>
-                </a:solidFill>
-                <a:effectLst/>
-                <a:latin typeface="Consolas" pitchFamily="49" charset="0"/>
-                <a:ea typeface="굴림" pitchFamily="50" charset="-127"/>
-                <a:cs typeface="굴림" pitchFamily="50" charset="-127"/>
-              </a:rPr>
-              <a:t>operator</a:t>
-            </a:r>
-            <a:r>
-              <a:rPr kumimoji="1" lang="ko-KR" altLang="ko-KR" b="1" i="0" u="none" strike="noStrike" cap="none" normalizeH="0" baseline="0" dirty="0" smtClean="0">
-                <a:ln>
-                  <a:noFill/>
-                </a:ln>
-                <a:solidFill>
-                  <a:srgbClr val="010101"/>
-                </a:solidFill>
-                <a:effectLst/>
-                <a:latin typeface="Consolas" pitchFamily="49" charset="0"/>
-                <a:ea typeface="굴림" pitchFamily="50" charset="-127"/>
-                <a:cs typeface="굴림" pitchFamily="50" charset="-127"/>
-              </a:rPr>
-              <a:t> </a:t>
-            </a:r>
-            <a:r>
-              <a:rPr kumimoji="1" lang="ko-KR" altLang="ko-KR" b="1" i="0" u="none" strike="noStrike" cap="none" normalizeH="0" baseline="0" dirty="0" smtClean="0">
-                <a:ln>
-                  <a:noFill/>
-                </a:ln>
-                <a:solidFill>
-                  <a:srgbClr val="A71D5D"/>
-                </a:solidFill>
-                <a:effectLst/>
-                <a:latin typeface="Consolas" pitchFamily="49" charset="0"/>
-                <a:ea typeface="굴림" pitchFamily="50" charset="-127"/>
-                <a:cs typeface="굴림" pitchFamily="50" charset="-127"/>
-              </a:rPr>
-              <a:t>+=</a:t>
-            </a:r>
-            <a:r>
-              <a:rPr kumimoji="1" lang="ko-KR" altLang="ko-KR" b="1" i="0" u="none" strike="noStrike" cap="none" normalizeH="0" baseline="0" dirty="0" smtClean="0">
-                <a:ln>
-                  <a:noFill/>
-                </a:ln>
-                <a:solidFill>
-                  <a:srgbClr val="010101"/>
-                </a:solidFill>
-                <a:effectLst/>
-                <a:latin typeface="Consolas" pitchFamily="49" charset="0"/>
-                <a:ea typeface="굴림" pitchFamily="50" charset="-127"/>
-                <a:cs typeface="굴림" pitchFamily="50" charset="-127"/>
-              </a:rPr>
-              <a:t> (</a:t>
-            </a:r>
-            <a:r>
-              <a:rPr kumimoji="1" lang="ko-KR" altLang="ko-KR" b="1" i="0" u="none" strike="noStrike" cap="none" normalizeH="0" baseline="0" dirty="0" smtClean="0">
-                <a:ln>
-                  <a:noFill/>
-                </a:ln>
-                <a:solidFill>
-                  <a:srgbClr val="066DE2"/>
-                </a:solidFill>
-                <a:effectLst/>
-                <a:latin typeface="Consolas" pitchFamily="49" charset="0"/>
-                <a:ea typeface="굴림" pitchFamily="50" charset="-127"/>
-                <a:cs typeface="굴림" pitchFamily="50" charset="-127"/>
-              </a:rPr>
-              <a:t>int</a:t>
-            </a:r>
-            <a:r>
-              <a:rPr kumimoji="1" lang="ko-KR" altLang="ko-KR" b="1" i="0" u="none" strike="noStrike" cap="none" normalizeH="0" baseline="0" dirty="0" smtClean="0">
-                <a:ln>
-                  <a:noFill/>
-                </a:ln>
-                <a:solidFill>
-                  <a:srgbClr val="010101"/>
-                </a:solidFill>
-                <a:effectLst/>
-                <a:latin typeface="Consolas" pitchFamily="49" charset="0"/>
-                <a:ea typeface="굴림" pitchFamily="50" charset="-127"/>
-                <a:cs typeface="굴림" pitchFamily="50" charset="-127"/>
-              </a:rPr>
-              <a:t> _iData)</a:t>
-            </a:r>
-          </a:p>
-          <a:p>
-            <a:pPr marL="0" marR="0" lvl="0" indent="0" algn="l" defTabSz="914400" rtl="0" eaLnBrk="0" fontAlgn="base" latinLnBrk="0" hangingPunct="0">
-              <a:lnSpc>
-                <a:spcPct val="100000"/>
-              </a:lnSpc>
-              <a:spcBef>
-                <a:spcPct val="0"/>
-              </a:spcBef>
-              <a:spcAft>
-                <a:spcPct val="0"/>
-              </a:spcAft>
-              <a:buClrTx/>
-              <a:buSzTx/>
-              <a:buFontTx/>
-              <a:buNone/>
-              <a:tabLst/>
-            </a:pPr>
-            <a:r>
-              <a:rPr kumimoji="1" lang="en-US" altLang="ko-KR" b="1" i="0" u="none" strike="noStrike" cap="none" normalizeH="0" baseline="0" dirty="0" smtClean="0">
-                <a:ln>
-                  <a:noFill/>
-                </a:ln>
-                <a:solidFill>
-                  <a:srgbClr val="010101"/>
-                </a:solidFill>
-                <a:effectLst/>
-                <a:latin typeface="Consolas" pitchFamily="49" charset="0"/>
-                <a:ea typeface="굴림" pitchFamily="50" charset="-127"/>
-                <a:cs typeface="굴림" pitchFamily="50" charset="-127"/>
-              </a:rPr>
-              <a:t>	</a:t>
-            </a:r>
-            <a:r>
-              <a:rPr kumimoji="1" lang="ko-KR" altLang="ko-KR" b="1" i="0" u="none" strike="noStrike" cap="none" normalizeH="0" baseline="0" dirty="0" smtClean="0">
-                <a:ln>
-                  <a:noFill/>
-                </a:ln>
-                <a:solidFill>
-                  <a:srgbClr val="010101"/>
-                </a:solidFill>
-                <a:effectLst/>
-                <a:latin typeface="Consolas" pitchFamily="49" charset="0"/>
-                <a:ea typeface="굴림" pitchFamily="50" charset="-127"/>
-                <a:cs typeface="굴림" pitchFamily="50" charset="-127"/>
-              </a:rPr>
-              <a:t>{</a:t>
-            </a:r>
-          </a:p>
-          <a:p>
-            <a:pPr marL="0" marR="0" lvl="0" indent="0" algn="l" defTabSz="914400" rtl="0" eaLnBrk="0" fontAlgn="base" latinLnBrk="0" hangingPunct="0">
-              <a:lnSpc>
-                <a:spcPct val="100000"/>
-              </a:lnSpc>
-              <a:spcBef>
-                <a:spcPct val="0"/>
-              </a:spcBef>
-              <a:spcAft>
-                <a:spcPct val="0"/>
-              </a:spcAft>
-              <a:buClrTx/>
-              <a:buSzTx/>
-              <a:buFontTx/>
-              <a:buNone/>
-              <a:tabLst/>
-            </a:pPr>
-            <a:r>
-              <a:rPr kumimoji="1" lang="en-US" altLang="ko-KR" b="1" i="0" u="none" strike="noStrike" cap="none" normalizeH="0" baseline="0" dirty="0" smtClean="0">
-                <a:ln>
-                  <a:noFill/>
-                </a:ln>
-                <a:solidFill>
-                  <a:srgbClr val="010101"/>
-                </a:solidFill>
-                <a:effectLst/>
-                <a:latin typeface="Consolas" pitchFamily="49" charset="0"/>
-                <a:ea typeface="굴림" pitchFamily="50" charset="-127"/>
-                <a:cs typeface="굴림" pitchFamily="50" charset="-127"/>
-              </a:rPr>
-              <a:t>		</a:t>
-            </a:r>
-            <a:r>
-              <a:rPr kumimoji="1" lang="ko-KR" altLang="ko-KR" b="1" i="0" u="none" strike="noStrike" cap="none" normalizeH="0" baseline="0" dirty="0" smtClean="0">
-                <a:ln>
-                  <a:noFill/>
-                </a:ln>
-                <a:solidFill>
-                  <a:srgbClr val="010101"/>
-                </a:solidFill>
-                <a:effectLst/>
-                <a:latin typeface="Consolas" pitchFamily="49" charset="0"/>
-                <a:ea typeface="굴림" pitchFamily="50" charset="-127"/>
-                <a:cs typeface="굴림" pitchFamily="50" charset="-127"/>
-              </a:rPr>
-              <a:t>Data </a:t>
-            </a:r>
-            <a:r>
-              <a:rPr kumimoji="1" lang="ko-KR" altLang="ko-KR" b="1" i="0" u="none" strike="noStrike" cap="none" normalizeH="0" baseline="0" dirty="0" smtClean="0">
-                <a:ln>
-                  <a:noFill/>
-                </a:ln>
-                <a:solidFill>
-                  <a:srgbClr val="A71D5D"/>
-                </a:solidFill>
-                <a:effectLst/>
-                <a:latin typeface="Consolas" pitchFamily="49" charset="0"/>
-                <a:ea typeface="굴림" pitchFamily="50" charset="-127"/>
-                <a:cs typeface="굴림" pitchFamily="50" charset="-127"/>
-              </a:rPr>
-              <a:t>+=</a:t>
-            </a:r>
-            <a:r>
-              <a:rPr kumimoji="1" lang="ko-KR" altLang="ko-KR" b="1" i="0" u="none" strike="noStrike" cap="none" normalizeH="0" baseline="0" dirty="0" smtClean="0">
-                <a:ln>
-                  <a:noFill/>
-                </a:ln>
-                <a:solidFill>
-                  <a:srgbClr val="010101"/>
-                </a:solidFill>
-                <a:effectLst/>
-                <a:latin typeface="Consolas" pitchFamily="49" charset="0"/>
-                <a:ea typeface="굴림" pitchFamily="50" charset="-127"/>
-                <a:cs typeface="굴림" pitchFamily="50" charset="-127"/>
-              </a:rPr>
-              <a:t> _iData;</a:t>
-            </a:r>
-          </a:p>
-          <a:p>
-            <a:pPr marL="0" marR="0" lvl="0" indent="0" algn="l" defTabSz="914400" rtl="0" eaLnBrk="0" fontAlgn="base" latinLnBrk="0" hangingPunct="0">
-              <a:lnSpc>
-                <a:spcPct val="100000"/>
-              </a:lnSpc>
-              <a:spcBef>
-                <a:spcPct val="0"/>
-              </a:spcBef>
-              <a:spcAft>
-                <a:spcPct val="0"/>
-              </a:spcAft>
-              <a:buClrTx/>
-              <a:buSzTx/>
-              <a:buFontTx/>
-              <a:buNone/>
-              <a:tabLst/>
-            </a:pPr>
-            <a:r>
-              <a:rPr kumimoji="1" lang="en-US" altLang="ko-KR" b="1" i="0" u="none" strike="noStrike" cap="none" normalizeH="0" baseline="0" dirty="0" smtClean="0">
-                <a:ln>
-                  <a:noFill/>
-                </a:ln>
-                <a:solidFill>
-                  <a:srgbClr val="010101"/>
-                </a:solidFill>
-                <a:effectLst/>
-                <a:latin typeface="Consolas" pitchFamily="49" charset="0"/>
-                <a:ea typeface="굴림" pitchFamily="50" charset="-127"/>
-                <a:cs typeface="굴림" pitchFamily="50" charset="-127"/>
-              </a:rPr>
-              <a:t>	</a:t>
-            </a:r>
-            <a:r>
-              <a:rPr kumimoji="1" lang="ko-KR" altLang="ko-KR" b="1" i="0" u="none" strike="noStrike" cap="none" normalizeH="0" baseline="0" dirty="0" smtClean="0">
-                <a:ln>
-                  <a:noFill/>
-                </a:ln>
-                <a:solidFill>
-                  <a:srgbClr val="010101"/>
-                </a:solidFill>
-                <a:effectLst/>
-                <a:latin typeface="Consolas" pitchFamily="49" charset="0"/>
-                <a:ea typeface="굴림" pitchFamily="50" charset="-127"/>
-                <a:cs typeface="굴림" pitchFamily="50" charset="-127"/>
-              </a:rPr>
-              <a:t>}</a:t>
-            </a:r>
-            <a:endParaRPr kumimoji="1" lang="en-US" altLang="ko-KR" b="1" i="0" u="none" strike="noStrike" cap="none" normalizeH="0" baseline="0" dirty="0" smtClean="0">
-              <a:ln>
-                <a:noFill/>
-              </a:ln>
-              <a:solidFill>
-                <a:srgbClr val="010101"/>
-              </a:solidFill>
-              <a:effectLst/>
-              <a:latin typeface="Consolas" pitchFamily="49" charset="0"/>
-              <a:ea typeface="굴림" pitchFamily="50" charset="-127"/>
-              <a:cs typeface="굴림" pitchFamily="50" charset="-127"/>
-            </a:endParaRPr>
-          </a:p>
-          <a:p>
-            <a:pPr marL="0" marR="0" lvl="0" indent="0" algn="l" defTabSz="914400" rtl="0" eaLnBrk="0" fontAlgn="base" latinLnBrk="0" hangingPunct="0">
-              <a:lnSpc>
-                <a:spcPct val="100000"/>
-              </a:lnSpc>
-              <a:spcBef>
-                <a:spcPct val="0"/>
-              </a:spcBef>
-              <a:spcAft>
-                <a:spcPct val="0"/>
-              </a:spcAft>
-              <a:buClrTx/>
-              <a:buSzTx/>
-              <a:buFontTx/>
-              <a:buNone/>
-              <a:tabLst/>
-            </a:pPr>
-            <a:r>
-              <a:rPr kumimoji="1" lang="ko-KR" altLang="ko-KR" b="1" i="0" u="none" strike="noStrike" cap="none" normalizeH="0" baseline="0" dirty="0" smtClean="0">
-                <a:ln>
-                  <a:noFill/>
-                </a:ln>
-                <a:solidFill>
-                  <a:srgbClr val="A71D5D"/>
-                </a:solidFill>
-                <a:effectLst/>
-                <a:latin typeface="Consolas" pitchFamily="49" charset="0"/>
-                <a:ea typeface="굴림" pitchFamily="50" charset="-127"/>
-                <a:cs typeface="굴림" pitchFamily="50" charset="-127"/>
-              </a:rPr>
-              <a:t>void</a:t>
-            </a:r>
-            <a:r>
-              <a:rPr kumimoji="1" lang="ko-KR" altLang="ko-KR" b="1" i="0" u="none" strike="noStrike" cap="none" normalizeH="0" baseline="0" dirty="0" smtClean="0">
-                <a:ln>
-                  <a:noFill/>
-                </a:ln>
-                <a:solidFill>
-                  <a:srgbClr val="010101"/>
-                </a:solidFill>
-                <a:effectLst/>
-                <a:latin typeface="Consolas" pitchFamily="49" charset="0"/>
-                <a:ea typeface="굴림" pitchFamily="50" charset="-127"/>
-                <a:cs typeface="굴림" pitchFamily="50" charset="-127"/>
-              </a:rPr>
-              <a:t> main()</a:t>
-            </a:r>
-          </a:p>
-          <a:p>
-            <a:pPr marL="0" marR="0" lvl="0" indent="0" algn="l" defTabSz="914400" rtl="0" eaLnBrk="0" fontAlgn="base" latinLnBrk="0" hangingPunct="0">
-              <a:lnSpc>
-                <a:spcPct val="100000"/>
-              </a:lnSpc>
-              <a:spcBef>
-                <a:spcPct val="0"/>
-              </a:spcBef>
-              <a:spcAft>
-                <a:spcPct val="0"/>
-              </a:spcAft>
-              <a:buClrTx/>
-              <a:buSzTx/>
-              <a:buFontTx/>
-              <a:buNone/>
-              <a:tabLst/>
-            </a:pPr>
-            <a:r>
-              <a:rPr kumimoji="1" lang="ko-KR" altLang="ko-KR" b="1" i="0" u="none" strike="noStrike" cap="none" normalizeH="0" baseline="0" dirty="0" smtClean="0">
-                <a:ln>
-                  <a:noFill/>
-                </a:ln>
-                <a:solidFill>
-                  <a:srgbClr val="010101"/>
-                </a:solidFill>
-                <a:effectLst/>
-                <a:latin typeface="Consolas" pitchFamily="49" charset="0"/>
-                <a:ea typeface="굴림" pitchFamily="50" charset="-127"/>
-                <a:cs typeface="굴림" pitchFamily="50" charset="-127"/>
-              </a:rPr>
-              <a:t>{</a:t>
-            </a:r>
-          </a:p>
-          <a:p>
-            <a:pPr marL="0" marR="0" lvl="0" indent="0" algn="l" defTabSz="914400" rtl="0" eaLnBrk="0" fontAlgn="base" latinLnBrk="0" hangingPunct="0">
-              <a:lnSpc>
-                <a:spcPct val="100000"/>
-              </a:lnSpc>
-              <a:spcBef>
-                <a:spcPct val="0"/>
-              </a:spcBef>
-              <a:spcAft>
-                <a:spcPct val="0"/>
-              </a:spcAft>
-              <a:buClrTx/>
-              <a:buSzTx/>
-              <a:buFontTx/>
-              <a:buNone/>
-              <a:tabLst/>
-            </a:pPr>
-            <a:r>
-              <a:rPr kumimoji="1" lang="en-US" altLang="ko-KR" b="1" i="0" u="none" strike="noStrike" cap="none" normalizeH="0" baseline="0" dirty="0" smtClean="0">
-                <a:ln>
-                  <a:noFill/>
-                </a:ln>
-                <a:solidFill>
-                  <a:srgbClr val="A71D5D"/>
-                </a:solidFill>
-                <a:effectLst/>
-                <a:latin typeface="Consolas" pitchFamily="49" charset="0"/>
-                <a:ea typeface="굴림" pitchFamily="50" charset="-127"/>
-                <a:cs typeface="굴림" pitchFamily="50" charset="-127"/>
-              </a:rPr>
-              <a:t>	</a:t>
-            </a:r>
-            <a:r>
-              <a:rPr kumimoji="1" lang="ko-KR" altLang="ko-KR" b="1" i="0" u="none" strike="noStrike" cap="none" normalizeH="0" baseline="0" dirty="0" smtClean="0">
-                <a:ln>
-                  <a:noFill/>
-                </a:ln>
-                <a:solidFill>
-                  <a:srgbClr val="A71D5D"/>
-                </a:solidFill>
-                <a:effectLst/>
-                <a:latin typeface="Consolas" pitchFamily="49" charset="0"/>
-                <a:ea typeface="굴림" pitchFamily="50" charset="-127"/>
-                <a:cs typeface="굴림" pitchFamily="50" charset="-127"/>
-              </a:rPr>
-              <a:t>const</a:t>
-            </a:r>
-            <a:r>
-              <a:rPr kumimoji="1" lang="ko-KR" altLang="ko-KR" b="1" i="0" u="none" strike="noStrike" cap="none" normalizeH="0" baseline="0" dirty="0" smtClean="0">
-                <a:ln>
-                  <a:noFill/>
-                </a:ln>
-                <a:solidFill>
-                  <a:srgbClr val="010101"/>
-                </a:solidFill>
-                <a:effectLst/>
-                <a:latin typeface="Consolas" pitchFamily="49" charset="0"/>
-                <a:ea typeface="굴림" pitchFamily="50" charset="-127"/>
-                <a:cs typeface="굴림" pitchFamily="50" charset="-127"/>
-              </a:rPr>
-              <a:t> Test t </a:t>
-            </a:r>
-            <a:r>
-              <a:rPr kumimoji="1" lang="ko-KR" altLang="ko-KR" b="1" i="0" u="none" strike="noStrike" cap="none" normalizeH="0" baseline="0" dirty="0" smtClean="0">
-                <a:ln>
-                  <a:noFill/>
-                </a:ln>
-                <a:solidFill>
-                  <a:srgbClr val="A71D5D"/>
-                </a:solidFill>
-                <a:effectLst/>
-                <a:latin typeface="Consolas" pitchFamily="49" charset="0"/>
-                <a:ea typeface="굴림" pitchFamily="50" charset="-127"/>
-                <a:cs typeface="굴림" pitchFamily="50" charset="-127"/>
-              </a:rPr>
-              <a:t>=</a:t>
-            </a:r>
-            <a:r>
-              <a:rPr kumimoji="1" lang="ko-KR" altLang="ko-KR" b="1" i="0" u="none" strike="noStrike" cap="none" normalizeH="0" baseline="0" dirty="0" smtClean="0">
-                <a:ln>
-                  <a:noFill/>
-                </a:ln>
-                <a:solidFill>
-                  <a:srgbClr val="010101"/>
-                </a:solidFill>
-                <a:effectLst/>
-                <a:latin typeface="Consolas" pitchFamily="49" charset="0"/>
-                <a:ea typeface="굴림" pitchFamily="50" charset="-127"/>
-                <a:cs typeface="굴림" pitchFamily="50" charset="-127"/>
-              </a:rPr>
-              <a:t> [</a:t>
-            </a:r>
-            <a:r>
-              <a:rPr kumimoji="1" lang="ko-KR" altLang="ko-KR" b="1" i="0" u="none" strike="noStrike" cap="none" normalizeH="0" baseline="0" dirty="0" smtClean="0">
-                <a:ln>
-                  <a:noFill/>
-                </a:ln>
-                <a:solidFill>
-                  <a:srgbClr val="A71D5D"/>
-                </a:solidFill>
-                <a:effectLst/>
-                <a:latin typeface="Consolas" pitchFamily="49" charset="0"/>
-                <a:ea typeface="굴림" pitchFamily="50" charset="-127"/>
-                <a:cs typeface="굴림" pitchFamily="50" charset="-127"/>
-              </a:rPr>
-              <a:t>&amp;</a:t>
-            </a:r>
-            <a:r>
-              <a:rPr kumimoji="1" lang="ko-KR" altLang="ko-KR" b="1" i="0" u="none" strike="noStrike" cap="none" normalizeH="0" baseline="0" dirty="0" smtClean="0">
-                <a:ln>
-                  <a:noFill/>
-                </a:ln>
-                <a:solidFill>
-                  <a:srgbClr val="010101"/>
-                </a:solidFill>
-                <a:effectLst/>
-                <a:latin typeface="Consolas" pitchFamily="49" charset="0"/>
-                <a:ea typeface="굴림" pitchFamily="50" charset="-127"/>
-                <a:cs typeface="굴림" pitchFamily="50" charset="-127"/>
-              </a:rPr>
-              <a:t>] {</a:t>
-            </a:r>
-          </a:p>
-          <a:p>
-            <a:pPr marL="0" marR="0" lvl="0" indent="0" algn="l" defTabSz="914400" rtl="0" eaLnBrk="0" fontAlgn="base" latinLnBrk="0" hangingPunct="0">
-              <a:lnSpc>
-                <a:spcPct val="100000"/>
-              </a:lnSpc>
-              <a:spcBef>
-                <a:spcPct val="0"/>
-              </a:spcBef>
-              <a:spcAft>
-                <a:spcPct val="0"/>
-              </a:spcAft>
-              <a:buClrTx/>
-              <a:buSzTx/>
-              <a:buFontTx/>
-              <a:buNone/>
-              <a:tabLst/>
-            </a:pPr>
-            <a:r>
-              <a:rPr kumimoji="1" lang="en-US" altLang="ko-KR" b="1" i="0" u="none" strike="noStrike" cap="none" normalizeH="0" baseline="0" dirty="0" smtClean="0">
-                <a:ln>
-                  <a:noFill/>
-                </a:ln>
-                <a:solidFill>
-                  <a:srgbClr val="010101"/>
-                </a:solidFill>
-                <a:effectLst/>
-                <a:latin typeface="Consolas" pitchFamily="49" charset="0"/>
-                <a:ea typeface="굴림" pitchFamily="50" charset="-127"/>
-                <a:cs typeface="굴림" pitchFamily="50" charset="-127"/>
-              </a:rPr>
-              <a:t>		</a:t>
-            </a:r>
-            <a:r>
-              <a:rPr kumimoji="1" lang="ko-KR" altLang="ko-KR" b="1" i="0" u="none" strike="noStrike" cap="none" normalizeH="0" baseline="0" dirty="0" smtClean="0">
-                <a:ln>
-                  <a:noFill/>
-                </a:ln>
-                <a:solidFill>
-                  <a:srgbClr val="010101"/>
-                </a:solidFill>
-                <a:effectLst/>
-                <a:latin typeface="Consolas" pitchFamily="49" charset="0"/>
-                <a:ea typeface="굴림" pitchFamily="50" charset="-127"/>
-                <a:cs typeface="굴림" pitchFamily="50" charset="-127"/>
-              </a:rPr>
-              <a:t>Test val;</a:t>
-            </a:r>
-          </a:p>
-          <a:p>
-            <a:pPr marL="0" marR="0" lvl="0" indent="0" algn="l" defTabSz="914400" rtl="0" eaLnBrk="0" fontAlgn="base" latinLnBrk="0" hangingPunct="0">
-              <a:lnSpc>
-                <a:spcPct val="100000"/>
-              </a:lnSpc>
-              <a:spcBef>
-                <a:spcPct val="0"/>
-              </a:spcBef>
-              <a:spcAft>
-                <a:spcPct val="0"/>
-              </a:spcAft>
-              <a:buClrTx/>
-              <a:buSzTx/>
-              <a:buFontTx/>
-              <a:buNone/>
-              <a:tabLst/>
-            </a:pPr>
-            <a:r>
-              <a:rPr kumimoji="1" lang="en-US" altLang="ko-KR" b="1" i="0" u="none" strike="noStrike" cap="none" normalizeH="0" baseline="0" dirty="0" smtClean="0">
-                <a:ln>
-                  <a:noFill/>
-                </a:ln>
-                <a:solidFill>
-                  <a:srgbClr val="A71D5D"/>
-                </a:solidFill>
-                <a:effectLst/>
-                <a:latin typeface="Consolas" pitchFamily="49" charset="0"/>
-                <a:ea typeface="굴림" pitchFamily="50" charset="-127"/>
-                <a:cs typeface="굴림" pitchFamily="50" charset="-127"/>
-              </a:rPr>
-              <a:t>		</a:t>
-            </a:r>
-            <a:r>
-              <a:rPr kumimoji="1" lang="ko-KR" altLang="ko-KR" b="1" i="0" u="none" strike="noStrike" cap="none" normalizeH="0" baseline="0" dirty="0" smtClean="0">
-                <a:ln>
-                  <a:noFill/>
-                </a:ln>
-                <a:solidFill>
-                  <a:srgbClr val="A71D5D"/>
-                </a:solidFill>
-                <a:effectLst/>
-                <a:latin typeface="Consolas" pitchFamily="49" charset="0"/>
-                <a:ea typeface="굴림" pitchFamily="50" charset="-127"/>
-                <a:cs typeface="굴림" pitchFamily="50" charset="-127"/>
-              </a:rPr>
-              <a:t>for</a:t>
-            </a:r>
-            <a:r>
-              <a:rPr kumimoji="1" lang="ko-KR" altLang="ko-KR" b="1" i="0" u="none" strike="noStrike" cap="none" normalizeH="0" baseline="0" dirty="0" smtClean="0">
-                <a:ln>
-                  <a:noFill/>
-                </a:ln>
-                <a:solidFill>
-                  <a:srgbClr val="010101"/>
-                </a:solidFill>
-                <a:effectLst/>
-                <a:latin typeface="Consolas" pitchFamily="49" charset="0"/>
-                <a:ea typeface="굴림" pitchFamily="50" charset="-127"/>
-                <a:cs typeface="굴림" pitchFamily="50" charset="-127"/>
-              </a:rPr>
-              <a:t> (</a:t>
-            </a:r>
-            <a:r>
-              <a:rPr kumimoji="1" lang="ko-KR" altLang="ko-KR" b="1" i="0" u="none" strike="noStrike" cap="none" normalizeH="0" baseline="0" dirty="0" smtClean="0">
-                <a:ln>
-                  <a:noFill/>
-                </a:ln>
-                <a:solidFill>
-                  <a:srgbClr val="066DE2"/>
-                </a:solidFill>
-                <a:effectLst/>
-                <a:latin typeface="Consolas" pitchFamily="49" charset="0"/>
-                <a:ea typeface="굴림" pitchFamily="50" charset="-127"/>
-                <a:cs typeface="굴림" pitchFamily="50" charset="-127"/>
-              </a:rPr>
-              <a:t>int</a:t>
-            </a:r>
-            <a:r>
-              <a:rPr kumimoji="1" lang="ko-KR" altLang="ko-KR" b="1" i="0" u="none" strike="noStrike" cap="none" normalizeH="0" baseline="0" dirty="0" smtClean="0">
-                <a:ln>
-                  <a:noFill/>
-                </a:ln>
-                <a:solidFill>
-                  <a:srgbClr val="010101"/>
-                </a:solidFill>
-                <a:effectLst/>
-                <a:latin typeface="Consolas" pitchFamily="49" charset="0"/>
-                <a:ea typeface="굴림" pitchFamily="50" charset="-127"/>
-                <a:cs typeface="굴림" pitchFamily="50" charset="-127"/>
-              </a:rPr>
-              <a:t> i </a:t>
-            </a:r>
-            <a:r>
-              <a:rPr kumimoji="1" lang="ko-KR" altLang="ko-KR" b="1" i="0" u="none" strike="noStrike" cap="none" normalizeH="0" baseline="0" dirty="0" smtClean="0">
-                <a:ln>
-                  <a:noFill/>
-                </a:ln>
-                <a:solidFill>
-                  <a:srgbClr val="A71D5D"/>
-                </a:solidFill>
-                <a:effectLst/>
-                <a:latin typeface="Consolas" pitchFamily="49" charset="0"/>
-                <a:ea typeface="굴림" pitchFamily="50" charset="-127"/>
-                <a:cs typeface="굴림" pitchFamily="50" charset="-127"/>
-              </a:rPr>
-              <a:t>=</a:t>
-            </a:r>
-            <a:r>
-              <a:rPr kumimoji="1" lang="ko-KR" altLang="ko-KR" b="1" i="0" u="none" strike="noStrike" cap="none" normalizeH="0" baseline="0" dirty="0" smtClean="0">
-                <a:ln>
-                  <a:noFill/>
-                </a:ln>
-                <a:solidFill>
-                  <a:srgbClr val="010101"/>
-                </a:solidFill>
-                <a:effectLst/>
-                <a:latin typeface="Consolas" pitchFamily="49" charset="0"/>
-                <a:ea typeface="굴림" pitchFamily="50" charset="-127"/>
-                <a:cs typeface="굴림" pitchFamily="50" charset="-127"/>
-              </a:rPr>
-              <a:t> </a:t>
-            </a:r>
-            <a:r>
-              <a:rPr kumimoji="1" lang="ko-KR" altLang="ko-KR" b="1" i="0" u="none" strike="noStrike" cap="none" normalizeH="0" baseline="0" dirty="0" smtClean="0">
-                <a:ln>
-                  <a:noFill/>
-                </a:ln>
-                <a:solidFill>
-                  <a:srgbClr val="0099CC"/>
-                </a:solidFill>
-                <a:effectLst/>
-                <a:latin typeface="Consolas" pitchFamily="49" charset="0"/>
-                <a:ea typeface="굴림" pitchFamily="50" charset="-127"/>
-                <a:cs typeface="굴림" pitchFamily="50" charset="-127"/>
-              </a:rPr>
-              <a:t>0</a:t>
-            </a:r>
-            <a:r>
-              <a:rPr kumimoji="1" lang="ko-KR" altLang="ko-KR" b="1" i="0" u="none" strike="noStrike" cap="none" normalizeH="0" baseline="0" dirty="0" smtClean="0">
-                <a:ln>
-                  <a:noFill/>
-                </a:ln>
-                <a:solidFill>
-                  <a:srgbClr val="010101"/>
-                </a:solidFill>
-                <a:effectLst/>
-                <a:latin typeface="Consolas" pitchFamily="49" charset="0"/>
-                <a:ea typeface="굴림" pitchFamily="50" charset="-127"/>
-                <a:cs typeface="굴림" pitchFamily="50" charset="-127"/>
-              </a:rPr>
-              <a:t>; i </a:t>
-            </a:r>
-            <a:r>
-              <a:rPr kumimoji="1" lang="ko-KR" altLang="ko-KR" b="1" i="0" u="none" strike="noStrike" cap="none" normalizeH="0" baseline="0" dirty="0" smtClean="0">
-                <a:ln>
-                  <a:noFill/>
-                </a:ln>
-                <a:solidFill>
-                  <a:srgbClr val="A71D5D"/>
-                </a:solidFill>
-                <a:effectLst/>
-                <a:latin typeface="Consolas" pitchFamily="49" charset="0"/>
-                <a:ea typeface="굴림" pitchFamily="50" charset="-127"/>
-                <a:cs typeface="굴림" pitchFamily="50" charset="-127"/>
-              </a:rPr>
-              <a:t>&lt;</a:t>
-            </a:r>
-            <a:r>
-              <a:rPr kumimoji="1" lang="ko-KR" altLang="ko-KR" b="1" i="0" u="none" strike="noStrike" cap="none" normalizeH="0" baseline="0" dirty="0" smtClean="0">
-                <a:ln>
-                  <a:noFill/>
-                </a:ln>
-                <a:solidFill>
-                  <a:srgbClr val="010101"/>
-                </a:solidFill>
-                <a:effectLst/>
-                <a:latin typeface="Consolas" pitchFamily="49" charset="0"/>
-                <a:ea typeface="굴림" pitchFamily="50" charset="-127"/>
-                <a:cs typeface="굴림" pitchFamily="50" charset="-127"/>
-              </a:rPr>
-              <a:t> </a:t>
-            </a:r>
-            <a:r>
-              <a:rPr kumimoji="1" lang="ko-KR" altLang="ko-KR" b="1" i="0" u="none" strike="noStrike" cap="none" normalizeH="0" baseline="0" dirty="0" smtClean="0">
-                <a:ln>
-                  <a:noFill/>
-                </a:ln>
-                <a:solidFill>
-                  <a:srgbClr val="0099CC"/>
-                </a:solidFill>
-                <a:effectLst/>
-                <a:latin typeface="Consolas" pitchFamily="49" charset="0"/>
-                <a:ea typeface="굴림" pitchFamily="50" charset="-127"/>
-                <a:cs typeface="굴림" pitchFamily="50" charset="-127"/>
-              </a:rPr>
-              <a:t>10</a:t>
-            </a:r>
-            <a:r>
-              <a:rPr kumimoji="1" lang="ko-KR" altLang="ko-KR" b="1" i="0" u="none" strike="noStrike" cap="none" normalizeH="0" baseline="0" dirty="0" smtClean="0">
-                <a:ln>
-                  <a:noFill/>
-                </a:ln>
-                <a:solidFill>
-                  <a:srgbClr val="010101"/>
-                </a:solidFill>
-                <a:effectLst/>
-                <a:latin typeface="Consolas" pitchFamily="49" charset="0"/>
-                <a:ea typeface="굴림" pitchFamily="50" charset="-127"/>
-                <a:cs typeface="굴림" pitchFamily="50" charset="-127"/>
-              </a:rPr>
-              <a:t>; i</a:t>
-            </a:r>
-            <a:r>
-              <a:rPr kumimoji="1" lang="ko-KR" altLang="ko-KR" b="1" i="0" u="none" strike="noStrike" cap="none" normalizeH="0" baseline="0" dirty="0" smtClean="0">
-                <a:ln>
-                  <a:noFill/>
-                </a:ln>
-                <a:solidFill>
-                  <a:srgbClr val="A71D5D"/>
-                </a:solidFill>
-                <a:effectLst/>
-                <a:latin typeface="Consolas" pitchFamily="49" charset="0"/>
-                <a:ea typeface="굴림" pitchFamily="50" charset="-127"/>
-                <a:cs typeface="굴림" pitchFamily="50" charset="-127"/>
-              </a:rPr>
-              <a:t>++</a:t>
-            </a:r>
-            <a:r>
-              <a:rPr kumimoji="1" lang="ko-KR" altLang="ko-KR" b="1" i="0" u="none" strike="noStrike" cap="none" normalizeH="0" baseline="0" dirty="0" smtClean="0">
-                <a:ln>
-                  <a:noFill/>
-                </a:ln>
-                <a:solidFill>
-                  <a:srgbClr val="010101"/>
-                </a:solidFill>
-                <a:effectLst/>
-                <a:latin typeface="Consolas" pitchFamily="49" charset="0"/>
-                <a:ea typeface="굴림" pitchFamily="50" charset="-127"/>
-                <a:cs typeface="굴림" pitchFamily="50" charset="-127"/>
-              </a:rPr>
-              <a:t>)</a:t>
-            </a:r>
-          </a:p>
-          <a:p>
-            <a:pPr marL="0" marR="0" lvl="0" indent="0" algn="l" defTabSz="914400" rtl="0" eaLnBrk="0" fontAlgn="base" latinLnBrk="0" hangingPunct="0">
-              <a:lnSpc>
-                <a:spcPct val="100000"/>
-              </a:lnSpc>
-              <a:spcBef>
-                <a:spcPct val="0"/>
-              </a:spcBef>
-              <a:spcAft>
-                <a:spcPct val="0"/>
-              </a:spcAft>
-              <a:buClrTx/>
-              <a:buSzTx/>
-              <a:buFontTx/>
-              <a:buNone/>
-              <a:tabLst/>
-            </a:pPr>
-            <a:r>
-              <a:rPr kumimoji="1" lang="en-US" altLang="ko-KR" b="1" i="0" u="none" strike="noStrike" cap="none" normalizeH="0" baseline="0" dirty="0" smtClean="0">
-                <a:ln>
-                  <a:noFill/>
-                </a:ln>
-                <a:solidFill>
-                  <a:srgbClr val="010101"/>
-                </a:solidFill>
-                <a:effectLst/>
-                <a:latin typeface="Consolas" pitchFamily="49" charset="0"/>
-                <a:ea typeface="굴림" pitchFamily="50" charset="-127"/>
-                <a:cs typeface="굴림" pitchFamily="50" charset="-127"/>
-              </a:rPr>
-              <a:t>		</a:t>
-            </a:r>
-            <a:r>
-              <a:rPr kumimoji="1" lang="ko-KR" altLang="ko-KR" b="1" i="0" u="none" strike="noStrike" cap="none" normalizeH="0" baseline="0" dirty="0" smtClean="0">
-                <a:ln>
-                  <a:noFill/>
-                </a:ln>
-                <a:solidFill>
-                  <a:srgbClr val="010101"/>
-                </a:solidFill>
-                <a:effectLst/>
-                <a:latin typeface="Consolas" pitchFamily="49" charset="0"/>
-                <a:ea typeface="굴림" pitchFamily="50" charset="-127"/>
-                <a:cs typeface="굴림" pitchFamily="50" charset="-127"/>
-              </a:rPr>
-              <a:t>val </a:t>
-            </a:r>
-            <a:r>
-              <a:rPr kumimoji="1" lang="ko-KR" altLang="ko-KR" b="1" i="0" u="none" strike="noStrike" cap="none" normalizeH="0" baseline="0" dirty="0" smtClean="0">
-                <a:ln>
-                  <a:noFill/>
-                </a:ln>
-                <a:solidFill>
-                  <a:srgbClr val="A71D5D"/>
-                </a:solidFill>
-                <a:effectLst/>
-                <a:latin typeface="Consolas" pitchFamily="49" charset="0"/>
-                <a:ea typeface="굴림" pitchFamily="50" charset="-127"/>
-                <a:cs typeface="굴림" pitchFamily="50" charset="-127"/>
-              </a:rPr>
-              <a:t>+=</a:t>
-            </a:r>
-            <a:r>
-              <a:rPr kumimoji="1" lang="ko-KR" altLang="ko-KR" b="1" i="0" u="none" strike="noStrike" cap="none" normalizeH="0" baseline="0" dirty="0" smtClean="0">
-                <a:ln>
-                  <a:noFill/>
-                </a:ln>
-                <a:solidFill>
-                  <a:srgbClr val="010101"/>
-                </a:solidFill>
-                <a:effectLst/>
-                <a:latin typeface="Consolas" pitchFamily="49" charset="0"/>
-                <a:ea typeface="굴림" pitchFamily="50" charset="-127"/>
-                <a:cs typeface="굴림" pitchFamily="50" charset="-127"/>
-              </a:rPr>
-              <a:t> i;</a:t>
-            </a:r>
-          </a:p>
-          <a:p>
-            <a:pPr marL="0" marR="0" lvl="0" indent="0" algn="l" defTabSz="914400" rtl="0" eaLnBrk="0" fontAlgn="base" latinLnBrk="0" hangingPunct="0">
-              <a:lnSpc>
-                <a:spcPct val="100000"/>
-              </a:lnSpc>
-              <a:spcBef>
-                <a:spcPct val="0"/>
-              </a:spcBef>
-              <a:spcAft>
-                <a:spcPct val="0"/>
-              </a:spcAft>
-              <a:buClrTx/>
-              <a:buSzTx/>
-              <a:buFontTx/>
-              <a:buNone/>
-              <a:tabLst/>
-            </a:pPr>
-            <a:r>
-              <a:rPr kumimoji="1" lang="en-US" altLang="ko-KR" b="1" i="0" u="none" strike="noStrike" cap="none" normalizeH="0" baseline="0" dirty="0" smtClean="0">
-                <a:ln>
-                  <a:noFill/>
-                </a:ln>
-                <a:solidFill>
-                  <a:srgbClr val="A71D5D"/>
-                </a:solidFill>
-                <a:effectLst/>
-                <a:latin typeface="Consolas" pitchFamily="49" charset="0"/>
-                <a:ea typeface="굴림" pitchFamily="50" charset="-127"/>
-                <a:cs typeface="굴림" pitchFamily="50" charset="-127"/>
-              </a:rPr>
-              <a:t>		</a:t>
-            </a:r>
-            <a:r>
-              <a:rPr kumimoji="1" lang="ko-KR" altLang="ko-KR" b="1" i="0" u="none" strike="noStrike" cap="none" normalizeH="0" baseline="0" dirty="0" smtClean="0">
-                <a:ln>
-                  <a:noFill/>
-                </a:ln>
-                <a:solidFill>
-                  <a:srgbClr val="A71D5D"/>
-                </a:solidFill>
-                <a:effectLst/>
-                <a:latin typeface="Consolas" pitchFamily="49" charset="0"/>
-                <a:ea typeface="굴림" pitchFamily="50" charset="-127"/>
-                <a:cs typeface="굴림" pitchFamily="50" charset="-127"/>
-              </a:rPr>
-              <a:t>return</a:t>
-            </a:r>
-            <a:r>
-              <a:rPr kumimoji="1" lang="ko-KR" altLang="ko-KR" b="1" i="0" u="none" strike="noStrike" cap="none" normalizeH="0" baseline="0" dirty="0" smtClean="0">
-                <a:ln>
-                  <a:noFill/>
-                </a:ln>
-                <a:solidFill>
-                  <a:srgbClr val="010101"/>
-                </a:solidFill>
-                <a:effectLst/>
-                <a:latin typeface="Consolas" pitchFamily="49" charset="0"/>
-                <a:ea typeface="굴림" pitchFamily="50" charset="-127"/>
-                <a:cs typeface="굴림" pitchFamily="50" charset="-127"/>
-              </a:rPr>
-              <a:t> val;</a:t>
-            </a:r>
-          </a:p>
-          <a:p>
-            <a:pPr marL="0" marR="0" lvl="0" indent="0" algn="l" defTabSz="914400" rtl="0" eaLnBrk="0" fontAlgn="base" latinLnBrk="0" hangingPunct="0">
-              <a:lnSpc>
-                <a:spcPct val="100000"/>
-              </a:lnSpc>
-              <a:spcBef>
-                <a:spcPct val="0"/>
-              </a:spcBef>
-              <a:spcAft>
-                <a:spcPct val="0"/>
-              </a:spcAft>
-              <a:buClrTx/>
-              <a:buSzTx/>
-              <a:buFontTx/>
-              <a:buNone/>
-              <a:tabLst/>
-            </a:pPr>
-            <a:r>
-              <a:rPr kumimoji="1" lang="en-US" altLang="ko-KR" b="1" i="0" u="none" strike="noStrike" cap="none" normalizeH="0" baseline="0" dirty="0" smtClean="0">
-                <a:ln>
-                  <a:noFill/>
-                </a:ln>
-                <a:solidFill>
-                  <a:srgbClr val="010101"/>
-                </a:solidFill>
-                <a:effectLst/>
-                <a:latin typeface="Consolas" pitchFamily="49" charset="0"/>
-                <a:ea typeface="굴림" pitchFamily="50" charset="-127"/>
-                <a:cs typeface="굴림" pitchFamily="50" charset="-127"/>
-              </a:rPr>
-              <a:t>	</a:t>
-            </a:r>
-            <a:r>
-              <a:rPr kumimoji="1" lang="ko-KR" altLang="ko-KR" b="1" i="0" u="none" strike="noStrike" cap="none" normalizeH="0" baseline="0" dirty="0" smtClean="0">
-                <a:ln>
-                  <a:noFill/>
-                </a:ln>
-                <a:solidFill>
-                  <a:srgbClr val="010101"/>
-                </a:solidFill>
-                <a:effectLst/>
-                <a:latin typeface="Consolas" pitchFamily="49" charset="0"/>
-                <a:ea typeface="굴림" pitchFamily="50" charset="-127"/>
-                <a:cs typeface="굴림" pitchFamily="50" charset="-127"/>
-              </a:rPr>
-              <a:t>}();</a:t>
-            </a:r>
-          </a:p>
-          <a:p>
-            <a:pPr marL="0" marR="0" lvl="0" indent="0" algn="l" defTabSz="914400" rtl="0" eaLnBrk="0" fontAlgn="base" latinLnBrk="0" hangingPunct="0">
-              <a:lnSpc>
-                <a:spcPct val="100000"/>
-              </a:lnSpc>
-              <a:spcBef>
-                <a:spcPct val="0"/>
-              </a:spcBef>
-              <a:spcAft>
-                <a:spcPct val="0"/>
-              </a:spcAft>
-              <a:buClrTx/>
-              <a:buSzTx/>
-              <a:buFontTx/>
-              <a:buNone/>
-              <a:tabLst/>
-            </a:pPr>
-            <a:r>
-              <a:rPr kumimoji="1" lang="ko-KR" altLang="ko-KR" b="1" i="0" u="none" strike="noStrike" cap="none" normalizeH="0" baseline="0" dirty="0" smtClean="0">
-                <a:ln>
-                  <a:noFill/>
-                </a:ln>
-                <a:solidFill>
-                  <a:srgbClr val="010101"/>
-                </a:solidFill>
-                <a:effectLst/>
-                <a:latin typeface="Consolas" pitchFamily="49" charset="0"/>
-                <a:ea typeface="굴림" pitchFamily="50" charset="-127"/>
-                <a:cs typeface="굴림" pitchFamily="50" charset="-127"/>
-              </a:rPr>
-              <a:t>}</a:t>
-            </a:r>
-            <a:endParaRPr kumimoji="1" lang="ko-KR" altLang="ko-KR" sz="1200" b="1" i="0" u="none" strike="noStrike" cap="none" normalizeH="0" baseline="0" dirty="0" smtClean="0">
-              <a:ln>
-                <a:noFill/>
-              </a:ln>
-              <a:solidFill>
-                <a:schemeClr val="tx1"/>
-              </a:solidFill>
-              <a:effectLst/>
-              <a:latin typeface="굴림" pitchFamily="50" charset="-127"/>
-              <a:ea typeface="굴림" pitchFamily="50" charset="-127"/>
-              <a:cs typeface="굴림" pitchFamily="50" charset="-127"/>
-            </a:endParaRPr>
-          </a:p>
-        </p:txBody>
-      </p:sp>
-    </p:spTree>
-    <p:extLst>
-      <p:ext uri="{BB962C8B-B14F-4D97-AF65-F5344CB8AC3E}">
-        <p14:creationId xmlns:p14="http://schemas.microsoft.com/office/powerpoint/2010/main" val="3862124620"/>
-      </p:ext>
-    </p:extLst>
-  </p:cSld>
-  <p:clrMapOvr>
-    <a:masterClrMapping/>
-  </p:clrMapOvr>
-  <mc:AlternateContent xmlns:mc="http://schemas.openxmlformats.org/markup-compatibility/2006" xmlns:p14="http://schemas.microsoft.com/office/powerpoint/2010/main">
-    <mc:Choice Requires="p14">
-      <p:transition spd="med" p14:dur="700">
-        <p:fade/>
-      </p:transition>
-    </mc:Choice>
-    <mc:Fallback xmlns="">
-      <p:transition spd="med">
-        <p:fade/>
-      </p:transition>
-    </mc:Fallback>
-  </mc:AlternateContent>
-  <p:timing>
-    <p:tnLst>
-      <p:par>
-        <p:cTn id="1" dur="indefinite" restart="never" nodeType="tmRoot"/>
-      </p:par>
-    </p:tnLst>
-  </p:timing>
-</p:sld>
-</file>
-
-<file path=ppt/slides/slide13.xml><?xml version="1.0" encoding="utf-8"?>
-<p:sld xmlns:a="http://schemas.openxmlformats.org/drawingml/2006/main" xmlns:r="http://schemas.openxmlformats.org/officeDocument/2006/relationships" xmlns:p="http://schemas.openxmlformats.org/presentationml/2006/main">
-  <p:cSld>
-    <p:spTree>
-      <p:nvGrpSpPr>
-        <p:cNvPr id="1" name=""/>
-        <p:cNvGrpSpPr/>
-        <p:nvPr/>
-      </p:nvGrpSpPr>
-      <p:grpSpPr>
-        <a:xfrm>
-          <a:off x="0" y="0"/>
-          <a:ext cx="0" cy="0"/>
-          <a:chOff x="0" y="0"/>
-          <a:chExt cx="0" cy="0"/>
-        </a:xfrm>
-      </p:grpSpPr>
-      <p:cxnSp>
-        <p:nvCxnSpPr>
-          <p:cNvPr id="5" name="직선 연결선 4"/>
-          <p:cNvCxnSpPr/>
-          <p:nvPr/>
-        </p:nvCxnSpPr>
-        <p:spPr>
-          <a:xfrm flipH="1">
-            <a:off x="-252536" y="548680"/>
-            <a:ext cx="10240872" cy="0"/>
-          </a:xfrm>
-          <a:prstGeom prst="line">
-            <a:avLst/>
-          </a:prstGeom>
-          <a:ln>
-            <a:solidFill>
-              <a:schemeClr val="bg1">
-                <a:lumMod val="65000"/>
-                <a:alpha val="50000"/>
-              </a:schemeClr>
-            </a:solidFill>
-          </a:ln>
-        </p:spPr>
-        <p:style>
-          <a:lnRef idx="1">
-            <a:schemeClr val="accent1"/>
-          </a:lnRef>
-          <a:fillRef idx="0">
-            <a:schemeClr val="accent1"/>
-          </a:fillRef>
-          <a:effectRef idx="0">
-            <a:schemeClr val="accent1"/>
-          </a:effectRef>
-          <a:fontRef idx="minor">
-            <a:schemeClr val="tx1"/>
-          </a:fontRef>
-        </p:style>
-      </p:cxnSp>
-      <p:sp>
-        <p:nvSpPr>
-          <p:cNvPr id="21" name="TextBox 20"/>
-          <p:cNvSpPr txBox="1"/>
-          <p:nvPr/>
-        </p:nvSpPr>
-        <p:spPr>
-          <a:xfrm>
-            <a:off x="236725" y="56518"/>
-            <a:ext cx="1959011" cy="400110"/>
-          </a:xfrm>
-          <a:prstGeom prst="rect">
-            <a:avLst/>
-          </a:prstGeom>
-          <a:noFill/>
-        </p:spPr>
-        <p:txBody>
-          <a:bodyPr wrap="square" rtlCol="0">
-            <a:spAutoFit/>
-          </a:bodyPr>
-          <a:lstStyle/>
-          <a:p>
-            <a:pPr algn="ctr"/>
-            <a:r>
-              <a:rPr lang="ko-KR" altLang="en-US" sz="2000" b="1" dirty="0" err="1" smtClean="0">
-                <a:ln>
-                  <a:solidFill>
-                    <a:schemeClr val="tx1">
-                      <a:alpha val="30000"/>
-                    </a:schemeClr>
-                  </a:solidFill>
-                </a:ln>
-                <a:solidFill>
-                  <a:srgbClr val="272123"/>
-                </a:solidFill>
-                <a:latin typeface="HY강B" pitchFamily="18" charset="-127"/>
-                <a:ea typeface="HY강B" pitchFamily="18" charset="-127"/>
-              </a:rPr>
-              <a:t>표현식과</a:t>
-            </a:r>
-            <a:r>
-              <a:rPr lang="ko-KR" altLang="en-US" sz="2000" b="1" dirty="0" smtClean="0">
-                <a:ln>
-                  <a:solidFill>
-                    <a:schemeClr val="tx1">
-                      <a:alpha val="30000"/>
-                    </a:schemeClr>
-                  </a:solidFill>
-                </a:ln>
-                <a:solidFill>
-                  <a:srgbClr val="272123"/>
-                </a:solidFill>
-                <a:latin typeface="HY강B" pitchFamily="18" charset="-127"/>
-                <a:ea typeface="HY강B" pitchFamily="18" charset="-127"/>
-              </a:rPr>
-              <a:t> 문장</a:t>
-            </a:r>
-            <a:endParaRPr lang="en-US" altLang="ko-KR" sz="2000" b="1" dirty="0" smtClean="0">
-              <a:ln>
-                <a:solidFill>
-                  <a:schemeClr val="tx1">
-                    <a:alpha val="30000"/>
-                  </a:schemeClr>
-                </a:solidFill>
-              </a:ln>
-              <a:solidFill>
-                <a:srgbClr val="272123"/>
-              </a:solidFill>
-              <a:latin typeface="HY강B" pitchFamily="18" charset="-127"/>
-              <a:ea typeface="HY강B" pitchFamily="18" charset="-127"/>
-            </a:endParaRPr>
-          </a:p>
-        </p:txBody>
-      </p:sp>
-      <p:cxnSp>
-        <p:nvCxnSpPr>
-          <p:cNvPr id="4" name="직선 연결선 3"/>
-          <p:cNvCxnSpPr/>
-          <p:nvPr/>
-        </p:nvCxnSpPr>
-        <p:spPr>
-          <a:xfrm flipH="1">
-            <a:off x="-252536" y="548680"/>
-            <a:ext cx="10240872" cy="0"/>
-          </a:xfrm>
-          <a:prstGeom prst="line">
-            <a:avLst/>
-          </a:prstGeom>
-          <a:ln>
-            <a:solidFill>
-              <a:schemeClr val="bg1">
-                <a:lumMod val="65000"/>
-                <a:alpha val="50000"/>
-              </a:schemeClr>
-            </a:solidFill>
-          </a:ln>
-        </p:spPr>
-        <p:style>
-          <a:lnRef idx="1">
-            <a:schemeClr val="accent1"/>
-          </a:lnRef>
-          <a:fillRef idx="0">
-            <a:schemeClr val="accent1"/>
-          </a:fillRef>
-          <a:effectRef idx="0">
-            <a:schemeClr val="accent1"/>
-          </a:effectRef>
-          <a:fontRef idx="minor">
-            <a:schemeClr val="tx1"/>
-          </a:fontRef>
-        </p:style>
-      </p:cxnSp>
-      <p:sp>
-        <p:nvSpPr>
-          <p:cNvPr id="6" name="TextBox 5"/>
-          <p:cNvSpPr txBox="1"/>
-          <p:nvPr/>
-        </p:nvSpPr>
-        <p:spPr>
-          <a:xfrm>
-            <a:off x="395536" y="654948"/>
-            <a:ext cx="8064896" cy="400110"/>
-          </a:xfrm>
-          <a:prstGeom prst="rect">
-            <a:avLst/>
-          </a:prstGeom>
-          <a:noFill/>
-        </p:spPr>
-        <p:txBody>
-          <a:bodyPr wrap="square" rtlCol="0">
-            <a:spAutoFit/>
-          </a:bodyPr>
-          <a:lstStyle/>
-          <a:p>
-            <a:pPr marL="285750" indent="-285750">
-              <a:buFont typeface="Arial" pitchFamily="34" charset="0"/>
-              <a:buChar char="•"/>
-            </a:pPr>
-            <a:r>
-              <a:rPr lang="en-US" altLang="ko-KR" sz="2000" dirty="0" smtClean="0">
-                <a:ln>
-                  <a:solidFill>
-                    <a:schemeClr val="tx1">
-                      <a:alpha val="30000"/>
-                    </a:schemeClr>
-                  </a:solidFill>
-                </a:ln>
-                <a:latin typeface="HY견고딕" pitchFamily="18" charset="-127"/>
-                <a:ea typeface="HY견고딕" pitchFamily="18" charset="-127"/>
-              </a:rPr>
-              <a:t>ES.78 switch</a:t>
-            </a:r>
-            <a:r>
-              <a:rPr lang="ko-KR" altLang="en-US" sz="2000" dirty="0" smtClean="0">
-                <a:ln>
-                  <a:solidFill>
-                    <a:schemeClr val="tx1">
-                      <a:alpha val="30000"/>
-                    </a:schemeClr>
-                  </a:solidFill>
-                </a:ln>
-                <a:latin typeface="HY견고딕" pitchFamily="18" charset="-127"/>
-                <a:ea typeface="HY견고딕" pitchFamily="18" charset="-127"/>
-              </a:rPr>
-              <a:t>문에서 암묵적인 실행 지속에 의존하지 말라</a:t>
-            </a:r>
-            <a:r>
-              <a:rPr lang="en-US" altLang="ko-KR" sz="2000" dirty="0" smtClean="0">
-                <a:ln>
-                  <a:solidFill>
-                    <a:schemeClr val="tx1">
-                      <a:alpha val="30000"/>
-                    </a:schemeClr>
-                  </a:solidFill>
-                </a:ln>
-                <a:latin typeface="HY견고딕" pitchFamily="18" charset="-127"/>
-                <a:ea typeface="HY견고딕" pitchFamily="18" charset="-127"/>
-              </a:rPr>
-              <a:t>.</a:t>
-            </a:r>
-          </a:p>
-        </p:txBody>
-      </p:sp>
-      <p:sp>
-        <p:nvSpPr>
-          <p:cNvPr id="3" name="Rectangle 1"/>
-          <p:cNvSpPr>
-            <a:spLocks noChangeArrowheads="1"/>
-          </p:cNvSpPr>
-          <p:nvPr/>
-        </p:nvSpPr>
-        <p:spPr bwMode="auto">
-          <a:xfrm>
-            <a:off x="2195736" y="1412776"/>
-            <a:ext cx="5190523" cy="5170646"/>
-          </a:xfrm>
-          <a:prstGeom prst="rect">
-            <a:avLst/>
-          </a:prstGeom>
-          <a:solidFill>
-            <a:srgbClr val="FFFFFF"/>
-          </a:solidFill>
-          <a:ln>
-            <a:noFill/>
-          </a:ln>
-          <a:effectLst/>
-          <a:extLst>
-            <a:ext uri="{91240B29-F687-4F45-9708-019B960494DF}">
-              <a14:hiddenLine xmlns:a14="http://schemas.microsoft.com/office/drawing/2010/main" w="9525">
-                <a:solidFill>
-                  <a:schemeClr val="tx1"/>
-                </a:solidFill>
-                <a:miter lim="800000"/>
-                <a:headEnd/>
-                <a:tailEnd/>
-              </a14:hiddenLine>
-            </a:ext>
-            <a:ext uri="{AF507438-7753-43E0-B8FC-AC1667EBCBE1}">
-              <a14:hiddenEffects xmlns:a14="http://schemas.microsoft.com/office/drawing/2010/main">
-                <a:effectLst>
-                  <a:outerShdw dist="35921" dir="2700000" algn="ctr" rotWithShape="0">
-                    <a:schemeClr val="bg2"/>
-                  </a:outerShdw>
-                </a:effectLst>
-              </a14:hiddenEffects>
-            </a:ext>
-          </a:extLst>
-        </p:spPr>
-        <p:txBody>
-          <a:bodyPr vert="horz" wrap="none" lIns="0" tIns="0" rIns="0" bIns="0" numCol="1" anchor="ctr" anchorCtr="0" compatLnSpc="1">
-            <a:prstTxWarp prst="textNoShape">
-              <a:avLst/>
-            </a:prstTxWarp>
-            <a:spAutoFit/>
-          </a:bodyPr>
-          <a:lstStyle/>
-          <a:p>
-            <a:pPr marL="0" marR="0" lvl="0" indent="0" algn="l" defTabSz="914400" rtl="0" eaLnBrk="1" fontAlgn="base" latinLnBrk="1" hangingPunct="1">
-              <a:lnSpc>
-                <a:spcPct val="100000"/>
-              </a:lnSpc>
-              <a:spcBef>
-                <a:spcPct val="0"/>
-              </a:spcBef>
-              <a:spcAft>
-                <a:spcPct val="0"/>
-              </a:spcAft>
-              <a:buClrTx/>
-              <a:buSzTx/>
-              <a:buFontTx/>
-              <a:buNone/>
-              <a:tabLst/>
-            </a:pPr>
-            <a:r>
-              <a:rPr kumimoji="1" lang="ko-KR" altLang="ko-KR" sz="1600" b="1" strike="noStrike" cap="none" normalizeH="0" baseline="0" dirty="0" smtClean="0">
-                <a:ln>
-                  <a:noFill/>
-                </a:ln>
-                <a:solidFill>
-                  <a:srgbClr val="0086B3"/>
-                </a:solidFill>
-                <a:effectLst/>
-                <a:latin typeface="Consolas" pitchFamily="49" charset="0"/>
-                <a:ea typeface="굴림" pitchFamily="50" charset="-127"/>
-                <a:cs typeface="굴림" pitchFamily="50" charset="-127"/>
-              </a:rPr>
-              <a:t>#include</a:t>
-            </a:r>
-            <a:r>
-              <a:rPr kumimoji="1" lang="ko-KR" altLang="ko-KR" sz="1600" b="1" strike="noStrike" cap="none" normalizeH="0" baseline="0" dirty="0" smtClean="0">
-                <a:ln>
-                  <a:noFill/>
-                </a:ln>
-                <a:solidFill>
-                  <a:srgbClr val="A71D5D"/>
-                </a:solidFill>
-                <a:effectLst/>
-                <a:latin typeface="Consolas" pitchFamily="49" charset="0"/>
-                <a:ea typeface="굴림" pitchFamily="50" charset="-127"/>
-                <a:cs typeface="굴림" pitchFamily="50" charset="-127"/>
-              </a:rPr>
-              <a:t>&lt;</a:t>
-            </a:r>
-            <a:r>
-              <a:rPr kumimoji="1" lang="ko-KR" altLang="ko-KR" sz="1600" b="1" strike="noStrike" cap="none" normalizeH="0" baseline="0" dirty="0" smtClean="0">
-                <a:ln>
-                  <a:noFill/>
-                </a:ln>
-                <a:solidFill>
-                  <a:srgbClr val="010101"/>
-                </a:solidFill>
-                <a:effectLst/>
-                <a:latin typeface="Consolas" pitchFamily="49" charset="0"/>
-                <a:ea typeface="굴림" pitchFamily="50" charset="-127"/>
-                <a:cs typeface="굴림" pitchFamily="50" charset="-127"/>
-              </a:rPr>
-              <a:t>iostream</a:t>
-            </a:r>
-            <a:r>
-              <a:rPr kumimoji="1" lang="ko-KR" altLang="ko-KR" sz="1600" b="1" strike="noStrike" cap="none" normalizeH="0" baseline="0" dirty="0" smtClean="0">
-                <a:ln>
-                  <a:noFill/>
-                </a:ln>
-                <a:solidFill>
-                  <a:srgbClr val="A71D5D"/>
-                </a:solidFill>
-                <a:effectLst/>
-                <a:latin typeface="Consolas" pitchFamily="49" charset="0"/>
-                <a:ea typeface="굴림" pitchFamily="50" charset="-127"/>
-                <a:cs typeface="굴림" pitchFamily="50" charset="-127"/>
-              </a:rPr>
-              <a:t>&gt;</a:t>
-            </a:r>
-            <a:endParaRPr kumimoji="1" lang="ko-KR" altLang="ko-KR" sz="1600" b="1" strike="noStrike" cap="none" normalizeH="0" baseline="0" dirty="0" smtClean="0">
-              <a:ln>
-                <a:noFill/>
-              </a:ln>
-              <a:solidFill>
-                <a:srgbClr val="010101"/>
-              </a:solidFill>
-              <a:effectLst/>
-              <a:latin typeface="Consolas" pitchFamily="49" charset="0"/>
-              <a:ea typeface="굴림" pitchFamily="50" charset="-127"/>
-              <a:cs typeface="굴림" pitchFamily="50" charset="-127"/>
-            </a:endParaRPr>
-          </a:p>
-          <a:p>
-            <a:pPr marL="0" marR="0" lvl="0" indent="0" algn="l" defTabSz="914400" rtl="0" eaLnBrk="0" fontAlgn="base" latinLnBrk="0" hangingPunct="0">
-              <a:lnSpc>
-                <a:spcPct val="100000"/>
-              </a:lnSpc>
-              <a:spcBef>
-                <a:spcPct val="0"/>
-              </a:spcBef>
-              <a:spcAft>
-                <a:spcPct val="0"/>
-              </a:spcAft>
-              <a:buClrTx/>
-              <a:buSzTx/>
-              <a:buFontTx/>
-              <a:buNone/>
-              <a:tabLst/>
-            </a:pPr>
-            <a:r>
-              <a:rPr kumimoji="1" lang="ko-KR" altLang="ko-KR" sz="1600" b="1" strike="noStrike" cap="none" normalizeH="0" baseline="0" dirty="0" smtClean="0">
-                <a:ln>
-                  <a:noFill/>
-                </a:ln>
-                <a:solidFill>
-                  <a:srgbClr val="0086B3"/>
-                </a:solidFill>
-                <a:effectLst/>
-                <a:latin typeface="Consolas" pitchFamily="49" charset="0"/>
-                <a:ea typeface="굴림" pitchFamily="50" charset="-127"/>
-                <a:cs typeface="굴림" pitchFamily="50" charset="-127"/>
-              </a:rPr>
-              <a:t>#include</a:t>
-            </a:r>
-            <a:r>
-              <a:rPr kumimoji="1" lang="ko-KR" altLang="ko-KR" sz="1600" b="1" strike="noStrike" cap="none" normalizeH="0" baseline="0" dirty="0" smtClean="0">
-                <a:ln>
-                  <a:noFill/>
-                </a:ln>
-                <a:solidFill>
-                  <a:srgbClr val="A71D5D"/>
-                </a:solidFill>
-                <a:effectLst/>
-                <a:latin typeface="Consolas" pitchFamily="49" charset="0"/>
-                <a:ea typeface="굴림" pitchFamily="50" charset="-127"/>
-                <a:cs typeface="굴림" pitchFamily="50" charset="-127"/>
-              </a:rPr>
-              <a:t>&lt;</a:t>
-            </a:r>
-            <a:r>
-              <a:rPr kumimoji="1" lang="ko-KR" altLang="ko-KR" sz="1600" b="1" strike="noStrike" cap="none" normalizeH="0" baseline="0" dirty="0" smtClean="0">
-                <a:ln>
-                  <a:noFill/>
-                </a:ln>
-                <a:solidFill>
-                  <a:srgbClr val="010101"/>
-                </a:solidFill>
-                <a:effectLst/>
-                <a:latin typeface="Consolas" pitchFamily="49" charset="0"/>
-                <a:ea typeface="굴림" pitchFamily="50" charset="-127"/>
-                <a:cs typeface="굴림" pitchFamily="50" charset="-127"/>
-              </a:rPr>
-              <a:t>conio.h</a:t>
-            </a:r>
-            <a:r>
-              <a:rPr kumimoji="1" lang="ko-KR" altLang="ko-KR" sz="1600" b="1" strike="noStrike" cap="none" normalizeH="0" baseline="0" dirty="0" smtClean="0">
-                <a:ln>
-                  <a:noFill/>
-                </a:ln>
-                <a:solidFill>
-                  <a:srgbClr val="A71D5D"/>
-                </a:solidFill>
-                <a:effectLst/>
-                <a:latin typeface="Consolas" pitchFamily="49" charset="0"/>
-                <a:ea typeface="굴림" pitchFamily="50" charset="-127"/>
-                <a:cs typeface="굴림" pitchFamily="50" charset="-127"/>
-              </a:rPr>
-              <a:t>&gt;</a:t>
-            </a:r>
-            <a:endParaRPr kumimoji="1" lang="ko-KR" altLang="ko-KR" sz="1600" b="1" strike="noStrike" cap="none" normalizeH="0" baseline="0" dirty="0" smtClean="0">
-              <a:ln>
-                <a:noFill/>
-              </a:ln>
-              <a:solidFill>
-                <a:srgbClr val="010101"/>
-              </a:solidFill>
-              <a:effectLst/>
-              <a:latin typeface="Consolas" pitchFamily="49" charset="0"/>
-              <a:ea typeface="굴림" pitchFamily="50" charset="-127"/>
-              <a:cs typeface="굴림" pitchFamily="50" charset="-127"/>
-            </a:endParaRPr>
-          </a:p>
-          <a:p>
-            <a:pPr marL="0" marR="0" lvl="0" indent="0" algn="l" defTabSz="914400" rtl="0" eaLnBrk="0" fontAlgn="base" latinLnBrk="0" hangingPunct="0">
-              <a:lnSpc>
-                <a:spcPct val="100000"/>
-              </a:lnSpc>
-              <a:spcBef>
-                <a:spcPct val="0"/>
-              </a:spcBef>
-              <a:spcAft>
-                <a:spcPct val="0"/>
-              </a:spcAft>
-              <a:buClrTx/>
-              <a:buSzTx/>
-              <a:buFontTx/>
-              <a:buNone/>
-              <a:tabLst/>
-            </a:pPr>
-            <a:r>
-              <a:rPr kumimoji="1" lang="ko-KR" altLang="ko-KR" sz="1600" b="1" strike="noStrike" cap="none" normalizeH="0" baseline="0" dirty="0" smtClean="0">
-                <a:ln>
-                  <a:noFill/>
-                </a:ln>
-                <a:solidFill>
-                  <a:srgbClr val="A71D5D"/>
-                </a:solidFill>
-                <a:effectLst/>
-                <a:latin typeface="Consolas" pitchFamily="49" charset="0"/>
-                <a:ea typeface="굴림" pitchFamily="50" charset="-127"/>
-                <a:cs typeface="굴림" pitchFamily="50" charset="-127"/>
-              </a:rPr>
-              <a:t>void</a:t>
-            </a:r>
-            <a:r>
-              <a:rPr kumimoji="1" lang="ko-KR" altLang="ko-KR" sz="1600" b="1" strike="noStrike" cap="none" normalizeH="0" baseline="0" dirty="0" smtClean="0">
-                <a:ln>
-                  <a:noFill/>
-                </a:ln>
-                <a:solidFill>
-                  <a:srgbClr val="010101"/>
-                </a:solidFill>
-                <a:effectLst/>
-                <a:latin typeface="Consolas" pitchFamily="49" charset="0"/>
-                <a:ea typeface="굴림" pitchFamily="50" charset="-127"/>
-                <a:cs typeface="굴림" pitchFamily="50" charset="-127"/>
-              </a:rPr>
-              <a:t> main()</a:t>
-            </a:r>
-          </a:p>
-          <a:p>
-            <a:pPr marL="0" marR="0" lvl="0" indent="0" algn="l" defTabSz="914400" rtl="0" eaLnBrk="0" fontAlgn="base" latinLnBrk="0" hangingPunct="0">
-              <a:lnSpc>
-                <a:spcPct val="100000"/>
-              </a:lnSpc>
-              <a:spcBef>
-                <a:spcPct val="0"/>
-              </a:spcBef>
-              <a:spcAft>
-                <a:spcPct val="0"/>
-              </a:spcAft>
-              <a:buClrTx/>
-              <a:buSzTx/>
-              <a:buFontTx/>
-              <a:buNone/>
-              <a:tabLst/>
-            </a:pPr>
-            <a:r>
-              <a:rPr kumimoji="1" lang="ko-KR" altLang="ko-KR" sz="1600" b="1" strike="noStrike" cap="none" normalizeH="0" baseline="0" dirty="0" smtClean="0">
-                <a:ln>
-                  <a:noFill/>
-                </a:ln>
-                <a:solidFill>
-                  <a:srgbClr val="010101"/>
-                </a:solidFill>
-                <a:effectLst/>
-                <a:latin typeface="Consolas" pitchFamily="49" charset="0"/>
-                <a:ea typeface="굴림" pitchFamily="50" charset="-127"/>
-                <a:cs typeface="굴림" pitchFamily="50" charset="-127"/>
-              </a:rPr>
-              <a:t>{</a:t>
-            </a:r>
-          </a:p>
-          <a:p>
-            <a:pPr marL="0" marR="0" lvl="0" indent="0" algn="l" defTabSz="914400" rtl="0" eaLnBrk="0" fontAlgn="base" latinLnBrk="0" hangingPunct="0">
-              <a:lnSpc>
-                <a:spcPct val="100000"/>
-              </a:lnSpc>
-              <a:spcBef>
-                <a:spcPct val="0"/>
-              </a:spcBef>
-              <a:spcAft>
-                <a:spcPct val="0"/>
-              </a:spcAft>
-              <a:buClrTx/>
-              <a:buSzTx/>
-              <a:buFontTx/>
-              <a:buNone/>
-              <a:tabLst/>
-            </a:pPr>
-            <a:r>
-              <a:rPr kumimoji="1" lang="en-US" altLang="ko-KR" sz="1600" b="1" strike="noStrike" cap="none" normalizeH="0" baseline="0" dirty="0" smtClean="0">
-                <a:ln>
-                  <a:noFill/>
-                </a:ln>
-                <a:solidFill>
-                  <a:srgbClr val="066DE2"/>
-                </a:solidFill>
-                <a:effectLst/>
-                <a:latin typeface="Consolas" pitchFamily="49" charset="0"/>
-                <a:ea typeface="굴림" pitchFamily="50" charset="-127"/>
-                <a:cs typeface="굴림" pitchFamily="50" charset="-127"/>
-              </a:rPr>
-              <a:t>	</a:t>
-            </a:r>
-            <a:r>
-              <a:rPr kumimoji="1" lang="ko-KR" altLang="ko-KR" sz="1600" b="1" strike="noStrike" cap="none" normalizeH="0" baseline="0" dirty="0" smtClean="0">
-                <a:ln>
-                  <a:noFill/>
-                </a:ln>
-                <a:solidFill>
-                  <a:srgbClr val="066DE2"/>
-                </a:solidFill>
-                <a:effectLst/>
-                <a:latin typeface="Consolas" pitchFamily="49" charset="0"/>
-                <a:ea typeface="굴림" pitchFamily="50" charset="-127"/>
-                <a:cs typeface="굴림" pitchFamily="50" charset="-127"/>
-              </a:rPr>
-              <a:t>char</a:t>
-            </a:r>
-            <a:r>
-              <a:rPr kumimoji="1" lang="ko-KR" altLang="ko-KR" sz="1600" b="1" strike="noStrike" cap="none" normalizeH="0" baseline="0" dirty="0" smtClean="0">
-                <a:ln>
-                  <a:noFill/>
-                </a:ln>
-                <a:solidFill>
-                  <a:srgbClr val="010101"/>
-                </a:solidFill>
-                <a:effectLst/>
-                <a:latin typeface="Consolas" pitchFamily="49" charset="0"/>
-                <a:ea typeface="굴림" pitchFamily="50" charset="-127"/>
-                <a:cs typeface="굴림" pitchFamily="50" charset="-127"/>
-              </a:rPr>
-              <a:t> ch </a:t>
-            </a:r>
-            <a:r>
-              <a:rPr kumimoji="1" lang="ko-KR" altLang="ko-KR" sz="1600" b="1" strike="noStrike" cap="none" normalizeH="0" baseline="0" dirty="0" smtClean="0">
-                <a:ln>
-                  <a:noFill/>
-                </a:ln>
-                <a:solidFill>
-                  <a:srgbClr val="A71D5D"/>
-                </a:solidFill>
-                <a:effectLst/>
-                <a:latin typeface="Consolas" pitchFamily="49" charset="0"/>
-                <a:ea typeface="굴림" pitchFamily="50" charset="-127"/>
-                <a:cs typeface="굴림" pitchFamily="50" charset="-127"/>
-              </a:rPr>
-              <a:t>=</a:t>
-            </a:r>
-            <a:r>
-              <a:rPr kumimoji="1" lang="ko-KR" altLang="ko-KR" sz="1600" b="1" strike="noStrike" cap="none" normalizeH="0" baseline="0" dirty="0" smtClean="0">
-                <a:ln>
-                  <a:noFill/>
-                </a:ln>
-                <a:solidFill>
-                  <a:srgbClr val="010101"/>
-                </a:solidFill>
-                <a:effectLst/>
-                <a:latin typeface="Consolas" pitchFamily="49" charset="0"/>
-                <a:ea typeface="굴림" pitchFamily="50" charset="-127"/>
-                <a:cs typeface="굴림" pitchFamily="50" charset="-127"/>
-              </a:rPr>
-              <a:t> _getch();</a:t>
-            </a:r>
-          </a:p>
-          <a:p>
-            <a:pPr marL="0" marR="0" lvl="0" indent="0" algn="l" defTabSz="914400" rtl="0" eaLnBrk="0" fontAlgn="base" latinLnBrk="0" hangingPunct="0">
-              <a:lnSpc>
-                <a:spcPct val="100000"/>
-              </a:lnSpc>
-              <a:spcBef>
-                <a:spcPct val="0"/>
-              </a:spcBef>
-              <a:spcAft>
-                <a:spcPct val="0"/>
-              </a:spcAft>
-              <a:buClrTx/>
-              <a:buSzTx/>
-              <a:buFontTx/>
-              <a:buNone/>
-              <a:tabLst/>
-            </a:pPr>
-            <a:r>
-              <a:rPr kumimoji="1" lang="en-US" altLang="ko-KR" sz="1600" b="1" strike="noStrike" cap="none" normalizeH="0" baseline="0" dirty="0" smtClean="0">
-                <a:ln>
-                  <a:noFill/>
-                </a:ln>
-                <a:solidFill>
-                  <a:srgbClr val="A71D5D"/>
-                </a:solidFill>
-                <a:effectLst/>
-                <a:latin typeface="Consolas" pitchFamily="49" charset="0"/>
-                <a:ea typeface="굴림" pitchFamily="50" charset="-127"/>
-                <a:cs typeface="굴림" pitchFamily="50" charset="-127"/>
-              </a:rPr>
-              <a:t>	</a:t>
-            </a:r>
-            <a:r>
-              <a:rPr kumimoji="1" lang="ko-KR" altLang="ko-KR" sz="1600" b="1" strike="noStrike" cap="none" normalizeH="0" baseline="0" dirty="0" smtClean="0">
-                <a:ln>
-                  <a:noFill/>
-                </a:ln>
-                <a:solidFill>
-                  <a:srgbClr val="A71D5D"/>
-                </a:solidFill>
-                <a:effectLst/>
-                <a:latin typeface="Consolas" pitchFamily="49" charset="0"/>
-                <a:ea typeface="굴림" pitchFamily="50" charset="-127"/>
-                <a:cs typeface="굴림" pitchFamily="50" charset="-127"/>
-              </a:rPr>
-              <a:t>switch</a:t>
-            </a:r>
-            <a:r>
-              <a:rPr kumimoji="1" lang="ko-KR" altLang="ko-KR" sz="1600" b="1" strike="noStrike" cap="none" normalizeH="0" baseline="0" dirty="0" smtClean="0">
-                <a:ln>
-                  <a:noFill/>
-                </a:ln>
-                <a:solidFill>
-                  <a:srgbClr val="010101"/>
-                </a:solidFill>
-                <a:effectLst/>
-                <a:latin typeface="Consolas" pitchFamily="49" charset="0"/>
-                <a:ea typeface="굴림" pitchFamily="50" charset="-127"/>
-                <a:cs typeface="굴림" pitchFamily="50" charset="-127"/>
-              </a:rPr>
-              <a:t> (ch)</a:t>
-            </a:r>
-          </a:p>
-          <a:p>
-            <a:pPr marL="0" marR="0" lvl="0" indent="0" algn="l" defTabSz="914400" rtl="0" eaLnBrk="0" fontAlgn="base" latinLnBrk="0" hangingPunct="0">
-              <a:lnSpc>
-                <a:spcPct val="100000"/>
-              </a:lnSpc>
-              <a:spcBef>
-                <a:spcPct val="0"/>
-              </a:spcBef>
-              <a:spcAft>
-                <a:spcPct val="0"/>
-              </a:spcAft>
-              <a:buClrTx/>
-              <a:buSzTx/>
-              <a:buFontTx/>
-              <a:buNone/>
-              <a:tabLst/>
-            </a:pPr>
-            <a:r>
-              <a:rPr kumimoji="1" lang="en-US" altLang="ko-KR" sz="1600" b="1" strike="noStrike" cap="none" normalizeH="0" baseline="0" dirty="0" smtClean="0">
-                <a:ln>
-                  <a:noFill/>
-                </a:ln>
-                <a:solidFill>
-                  <a:srgbClr val="010101"/>
-                </a:solidFill>
-                <a:effectLst/>
-                <a:latin typeface="Consolas" pitchFamily="49" charset="0"/>
-                <a:ea typeface="굴림" pitchFamily="50" charset="-127"/>
-                <a:cs typeface="굴림" pitchFamily="50" charset="-127"/>
-              </a:rPr>
-              <a:t>	</a:t>
-            </a:r>
-            <a:r>
-              <a:rPr kumimoji="1" lang="ko-KR" altLang="ko-KR" sz="1600" b="1" strike="noStrike" cap="none" normalizeH="0" baseline="0" dirty="0" smtClean="0">
-                <a:ln>
-                  <a:noFill/>
-                </a:ln>
-                <a:solidFill>
-                  <a:srgbClr val="010101"/>
-                </a:solidFill>
-                <a:effectLst/>
-                <a:latin typeface="Consolas" pitchFamily="49" charset="0"/>
-                <a:ea typeface="굴림" pitchFamily="50" charset="-127"/>
-                <a:cs typeface="굴림" pitchFamily="50" charset="-127"/>
-              </a:rPr>
-              <a:t>{</a:t>
-            </a:r>
-          </a:p>
-          <a:p>
-            <a:pPr marL="0" marR="0" lvl="0" indent="0" algn="l" defTabSz="914400" rtl="0" eaLnBrk="0" fontAlgn="base" latinLnBrk="0" hangingPunct="0">
-              <a:lnSpc>
-                <a:spcPct val="100000"/>
-              </a:lnSpc>
-              <a:spcBef>
-                <a:spcPct val="0"/>
-              </a:spcBef>
-              <a:spcAft>
-                <a:spcPct val="0"/>
-              </a:spcAft>
-              <a:buClrTx/>
-              <a:buSzTx/>
-              <a:buFontTx/>
-              <a:buNone/>
-              <a:tabLst/>
-            </a:pPr>
-            <a:r>
-              <a:rPr kumimoji="1" lang="en-US" altLang="ko-KR" sz="1600" b="1" strike="noStrike" cap="none" normalizeH="0" baseline="0" dirty="0" smtClean="0">
-                <a:ln>
-                  <a:noFill/>
-                </a:ln>
-                <a:solidFill>
-                  <a:srgbClr val="A71D5D"/>
-                </a:solidFill>
-                <a:effectLst/>
-                <a:latin typeface="Consolas" pitchFamily="49" charset="0"/>
-                <a:ea typeface="굴림" pitchFamily="50" charset="-127"/>
-                <a:cs typeface="굴림" pitchFamily="50" charset="-127"/>
-              </a:rPr>
-              <a:t>	</a:t>
-            </a:r>
-            <a:r>
-              <a:rPr kumimoji="1" lang="ko-KR" altLang="ko-KR" sz="1600" b="1" strike="noStrike" cap="none" normalizeH="0" baseline="0" dirty="0" smtClean="0">
-                <a:ln>
-                  <a:noFill/>
-                </a:ln>
-                <a:solidFill>
-                  <a:srgbClr val="A71D5D"/>
-                </a:solidFill>
-                <a:effectLst/>
-                <a:latin typeface="Consolas" pitchFamily="49" charset="0"/>
-                <a:ea typeface="굴림" pitchFamily="50" charset="-127"/>
-                <a:cs typeface="굴림" pitchFamily="50" charset="-127"/>
-              </a:rPr>
-              <a:t>case</a:t>
-            </a:r>
-            <a:r>
-              <a:rPr kumimoji="1" lang="ko-KR" altLang="ko-KR" sz="1600" b="1" strike="noStrike" cap="none" normalizeH="0" baseline="0" dirty="0" smtClean="0">
-                <a:ln>
-                  <a:noFill/>
-                </a:ln>
-                <a:solidFill>
-                  <a:srgbClr val="010101"/>
-                </a:solidFill>
-                <a:effectLst/>
-                <a:latin typeface="Consolas" pitchFamily="49" charset="0"/>
-                <a:ea typeface="굴림" pitchFamily="50" charset="-127"/>
-                <a:cs typeface="굴림" pitchFamily="50" charset="-127"/>
-              </a:rPr>
-              <a:t> </a:t>
-            </a:r>
-            <a:r>
-              <a:rPr kumimoji="1" lang="ko-KR" altLang="ko-KR" sz="1600" b="1" strike="noStrike" cap="none" normalizeH="0" baseline="0" dirty="0" smtClean="0">
-                <a:ln>
-                  <a:noFill/>
-                </a:ln>
-                <a:solidFill>
-                  <a:srgbClr val="63A35C"/>
-                </a:solidFill>
-                <a:effectLst/>
-                <a:latin typeface="Consolas" pitchFamily="49" charset="0"/>
-                <a:ea typeface="굴림" pitchFamily="50" charset="-127"/>
-                <a:cs typeface="굴림" pitchFamily="50" charset="-127"/>
-              </a:rPr>
-              <a:t>'a'</a:t>
-            </a:r>
-            <a:r>
-              <a:rPr kumimoji="1" lang="ko-KR" altLang="ko-KR" sz="1600" b="1" strike="noStrike" cap="none" normalizeH="0" baseline="0" dirty="0" smtClean="0">
-                <a:ln>
-                  <a:noFill/>
-                </a:ln>
-                <a:solidFill>
-                  <a:srgbClr val="010101"/>
-                </a:solidFill>
-                <a:effectLst/>
-                <a:latin typeface="Consolas" pitchFamily="49" charset="0"/>
-                <a:ea typeface="굴림" pitchFamily="50" charset="-127"/>
-                <a:cs typeface="굴림" pitchFamily="50" charset="-127"/>
-              </a:rPr>
-              <a:t>:</a:t>
-            </a:r>
-          </a:p>
-          <a:p>
-            <a:pPr marL="0" marR="0" lvl="0" indent="0" algn="l" defTabSz="914400" rtl="0" eaLnBrk="0" fontAlgn="base" latinLnBrk="0" hangingPunct="0">
-              <a:lnSpc>
-                <a:spcPct val="100000"/>
-              </a:lnSpc>
-              <a:spcBef>
-                <a:spcPct val="0"/>
-              </a:spcBef>
-              <a:spcAft>
-                <a:spcPct val="0"/>
-              </a:spcAft>
-              <a:buClrTx/>
-              <a:buSzTx/>
-              <a:buFontTx/>
-              <a:buNone/>
-              <a:tabLst/>
-            </a:pPr>
-            <a:r>
-              <a:rPr kumimoji="1" lang="en-US" altLang="ko-KR" sz="1600" b="1" strike="noStrike" cap="none" normalizeH="0" baseline="0" dirty="0" smtClean="0">
-                <a:ln>
-                  <a:noFill/>
-                </a:ln>
-                <a:solidFill>
-                  <a:srgbClr val="010101"/>
-                </a:solidFill>
-                <a:effectLst/>
-                <a:latin typeface="Consolas" pitchFamily="49" charset="0"/>
-                <a:ea typeface="굴림" pitchFamily="50" charset="-127"/>
-                <a:cs typeface="굴림" pitchFamily="50" charset="-127"/>
-              </a:rPr>
-              <a:t>		</a:t>
-            </a:r>
-            <a:r>
-              <a:rPr kumimoji="1" lang="ko-KR" altLang="ko-KR" sz="1600" b="1" strike="noStrike" cap="none" normalizeH="0" baseline="0" dirty="0" smtClean="0">
-                <a:ln>
-                  <a:noFill/>
-                </a:ln>
-                <a:solidFill>
-                  <a:srgbClr val="010101"/>
-                </a:solidFill>
-                <a:effectLst/>
-                <a:latin typeface="Consolas" pitchFamily="49" charset="0"/>
-                <a:ea typeface="굴림" pitchFamily="50" charset="-127"/>
-                <a:cs typeface="굴림" pitchFamily="50" charset="-127"/>
-              </a:rPr>
-              <a:t>__fallthrough</a:t>
-            </a:r>
-          </a:p>
-          <a:p>
-            <a:pPr marL="0" marR="0" lvl="0" indent="0" algn="l" defTabSz="914400" rtl="0" eaLnBrk="0" fontAlgn="base" latinLnBrk="0" hangingPunct="0">
-              <a:lnSpc>
-                <a:spcPct val="100000"/>
-              </a:lnSpc>
-              <a:spcBef>
-                <a:spcPct val="0"/>
-              </a:spcBef>
-              <a:spcAft>
-                <a:spcPct val="0"/>
-              </a:spcAft>
-              <a:buClrTx/>
-              <a:buSzTx/>
-              <a:buFontTx/>
-              <a:buNone/>
-              <a:tabLst/>
-            </a:pPr>
-            <a:r>
-              <a:rPr kumimoji="1" lang="en-US" altLang="ko-KR" sz="1600" b="1" strike="noStrike" cap="none" normalizeH="0" baseline="0" dirty="0" smtClean="0">
-                <a:ln>
-                  <a:noFill/>
-                </a:ln>
-                <a:solidFill>
-                  <a:srgbClr val="A71D5D"/>
-                </a:solidFill>
-                <a:effectLst/>
-                <a:latin typeface="Consolas" pitchFamily="49" charset="0"/>
-                <a:ea typeface="굴림" pitchFamily="50" charset="-127"/>
-                <a:cs typeface="굴림" pitchFamily="50" charset="-127"/>
-              </a:rPr>
-              <a:t>	</a:t>
-            </a:r>
-            <a:r>
-              <a:rPr kumimoji="1" lang="ko-KR" altLang="ko-KR" sz="1600" b="1" strike="noStrike" cap="none" normalizeH="0" baseline="0" dirty="0" smtClean="0">
-                <a:ln>
-                  <a:noFill/>
-                </a:ln>
-                <a:solidFill>
-                  <a:srgbClr val="A71D5D"/>
-                </a:solidFill>
-                <a:effectLst/>
-                <a:latin typeface="Consolas" pitchFamily="49" charset="0"/>
-                <a:ea typeface="굴림" pitchFamily="50" charset="-127"/>
-                <a:cs typeface="굴림" pitchFamily="50" charset="-127"/>
-              </a:rPr>
-              <a:t>case</a:t>
-            </a:r>
-            <a:r>
-              <a:rPr kumimoji="1" lang="ko-KR" altLang="ko-KR" sz="1600" b="1" strike="noStrike" cap="none" normalizeH="0" baseline="0" dirty="0" smtClean="0">
-                <a:ln>
-                  <a:noFill/>
-                </a:ln>
-                <a:solidFill>
-                  <a:srgbClr val="010101"/>
-                </a:solidFill>
-                <a:effectLst/>
-                <a:latin typeface="Consolas" pitchFamily="49" charset="0"/>
-                <a:ea typeface="굴림" pitchFamily="50" charset="-127"/>
-                <a:cs typeface="굴림" pitchFamily="50" charset="-127"/>
-              </a:rPr>
-              <a:t> </a:t>
-            </a:r>
-            <a:r>
-              <a:rPr kumimoji="1" lang="ko-KR" altLang="ko-KR" sz="1600" b="1" strike="noStrike" cap="none" normalizeH="0" baseline="0" dirty="0" smtClean="0">
-                <a:ln>
-                  <a:noFill/>
-                </a:ln>
-                <a:solidFill>
-                  <a:srgbClr val="63A35C"/>
-                </a:solidFill>
-                <a:effectLst/>
-                <a:latin typeface="Consolas" pitchFamily="49" charset="0"/>
-                <a:ea typeface="굴림" pitchFamily="50" charset="-127"/>
-                <a:cs typeface="굴림" pitchFamily="50" charset="-127"/>
-              </a:rPr>
-              <a:t>'A'</a:t>
-            </a:r>
-            <a:r>
-              <a:rPr kumimoji="1" lang="ko-KR" altLang="ko-KR" sz="1600" b="1" strike="noStrike" cap="none" normalizeH="0" baseline="0" dirty="0" smtClean="0">
-                <a:ln>
-                  <a:noFill/>
-                </a:ln>
-                <a:solidFill>
-                  <a:srgbClr val="010101"/>
-                </a:solidFill>
-                <a:effectLst/>
-                <a:latin typeface="Consolas" pitchFamily="49" charset="0"/>
-                <a:ea typeface="굴림" pitchFamily="50" charset="-127"/>
-                <a:cs typeface="굴림" pitchFamily="50" charset="-127"/>
-              </a:rPr>
-              <a:t>:</a:t>
-            </a:r>
-          </a:p>
-          <a:p>
-            <a:pPr marL="0" marR="0" lvl="0" indent="0" algn="l" defTabSz="914400" rtl="0" eaLnBrk="0" fontAlgn="base" latinLnBrk="0" hangingPunct="0">
-              <a:lnSpc>
-                <a:spcPct val="100000"/>
-              </a:lnSpc>
-              <a:spcBef>
-                <a:spcPct val="0"/>
-              </a:spcBef>
-              <a:spcAft>
-                <a:spcPct val="0"/>
-              </a:spcAft>
-              <a:buClrTx/>
-              <a:buSzTx/>
-              <a:buFontTx/>
-              <a:buNone/>
-              <a:tabLst/>
-            </a:pPr>
-            <a:r>
-              <a:rPr kumimoji="1" lang="en-US" altLang="ko-KR" sz="1600" b="1" strike="noStrike" cap="none" normalizeH="0" baseline="0" dirty="0" smtClean="0">
-                <a:ln>
-                  <a:noFill/>
-                </a:ln>
-                <a:solidFill>
-                  <a:srgbClr val="066DE2"/>
-                </a:solidFill>
-                <a:effectLst/>
-                <a:latin typeface="Consolas" pitchFamily="49" charset="0"/>
-                <a:ea typeface="굴림" pitchFamily="50" charset="-127"/>
-                <a:cs typeface="굴림" pitchFamily="50" charset="-127"/>
-              </a:rPr>
-              <a:t>		</a:t>
-            </a:r>
-            <a:r>
-              <a:rPr kumimoji="1" lang="ko-KR" altLang="ko-KR" sz="1600" b="1" strike="noStrike" cap="none" normalizeH="0" baseline="0" dirty="0" smtClean="0">
-                <a:ln>
-                  <a:noFill/>
-                </a:ln>
-                <a:solidFill>
-                  <a:srgbClr val="066DE2"/>
-                </a:solidFill>
-                <a:effectLst/>
-                <a:latin typeface="Consolas" pitchFamily="49" charset="0"/>
-                <a:ea typeface="굴림" pitchFamily="50" charset="-127"/>
-                <a:cs typeface="굴림" pitchFamily="50" charset="-127"/>
-              </a:rPr>
-              <a:t>std</a:t>
-            </a:r>
-            <a:r>
-              <a:rPr kumimoji="1" lang="ko-KR" altLang="ko-KR" sz="1600" b="1" strike="noStrike" cap="none" normalizeH="0" baseline="0" dirty="0" smtClean="0">
-                <a:ln>
-                  <a:noFill/>
-                </a:ln>
-                <a:solidFill>
-                  <a:srgbClr val="010101"/>
-                </a:solidFill>
-                <a:effectLst/>
-                <a:latin typeface="Consolas" pitchFamily="49" charset="0"/>
-                <a:ea typeface="굴림" pitchFamily="50" charset="-127"/>
-                <a:cs typeface="굴림" pitchFamily="50" charset="-127"/>
-              </a:rPr>
-              <a:t>::</a:t>
-            </a:r>
-            <a:r>
-              <a:rPr kumimoji="1" lang="ko-KR" altLang="ko-KR" sz="1600" b="1" strike="noStrike" cap="none" normalizeH="0" baseline="0" dirty="0" smtClean="0">
-                <a:ln>
-                  <a:noFill/>
-                </a:ln>
-                <a:solidFill>
-                  <a:srgbClr val="066DE2"/>
-                </a:solidFill>
-                <a:effectLst/>
-                <a:latin typeface="Consolas" pitchFamily="49" charset="0"/>
-                <a:ea typeface="굴림" pitchFamily="50" charset="-127"/>
-                <a:cs typeface="굴림" pitchFamily="50" charset="-127"/>
-              </a:rPr>
-              <a:t>cout</a:t>
-            </a:r>
-            <a:r>
-              <a:rPr kumimoji="1" lang="ko-KR" altLang="ko-KR" sz="1600" b="1" strike="noStrike" cap="none" normalizeH="0" baseline="0" dirty="0" smtClean="0">
-                <a:ln>
-                  <a:noFill/>
-                </a:ln>
-                <a:solidFill>
-                  <a:srgbClr val="010101"/>
-                </a:solidFill>
-                <a:effectLst/>
-                <a:latin typeface="Consolas" pitchFamily="49" charset="0"/>
-                <a:ea typeface="굴림" pitchFamily="50" charset="-127"/>
-                <a:cs typeface="굴림" pitchFamily="50" charset="-127"/>
-              </a:rPr>
-              <a:t> </a:t>
-            </a:r>
-            <a:r>
-              <a:rPr kumimoji="1" lang="ko-KR" altLang="ko-KR" sz="1600" b="1" strike="noStrike" cap="none" normalizeH="0" baseline="0" dirty="0" smtClean="0">
-                <a:ln>
-                  <a:noFill/>
-                </a:ln>
-                <a:solidFill>
-                  <a:srgbClr val="A71D5D"/>
-                </a:solidFill>
-                <a:effectLst/>
-                <a:latin typeface="Consolas" pitchFamily="49" charset="0"/>
-                <a:ea typeface="굴림" pitchFamily="50" charset="-127"/>
-                <a:cs typeface="굴림" pitchFamily="50" charset="-127"/>
-              </a:rPr>
-              <a:t>&lt;&lt;</a:t>
-            </a:r>
-            <a:r>
-              <a:rPr kumimoji="1" lang="ko-KR" altLang="ko-KR" sz="1600" b="1" strike="noStrike" cap="none" normalizeH="0" baseline="0" dirty="0" smtClean="0">
-                <a:ln>
-                  <a:noFill/>
-                </a:ln>
-                <a:solidFill>
-                  <a:srgbClr val="010101"/>
-                </a:solidFill>
-                <a:effectLst/>
-                <a:latin typeface="Consolas" pitchFamily="49" charset="0"/>
-                <a:ea typeface="굴림" pitchFamily="50" charset="-127"/>
-                <a:cs typeface="굴림" pitchFamily="50" charset="-127"/>
-              </a:rPr>
-              <a:t> </a:t>
-            </a:r>
-            <a:r>
-              <a:rPr kumimoji="1" lang="ko-KR" altLang="ko-KR" sz="1600" b="1" strike="noStrike" cap="none" normalizeH="0" baseline="0" dirty="0" smtClean="0">
-                <a:ln>
-                  <a:noFill/>
-                </a:ln>
-                <a:solidFill>
-                  <a:srgbClr val="63A35C"/>
-                </a:solidFill>
-                <a:effectLst/>
-                <a:latin typeface="Consolas" pitchFamily="49" charset="0"/>
-                <a:ea typeface="굴림" pitchFamily="50" charset="-127"/>
-                <a:cs typeface="굴림" pitchFamily="50" charset="-127"/>
-              </a:rPr>
-              <a:t>"</a:t>
-            </a:r>
-            <a:r>
-              <a:rPr kumimoji="1" lang="ko-KR" sz="1600" b="1" strike="noStrike" cap="none" normalizeH="0" baseline="0" dirty="0" smtClean="0">
-                <a:ln>
-                  <a:noFill/>
-                </a:ln>
-                <a:solidFill>
-                  <a:srgbClr val="63A35C"/>
-                </a:solidFill>
-                <a:effectLst/>
-                <a:latin typeface="Consolas" pitchFamily="49" charset="0"/>
-                <a:ea typeface="굴림" pitchFamily="50" charset="-127"/>
-                <a:cs typeface="굴림" pitchFamily="50" charset="-127"/>
-              </a:rPr>
-              <a:t>왼쪽으로 이동</a:t>
-            </a:r>
-            <a:r>
-              <a:rPr kumimoji="1" lang="ko-KR" altLang="ko-KR" sz="1600" b="1" strike="noStrike" cap="none" normalizeH="0" baseline="0" dirty="0" smtClean="0">
-                <a:ln>
-                  <a:noFill/>
-                </a:ln>
-                <a:solidFill>
-                  <a:srgbClr val="63A35C"/>
-                </a:solidFill>
-                <a:effectLst/>
-                <a:latin typeface="Consolas" pitchFamily="49" charset="0"/>
-                <a:ea typeface="굴림" pitchFamily="50" charset="-127"/>
-                <a:cs typeface="굴림" pitchFamily="50" charset="-127"/>
-              </a:rPr>
-              <a:t>"</a:t>
-            </a:r>
-            <a:r>
-              <a:rPr kumimoji="1" lang="ko-KR" altLang="ko-KR" sz="1600" b="1" strike="noStrike" cap="none" normalizeH="0" baseline="0" dirty="0" smtClean="0">
-                <a:ln>
-                  <a:noFill/>
-                </a:ln>
-                <a:solidFill>
-                  <a:srgbClr val="010101"/>
-                </a:solidFill>
-                <a:effectLst/>
-                <a:latin typeface="Consolas" pitchFamily="49" charset="0"/>
-                <a:ea typeface="굴림" pitchFamily="50" charset="-127"/>
-                <a:cs typeface="굴림" pitchFamily="50" charset="-127"/>
-              </a:rPr>
-              <a:t>;</a:t>
-            </a:r>
-          </a:p>
-          <a:p>
-            <a:pPr marL="0" marR="0" lvl="0" indent="0" algn="l" defTabSz="914400" rtl="0" eaLnBrk="0" fontAlgn="base" latinLnBrk="0" hangingPunct="0">
-              <a:lnSpc>
-                <a:spcPct val="100000"/>
-              </a:lnSpc>
-              <a:spcBef>
-                <a:spcPct val="0"/>
-              </a:spcBef>
-              <a:spcAft>
-                <a:spcPct val="0"/>
-              </a:spcAft>
-              <a:buClrTx/>
-              <a:buSzTx/>
-              <a:buFontTx/>
-              <a:buNone/>
-              <a:tabLst/>
-            </a:pPr>
-            <a:r>
-              <a:rPr kumimoji="1" lang="en-US" altLang="ko-KR" sz="1600" b="1" strike="noStrike" cap="none" normalizeH="0" baseline="0" dirty="0" smtClean="0">
-                <a:ln>
-                  <a:noFill/>
-                </a:ln>
-                <a:solidFill>
-                  <a:srgbClr val="A71D5D"/>
-                </a:solidFill>
-                <a:effectLst/>
-                <a:latin typeface="Consolas" pitchFamily="49" charset="0"/>
-                <a:ea typeface="굴림" pitchFamily="50" charset="-127"/>
-                <a:cs typeface="굴림" pitchFamily="50" charset="-127"/>
-              </a:rPr>
-              <a:t>		</a:t>
-            </a:r>
-            <a:r>
-              <a:rPr kumimoji="1" lang="ko-KR" altLang="ko-KR" sz="1600" b="1" strike="noStrike" cap="none" normalizeH="0" baseline="0" dirty="0" smtClean="0">
-                <a:ln>
-                  <a:noFill/>
-                </a:ln>
-                <a:solidFill>
-                  <a:srgbClr val="A71D5D"/>
-                </a:solidFill>
-                <a:effectLst/>
-                <a:latin typeface="Consolas" pitchFamily="49" charset="0"/>
-                <a:ea typeface="굴림" pitchFamily="50" charset="-127"/>
-                <a:cs typeface="굴림" pitchFamily="50" charset="-127"/>
-              </a:rPr>
-              <a:t>break</a:t>
-            </a:r>
-            <a:r>
-              <a:rPr kumimoji="1" lang="ko-KR" altLang="ko-KR" sz="1600" b="1" strike="noStrike" cap="none" normalizeH="0" baseline="0" dirty="0" smtClean="0">
-                <a:ln>
-                  <a:noFill/>
-                </a:ln>
-                <a:solidFill>
-                  <a:srgbClr val="010101"/>
-                </a:solidFill>
-                <a:effectLst/>
-                <a:latin typeface="Consolas" pitchFamily="49" charset="0"/>
-                <a:ea typeface="굴림" pitchFamily="50" charset="-127"/>
-                <a:cs typeface="굴림" pitchFamily="50" charset="-127"/>
-              </a:rPr>
-              <a:t>;</a:t>
-            </a:r>
-          </a:p>
-          <a:p>
-            <a:pPr marL="0" marR="0" lvl="0" indent="0" algn="l" defTabSz="914400" rtl="0" eaLnBrk="0" fontAlgn="base" latinLnBrk="0" hangingPunct="0">
-              <a:lnSpc>
-                <a:spcPct val="100000"/>
-              </a:lnSpc>
-              <a:spcBef>
-                <a:spcPct val="0"/>
-              </a:spcBef>
-              <a:spcAft>
-                <a:spcPct val="0"/>
-              </a:spcAft>
-              <a:buClrTx/>
-              <a:buSzTx/>
-              <a:buFontTx/>
-              <a:buNone/>
-              <a:tabLst/>
-            </a:pPr>
-            <a:r>
-              <a:rPr kumimoji="1" lang="en-US" altLang="ko-KR" sz="1600" b="1" strike="noStrike" cap="none" normalizeH="0" baseline="0" dirty="0" smtClean="0">
-                <a:ln>
-                  <a:noFill/>
-                </a:ln>
-                <a:solidFill>
-                  <a:srgbClr val="A71D5D"/>
-                </a:solidFill>
-                <a:effectLst/>
-                <a:latin typeface="Consolas" pitchFamily="49" charset="0"/>
-                <a:ea typeface="굴림" pitchFamily="50" charset="-127"/>
-                <a:cs typeface="굴림" pitchFamily="50" charset="-127"/>
-              </a:rPr>
-              <a:t>	</a:t>
-            </a:r>
-            <a:r>
-              <a:rPr kumimoji="1" lang="ko-KR" altLang="ko-KR" sz="1600" b="1" strike="noStrike" cap="none" normalizeH="0" baseline="0" dirty="0" smtClean="0">
-                <a:ln>
-                  <a:noFill/>
-                </a:ln>
-                <a:solidFill>
-                  <a:srgbClr val="A71D5D"/>
-                </a:solidFill>
-                <a:effectLst/>
-                <a:latin typeface="Consolas" pitchFamily="49" charset="0"/>
-                <a:ea typeface="굴림" pitchFamily="50" charset="-127"/>
-                <a:cs typeface="굴림" pitchFamily="50" charset="-127"/>
-              </a:rPr>
-              <a:t>case</a:t>
-            </a:r>
-            <a:r>
-              <a:rPr kumimoji="1" lang="ko-KR" altLang="ko-KR" sz="1600" b="1" strike="noStrike" cap="none" normalizeH="0" baseline="0" dirty="0" smtClean="0">
-                <a:ln>
-                  <a:noFill/>
-                </a:ln>
-                <a:solidFill>
-                  <a:srgbClr val="010101"/>
-                </a:solidFill>
-                <a:effectLst/>
-                <a:latin typeface="Consolas" pitchFamily="49" charset="0"/>
-                <a:ea typeface="굴림" pitchFamily="50" charset="-127"/>
-                <a:cs typeface="굴림" pitchFamily="50" charset="-127"/>
-              </a:rPr>
-              <a:t> </a:t>
-            </a:r>
-            <a:r>
-              <a:rPr kumimoji="1" lang="ko-KR" altLang="ko-KR" sz="1600" b="1" strike="noStrike" cap="none" normalizeH="0" baseline="0" dirty="0" smtClean="0">
-                <a:ln>
-                  <a:noFill/>
-                </a:ln>
-                <a:solidFill>
-                  <a:srgbClr val="63A35C"/>
-                </a:solidFill>
-                <a:effectLst/>
-                <a:latin typeface="Consolas" pitchFamily="49" charset="0"/>
-                <a:ea typeface="굴림" pitchFamily="50" charset="-127"/>
-                <a:cs typeface="굴림" pitchFamily="50" charset="-127"/>
-              </a:rPr>
-              <a:t>'d'</a:t>
-            </a:r>
-            <a:r>
-              <a:rPr kumimoji="1" lang="ko-KR" altLang="ko-KR" sz="1600" b="1" strike="noStrike" cap="none" normalizeH="0" baseline="0" dirty="0" smtClean="0">
-                <a:ln>
-                  <a:noFill/>
-                </a:ln>
-                <a:solidFill>
-                  <a:srgbClr val="010101"/>
-                </a:solidFill>
-                <a:effectLst/>
-                <a:latin typeface="Consolas" pitchFamily="49" charset="0"/>
-                <a:ea typeface="굴림" pitchFamily="50" charset="-127"/>
-                <a:cs typeface="굴림" pitchFamily="50" charset="-127"/>
-              </a:rPr>
-              <a:t>:</a:t>
-            </a:r>
-          </a:p>
-          <a:p>
-            <a:pPr marL="0" marR="0" lvl="0" indent="0" algn="l" defTabSz="914400" rtl="0" eaLnBrk="0" fontAlgn="base" latinLnBrk="0" hangingPunct="0">
-              <a:lnSpc>
-                <a:spcPct val="100000"/>
-              </a:lnSpc>
-              <a:spcBef>
-                <a:spcPct val="0"/>
-              </a:spcBef>
-              <a:spcAft>
-                <a:spcPct val="0"/>
-              </a:spcAft>
-              <a:buClrTx/>
-              <a:buSzTx/>
-              <a:buFontTx/>
-              <a:buNone/>
-              <a:tabLst/>
-            </a:pPr>
-            <a:r>
-              <a:rPr kumimoji="1" lang="en-US" altLang="ko-KR" sz="1600" b="1" strike="noStrike" cap="none" normalizeH="0" baseline="0" dirty="0" smtClean="0">
-                <a:ln>
-                  <a:noFill/>
-                </a:ln>
-                <a:solidFill>
-                  <a:srgbClr val="010101"/>
-                </a:solidFill>
-                <a:effectLst/>
-                <a:latin typeface="Consolas" pitchFamily="49" charset="0"/>
-                <a:ea typeface="굴림" pitchFamily="50" charset="-127"/>
-                <a:cs typeface="굴림" pitchFamily="50" charset="-127"/>
-              </a:rPr>
-              <a:t>		</a:t>
-            </a:r>
-            <a:r>
-              <a:rPr kumimoji="1" lang="ko-KR" altLang="ko-KR" sz="1600" b="1" strike="noStrike" cap="none" normalizeH="0" baseline="0" dirty="0" smtClean="0">
-                <a:ln>
-                  <a:noFill/>
-                </a:ln>
-                <a:solidFill>
-                  <a:srgbClr val="010101"/>
-                </a:solidFill>
-                <a:effectLst/>
-                <a:latin typeface="Consolas" pitchFamily="49" charset="0"/>
-                <a:ea typeface="굴림" pitchFamily="50" charset="-127"/>
-                <a:cs typeface="굴림" pitchFamily="50" charset="-127"/>
-              </a:rPr>
-              <a:t>__fallthrough</a:t>
-            </a:r>
-          </a:p>
-          <a:p>
-            <a:pPr marL="0" marR="0" lvl="0" indent="0" algn="l" defTabSz="914400" rtl="0" eaLnBrk="0" fontAlgn="base" latinLnBrk="0" hangingPunct="0">
-              <a:lnSpc>
-                <a:spcPct val="100000"/>
-              </a:lnSpc>
-              <a:spcBef>
-                <a:spcPct val="0"/>
-              </a:spcBef>
-              <a:spcAft>
-                <a:spcPct val="0"/>
-              </a:spcAft>
-              <a:buClrTx/>
-              <a:buSzTx/>
-              <a:buFontTx/>
-              <a:buNone/>
-              <a:tabLst/>
-            </a:pPr>
-            <a:r>
-              <a:rPr kumimoji="1" lang="en-US" altLang="ko-KR" sz="1600" b="1" strike="noStrike" cap="none" normalizeH="0" baseline="0" dirty="0" smtClean="0">
-                <a:ln>
-                  <a:noFill/>
-                </a:ln>
-                <a:solidFill>
-                  <a:srgbClr val="A71D5D"/>
-                </a:solidFill>
-                <a:effectLst/>
-                <a:latin typeface="Consolas" pitchFamily="49" charset="0"/>
-                <a:ea typeface="굴림" pitchFamily="50" charset="-127"/>
-                <a:cs typeface="굴림" pitchFamily="50" charset="-127"/>
-              </a:rPr>
-              <a:t>	</a:t>
-            </a:r>
-            <a:r>
-              <a:rPr kumimoji="1" lang="ko-KR" altLang="ko-KR" sz="1600" b="1" strike="noStrike" cap="none" normalizeH="0" baseline="0" dirty="0" smtClean="0">
-                <a:ln>
-                  <a:noFill/>
-                </a:ln>
-                <a:solidFill>
-                  <a:srgbClr val="A71D5D"/>
-                </a:solidFill>
-                <a:effectLst/>
-                <a:latin typeface="Consolas" pitchFamily="49" charset="0"/>
-                <a:ea typeface="굴림" pitchFamily="50" charset="-127"/>
-                <a:cs typeface="굴림" pitchFamily="50" charset="-127"/>
-              </a:rPr>
-              <a:t>case</a:t>
-            </a:r>
-            <a:r>
-              <a:rPr kumimoji="1" lang="ko-KR" altLang="ko-KR" sz="1600" b="1" strike="noStrike" cap="none" normalizeH="0" baseline="0" dirty="0" smtClean="0">
-                <a:ln>
-                  <a:noFill/>
-                </a:ln>
-                <a:solidFill>
-                  <a:srgbClr val="010101"/>
-                </a:solidFill>
-                <a:effectLst/>
-                <a:latin typeface="Consolas" pitchFamily="49" charset="0"/>
-                <a:ea typeface="굴림" pitchFamily="50" charset="-127"/>
-                <a:cs typeface="굴림" pitchFamily="50" charset="-127"/>
-              </a:rPr>
-              <a:t> </a:t>
-            </a:r>
-            <a:r>
-              <a:rPr kumimoji="1" lang="ko-KR" altLang="ko-KR" sz="1600" b="1" strike="noStrike" cap="none" normalizeH="0" baseline="0" dirty="0" smtClean="0">
-                <a:ln>
-                  <a:noFill/>
-                </a:ln>
-                <a:solidFill>
-                  <a:srgbClr val="63A35C"/>
-                </a:solidFill>
-                <a:effectLst/>
-                <a:latin typeface="Consolas" pitchFamily="49" charset="0"/>
-                <a:ea typeface="굴림" pitchFamily="50" charset="-127"/>
-                <a:cs typeface="굴림" pitchFamily="50" charset="-127"/>
-              </a:rPr>
-              <a:t>'D'</a:t>
-            </a:r>
-            <a:r>
-              <a:rPr kumimoji="1" lang="ko-KR" altLang="ko-KR" sz="1600" b="1" strike="noStrike" cap="none" normalizeH="0" baseline="0" dirty="0" smtClean="0">
-                <a:ln>
-                  <a:noFill/>
-                </a:ln>
-                <a:solidFill>
-                  <a:srgbClr val="010101"/>
-                </a:solidFill>
-                <a:effectLst/>
-                <a:latin typeface="Consolas" pitchFamily="49" charset="0"/>
-                <a:ea typeface="굴림" pitchFamily="50" charset="-127"/>
-                <a:cs typeface="굴림" pitchFamily="50" charset="-127"/>
-              </a:rPr>
-              <a:t>:</a:t>
-            </a:r>
-          </a:p>
-          <a:p>
-            <a:pPr marL="0" marR="0" lvl="0" indent="0" algn="l" defTabSz="914400" rtl="0" eaLnBrk="0" fontAlgn="base" latinLnBrk="0" hangingPunct="0">
-              <a:lnSpc>
-                <a:spcPct val="100000"/>
-              </a:lnSpc>
-              <a:spcBef>
-                <a:spcPct val="0"/>
-              </a:spcBef>
-              <a:spcAft>
-                <a:spcPct val="0"/>
-              </a:spcAft>
-              <a:buClrTx/>
-              <a:buSzTx/>
-              <a:buFontTx/>
-              <a:buNone/>
-              <a:tabLst/>
-            </a:pPr>
-            <a:r>
-              <a:rPr kumimoji="1" lang="en-US" altLang="ko-KR" sz="1600" b="1" strike="noStrike" cap="none" normalizeH="0" baseline="0" dirty="0" smtClean="0">
-                <a:ln>
-                  <a:noFill/>
-                </a:ln>
-                <a:solidFill>
-                  <a:srgbClr val="066DE2"/>
-                </a:solidFill>
-                <a:effectLst/>
-                <a:latin typeface="Consolas" pitchFamily="49" charset="0"/>
-                <a:ea typeface="굴림" pitchFamily="50" charset="-127"/>
-                <a:cs typeface="굴림" pitchFamily="50" charset="-127"/>
-              </a:rPr>
-              <a:t>		</a:t>
-            </a:r>
-            <a:r>
-              <a:rPr kumimoji="1" lang="ko-KR" altLang="ko-KR" sz="1600" b="1" strike="noStrike" cap="none" normalizeH="0" baseline="0" dirty="0" smtClean="0">
-                <a:ln>
-                  <a:noFill/>
-                </a:ln>
-                <a:solidFill>
-                  <a:srgbClr val="066DE2"/>
-                </a:solidFill>
-                <a:effectLst/>
-                <a:latin typeface="Consolas" pitchFamily="49" charset="0"/>
-                <a:ea typeface="굴림" pitchFamily="50" charset="-127"/>
-                <a:cs typeface="굴림" pitchFamily="50" charset="-127"/>
-              </a:rPr>
-              <a:t>std</a:t>
-            </a:r>
-            <a:r>
-              <a:rPr kumimoji="1" lang="ko-KR" altLang="ko-KR" sz="1600" b="1" strike="noStrike" cap="none" normalizeH="0" baseline="0" dirty="0" smtClean="0">
-                <a:ln>
-                  <a:noFill/>
-                </a:ln>
-                <a:solidFill>
-                  <a:srgbClr val="010101"/>
-                </a:solidFill>
-                <a:effectLst/>
-                <a:latin typeface="Consolas" pitchFamily="49" charset="0"/>
-                <a:ea typeface="굴림" pitchFamily="50" charset="-127"/>
-                <a:cs typeface="굴림" pitchFamily="50" charset="-127"/>
-              </a:rPr>
-              <a:t>::</a:t>
-            </a:r>
-            <a:r>
-              <a:rPr kumimoji="1" lang="ko-KR" altLang="ko-KR" sz="1600" b="1" strike="noStrike" cap="none" normalizeH="0" baseline="0" dirty="0" smtClean="0">
-                <a:ln>
-                  <a:noFill/>
-                </a:ln>
-                <a:solidFill>
-                  <a:srgbClr val="066DE2"/>
-                </a:solidFill>
-                <a:effectLst/>
-                <a:latin typeface="Consolas" pitchFamily="49" charset="0"/>
-                <a:ea typeface="굴림" pitchFamily="50" charset="-127"/>
-                <a:cs typeface="굴림" pitchFamily="50" charset="-127"/>
-              </a:rPr>
-              <a:t>cout</a:t>
-            </a:r>
-            <a:r>
-              <a:rPr kumimoji="1" lang="ko-KR" altLang="ko-KR" sz="1600" b="1" strike="noStrike" cap="none" normalizeH="0" baseline="0" dirty="0" smtClean="0">
-                <a:ln>
-                  <a:noFill/>
-                </a:ln>
-                <a:solidFill>
-                  <a:srgbClr val="010101"/>
-                </a:solidFill>
-                <a:effectLst/>
-                <a:latin typeface="Consolas" pitchFamily="49" charset="0"/>
-                <a:ea typeface="굴림" pitchFamily="50" charset="-127"/>
-                <a:cs typeface="굴림" pitchFamily="50" charset="-127"/>
-              </a:rPr>
-              <a:t> </a:t>
-            </a:r>
-            <a:r>
-              <a:rPr kumimoji="1" lang="ko-KR" altLang="ko-KR" sz="1600" b="1" strike="noStrike" cap="none" normalizeH="0" baseline="0" dirty="0" smtClean="0">
-                <a:ln>
-                  <a:noFill/>
-                </a:ln>
-                <a:solidFill>
-                  <a:srgbClr val="A71D5D"/>
-                </a:solidFill>
-                <a:effectLst/>
-                <a:latin typeface="Consolas" pitchFamily="49" charset="0"/>
-                <a:ea typeface="굴림" pitchFamily="50" charset="-127"/>
-                <a:cs typeface="굴림" pitchFamily="50" charset="-127"/>
-              </a:rPr>
-              <a:t>&lt;&lt;</a:t>
-            </a:r>
-            <a:r>
-              <a:rPr kumimoji="1" lang="ko-KR" altLang="ko-KR" sz="1600" b="1" strike="noStrike" cap="none" normalizeH="0" baseline="0" dirty="0" smtClean="0">
-                <a:ln>
-                  <a:noFill/>
-                </a:ln>
-                <a:solidFill>
-                  <a:srgbClr val="010101"/>
-                </a:solidFill>
-                <a:effectLst/>
-                <a:latin typeface="Consolas" pitchFamily="49" charset="0"/>
-                <a:ea typeface="굴림" pitchFamily="50" charset="-127"/>
-                <a:cs typeface="굴림" pitchFamily="50" charset="-127"/>
-              </a:rPr>
-              <a:t> </a:t>
-            </a:r>
-            <a:r>
-              <a:rPr kumimoji="1" lang="ko-KR" altLang="ko-KR" sz="1600" b="1" strike="noStrike" cap="none" normalizeH="0" baseline="0" dirty="0" smtClean="0">
-                <a:ln>
-                  <a:noFill/>
-                </a:ln>
-                <a:solidFill>
-                  <a:srgbClr val="63A35C"/>
-                </a:solidFill>
-                <a:effectLst/>
-                <a:latin typeface="Consolas" pitchFamily="49" charset="0"/>
-                <a:ea typeface="굴림" pitchFamily="50" charset="-127"/>
-                <a:cs typeface="굴림" pitchFamily="50" charset="-127"/>
-              </a:rPr>
-              <a:t>"</a:t>
-            </a:r>
-            <a:r>
-              <a:rPr kumimoji="1" lang="ko-KR" sz="1600" b="1" strike="noStrike" cap="none" normalizeH="0" baseline="0" dirty="0" smtClean="0">
-                <a:ln>
-                  <a:noFill/>
-                </a:ln>
-                <a:solidFill>
-                  <a:srgbClr val="63A35C"/>
-                </a:solidFill>
-                <a:effectLst/>
-                <a:latin typeface="Consolas" pitchFamily="49" charset="0"/>
-                <a:ea typeface="굴림" pitchFamily="50" charset="-127"/>
-                <a:cs typeface="굴림" pitchFamily="50" charset="-127"/>
-              </a:rPr>
-              <a:t>오른쪽으로 이동</a:t>
-            </a:r>
-            <a:r>
-              <a:rPr kumimoji="1" lang="ko-KR" altLang="ko-KR" sz="1600" b="1" strike="noStrike" cap="none" normalizeH="0" baseline="0" dirty="0" smtClean="0">
-                <a:ln>
-                  <a:noFill/>
-                </a:ln>
-                <a:solidFill>
-                  <a:srgbClr val="63A35C"/>
-                </a:solidFill>
-                <a:effectLst/>
-                <a:latin typeface="Consolas" pitchFamily="49" charset="0"/>
-                <a:ea typeface="굴림" pitchFamily="50" charset="-127"/>
-                <a:cs typeface="굴림" pitchFamily="50" charset="-127"/>
-              </a:rPr>
-              <a:t>"</a:t>
-            </a:r>
-            <a:r>
-              <a:rPr kumimoji="1" lang="ko-KR" altLang="ko-KR" sz="1600" b="1" strike="noStrike" cap="none" normalizeH="0" baseline="0" dirty="0" smtClean="0">
-                <a:ln>
-                  <a:noFill/>
-                </a:ln>
-                <a:solidFill>
-                  <a:srgbClr val="010101"/>
-                </a:solidFill>
-                <a:effectLst/>
-                <a:latin typeface="Consolas" pitchFamily="49" charset="0"/>
-                <a:ea typeface="굴림" pitchFamily="50" charset="-127"/>
-                <a:cs typeface="굴림" pitchFamily="50" charset="-127"/>
-              </a:rPr>
-              <a:t>;</a:t>
-            </a:r>
-          </a:p>
-          <a:p>
-            <a:pPr marL="0" marR="0" lvl="0" indent="0" algn="l" defTabSz="914400" rtl="0" eaLnBrk="0" fontAlgn="base" latinLnBrk="0" hangingPunct="0">
-              <a:lnSpc>
-                <a:spcPct val="100000"/>
-              </a:lnSpc>
-              <a:spcBef>
-                <a:spcPct val="0"/>
-              </a:spcBef>
-              <a:spcAft>
-                <a:spcPct val="0"/>
-              </a:spcAft>
-              <a:buClrTx/>
-              <a:buSzTx/>
-              <a:buFontTx/>
-              <a:buNone/>
-              <a:tabLst/>
-            </a:pPr>
-            <a:r>
-              <a:rPr kumimoji="1" lang="en-US" altLang="ko-KR" sz="1600" b="1" strike="noStrike" cap="none" normalizeH="0" baseline="0" dirty="0" smtClean="0">
-                <a:ln>
-                  <a:noFill/>
-                </a:ln>
-                <a:solidFill>
-                  <a:srgbClr val="A71D5D"/>
-                </a:solidFill>
-                <a:effectLst/>
-                <a:latin typeface="Consolas" pitchFamily="49" charset="0"/>
-                <a:ea typeface="굴림" pitchFamily="50" charset="-127"/>
-                <a:cs typeface="굴림" pitchFamily="50" charset="-127"/>
-              </a:rPr>
-              <a:t>		</a:t>
-            </a:r>
-            <a:r>
-              <a:rPr kumimoji="1" lang="ko-KR" altLang="ko-KR" sz="1600" b="1" strike="noStrike" cap="none" normalizeH="0" baseline="0" dirty="0" smtClean="0">
-                <a:ln>
-                  <a:noFill/>
-                </a:ln>
-                <a:solidFill>
-                  <a:srgbClr val="A71D5D"/>
-                </a:solidFill>
-                <a:effectLst/>
-                <a:latin typeface="Consolas" pitchFamily="49" charset="0"/>
-                <a:ea typeface="굴림" pitchFamily="50" charset="-127"/>
-                <a:cs typeface="굴림" pitchFamily="50" charset="-127"/>
-              </a:rPr>
-              <a:t>break</a:t>
-            </a:r>
-            <a:r>
-              <a:rPr kumimoji="1" lang="ko-KR" altLang="ko-KR" sz="1600" b="1" strike="noStrike" cap="none" normalizeH="0" baseline="0" dirty="0" smtClean="0">
-                <a:ln>
-                  <a:noFill/>
-                </a:ln>
-                <a:solidFill>
-                  <a:srgbClr val="010101"/>
-                </a:solidFill>
-                <a:effectLst/>
-                <a:latin typeface="Consolas" pitchFamily="49" charset="0"/>
-                <a:ea typeface="굴림" pitchFamily="50" charset="-127"/>
-                <a:cs typeface="굴림" pitchFamily="50" charset="-127"/>
-              </a:rPr>
-              <a:t>;</a:t>
-            </a:r>
-          </a:p>
-          <a:p>
-            <a:pPr marL="0" marR="0" lvl="0" indent="0" algn="l" defTabSz="914400" rtl="0" eaLnBrk="0" fontAlgn="base" latinLnBrk="0" hangingPunct="0">
-              <a:lnSpc>
-                <a:spcPct val="100000"/>
-              </a:lnSpc>
-              <a:spcBef>
-                <a:spcPct val="0"/>
-              </a:spcBef>
-              <a:spcAft>
-                <a:spcPct val="0"/>
-              </a:spcAft>
-              <a:buClrTx/>
-              <a:buSzTx/>
-              <a:buFontTx/>
-              <a:buNone/>
-              <a:tabLst/>
-            </a:pPr>
-            <a:r>
-              <a:rPr kumimoji="1" lang="en-US" altLang="ko-KR" sz="1600" b="1" strike="noStrike" cap="none" normalizeH="0" baseline="0" dirty="0" smtClean="0">
-                <a:ln>
-                  <a:noFill/>
-                </a:ln>
-                <a:solidFill>
-                  <a:srgbClr val="A71D5D"/>
-                </a:solidFill>
-                <a:effectLst/>
-                <a:latin typeface="Consolas" pitchFamily="49" charset="0"/>
-                <a:ea typeface="굴림" pitchFamily="50" charset="-127"/>
-                <a:cs typeface="굴림" pitchFamily="50" charset="-127"/>
-              </a:rPr>
-              <a:t>	</a:t>
-            </a:r>
-            <a:r>
-              <a:rPr kumimoji="1" lang="ko-KR" altLang="ko-KR" sz="1600" b="1" strike="noStrike" cap="none" normalizeH="0" baseline="0" dirty="0" smtClean="0">
-                <a:ln>
-                  <a:noFill/>
-                </a:ln>
-                <a:solidFill>
-                  <a:srgbClr val="A71D5D"/>
-                </a:solidFill>
-                <a:effectLst/>
-                <a:latin typeface="Consolas" pitchFamily="49" charset="0"/>
-                <a:ea typeface="굴림" pitchFamily="50" charset="-127"/>
-                <a:cs typeface="굴림" pitchFamily="50" charset="-127"/>
-              </a:rPr>
-              <a:t>default</a:t>
-            </a:r>
-            <a:r>
-              <a:rPr kumimoji="1" lang="ko-KR" altLang="ko-KR" sz="1600" b="1" strike="noStrike" cap="none" normalizeH="0" baseline="0" dirty="0" smtClean="0">
-                <a:ln>
-                  <a:noFill/>
-                </a:ln>
-                <a:solidFill>
-                  <a:srgbClr val="010101"/>
-                </a:solidFill>
-                <a:effectLst/>
-                <a:latin typeface="Consolas" pitchFamily="49" charset="0"/>
-                <a:ea typeface="굴림" pitchFamily="50" charset="-127"/>
-                <a:cs typeface="굴림" pitchFamily="50" charset="-127"/>
-              </a:rPr>
-              <a:t>:</a:t>
-            </a:r>
-          </a:p>
-          <a:p>
-            <a:pPr marL="0" marR="0" lvl="0" indent="0" algn="l" defTabSz="914400" rtl="0" eaLnBrk="0" fontAlgn="base" latinLnBrk="0" hangingPunct="0">
-              <a:lnSpc>
-                <a:spcPct val="100000"/>
-              </a:lnSpc>
-              <a:spcBef>
-                <a:spcPct val="0"/>
-              </a:spcBef>
-              <a:spcAft>
-                <a:spcPct val="0"/>
-              </a:spcAft>
-              <a:buClrTx/>
-              <a:buSzTx/>
-              <a:buFontTx/>
-              <a:buNone/>
-              <a:tabLst/>
-            </a:pPr>
-            <a:r>
-              <a:rPr kumimoji="1" lang="en-US" altLang="ko-KR" sz="1600" b="1" strike="noStrike" cap="none" normalizeH="0" baseline="0" dirty="0" smtClean="0">
-                <a:ln>
-                  <a:noFill/>
-                </a:ln>
-                <a:solidFill>
-                  <a:srgbClr val="A71D5D"/>
-                </a:solidFill>
-                <a:effectLst/>
-                <a:latin typeface="Consolas" pitchFamily="49" charset="0"/>
-                <a:ea typeface="굴림" pitchFamily="50" charset="-127"/>
-                <a:cs typeface="굴림" pitchFamily="50" charset="-127"/>
-              </a:rPr>
-              <a:t>		</a:t>
-            </a:r>
-            <a:r>
-              <a:rPr kumimoji="1" lang="ko-KR" altLang="ko-KR" sz="1600" b="1" strike="noStrike" cap="none" normalizeH="0" baseline="0" dirty="0" smtClean="0">
-                <a:ln>
-                  <a:noFill/>
-                </a:ln>
-                <a:solidFill>
-                  <a:srgbClr val="A71D5D"/>
-                </a:solidFill>
-                <a:effectLst/>
-                <a:latin typeface="Consolas" pitchFamily="49" charset="0"/>
-                <a:ea typeface="굴림" pitchFamily="50" charset="-127"/>
-                <a:cs typeface="굴림" pitchFamily="50" charset="-127"/>
-              </a:rPr>
-              <a:t>break</a:t>
-            </a:r>
-            <a:r>
-              <a:rPr kumimoji="1" lang="ko-KR" altLang="ko-KR" sz="1600" b="1" strike="noStrike" cap="none" normalizeH="0" baseline="0" dirty="0" smtClean="0">
-                <a:ln>
-                  <a:noFill/>
-                </a:ln>
-                <a:solidFill>
-                  <a:srgbClr val="010101"/>
-                </a:solidFill>
-                <a:effectLst/>
-                <a:latin typeface="Consolas" pitchFamily="49" charset="0"/>
-                <a:ea typeface="굴림" pitchFamily="50" charset="-127"/>
-                <a:cs typeface="굴림" pitchFamily="50" charset="-127"/>
-              </a:rPr>
-              <a:t>;</a:t>
-            </a:r>
-          </a:p>
-          <a:p>
-            <a:pPr marL="0" marR="0" lvl="0" indent="0" algn="l" defTabSz="914400" rtl="0" eaLnBrk="0" fontAlgn="base" latinLnBrk="0" hangingPunct="0">
-              <a:lnSpc>
-                <a:spcPct val="100000"/>
-              </a:lnSpc>
-              <a:spcBef>
-                <a:spcPct val="0"/>
-              </a:spcBef>
-              <a:spcAft>
-                <a:spcPct val="0"/>
-              </a:spcAft>
-              <a:buClrTx/>
-              <a:buSzTx/>
-              <a:buFontTx/>
-              <a:buNone/>
-              <a:tabLst/>
-            </a:pPr>
-            <a:r>
-              <a:rPr kumimoji="1" lang="en-US" altLang="ko-KR" sz="1600" b="1" strike="noStrike" cap="none" normalizeH="0" baseline="0" dirty="0" smtClean="0">
-                <a:ln>
-                  <a:noFill/>
-                </a:ln>
-                <a:solidFill>
-                  <a:srgbClr val="010101"/>
-                </a:solidFill>
-                <a:effectLst/>
-                <a:latin typeface="Consolas" pitchFamily="49" charset="0"/>
-                <a:ea typeface="굴림" pitchFamily="50" charset="-127"/>
-                <a:cs typeface="굴림" pitchFamily="50" charset="-127"/>
-              </a:rPr>
-              <a:t>	</a:t>
-            </a:r>
-            <a:r>
-              <a:rPr kumimoji="1" lang="ko-KR" altLang="ko-KR" sz="1600" b="1" strike="noStrike" cap="none" normalizeH="0" baseline="0" dirty="0" smtClean="0">
-                <a:ln>
-                  <a:noFill/>
-                </a:ln>
-                <a:solidFill>
-                  <a:srgbClr val="010101"/>
-                </a:solidFill>
-                <a:effectLst/>
-                <a:latin typeface="Consolas" pitchFamily="49" charset="0"/>
-                <a:ea typeface="굴림" pitchFamily="50" charset="-127"/>
-                <a:cs typeface="굴림" pitchFamily="50" charset="-127"/>
-              </a:rPr>
-              <a:t>}</a:t>
-            </a:r>
-          </a:p>
-          <a:p>
-            <a:pPr marL="0" marR="0" lvl="0" indent="0" algn="l" defTabSz="914400" rtl="0" eaLnBrk="0" fontAlgn="base" latinLnBrk="0" hangingPunct="0">
-              <a:lnSpc>
-                <a:spcPct val="100000"/>
-              </a:lnSpc>
-              <a:spcBef>
-                <a:spcPct val="0"/>
-              </a:spcBef>
-              <a:spcAft>
-                <a:spcPct val="0"/>
-              </a:spcAft>
-              <a:buClrTx/>
-              <a:buSzTx/>
-              <a:buFontTx/>
-              <a:buNone/>
-              <a:tabLst/>
-            </a:pPr>
-            <a:r>
-              <a:rPr kumimoji="1" lang="ko-KR" altLang="ko-KR" sz="1600" b="1" strike="noStrike" cap="none" normalizeH="0" baseline="0" dirty="0" smtClean="0">
-                <a:ln>
-                  <a:noFill/>
-                </a:ln>
-                <a:solidFill>
-                  <a:srgbClr val="010101"/>
-                </a:solidFill>
-                <a:effectLst/>
-                <a:latin typeface="Consolas" pitchFamily="49" charset="0"/>
-                <a:ea typeface="굴림" pitchFamily="50" charset="-127"/>
-                <a:cs typeface="굴림" pitchFamily="50" charset="-127"/>
-              </a:rPr>
-              <a:t>}</a:t>
-            </a:r>
-            <a:endParaRPr kumimoji="1" lang="ko-KR" altLang="ko-KR" sz="4000" b="1" strike="noStrike" cap="none" normalizeH="0" baseline="0" dirty="0" smtClean="0">
-              <a:ln>
-                <a:noFill/>
-              </a:ln>
-              <a:solidFill>
-                <a:schemeClr val="tx1"/>
-              </a:solidFill>
-              <a:effectLst/>
-              <a:latin typeface="굴림" pitchFamily="50" charset="-127"/>
-              <a:ea typeface="굴림" pitchFamily="50" charset="-127"/>
-              <a:cs typeface="굴림" pitchFamily="50" charset="-127"/>
-            </a:endParaRPr>
-          </a:p>
-        </p:txBody>
-      </p:sp>
-    </p:spTree>
-    <p:extLst>
-      <p:ext uri="{BB962C8B-B14F-4D97-AF65-F5344CB8AC3E}">
-        <p14:creationId xmlns:p14="http://schemas.microsoft.com/office/powerpoint/2010/main" val="3431835834"/>
-      </p:ext>
-    </p:extLst>
-  </p:cSld>
-  <p:clrMapOvr>
-    <a:masterClrMapping/>
-  </p:clrMapOvr>
-  <mc:AlternateContent xmlns:mc="http://schemas.openxmlformats.org/markup-compatibility/2006" xmlns:p14="http://schemas.microsoft.com/office/powerpoint/2010/main">
-    <mc:Choice Requires="p14">
-      <p:transition spd="med" p14:dur="700">
-        <p:fade/>
-      </p:transition>
-    </mc:Choice>
-    <mc:Fallback xmlns="">
-      <p:transition spd="med">
-        <p:fade/>
-      </p:transition>
-    </mc:Fallback>
-  </mc:AlternateContent>
-  <p:timing>
-    <p:tnLst>
-      <p:par>
-        <p:cTn id="1" dur="indefinite" restart="never" nodeType="tmRoot"/>
-      </p:par>
-    </p:tnLst>
-  </p:timing>
-</p:sld>
-</file>
-
-<file path=ppt/slides/slide14.xml><?xml version="1.0" encoding="utf-8"?>
-<p:sld xmlns:a="http://schemas.openxmlformats.org/drawingml/2006/main" xmlns:r="http://schemas.openxmlformats.org/officeDocument/2006/relationships" xmlns:p="http://schemas.openxmlformats.org/presentationml/2006/main">
-  <p:cSld>
     <p:bg>
       <p:bgPr>
         <a:solidFill>
@@ -16817,17 +11389,6 @@
               </a:rPr>
               <a:t>DeadLock.cpp</a:t>
             </a:r>
-            <a:endParaRPr lang="en-US" altLang="ko-KR" sz="4800" dirty="0" smtClean="0">
-              <a:ln>
-                <a:solidFill>
-                  <a:schemeClr val="tx1">
-                    <a:alpha val="30000"/>
-                  </a:schemeClr>
-                </a:solidFill>
-              </a:ln>
-              <a:latin typeface="HY견고딕" pitchFamily="18" charset="-127"/>
-              <a:ea typeface="HY견고딕" pitchFamily="18" charset="-127"/>
-            </a:endParaRPr>
           </a:p>
         </p:txBody>
       </p:sp>
@@ -17332,17 +11893,6 @@
               </a:rPr>
               <a:t>.</a:t>
             </a:r>
-            <a:endParaRPr lang="en-US" altLang="ko-KR" sz="1400" dirty="0" smtClean="0">
-              <a:ln>
-                <a:solidFill>
-                  <a:schemeClr val="tx1">
-                    <a:alpha val="30000"/>
-                  </a:schemeClr>
-                </a:solidFill>
-              </a:ln>
-              <a:latin typeface="HY중고딕" pitchFamily="18" charset="-127"/>
-              <a:ea typeface="HY중고딕" pitchFamily="18" charset="-127"/>
-            </a:endParaRPr>
           </a:p>
         </p:txBody>
       </p:sp>
@@ -18524,7 +13074,7 @@
         </p:nvSpPr>
         <p:spPr>
           <a:xfrm>
-            <a:off x="395536" y="2374429"/>
+            <a:off x="395536" y="2852936"/>
             <a:ext cx="8676456" cy="1846659"/>
           </a:xfrm>
           <a:prstGeom prst="rect">
@@ -18809,17 +13359,6 @@
               </a:rPr>
               <a:t>.</a:t>
             </a:r>
-            <a:endParaRPr lang="en-US" altLang="ko-KR" sz="2000" dirty="0" smtClean="0">
-              <a:ln>
-                <a:solidFill>
-                  <a:schemeClr val="tx1">
-                    <a:alpha val="30000"/>
-                  </a:schemeClr>
-                </a:solidFill>
-              </a:ln>
-              <a:latin typeface="HY견고딕" pitchFamily="18" charset="-127"/>
-              <a:ea typeface="HY견고딕" pitchFamily="18" charset="-127"/>
-            </a:endParaRPr>
           </a:p>
         </p:txBody>
       </p:sp>
@@ -18858,14 +13397,6 @@
 <file path=ppt/slides/slide9.xml><?xml version="1.0" encoding="utf-8"?>
 <p:sld xmlns:a="http://schemas.openxmlformats.org/drawingml/2006/main" xmlns:r="http://schemas.openxmlformats.org/officeDocument/2006/relationships" xmlns:p="http://schemas.openxmlformats.org/presentationml/2006/main">
   <p:cSld>
-    <p:bg>
-      <p:bgPr>
-        <a:solidFill>
-          <a:srgbClr val="272123"/>
-        </a:solidFill>
-        <a:effectLst/>
-      </p:bgPr>
-    </p:bg>
     <p:spTree>
       <p:nvGrpSpPr>
         <p:cNvPr id="1" name=""/>
@@ -18880,16 +13411,54 @@
           <a:chExt cx="0" cy="0"/>
         </a:xfrm>
       </p:grpSpPr>
+      <p:cxnSp>
+        <p:nvCxnSpPr>
+          <p:cNvPr id="5" name="직선 연결선 4"/>
+          <p:cNvCxnSpPr/>
+          <p:nvPr/>
+        </p:nvCxnSpPr>
+        <p:spPr>
+          <a:xfrm flipH="1">
+            <a:off x="-252536" y="548680"/>
+            <a:ext cx="10240872" cy="0"/>
+          </a:xfrm>
+          <a:prstGeom prst="line">
+            <a:avLst/>
+          </a:prstGeom>
+          <a:ln>
+            <a:solidFill>
+              <a:schemeClr val="bg1">
+                <a:lumMod val="65000"/>
+                <a:alpha val="50000"/>
+              </a:schemeClr>
+            </a:solidFill>
+          </a:ln>
+        </p:spPr>
+        <p:style>
+          <a:lnRef idx="1">
+            <a:schemeClr val="accent1"/>
+          </a:lnRef>
+          <a:fillRef idx="0">
+            <a:schemeClr val="accent1"/>
+          </a:fillRef>
+          <a:effectRef idx="0">
+            <a:schemeClr val="accent1"/>
+          </a:effectRef>
+          <a:fontRef idx="minor">
+            <a:schemeClr val="tx1"/>
+          </a:fontRef>
+        </p:style>
+      </p:cxnSp>
       <p:sp>
         <p:nvSpPr>
-          <p:cNvPr id="4" name="TextBox 3"/>
+          <p:cNvPr id="21" name="TextBox 20"/>
           <p:cNvSpPr txBox="1"/>
           <p:nvPr/>
         </p:nvSpPr>
         <p:spPr>
           <a:xfrm>
-            <a:off x="2213281" y="2692077"/>
-            <a:ext cx="4951007" cy="1384995"/>
+            <a:off x="236725" y="56518"/>
+            <a:ext cx="1959011" cy="400110"/>
           </a:xfrm>
           <a:prstGeom prst="rect">
             <a:avLst/>
@@ -18904,152 +13473,77 @@
           <a:p>
             <a:pPr algn="ctr"/>
             <a:r>
-              <a:rPr lang="en-US" altLang="ko-KR" sz="4000" b="1" dirty="0" smtClean="0">
+              <a:rPr lang="ko-KR" altLang="en-US" sz="2000" b="1" dirty="0" smtClean="0">
                 <a:ln>
                   <a:solidFill>
-                    <a:schemeClr val="bg1">
-                      <a:lumMod val="85000"/>
+                    <a:schemeClr val="tx1">
                       <a:alpha val="30000"/>
                     </a:schemeClr>
                   </a:solidFill>
                 </a:ln>
                 <a:solidFill>
-                  <a:schemeClr val="bg1">
-                    <a:lumMod val="95000"/>
-                  </a:schemeClr>
-                </a:solidFill>
-                <a:latin typeface="HY헤드라인M" pitchFamily="18" charset="-127"/>
-                <a:ea typeface="HY헤드라인M" pitchFamily="18" charset="-127"/>
-                <a:cs typeface="Segoe UI Black" pitchFamily="34" charset="0"/>
-              </a:rPr>
-              <a:t>Core </a:t>
-            </a:r>
-            <a:r>
-              <a:rPr lang="en-US" altLang="ko-KR" sz="4000" b="1" dirty="0" err="1" smtClean="0">
-                <a:ln>
-                  <a:solidFill>
-                    <a:schemeClr val="bg1">
-                      <a:lumMod val="85000"/>
-                      <a:alpha val="30000"/>
-                    </a:schemeClr>
-                  </a:solidFill>
-                </a:ln>
-                <a:solidFill>
-                  <a:schemeClr val="bg1">
-                    <a:lumMod val="95000"/>
-                  </a:schemeClr>
-                </a:solidFill>
-                <a:latin typeface="HY헤드라인M" pitchFamily="18" charset="-127"/>
-                <a:ea typeface="HY헤드라인M" pitchFamily="18" charset="-127"/>
-                <a:cs typeface="Segoe UI Black" pitchFamily="34" charset="0"/>
-              </a:rPr>
-              <a:t>GuideLines</a:t>
-            </a:r>
-            <a:endParaRPr lang="en-US" altLang="ko-KR" sz="4000" b="1" dirty="0" smtClean="0">
+                  <a:srgbClr val="272123"/>
+                </a:solidFill>
+                <a:latin typeface="HY강B" pitchFamily="18" charset="-127"/>
+                <a:ea typeface="HY강B" pitchFamily="18" charset="-127"/>
+              </a:rPr>
+              <a:t>자원관리</a:t>
+            </a:r>
+            <a:endParaRPr lang="en-US" altLang="ko-KR" sz="2000" b="1" dirty="0" smtClean="0">
               <a:ln>
                 <a:solidFill>
-                  <a:schemeClr val="bg1">
-                    <a:lumMod val="85000"/>
+                  <a:schemeClr val="tx1">
                     <a:alpha val="30000"/>
                   </a:schemeClr>
                 </a:solidFill>
               </a:ln>
               <a:solidFill>
-                <a:schemeClr val="bg1">
-                  <a:lumMod val="95000"/>
-                </a:schemeClr>
+                <a:srgbClr val="272123"/>
               </a:solidFill>
-              <a:latin typeface="HY헤드라인M" pitchFamily="18" charset="-127"/>
-              <a:ea typeface="HY헤드라인M" pitchFamily="18" charset="-127"/>
-              <a:cs typeface="Segoe UI Black" pitchFamily="34" charset="0"/>
-            </a:endParaRPr>
-          </a:p>
-          <a:p>
-            <a:pPr algn="ctr"/>
-            <a:endParaRPr lang="en-US" altLang="ko-KR" sz="1050" b="1" dirty="0" smtClean="0">
-              <a:ln>
-                <a:solidFill>
-                  <a:schemeClr val="bg1">
-                    <a:lumMod val="85000"/>
-                    <a:alpha val="30000"/>
-                  </a:schemeClr>
-                </a:solidFill>
-              </a:ln>
-              <a:solidFill>
-                <a:schemeClr val="bg1">
-                  <a:lumMod val="95000"/>
-                </a:schemeClr>
-              </a:solidFill>
-              <a:latin typeface="HY헤드라인M" pitchFamily="18" charset="-127"/>
-              <a:ea typeface="HY헤드라인M" pitchFamily="18" charset="-127"/>
-              <a:cs typeface="Segoe UI Black" pitchFamily="34" charset="0"/>
-            </a:endParaRPr>
-          </a:p>
-          <a:p>
-            <a:pPr algn="ctr"/>
-            <a:r>
-              <a:rPr lang="en-US" altLang="ko-KR" sz="3200" b="1" dirty="0" smtClean="0">
-                <a:ln>
-                  <a:solidFill>
-                    <a:schemeClr val="bg1">
-                      <a:lumMod val="85000"/>
-                      <a:alpha val="30000"/>
-                    </a:schemeClr>
-                  </a:solidFill>
-                </a:ln>
-                <a:solidFill>
-                  <a:schemeClr val="bg1">
-                    <a:lumMod val="95000"/>
-                  </a:schemeClr>
-                </a:solidFill>
-                <a:latin typeface="HY헤드라인M" pitchFamily="18" charset="-127"/>
-                <a:ea typeface="HY헤드라인M" pitchFamily="18" charset="-127"/>
-                <a:cs typeface="Segoe UI Black" pitchFamily="34" charset="0"/>
-              </a:rPr>
-              <a:t>Chapter </a:t>
-            </a:r>
-            <a:r>
-              <a:rPr lang="en-US" altLang="ko-KR" sz="3200" b="1" dirty="0">
-                <a:ln>
-                  <a:solidFill>
-                    <a:schemeClr val="bg1">
-                      <a:lumMod val="85000"/>
-                      <a:alpha val="30000"/>
-                    </a:schemeClr>
-                  </a:solidFill>
-                </a:ln>
-                <a:solidFill>
-                  <a:schemeClr val="bg1">
-                    <a:lumMod val="95000"/>
-                  </a:schemeClr>
-                </a:solidFill>
-                <a:latin typeface="HY헤드라인M" pitchFamily="18" charset="-127"/>
-                <a:ea typeface="HY헤드라인M" pitchFamily="18" charset="-127"/>
-                <a:cs typeface="Segoe UI Black" pitchFamily="34" charset="0"/>
-              </a:rPr>
-              <a:t>8</a:t>
-            </a:r>
-            <a:endParaRPr lang="en-US" altLang="ko-KR" sz="3200" b="1" dirty="0" smtClean="0">
-              <a:ln>
-                <a:solidFill>
-                  <a:schemeClr val="bg1">
-                    <a:lumMod val="85000"/>
-                    <a:alpha val="30000"/>
-                  </a:schemeClr>
-                </a:solidFill>
-              </a:ln>
-              <a:solidFill>
-                <a:schemeClr val="bg1">
-                  <a:lumMod val="95000"/>
-                </a:schemeClr>
-              </a:solidFill>
-              <a:latin typeface="HY헤드라인M" pitchFamily="18" charset="-127"/>
-              <a:ea typeface="HY헤드라인M" pitchFamily="18" charset="-127"/>
-              <a:cs typeface="Segoe UI Black" pitchFamily="34" charset="0"/>
+              <a:latin typeface="HY강B" pitchFamily="18" charset="-127"/>
+              <a:ea typeface="HY강B" pitchFamily="18" charset="-127"/>
             </a:endParaRPr>
           </a:p>
         </p:txBody>
       </p:sp>
+      <p:cxnSp>
+        <p:nvCxnSpPr>
+          <p:cNvPr id="4" name="직선 연결선 3"/>
+          <p:cNvCxnSpPr/>
+          <p:nvPr/>
+        </p:nvCxnSpPr>
+        <p:spPr>
+          <a:xfrm flipH="1">
+            <a:off x="-252536" y="548680"/>
+            <a:ext cx="10240872" cy="0"/>
+          </a:xfrm>
+          <a:prstGeom prst="line">
+            <a:avLst/>
+          </a:prstGeom>
+          <a:ln>
+            <a:solidFill>
+              <a:schemeClr val="bg1">
+                <a:lumMod val="65000"/>
+                <a:alpha val="50000"/>
+              </a:schemeClr>
+            </a:solidFill>
+          </a:ln>
+        </p:spPr>
+        <p:style>
+          <a:lnRef idx="1">
+            <a:schemeClr val="accent1"/>
+          </a:lnRef>
+          <a:fillRef idx="0">
+            <a:schemeClr val="accent1"/>
+          </a:fillRef>
+          <a:effectRef idx="0">
+            <a:schemeClr val="accent1"/>
+          </a:effectRef>
+          <a:fontRef idx="minor">
+            <a:schemeClr val="tx1"/>
+          </a:fontRef>
+        </p:style>
+      </p:cxnSp>
       <p:sp>
         <p:nvSpPr>
           <p:cNvPr id="7" name="TextBox 6"/>
@@ -19058,8 +13552,8 @@
         </p:nvSpPr>
         <p:spPr>
           <a:xfrm>
-            <a:off x="7020801" y="5591055"/>
-            <a:ext cx="1440160" cy="307777"/>
+            <a:off x="251520" y="3001015"/>
+            <a:ext cx="8676456" cy="1508105"/>
           </a:xfrm>
           <a:prstGeom prst="rect">
             <a:avLst/>
@@ -19072,45 +13566,342 @@
           </a:bodyPr>
           <a:lstStyle/>
           <a:p>
-            <a:pPr algn="ctr"/>
-            <a:r>
-              <a:rPr lang="ko-KR" altLang="en-US" sz="1400" dirty="0" smtClean="0">
+            <a:pPr marL="285750" indent="-285750">
+              <a:buFont typeface="Arial" pitchFamily="34" charset="0"/>
+              <a:buChar char="•"/>
+            </a:pPr>
+            <a:r>
+              <a:rPr lang="en-US" altLang="ko-KR" dirty="0" smtClean="0">
                 <a:ln>
                   <a:solidFill>
-                    <a:schemeClr val="bg1">
-                      <a:lumMod val="85000"/>
+                    <a:schemeClr val="tx1">
                       <a:alpha val="30000"/>
                     </a:schemeClr>
                   </a:solidFill>
                 </a:ln>
-                <a:solidFill>
-                  <a:schemeClr val="bg1">
-                    <a:lumMod val="85000"/>
+                <a:latin typeface="HY견고딕" pitchFamily="18" charset="-127"/>
+                <a:ea typeface="HY견고딕" pitchFamily="18" charset="-127"/>
+              </a:rPr>
+              <a:t>CP.31 </a:t>
+            </a:r>
+            <a:r>
+              <a:rPr lang="ko-KR" altLang="en-US" dirty="0" err="1" smtClean="0">
+                <a:ln>
+                  <a:solidFill>
+                    <a:schemeClr val="tx1">
+                      <a:alpha val="30000"/>
+                    </a:schemeClr>
+                  </a:solidFill>
+                </a:ln>
+                <a:latin typeface="HY견고딕" pitchFamily="18" charset="-127"/>
+                <a:ea typeface="HY견고딕" pitchFamily="18" charset="-127"/>
+              </a:rPr>
+              <a:t>스레드에서</a:t>
+            </a:r>
+            <a:r>
+              <a:rPr lang="ko-KR" altLang="en-US" dirty="0" smtClean="0">
+                <a:ln>
+                  <a:solidFill>
+                    <a:schemeClr val="tx1">
+                      <a:alpha val="30000"/>
+                    </a:schemeClr>
+                  </a:solidFill>
+                </a:ln>
+                <a:latin typeface="HY견고딕" pitchFamily="18" charset="-127"/>
+                <a:ea typeface="HY견고딕" pitchFamily="18" charset="-127"/>
+              </a:rPr>
+              <a:t> </a:t>
+            </a:r>
+            <a:r>
+              <a:rPr lang="ko-KR" altLang="en-US" dirty="0" err="1" smtClean="0">
+                <a:ln>
+                  <a:solidFill>
+                    <a:schemeClr val="tx1">
+                      <a:alpha val="30000"/>
+                    </a:schemeClr>
+                  </a:solidFill>
+                </a:ln>
+                <a:latin typeface="HY견고딕" pitchFamily="18" charset="-127"/>
+                <a:ea typeface="HY견고딕" pitchFamily="18" charset="-127"/>
+              </a:rPr>
+              <a:t>스레드로</a:t>
+            </a:r>
+            <a:r>
+              <a:rPr lang="ko-KR" altLang="en-US" dirty="0" smtClean="0">
+                <a:ln>
+                  <a:solidFill>
+                    <a:schemeClr val="tx1">
+                      <a:alpha val="30000"/>
+                    </a:schemeClr>
+                  </a:solidFill>
+                </a:ln>
+                <a:latin typeface="HY견고딕" pitchFamily="18" charset="-127"/>
+                <a:ea typeface="HY견고딕" pitchFamily="18" charset="-127"/>
+              </a:rPr>
+              <a:t> 작은 데이터를 넘겨줄 때는 참조나 포인터 대신 값으로 전달하라</a:t>
+            </a:r>
+            <a:r>
+              <a:rPr lang="en-US" altLang="ko-KR" dirty="0" smtClean="0">
+                <a:ln>
+                  <a:solidFill>
+                    <a:schemeClr val="tx1">
+                      <a:alpha val="30000"/>
+                    </a:schemeClr>
+                  </a:solidFill>
+                </a:ln>
+                <a:latin typeface="HY견고딕" pitchFamily="18" charset="-127"/>
+                <a:ea typeface="HY견고딕" pitchFamily="18" charset="-127"/>
+              </a:rPr>
+              <a:t>.</a:t>
+            </a:r>
+            <a:endParaRPr lang="en-US" altLang="ko-KR" sz="2000" dirty="0" smtClean="0">
+              <a:ln>
+                <a:solidFill>
+                  <a:schemeClr val="tx1">
+                    <a:alpha val="30000"/>
                   </a:schemeClr>
                 </a:solidFill>
-                <a:latin typeface="HY헤드라인M" pitchFamily="18" charset="-127"/>
-                <a:ea typeface="HY헤드라인M" pitchFamily="18" charset="-127"/>
-                <a:cs typeface="Segoe UI Black" pitchFamily="34" charset="0"/>
-              </a:rPr>
-              <a:t>최정호</a:t>
+              </a:ln>
+              <a:latin typeface="HY견고딕" pitchFamily="18" charset="-127"/>
+              <a:ea typeface="HY견고딕" pitchFamily="18" charset="-127"/>
+            </a:endParaRPr>
+          </a:p>
+          <a:p>
+            <a:r>
+              <a:rPr lang="en-US" altLang="ko-KR" sz="1400" dirty="0" smtClean="0">
+                <a:ln>
+                  <a:solidFill>
+                    <a:schemeClr val="tx1">
+                      <a:alpha val="30000"/>
+                    </a:schemeClr>
+                  </a:solidFill>
+                </a:ln>
+                <a:latin typeface="HY중고딕" pitchFamily="18" charset="-127"/>
+                <a:ea typeface="HY중고딕" pitchFamily="18" charset="-127"/>
+              </a:rPr>
+              <a:t>	</a:t>
+            </a:r>
+            <a:r>
+              <a:rPr lang="ko-KR" altLang="en-US" sz="1400" dirty="0" smtClean="0">
+                <a:ln>
+                  <a:solidFill>
+                    <a:schemeClr val="tx1">
+                      <a:alpha val="30000"/>
+                    </a:schemeClr>
+                  </a:solidFill>
+                </a:ln>
+                <a:latin typeface="HY중고딕" pitchFamily="18" charset="-127"/>
+                <a:ea typeface="HY중고딕" pitchFamily="18" charset="-127"/>
+              </a:rPr>
+              <a:t>작은 양의 데이터를 넘겨줄 때 참조방식 대신 데이터를 넘겨줄 경우 불필요한 데이터 경쟁을 </a:t>
             </a:r>
             <a:endParaRPr lang="en-US" altLang="ko-KR" sz="1400" dirty="0" smtClean="0">
               <a:ln>
                 <a:solidFill>
-                  <a:schemeClr val="bg1">
-                    <a:lumMod val="85000"/>
+                  <a:schemeClr val="tx1">
                     <a:alpha val="30000"/>
                   </a:schemeClr>
                 </a:solidFill>
               </a:ln>
-              <a:solidFill>
-                <a:schemeClr val="bg1">
-                  <a:lumMod val="85000"/>
-                </a:schemeClr>
-              </a:solidFill>
-              <a:latin typeface="HY헤드라인M" pitchFamily="18" charset="-127"/>
-              <a:ea typeface="HY헤드라인M" pitchFamily="18" charset="-127"/>
-              <a:cs typeface="Segoe UI Black" pitchFamily="34" charset="0"/>
+              <a:latin typeface="HY중고딕" pitchFamily="18" charset="-127"/>
+              <a:ea typeface="HY중고딕" pitchFamily="18" charset="-127"/>
+            </a:endParaRPr>
+          </a:p>
+          <a:p>
+            <a:r>
+              <a:rPr lang="en-US" altLang="ko-KR" sz="1400" dirty="0">
+                <a:ln>
+                  <a:solidFill>
+                    <a:schemeClr val="tx1">
+                      <a:alpha val="30000"/>
+                    </a:schemeClr>
+                  </a:solidFill>
+                </a:ln>
+                <a:latin typeface="HY중고딕" pitchFamily="18" charset="-127"/>
+                <a:ea typeface="HY중고딕" pitchFamily="18" charset="-127"/>
+              </a:rPr>
+              <a:t>	</a:t>
+            </a:r>
+            <a:r>
+              <a:rPr lang="ko-KR" altLang="en-US" sz="1400" dirty="0" smtClean="0">
+                <a:ln>
+                  <a:solidFill>
+                    <a:schemeClr val="tx1">
+                      <a:alpha val="30000"/>
+                    </a:schemeClr>
+                  </a:solidFill>
+                </a:ln>
+                <a:latin typeface="HY중고딕" pitchFamily="18" charset="-127"/>
+                <a:ea typeface="HY중고딕" pitchFamily="18" charset="-127"/>
+              </a:rPr>
+              <a:t>막을 수 있고 메모리의 생명주기도 관리하기 편해진다</a:t>
+            </a:r>
+            <a:r>
+              <a:rPr lang="en-US" altLang="ko-KR" sz="1400" dirty="0" smtClean="0">
+                <a:ln>
+                  <a:solidFill>
+                    <a:schemeClr val="tx1">
+                      <a:alpha val="30000"/>
+                    </a:schemeClr>
+                  </a:solidFill>
+                </a:ln>
+                <a:latin typeface="HY중고딕" pitchFamily="18" charset="-127"/>
+                <a:ea typeface="HY중고딕" pitchFamily="18" charset="-127"/>
+              </a:rPr>
+              <a:t>.</a:t>
+            </a:r>
+          </a:p>
+          <a:p>
+            <a:r>
+              <a:rPr lang="en-US" altLang="ko-KR" sz="1400" dirty="0">
+                <a:ln>
+                  <a:solidFill>
+                    <a:schemeClr val="tx1">
+                      <a:alpha val="30000"/>
+                    </a:schemeClr>
+                  </a:solidFill>
+                </a:ln>
+                <a:latin typeface="HY중고딕" pitchFamily="18" charset="-127"/>
+                <a:ea typeface="HY중고딕" pitchFamily="18" charset="-127"/>
+              </a:rPr>
+              <a:t>	</a:t>
+            </a:r>
+            <a:r>
+              <a:rPr lang="ko-KR" altLang="en-US" sz="1400" dirty="0" smtClean="0">
+                <a:ln>
+                  <a:solidFill>
+                    <a:schemeClr val="tx1">
+                      <a:alpha val="30000"/>
+                    </a:schemeClr>
+                  </a:solidFill>
+                </a:ln>
+                <a:latin typeface="HY중고딕" pitchFamily="18" charset="-127"/>
+                <a:ea typeface="HY중고딕" pitchFamily="18" charset="-127"/>
+              </a:rPr>
+              <a:t>다만 작은 양의 기준이 애매하므로 책에선 </a:t>
+            </a:r>
+            <a:r>
+              <a:rPr lang="en-US" altLang="ko-KR" sz="1400" dirty="0" smtClean="0">
+                <a:ln>
+                  <a:solidFill>
+                    <a:schemeClr val="tx1">
+                      <a:alpha val="30000"/>
+                    </a:schemeClr>
+                  </a:solidFill>
+                </a:ln>
+                <a:latin typeface="HY중고딕" pitchFamily="18" charset="-127"/>
+                <a:ea typeface="HY중고딕" pitchFamily="18" charset="-127"/>
+              </a:rPr>
+              <a:t>2* </a:t>
+            </a:r>
+            <a:r>
+              <a:rPr lang="en-US" altLang="ko-KR" sz="1400" dirty="0" err="1" smtClean="0">
+                <a:ln>
+                  <a:solidFill>
+                    <a:schemeClr val="tx1">
+                      <a:alpha val="30000"/>
+                    </a:schemeClr>
+                  </a:solidFill>
+                </a:ln>
+                <a:latin typeface="HY중고딕" pitchFamily="18" charset="-127"/>
+                <a:ea typeface="HY중고딕" pitchFamily="18" charset="-127"/>
+              </a:rPr>
+              <a:t>sizeof</a:t>
+            </a:r>
+            <a:r>
+              <a:rPr lang="en-US" altLang="ko-KR" sz="1400" dirty="0" smtClean="0">
+                <a:ln>
+                  <a:solidFill>
+                    <a:schemeClr val="tx1">
+                      <a:alpha val="30000"/>
+                    </a:schemeClr>
+                  </a:solidFill>
+                </a:ln>
+                <a:latin typeface="HY중고딕" pitchFamily="18" charset="-127"/>
+                <a:ea typeface="HY중고딕" pitchFamily="18" charset="-127"/>
+              </a:rPr>
+              <a:t>(void*)</a:t>
+            </a:r>
+            <a:r>
+              <a:rPr lang="ko-KR" altLang="en-US" sz="1400" dirty="0" smtClean="0">
+                <a:ln>
+                  <a:solidFill>
+                    <a:schemeClr val="tx1">
+                      <a:alpha val="30000"/>
+                    </a:schemeClr>
+                  </a:solidFill>
+                </a:ln>
+                <a:latin typeface="HY중고딕" pitchFamily="18" charset="-127"/>
+                <a:ea typeface="HY중고딕" pitchFamily="18" charset="-127"/>
+              </a:rPr>
+              <a:t>를 기준으로 이하의 크기면 작은 양</a:t>
+            </a:r>
+            <a:r>
+              <a:rPr lang="en-US" altLang="ko-KR" sz="1400" dirty="0" smtClean="0">
+                <a:ln>
+                  <a:solidFill>
+                    <a:schemeClr val="tx1">
+                      <a:alpha val="30000"/>
+                    </a:schemeClr>
+                  </a:solidFill>
+                </a:ln>
+                <a:latin typeface="HY중고딕" pitchFamily="18" charset="-127"/>
+                <a:ea typeface="HY중고딕" pitchFamily="18" charset="-127"/>
+              </a:rPr>
+              <a:t>	</a:t>
+            </a:r>
+            <a:r>
+              <a:rPr lang="ko-KR" altLang="en-US" sz="1400" dirty="0" smtClean="0">
+                <a:ln>
+                  <a:solidFill>
+                    <a:schemeClr val="tx1">
+                      <a:alpha val="30000"/>
+                    </a:schemeClr>
+                  </a:solidFill>
+                </a:ln>
+                <a:latin typeface="HY중고딕" pitchFamily="18" charset="-127"/>
+                <a:ea typeface="HY중고딕" pitchFamily="18" charset="-127"/>
+              </a:rPr>
+              <a:t>으로 정의한다</a:t>
+            </a:r>
+            <a:r>
+              <a:rPr lang="en-US" altLang="ko-KR" sz="1400" dirty="0" smtClean="0">
+                <a:ln>
+                  <a:solidFill>
+                    <a:schemeClr val="tx1">
+                      <a:alpha val="30000"/>
+                    </a:schemeClr>
+                  </a:solidFill>
+                </a:ln>
+                <a:latin typeface="HY중고딕" pitchFamily="18" charset="-127"/>
+                <a:ea typeface="HY중고딕" pitchFamily="18" charset="-127"/>
+              </a:rPr>
+              <a:t>.</a:t>
+            </a:r>
+            <a:r>
+              <a:rPr lang="ko-KR" altLang="en-US" sz="1400" dirty="0" smtClean="0">
+                <a:ln>
+                  <a:solidFill>
+                    <a:schemeClr val="tx1">
+                      <a:alpha val="30000"/>
+                    </a:schemeClr>
+                  </a:solidFill>
+                </a:ln>
+                <a:latin typeface="HY중고딕" pitchFamily="18" charset="-127"/>
+                <a:ea typeface="HY중고딕" pitchFamily="18" charset="-127"/>
+              </a:rPr>
+              <a:t> </a:t>
+            </a:r>
+            <a:endParaRPr lang="en-US" altLang="ko-KR" sz="1400" dirty="0" smtClean="0">
+              <a:ln>
+                <a:solidFill>
+                  <a:schemeClr val="tx1">
+                    <a:alpha val="30000"/>
+                  </a:schemeClr>
+                </a:solidFill>
+              </a:ln>
+              <a:latin typeface="HY중고딕" pitchFamily="18" charset="-127"/>
+              <a:ea typeface="HY중고딕" pitchFamily="18" charset="-127"/>
             </a:endParaRPr>
           </a:p>
         </p:txBody>
@@ -19118,7 +13909,7 @@
     </p:spTree>
     <p:extLst>
       <p:ext uri="{BB962C8B-B14F-4D97-AF65-F5344CB8AC3E}">
-        <p14:creationId xmlns:p14="http://schemas.microsoft.com/office/powerpoint/2010/main" val="3045306195"/>
+        <p14:creationId xmlns:p14="http://schemas.microsoft.com/office/powerpoint/2010/main" val="3945827488"/>
       </p:ext>
     </p:extLst>
   </p:cSld>
@@ -19127,12 +13918,12 @@
   </p:clrMapOvr>
   <mc:AlternateContent xmlns:mc="http://schemas.openxmlformats.org/markup-compatibility/2006" xmlns:p14="http://schemas.microsoft.com/office/powerpoint/2010/main">
     <mc:Choice Requires="p14">
-      <p:transition spd="med" p14:dur="700" advTm="111">
+      <p:transition spd="med" p14:dur="700">
         <p:fade/>
       </p:transition>
     </mc:Choice>
     <mc:Fallback xmlns="">
-      <p:transition spd="med" advTm="111">
+      <p:transition spd="med">
         <p:fade/>
       </p:transition>
     </mc:Fallback>
